--- a/documentation/ArchitectureDesign.pptx
+++ b/documentation/ArchitectureDesign.pptx
@@ -19,28 +19,32 @@
     <p:sldId id="264" r:id="rId14"/>
     <p:sldId id="265" r:id="rId15"/>
     <p:sldId id="266" r:id="rId16"/>
+    <p:sldId id="267" r:id="rId17"/>
+    <p:sldId id="268" r:id="rId18"/>
+    <p:sldId id="269" r:id="rId19"/>
+    <p:sldId id="270" r:id="rId20"/>
   </p:sldIdLst>
   <p:sldSz cy="5143500" cx="9144000"/>
   <p:notesSz cx="6858000" cy="9144000"/>
   <p:embeddedFontLst>
     <p:embeddedFont>
       <p:font typeface="Roboto Black"/>
-      <p:bold r:id="rId17"/>
-      <p:boldItalic r:id="rId18"/>
+      <p:bold r:id="rId21"/>
+      <p:boldItalic r:id="rId22"/>
     </p:embeddedFont>
     <p:embeddedFont>
       <p:font typeface="Roboto"/>
-      <p:regular r:id="rId19"/>
-      <p:bold r:id="rId20"/>
-      <p:italic r:id="rId21"/>
-      <p:boldItalic r:id="rId22"/>
-    </p:embeddedFont>
-    <p:embeddedFont>
-      <p:font typeface="Roboto Light"/>
       <p:regular r:id="rId23"/>
       <p:bold r:id="rId24"/>
       <p:italic r:id="rId25"/>
       <p:boldItalic r:id="rId26"/>
+    </p:embeddedFont>
+    <p:embeddedFont>
+      <p:font typeface="Roboto Light"/>
+      <p:regular r:id="rId27"/>
+      <p:bold r:id="rId28"/>
+      <p:italic r:id="rId29"/>
+      <p:boldItalic r:id="rId30"/>
     </p:embeddedFont>
   </p:embeddedFontLst>
   <p:defaultTextStyle>
@@ -274,7 +278,7 @@
   </p:defaultTextStyle>
   <p:extLst>
     <p:ext uri="http://customooxmlschemas.google.com/">
-      <go:slidesCustomData xmlns:go="http://customooxmlschemas.google.com/" r:id="rId27" roundtripDataSignature="AMtx7mhk0jeGqSPZuXaX2zIGh3hfmhwM+A=="/>
+      <go:slidesCustomData xmlns:go="http://customooxmlschemas.google.com/" r:id="rId31" roundtripDataSignature="AMtx7miDL1L4ibZJ4SwvgknmmShvazMzEg=="/>
     </p:ext>
   </p:extLst>
 </p:presentation>
@@ -970,6 +974,123 @@
   <p:cSld>
     <p:spTree>
       <p:nvGrpSpPr>
+        <p:cNvPr id="152" name="Shape 152"/>
+        <p:cNvGrpSpPr/>
+        <p:nvPr/>
+      </p:nvGrpSpPr>
+      <p:grpSpPr>
+        <a:xfrm>
+          <a:off x="0" y="0"/>
+          <a:ext cx="0" cy="0"/>
+          <a:chOff x="0" y="0"/>
+          <a:chExt cx="0" cy="0"/>
+        </a:xfrm>
+      </p:grpSpPr>
+      <p:sp>
+        <p:nvSpPr>
+          <p:cNvPr id="153" name="Google Shape;153;p11:notes"/>
+          <p:cNvSpPr/>
+          <p:nvPr>
+            <p:ph idx="2" type="sldImg"/>
+          </p:nvPr>
+        </p:nvSpPr>
+        <p:spPr>
+          <a:xfrm>
+            <a:off x="381000" y="685800"/>
+            <a:ext cx="6096000" cy="3429000"/>
+          </a:xfrm>
+          <a:custGeom>
+            <a:rect b="b" l="l" r="r" t="t"/>
+            <a:pathLst>
+              <a:path extrusionOk="0" h="120000" w="120000">
+                <a:moveTo>
+                  <a:pt x="0" y="0"/>
+                </a:moveTo>
+                <a:lnTo>
+                  <a:pt x="120000" y="0"/>
+                </a:lnTo>
+                <a:lnTo>
+                  <a:pt x="120000" y="120000"/>
+                </a:lnTo>
+                <a:lnTo>
+                  <a:pt x="0" y="120000"/>
+                </a:lnTo>
+                <a:close/>
+              </a:path>
+            </a:pathLst>
+          </a:custGeom>
+          <a:noFill/>
+          <a:ln cap="flat" cmpd="sng" w="9525">
+            <a:solidFill>
+              <a:srgbClr val="000000"/>
+            </a:solidFill>
+            <a:prstDash val="solid"/>
+            <a:round/>
+            <a:headEnd len="sm" w="sm" type="none"/>
+            <a:tailEnd len="sm" w="sm" type="none"/>
+          </a:ln>
+        </p:spPr>
+      </p:sp>
+      <p:sp>
+        <p:nvSpPr>
+          <p:cNvPr id="154" name="Google Shape;154;p11:notes"/>
+          <p:cNvSpPr txBox="1"/>
+          <p:nvPr>
+            <p:ph idx="1" type="body"/>
+          </p:nvPr>
+        </p:nvSpPr>
+        <p:spPr>
+          <a:xfrm>
+            <a:off x="685800" y="4343400"/>
+            <a:ext cx="5486400" cy="4114800"/>
+          </a:xfrm>
+          <a:prstGeom prst="rect">
+            <a:avLst/>
+          </a:prstGeom>
+          <a:noFill/>
+          <a:ln>
+            <a:noFill/>
+          </a:ln>
+        </p:spPr>
+        <p:txBody>
+          <a:bodyPr anchorCtr="0" anchor="t" bIns="91425" lIns="91425" spcFirstLastPara="1" rIns="91425" wrap="square" tIns="91425">
+            <a:noAutofit/>
+          </a:bodyPr>
+          <a:lstStyle/>
+          <a:p>
+            <a:pPr indent="0" lvl="0" marL="0" rtl="0" algn="l">
+              <a:lnSpc>
+                <a:spcPct val="100000"/>
+              </a:lnSpc>
+              <a:spcBef>
+                <a:spcPts val="0"/>
+              </a:spcBef>
+              <a:spcAft>
+                <a:spcPts val="0"/>
+              </a:spcAft>
+              <a:buSzPts val="1100"/>
+              <a:buNone/>
+            </a:pPr>
+            <a:r>
+              <a:t/>
+            </a:r>
+            <a:endParaRPr/>
+          </a:p>
+        </p:txBody>
+      </p:sp>
+    </p:spTree>
+  </p:cSld>
+  <p:clrMapOvr>
+    <a:masterClrMapping/>
+  </p:clrMapOvr>
+</p:notes>
+</file>
+
+<file path=ppt/notesSlides/notesSlide11.xml><?xml version="1.0" encoding="utf-8"?>
+<p:notes xmlns:a="http://schemas.openxmlformats.org/drawingml/2006/main" xmlns:r="http://schemas.openxmlformats.org/officeDocument/2006/relationships" xmlns:mc="http://schemas.openxmlformats.org/markup-compatibility/2006" xmlns:mv="urn:schemas-microsoft-com:mac:vml" xmlns:p="http://schemas.openxmlformats.org/presentationml/2006/main" xmlns:c="http://schemas.openxmlformats.org/drawingml/2006/chart" xmlns:dgm="http://schemas.openxmlformats.org/drawingml/2006/diagram" xmlns:o="urn:schemas-microsoft-com:office:office" xmlns:v="urn:schemas-microsoft-com:vml" xmlns:pvml="urn:schemas-microsoft-com:office:powerpoint" xmlns:com="http://schemas.openxmlformats.org/drawingml/2006/compatibility" xmlns:p14="http://schemas.microsoft.com/office/powerpoint/2010/main" xmlns:p15="http://schemas.microsoft.com/office/powerpoint/2012/main" showMasterPhAnim="0" showMasterSp="0">
+  <p:cSld>
+    <p:spTree>
+      <p:nvGrpSpPr>
         <p:cNvPr id="185" name="Shape 185"/>
         <p:cNvGrpSpPr/>
         <p:nvPr/>
@@ -1082,7 +1203,7 @@
 </p:notes>
 </file>
 
-<file path=ppt/notesSlides/notesSlide11.xml><?xml version="1.0" encoding="utf-8"?>
+<file path=ppt/notesSlides/notesSlide12.xml><?xml version="1.0" encoding="utf-8"?>
 <p:notes xmlns:a="http://schemas.openxmlformats.org/drawingml/2006/main" xmlns:r="http://schemas.openxmlformats.org/officeDocument/2006/relationships" xmlns:mc="http://schemas.openxmlformats.org/markup-compatibility/2006" xmlns:mv="urn:schemas-microsoft-com:mac:vml" xmlns:p="http://schemas.openxmlformats.org/presentationml/2006/main" xmlns:c="http://schemas.openxmlformats.org/drawingml/2006/chart" xmlns:dgm="http://schemas.openxmlformats.org/drawingml/2006/diagram" xmlns:o="urn:schemas-microsoft-com:office:office" xmlns:v="urn:schemas-microsoft-com:vml" xmlns:pvml="urn:schemas-microsoft-com:office:powerpoint" xmlns:com="http://schemas.openxmlformats.org/drawingml/2006/compatibility" xmlns:p14="http://schemas.microsoft.com/office/powerpoint/2010/main" xmlns:p15="http://schemas.microsoft.com/office/powerpoint/2012/main" showMasterPhAnim="0" showMasterSp="0">
   <p:cSld>
     <p:spTree>
@@ -1147,6 +1268,357 @@
       <p:sp>
         <p:nvSpPr>
           <p:cNvPr id="207" name="Google Shape;207;p13:notes"/>
+          <p:cNvSpPr txBox="1"/>
+          <p:nvPr>
+            <p:ph idx="1" type="body"/>
+          </p:nvPr>
+        </p:nvSpPr>
+        <p:spPr>
+          <a:xfrm>
+            <a:off x="685800" y="4343400"/>
+            <a:ext cx="5486400" cy="4114800"/>
+          </a:xfrm>
+          <a:prstGeom prst="rect">
+            <a:avLst/>
+          </a:prstGeom>
+          <a:noFill/>
+          <a:ln>
+            <a:noFill/>
+          </a:ln>
+        </p:spPr>
+        <p:txBody>
+          <a:bodyPr anchorCtr="0" anchor="t" bIns="91425" lIns="91425" spcFirstLastPara="1" rIns="91425" wrap="square" tIns="91425">
+            <a:noAutofit/>
+          </a:bodyPr>
+          <a:lstStyle/>
+          <a:p>
+            <a:pPr indent="0" lvl="0" marL="0" rtl="0" algn="l">
+              <a:lnSpc>
+                <a:spcPct val="100000"/>
+              </a:lnSpc>
+              <a:spcBef>
+                <a:spcPts val="0"/>
+              </a:spcBef>
+              <a:spcAft>
+                <a:spcPts val="0"/>
+              </a:spcAft>
+              <a:buSzPts val="1100"/>
+              <a:buNone/>
+            </a:pPr>
+            <a:r>
+              <a:t/>
+            </a:r>
+            <a:endParaRPr/>
+          </a:p>
+        </p:txBody>
+      </p:sp>
+    </p:spTree>
+  </p:cSld>
+  <p:clrMapOvr>
+    <a:masterClrMapping/>
+  </p:clrMapOvr>
+</p:notes>
+</file>
+
+<file path=ppt/notesSlides/notesSlide13.xml><?xml version="1.0" encoding="utf-8"?>
+<p:notes xmlns:a="http://schemas.openxmlformats.org/drawingml/2006/main" xmlns:r="http://schemas.openxmlformats.org/officeDocument/2006/relationships" xmlns:mc="http://schemas.openxmlformats.org/markup-compatibility/2006" xmlns:mv="urn:schemas-microsoft-com:mac:vml" xmlns:p="http://schemas.openxmlformats.org/presentationml/2006/main" xmlns:c="http://schemas.openxmlformats.org/drawingml/2006/chart" xmlns:dgm="http://schemas.openxmlformats.org/drawingml/2006/diagram" xmlns:o="urn:schemas-microsoft-com:office:office" xmlns:v="urn:schemas-microsoft-com:vml" xmlns:pvml="urn:schemas-microsoft-com:office:powerpoint" xmlns:com="http://schemas.openxmlformats.org/drawingml/2006/compatibility" xmlns:p14="http://schemas.microsoft.com/office/powerpoint/2010/main" xmlns:p15="http://schemas.microsoft.com/office/powerpoint/2012/main" showMasterPhAnim="0" showMasterSp="0">
+  <p:cSld>
+    <p:spTree>
+      <p:nvGrpSpPr>
+        <p:cNvPr id="212" name="Shape 212"/>
+        <p:cNvGrpSpPr/>
+        <p:nvPr/>
+      </p:nvGrpSpPr>
+      <p:grpSpPr>
+        <a:xfrm>
+          <a:off x="0" y="0"/>
+          <a:ext cx="0" cy="0"/>
+          <a:chOff x="0" y="0"/>
+          <a:chExt cx="0" cy="0"/>
+        </a:xfrm>
+      </p:grpSpPr>
+      <p:sp>
+        <p:nvSpPr>
+          <p:cNvPr id="213" name="Google Shape;213;g6176071063_1_0:notes"/>
+          <p:cNvSpPr/>
+          <p:nvPr>
+            <p:ph idx="2" type="sldImg"/>
+          </p:nvPr>
+        </p:nvSpPr>
+        <p:spPr>
+          <a:xfrm>
+            <a:off x="381000" y="685800"/>
+            <a:ext cx="6096000" cy="3429000"/>
+          </a:xfrm>
+          <a:custGeom>
+            <a:rect b="b" l="l" r="r" t="t"/>
+            <a:pathLst>
+              <a:path extrusionOk="0" h="120000" w="120000">
+                <a:moveTo>
+                  <a:pt x="0" y="0"/>
+                </a:moveTo>
+                <a:lnTo>
+                  <a:pt x="120000" y="0"/>
+                </a:lnTo>
+                <a:lnTo>
+                  <a:pt x="120000" y="120000"/>
+                </a:lnTo>
+                <a:lnTo>
+                  <a:pt x="0" y="120000"/>
+                </a:lnTo>
+                <a:close/>
+              </a:path>
+            </a:pathLst>
+          </a:custGeom>
+          <a:noFill/>
+          <a:ln cap="flat" cmpd="sng" w="9525">
+            <a:solidFill>
+              <a:srgbClr val="000000"/>
+            </a:solidFill>
+            <a:prstDash val="solid"/>
+            <a:round/>
+            <a:headEnd len="sm" w="sm" type="none"/>
+            <a:tailEnd len="sm" w="sm" type="none"/>
+          </a:ln>
+        </p:spPr>
+      </p:sp>
+      <p:sp>
+        <p:nvSpPr>
+          <p:cNvPr id="214" name="Google Shape;214;g6176071063_1_0:notes"/>
+          <p:cNvSpPr txBox="1"/>
+          <p:nvPr>
+            <p:ph idx="1" type="body"/>
+          </p:nvPr>
+        </p:nvSpPr>
+        <p:spPr>
+          <a:xfrm>
+            <a:off x="685800" y="4343400"/>
+            <a:ext cx="5486400" cy="4114800"/>
+          </a:xfrm>
+          <a:prstGeom prst="rect">
+            <a:avLst/>
+          </a:prstGeom>
+          <a:noFill/>
+          <a:ln>
+            <a:noFill/>
+          </a:ln>
+        </p:spPr>
+        <p:txBody>
+          <a:bodyPr anchorCtr="0" anchor="t" bIns="91425" lIns="91425" spcFirstLastPara="1" rIns="91425" wrap="square" tIns="91425">
+            <a:noAutofit/>
+          </a:bodyPr>
+          <a:lstStyle/>
+          <a:p>
+            <a:pPr indent="0" lvl="0" marL="0" rtl="0" algn="l">
+              <a:lnSpc>
+                <a:spcPct val="100000"/>
+              </a:lnSpc>
+              <a:spcBef>
+                <a:spcPts val="0"/>
+              </a:spcBef>
+              <a:spcAft>
+                <a:spcPts val="0"/>
+              </a:spcAft>
+              <a:buSzPts val="1100"/>
+              <a:buNone/>
+            </a:pPr>
+            <a:r>
+              <a:t/>
+            </a:r>
+            <a:endParaRPr/>
+          </a:p>
+        </p:txBody>
+      </p:sp>
+    </p:spTree>
+  </p:cSld>
+  <p:clrMapOvr>
+    <a:masterClrMapping/>
+  </p:clrMapOvr>
+</p:notes>
+</file>
+
+<file path=ppt/notesSlides/notesSlide14.xml><?xml version="1.0" encoding="utf-8"?>
+<p:notes xmlns:a="http://schemas.openxmlformats.org/drawingml/2006/main" xmlns:r="http://schemas.openxmlformats.org/officeDocument/2006/relationships" xmlns:mc="http://schemas.openxmlformats.org/markup-compatibility/2006" xmlns:mv="urn:schemas-microsoft-com:mac:vml" xmlns:p="http://schemas.openxmlformats.org/presentationml/2006/main" xmlns:c="http://schemas.openxmlformats.org/drawingml/2006/chart" xmlns:dgm="http://schemas.openxmlformats.org/drawingml/2006/diagram" xmlns:o="urn:schemas-microsoft-com:office:office" xmlns:v="urn:schemas-microsoft-com:vml" xmlns:pvml="urn:schemas-microsoft-com:office:powerpoint" xmlns:com="http://schemas.openxmlformats.org/drawingml/2006/compatibility" xmlns:p14="http://schemas.microsoft.com/office/powerpoint/2010/main" xmlns:p15="http://schemas.microsoft.com/office/powerpoint/2012/main" showMasterPhAnim="0" showMasterSp="0">
+  <p:cSld>
+    <p:spTree>
+      <p:nvGrpSpPr>
+        <p:cNvPr id="219" name="Shape 219"/>
+        <p:cNvGrpSpPr/>
+        <p:nvPr/>
+      </p:nvGrpSpPr>
+      <p:grpSpPr>
+        <a:xfrm>
+          <a:off x="0" y="0"/>
+          <a:ext cx="0" cy="0"/>
+          <a:chOff x="0" y="0"/>
+          <a:chExt cx="0" cy="0"/>
+        </a:xfrm>
+      </p:grpSpPr>
+      <p:sp>
+        <p:nvSpPr>
+          <p:cNvPr id="220" name="Google Shape;220;g6176071063_1_25:notes"/>
+          <p:cNvSpPr/>
+          <p:nvPr>
+            <p:ph idx="2" type="sldImg"/>
+          </p:nvPr>
+        </p:nvSpPr>
+        <p:spPr>
+          <a:xfrm>
+            <a:off x="381000" y="685800"/>
+            <a:ext cx="6096000" cy="3429000"/>
+          </a:xfrm>
+          <a:custGeom>
+            <a:rect b="b" l="l" r="r" t="t"/>
+            <a:pathLst>
+              <a:path extrusionOk="0" h="120000" w="120000">
+                <a:moveTo>
+                  <a:pt x="0" y="0"/>
+                </a:moveTo>
+                <a:lnTo>
+                  <a:pt x="120000" y="0"/>
+                </a:lnTo>
+                <a:lnTo>
+                  <a:pt x="120000" y="120000"/>
+                </a:lnTo>
+                <a:lnTo>
+                  <a:pt x="0" y="120000"/>
+                </a:lnTo>
+                <a:close/>
+              </a:path>
+            </a:pathLst>
+          </a:custGeom>
+          <a:noFill/>
+          <a:ln cap="flat" cmpd="sng" w="9525">
+            <a:solidFill>
+              <a:srgbClr val="000000"/>
+            </a:solidFill>
+            <a:prstDash val="solid"/>
+            <a:round/>
+            <a:headEnd len="sm" w="sm" type="none"/>
+            <a:tailEnd len="sm" w="sm" type="none"/>
+          </a:ln>
+        </p:spPr>
+      </p:sp>
+      <p:sp>
+        <p:nvSpPr>
+          <p:cNvPr id="221" name="Google Shape;221;g6176071063_1_25:notes"/>
+          <p:cNvSpPr txBox="1"/>
+          <p:nvPr>
+            <p:ph idx="1" type="body"/>
+          </p:nvPr>
+        </p:nvSpPr>
+        <p:spPr>
+          <a:xfrm>
+            <a:off x="685800" y="4343400"/>
+            <a:ext cx="5486400" cy="4114800"/>
+          </a:xfrm>
+          <a:prstGeom prst="rect">
+            <a:avLst/>
+          </a:prstGeom>
+          <a:noFill/>
+          <a:ln>
+            <a:noFill/>
+          </a:ln>
+        </p:spPr>
+        <p:txBody>
+          <a:bodyPr anchorCtr="0" anchor="t" bIns="91425" lIns="91425" spcFirstLastPara="1" rIns="91425" wrap="square" tIns="91425">
+            <a:noAutofit/>
+          </a:bodyPr>
+          <a:lstStyle/>
+          <a:p>
+            <a:pPr indent="0" lvl="0" marL="0" rtl="0" algn="l">
+              <a:lnSpc>
+                <a:spcPct val="100000"/>
+              </a:lnSpc>
+              <a:spcBef>
+                <a:spcPts val="0"/>
+              </a:spcBef>
+              <a:spcAft>
+                <a:spcPts val="0"/>
+              </a:spcAft>
+              <a:buSzPts val="1100"/>
+              <a:buNone/>
+            </a:pPr>
+            <a:r>
+              <a:t/>
+            </a:r>
+            <a:endParaRPr/>
+          </a:p>
+        </p:txBody>
+      </p:sp>
+    </p:spTree>
+  </p:cSld>
+  <p:clrMapOvr>
+    <a:masterClrMapping/>
+  </p:clrMapOvr>
+</p:notes>
+</file>
+
+<file path=ppt/notesSlides/notesSlide15.xml><?xml version="1.0" encoding="utf-8"?>
+<p:notes xmlns:a="http://schemas.openxmlformats.org/drawingml/2006/main" xmlns:r="http://schemas.openxmlformats.org/officeDocument/2006/relationships" xmlns:mc="http://schemas.openxmlformats.org/markup-compatibility/2006" xmlns:mv="urn:schemas-microsoft-com:mac:vml" xmlns:p="http://schemas.openxmlformats.org/presentationml/2006/main" xmlns:c="http://schemas.openxmlformats.org/drawingml/2006/chart" xmlns:dgm="http://schemas.openxmlformats.org/drawingml/2006/diagram" xmlns:o="urn:schemas-microsoft-com:office:office" xmlns:v="urn:schemas-microsoft-com:vml" xmlns:pvml="urn:schemas-microsoft-com:office:powerpoint" xmlns:com="http://schemas.openxmlformats.org/drawingml/2006/compatibility" xmlns:p14="http://schemas.microsoft.com/office/powerpoint/2010/main" xmlns:p15="http://schemas.microsoft.com/office/powerpoint/2012/main" showMasterPhAnim="0" showMasterSp="0">
+  <p:cSld>
+    <p:spTree>
+      <p:nvGrpSpPr>
+        <p:cNvPr id="230" name="Shape 230"/>
+        <p:cNvGrpSpPr/>
+        <p:nvPr/>
+      </p:nvGrpSpPr>
+      <p:grpSpPr>
+        <a:xfrm>
+          <a:off x="0" y="0"/>
+          <a:ext cx="0" cy="0"/>
+          <a:chOff x="0" y="0"/>
+          <a:chExt cx="0" cy="0"/>
+        </a:xfrm>
+      </p:grpSpPr>
+      <p:sp>
+        <p:nvSpPr>
+          <p:cNvPr id="231" name="Google Shape;231;g6176071063_1_44:notes"/>
+          <p:cNvSpPr/>
+          <p:nvPr>
+            <p:ph idx="2" type="sldImg"/>
+          </p:nvPr>
+        </p:nvSpPr>
+        <p:spPr>
+          <a:xfrm>
+            <a:off x="381000" y="685800"/>
+            <a:ext cx="6096000" cy="3429000"/>
+          </a:xfrm>
+          <a:custGeom>
+            <a:rect b="b" l="l" r="r" t="t"/>
+            <a:pathLst>
+              <a:path extrusionOk="0" h="120000" w="120000">
+                <a:moveTo>
+                  <a:pt x="0" y="0"/>
+                </a:moveTo>
+                <a:lnTo>
+                  <a:pt x="120000" y="0"/>
+                </a:lnTo>
+                <a:lnTo>
+                  <a:pt x="120000" y="120000"/>
+                </a:lnTo>
+                <a:lnTo>
+                  <a:pt x="0" y="120000"/>
+                </a:lnTo>
+                <a:close/>
+              </a:path>
+            </a:pathLst>
+          </a:custGeom>
+          <a:noFill/>
+          <a:ln cap="flat" cmpd="sng" w="9525">
+            <a:solidFill>
+              <a:srgbClr val="000000"/>
+            </a:solidFill>
+            <a:prstDash val="solid"/>
+            <a:round/>
+            <a:headEnd len="sm" w="sm" type="none"/>
+            <a:tailEnd len="sm" w="sm" type="none"/>
+          </a:ln>
+        </p:spPr>
+      </p:sp>
+      <p:sp>
+        <p:nvSpPr>
+          <p:cNvPr id="232" name="Google Shape;232;g6176071063_1_44:notes"/>
           <p:cNvSpPr txBox="1"/>
           <p:nvPr>
             <p:ph idx="1" type="body"/>
@@ -1569,7 +2041,7 @@
       </p:grpSpPr>
       <p:sp>
         <p:nvSpPr>
-          <p:cNvPr id="94" name="Google Shape;94;p5:notes"/>
+          <p:cNvPr id="94" name="Google Shape;94;p8:notes"/>
           <p:cNvSpPr/>
           <p:nvPr>
             <p:ph idx="2" type="sldImg"/>
@@ -1614,7 +2086,7 @@
       </p:sp>
       <p:sp>
         <p:nvSpPr>
-          <p:cNvPr id="95" name="Google Shape;95;p5:notes"/>
+          <p:cNvPr id="95" name="Google Shape;95;p8:notes"/>
           <p:cNvSpPr txBox="1"/>
           <p:nvPr>
             <p:ph idx="1" type="body"/>
@@ -1672,7 +2144,7 @@
   <p:cSld>
     <p:spTree>
       <p:nvGrpSpPr>
-        <p:cNvPr id="104" name="Shape 104"/>
+        <p:cNvPr id="106" name="Shape 106"/>
         <p:cNvGrpSpPr/>
         <p:nvPr/>
       </p:nvGrpSpPr>
@@ -1686,7 +2158,7 @@
       </p:grpSpPr>
       <p:sp>
         <p:nvSpPr>
-          <p:cNvPr id="105" name="Google Shape;105;p6:notes"/>
+          <p:cNvPr id="107" name="Google Shape;107;p6:notes"/>
           <p:cNvSpPr/>
           <p:nvPr>
             <p:ph idx="2" type="sldImg"/>
@@ -1731,7 +2203,7 @@
       </p:sp>
       <p:sp>
         <p:nvSpPr>
-          <p:cNvPr id="106" name="Google Shape;106;p6:notes"/>
+          <p:cNvPr id="108" name="Google Shape;108;p6:notes"/>
           <p:cNvSpPr txBox="1"/>
           <p:nvPr>
             <p:ph idx="1" type="body"/>
@@ -1789,7 +2261,7 @@
   <p:cSld>
     <p:spTree>
       <p:nvGrpSpPr>
-        <p:cNvPr id="126" name="Shape 126"/>
+        <p:cNvPr id="117" name="Shape 117"/>
         <p:cNvGrpSpPr/>
         <p:nvPr/>
       </p:nvGrpSpPr>
@@ -1803,7 +2275,7 @@
       </p:grpSpPr>
       <p:sp>
         <p:nvSpPr>
-          <p:cNvPr id="127" name="Google Shape;127;p8:notes"/>
+          <p:cNvPr id="118" name="Google Shape;118;p5:notes"/>
           <p:cNvSpPr/>
           <p:nvPr>
             <p:ph idx="2" type="sldImg"/>
@@ -1848,7 +2320,7 @@
       </p:sp>
       <p:sp>
         <p:nvSpPr>
-          <p:cNvPr id="128" name="Google Shape;128;p8:notes"/>
+          <p:cNvPr id="119" name="Google Shape;119;p5:notes"/>
           <p:cNvSpPr txBox="1"/>
           <p:nvPr>
             <p:ph idx="1" type="body"/>
@@ -1906,7 +2378,7 @@
   <p:cSld>
     <p:spTree>
       <p:nvGrpSpPr>
-        <p:cNvPr id="139" name="Shape 139"/>
+        <p:cNvPr id="128" name="Shape 128"/>
         <p:cNvGrpSpPr/>
         <p:nvPr/>
       </p:nvGrpSpPr>
@@ -1920,7 +2392,7 @@
       </p:grpSpPr>
       <p:sp>
         <p:nvSpPr>
-          <p:cNvPr id="140" name="Google Shape;140;p10:notes"/>
+          <p:cNvPr id="129" name="Google Shape;129;p10:notes"/>
           <p:cNvSpPr/>
           <p:nvPr>
             <p:ph idx="2" type="sldImg"/>
@@ -1965,7 +2437,7 @@
       </p:sp>
       <p:sp>
         <p:nvSpPr>
-          <p:cNvPr id="141" name="Google Shape;141;p10:notes"/>
+          <p:cNvPr id="130" name="Google Shape;130;p10:notes"/>
           <p:cNvSpPr txBox="1"/>
           <p:nvPr>
             <p:ph idx="1" type="body"/>
@@ -2023,7 +2495,7 @@
   <p:cSld>
     <p:spTree>
       <p:nvGrpSpPr>
-        <p:cNvPr id="152" name="Shape 152"/>
+        <p:cNvPr id="141" name="Shape 141"/>
         <p:cNvGrpSpPr/>
         <p:nvPr/>
       </p:nvGrpSpPr>
@@ -2037,7 +2509,7 @@
       </p:grpSpPr>
       <p:sp>
         <p:nvSpPr>
-          <p:cNvPr id="153" name="Google Shape;153;p11:notes"/>
+          <p:cNvPr id="142" name="Google Shape;142;g6176071063_0_5:notes"/>
           <p:cNvSpPr/>
           <p:nvPr>
             <p:ph idx="2" type="sldImg"/>
@@ -2082,7 +2554,7 @@
       </p:sp>
       <p:sp>
         <p:nvSpPr>
-          <p:cNvPr id="154" name="Google Shape;154;p11:notes"/>
+          <p:cNvPr id="143" name="Google Shape;143;g6176071063_0_5:notes"/>
           <p:cNvSpPr txBox="1"/>
           <p:nvPr>
             <p:ph idx="1" type="body"/>
@@ -10158,7 +10630,7 @@
             <a:tbl>
               <a:tblPr>
                 <a:noFill/>
-                <a:tableStyleId>{AD800C67-6264-49F5-A087-044EE7C432AC}</a:tableStyleId>
+                <a:tableStyleId>{9951EFF6-31DD-4FAD-840B-583AB0E2091B}</a:tableStyleId>
               </a:tblPr>
               <a:tblGrid>
                 <a:gridCol w="1810525"/>
@@ -10179,6 +10651,11 @@
                         <a:spcAft>
                           <a:spcPts val="0"/>
                         </a:spcAft>
+                        <a:buClr>
+                          <a:srgbClr val="000000"/>
+                        </a:buClr>
+                        <a:buSzPts val="1800"/>
+                        <a:buFont typeface="Arial"/>
                         <a:buNone/>
                       </a:pPr>
                       <a:r>
@@ -10267,6 +10744,11 @@
                         <a:spcAft>
                           <a:spcPts val="0"/>
                         </a:spcAft>
+                        <a:buClr>
+                          <a:srgbClr val="000000"/>
+                        </a:buClr>
+                        <a:buSzPts val="1800"/>
+                        <a:buFont typeface="Arial"/>
                         <a:buNone/>
                       </a:pPr>
                       <a:r>
@@ -10355,6 +10837,11 @@
                         <a:spcAft>
                           <a:spcPts val="0"/>
                         </a:spcAft>
+                        <a:buClr>
+                          <a:srgbClr val="000000"/>
+                        </a:buClr>
+                        <a:buSzPts val="1800"/>
+                        <a:buFont typeface="Arial"/>
                         <a:buNone/>
                       </a:pPr>
                       <a:r>
@@ -10443,6 +10930,11 @@
                         <a:spcAft>
                           <a:spcPts val="0"/>
                         </a:spcAft>
+                        <a:buClr>
+                          <a:srgbClr val="000000"/>
+                        </a:buClr>
+                        <a:buSzPts val="1800"/>
+                        <a:buFont typeface="Arial"/>
                         <a:buNone/>
                       </a:pPr>
                       <a:r>
@@ -10531,6 +11023,11 @@
                         <a:spcAft>
                           <a:spcPts val="0"/>
                         </a:spcAft>
+                        <a:buClr>
+                          <a:srgbClr val="000000"/>
+                        </a:buClr>
+                        <a:buSzPts val="1800"/>
+                        <a:buFont typeface="Arial"/>
                         <a:buNone/>
                       </a:pPr>
                       <a:r>
@@ -10632,36 +11129,56 @@
           </a:bodyPr>
           <a:lstStyle/>
           <a:p>
-            <a:pPr indent="0" lvl="0" marL="0" rtl="0" algn="l">
-              <a:spcBef>
-                <a:spcPts val="0"/>
-              </a:spcBef>
-              <a:spcAft>
-                <a:spcPts val="0"/>
-              </a:spcAft>
+            <a:pPr indent="0" lvl="0" marL="0" marR="0" rtl="0" algn="l">
+              <a:lnSpc>
+                <a:spcPct val="100000"/>
+              </a:lnSpc>
+              <a:spcBef>
+                <a:spcPts val="0"/>
+              </a:spcBef>
+              <a:spcAft>
+                <a:spcPts val="0"/>
+              </a:spcAft>
+              <a:buClr>
+                <a:srgbClr val="000000"/>
+              </a:buClr>
+              <a:buSzPts val="1400"/>
+              <a:buFont typeface="Arial"/>
               <a:buNone/>
             </a:pPr>
             <a:r>
-              <a:rPr lang="en-US">
+              <a:rPr b="0" i="0" lang="en-US" sz="1400" u="none" cap="none" strike="noStrike">
                 <a:solidFill>
                   <a:srgbClr val="FFFFFF"/>
                 </a:solidFill>
+                <a:latin typeface="Arial"/>
+                <a:ea typeface="Arial"/>
+                <a:cs typeface="Arial"/>
+                <a:sym typeface="Arial"/>
               </a:rPr>
               <a:t>Github Repository: </a:t>
             </a:r>
             <a:r>
-              <a:rPr lang="en-US" u="sng">
+              <a:rPr b="0" i="0" lang="en-US" sz="1400" u="sng" cap="none" strike="noStrike">
                 <a:solidFill>
                   <a:srgbClr val="FFFFFF"/>
                 </a:solidFill>
+                <a:latin typeface="Arial"/>
+                <a:ea typeface="Arial"/>
+                <a:cs typeface="Arial"/>
+                <a:sym typeface="Arial"/>
                 <a:hlinkClick r:id="rId3"/>
               </a:rPr>
               <a:t>https://github.com/msalvi96/Prep_Your_Meal</a:t>
             </a:r>
-            <a:endParaRPr>
+            <a:endParaRPr b="0" i="0" sz="1400" u="none" cap="none" strike="noStrike">
               <a:solidFill>
                 <a:srgbClr val="FFFFFF"/>
               </a:solidFill>
+              <a:latin typeface="Arial"/>
+              <a:ea typeface="Arial"/>
+              <a:cs typeface="Arial"/>
+              <a:sym typeface="Arial"/>
             </a:endParaRPr>
           </a:p>
         </p:txBody>
@@ -10675,6 +11192,1870 @@
 </file>
 
 <file path=ppt/slides/slide10.xml><?xml version="1.0" encoding="utf-8"?>
+<p:sld xmlns:a="http://schemas.openxmlformats.org/drawingml/2006/main" xmlns:r="http://schemas.openxmlformats.org/officeDocument/2006/relationships" xmlns:mc="http://schemas.openxmlformats.org/markup-compatibility/2006" xmlns:mv="urn:schemas-microsoft-com:mac:vml" xmlns:p="http://schemas.openxmlformats.org/presentationml/2006/main" xmlns:c="http://schemas.openxmlformats.org/drawingml/2006/chart" xmlns:dgm="http://schemas.openxmlformats.org/drawingml/2006/diagram" xmlns:o="urn:schemas-microsoft-com:office:office" xmlns:v="urn:schemas-microsoft-com:vml" xmlns:pvml="urn:schemas-microsoft-com:office:powerpoint" xmlns:com="http://schemas.openxmlformats.org/drawingml/2006/compatibility" xmlns:p14="http://schemas.microsoft.com/office/powerpoint/2010/main" xmlns:p15="http://schemas.microsoft.com/office/powerpoint/2012/main">
+  <p:cSld>
+    <p:spTree>
+      <p:nvGrpSpPr>
+        <p:cNvPr id="155" name="Shape 155"/>
+        <p:cNvGrpSpPr/>
+        <p:nvPr/>
+      </p:nvGrpSpPr>
+      <p:grpSpPr>
+        <a:xfrm>
+          <a:off x="0" y="0"/>
+          <a:ext cx="0" cy="0"/>
+          <a:chOff x="0" y="0"/>
+          <a:chExt cx="0" cy="0"/>
+        </a:xfrm>
+      </p:grpSpPr>
+      <p:sp>
+        <p:nvSpPr>
+          <p:cNvPr id="156" name="Google Shape;156;p11"/>
+          <p:cNvSpPr txBox="1"/>
+          <p:nvPr/>
+        </p:nvSpPr>
+        <p:spPr>
+          <a:xfrm>
+            <a:off x="7311426" y="461650"/>
+            <a:ext cx="863100" cy="889200"/>
+          </a:xfrm>
+          <a:prstGeom prst="rect">
+            <a:avLst/>
+          </a:prstGeom>
+          <a:noFill/>
+          <a:ln>
+            <a:noFill/>
+          </a:ln>
+        </p:spPr>
+        <p:txBody>
+          <a:bodyPr anchorCtr="0" anchor="ctr" bIns="91425" lIns="91425" spcFirstLastPara="1" rIns="91425" wrap="square" tIns="91425">
+            <a:noAutofit/>
+          </a:bodyPr>
+          <a:lstStyle/>
+          <a:p>
+            <a:pPr indent="0" lvl="0" marL="0" marR="0" rtl="0" algn="ctr">
+              <a:lnSpc>
+                <a:spcPct val="100000"/>
+              </a:lnSpc>
+              <a:spcBef>
+                <a:spcPts val="0"/>
+              </a:spcBef>
+              <a:spcAft>
+                <a:spcPts val="0"/>
+              </a:spcAft>
+              <a:buClr>
+                <a:srgbClr val="000000"/>
+              </a:buClr>
+              <a:buSzPts val="6000"/>
+              <a:buFont typeface="Arial"/>
+              <a:buNone/>
+            </a:pPr>
+            <a:r>
+              <a:rPr b="0" i="0" lang="en-US" sz="6000" u="none" cap="none" strike="noStrike">
+                <a:solidFill>
+                  <a:srgbClr val="FFFFFF"/>
+                </a:solidFill>
+                <a:latin typeface="Roboto Black"/>
+                <a:ea typeface="Roboto Black"/>
+                <a:cs typeface="Roboto Black"/>
+                <a:sym typeface="Roboto Black"/>
+              </a:rPr>
+              <a:t>B</a:t>
+            </a:r>
+            <a:endParaRPr b="0" i="0" sz="6000" u="none" cap="none" strike="noStrike">
+              <a:solidFill>
+                <a:srgbClr val="FFFFFF"/>
+              </a:solidFill>
+              <a:latin typeface="Roboto Black"/>
+              <a:ea typeface="Roboto Black"/>
+              <a:cs typeface="Roboto Black"/>
+              <a:sym typeface="Roboto Black"/>
+            </a:endParaRPr>
+          </a:p>
+        </p:txBody>
+      </p:sp>
+      <p:sp>
+        <p:nvSpPr>
+          <p:cNvPr id="157" name="Google Shape;157;p11"/>
+          <p:cNvSpPr txBox="1"/>
+          <p:nvPr/>
+        </p:nvSpPr>
+        <p:spPr>
+          <a:xfrm>
+            <a:off x="4668600" y="911625"/>
+            <a:ext cx="1667400" cy="279300"/>
+          </a:xfrm>
+          <a:prstGeom prst="rect">
+            <a:avLst/>
+          </a:prstGeom>
+          <a:noFill/>
+          <a:ln>
+            <a:noFill/>
+          </a:ln>
+        </p:spPr>
+        <p:txBody>
+          <a:bodyPr anchorCtr="0" anchor="ctr" bIns="91425" lIns="91425" spcFirstLastPara="1" rIns="91425" wrap="square" tIns="91425">
+            <a:noAutofit/>
+          </a:bodyPr>
+          <a:lstStyle/>
+          <a:p>
+            <a:pPr indent="0" lvl="0" marL="0" marR="0" rtl="0" algn="r">
+              <a:lnSpc>
+                <a:spcPct val="100000"/>
+              </a:lnSpc>
+              <a:spcBef>
+                <a:spcPts val="0"/>
+              </a:spcBef>
+              <a:spcAft>
+                <a:spcPts val="0"/>
+              </a:spcAft>
+              <a:buClr>
+                <a:srgbClr val="000000"/>
+              </a:buClr>
+              <a:buSzPts val="1800"/>
+              <a:buFont typeface="Arial"/>
+              <a:buNone/>
+            </a:pPr>
+            <a:r>
+              <a:rPr b="1" i="0" lang="en-US" sz="1800" u="none" cap="none" strike="noStrike">
+                <a:solidFill>
+                  <a:srgbClr val="F04B4C"/>
+                </a:solidFill>
+                <a:latin typeface="Roboto"/>
+                <a:ea typeface="Roboto"/>
+                <a:cs typeface="Roboto"/>
+                <a:sym typeface="Roboto"/>
+              </a:rPr>
+              <a:t>COLOR GUIDE</a:t>
+            </a:r>
+            <a:endParaRPr b="1" i="0" sz="1800" u="none" cap="none" strike="noStrike">
+              <a:solidFill>
+                <a:srgbClr val="F04B4C"/>
+              </a:solidFill>
+              <a:latin typeface="Roboto"/>
+              <a:ea typeface="Roboto"/>
+              <a:cs typeface="Roboto"/>
+              <a:sym typeface="Roboto"/>
+            </a:endParaRPr>
+          </a:p>
+        </p:txBody>
+      </p:sp>
+      <p:cxnSp>
+        <p:nvCxnSpPr>
+          <p:cNvPr id="158" name="Google Shape;158;p11"/>
+          <p:cNvCxnSpPr/>
+          <p:nvPr/>
+        </p:nvCxnSpPr>
+        <p:spPr>
+          <a:xfrm rot="10800000">
+            <a:off x="925550" y="1420150"/>
+            <a:ext cx="7157100" cy="0"/>
+          </a:xfrm>
+          <a:prstGeom prst="straightConnector1">
+            <a:avLst/>
+          </a:prstGeom>
+          <a:noFill/>
+          <a:ln cap="flat" cmpd="sng" w="9525">
+            <a:solidFill>
+              <a:srgbClr val="CCCCCC"/>
+            </a:solidFill>
+            <a:prstDash val="solid"/>
+            <a:round/>
+            <a:headEnd len="sm" w="sm" type="none"/>
+            <a:tailEnd len="sm" w="sm" type="none"/>
+          </a:ln>
+        </p:spPr>
+      </p:cxnSp>
+      <p:sp>
+        <p:nvSpPr>
+          <p:cNvPr id="159" name="Google Shape;159;p11"/>
+          <p:cNvSpPr txBox="1"/>
+          <p:nvPr/>
+        </p:nvSpPr>
+        <p:spPr>
+          <a:xfrm>
+            <a:off x="840774" y="1837075"/>
+            <a:ext cx="7241875" cy="508500"/>
+          </a:xfrm>
+          <a:prstGeom prst="rect">
+            <a:avLst/>
+          </a:prstGeom>
+          <a:noFill/>
+          <a:ln>
+            <a:noFill/>
+          </a:ln>
+        </p:spPr>
+        <p:txBody>
+          <a:bodyPr anchorCtr="0" anchor="ctr" bIns="91425" lIns="91425" spcFirstLastPara="1" rIns="91425" wrap="square" tIns="91425">
+            <a:noAutofit/>
+          </a:bodyPr>
+          <a:lstStyle/>
+          <a:p>
+            <a:pPr indent="0" lvl="0" marL="0" marR="0" rtl="0" algn="l">
+              <a:lnSpc>
+                <a:spcPct val="100000"/>
+              </a:lnSpc>
+              <a:spcBef>
+                <a:spcPts val="0"/>
+              </a:spcBef>
+              <a:spcAft>
+                <a:spcPts val="0"/>
+              </a:spcAft>
+              <a:buClr>
+                <a:srgbClr val="000000"/>
+              </a:buClr>
+              <a:buSzPts val="1000"/>
+              <a:buFont typeface="Arial"/>
+              <a:buNone/>
+            </a:pPr>
+            <a:r>
+              <a:rPr b="0" i="0" lang="en-US" sz="1000" u="none" cap="none" strike="noStrike">
+                <a:solidFill>
+                  <a:srgbClr val="B7B7B7"/>
+                </a:solidFill>
+                <a:latin typeface="Arial"/>
+                <a:ea typeface="Arial"/>
+                <a:cs typeface="Arial"/>
+                <a:sym typeface="Arial"/>
+              </a:rPr>
+              <a:t>Below are the color combinations we intend to use for our web app and any other communication to keep a consistent brand.</a:t>
+            </a:r>
+            <a:endParaRPr b="0" i="0" sz="1000" u="none" cap="none" strike="noStrike">
+              <a:solidFill>
+                <a:srgbClr val="B7B7B7"/>
+              </a:solidFill>
+              <a:latin typeface="Arial"/>
+              <a:ea typeface="Arial"/>
+              <a:cs typeface="Arial"/>
+              <a:sym typeface="Arial"/>
+            </a:endParaRPr>
+          </a:p>
+        </p:txBody>
+      </p:sp>
+      <p:sp>
+        <p:nvSpPr>
+          <p:cNvPr id="160" name="Google Shape;160;p11"/>
+          <p:cNvSpPr txBox="1"/>
+          <p:nvPr/>
+        </p:nvSpPr>
+        <p:spPr>
+          <a:xfrm>
+            <a:off x="840775" y="1547363"/>
+            <a:ext cx="2381100" cy="233100"/>
+          </a:xfrm>
+          <a:prstGeom prst="rect">
+            <a:avLst/>
+          </a:prstGeom>
+          <a:noFill/>
+          <a:ln>
+            <a:noFill/>
+          </a:ln>
+        </p:spPr>
+        <p:txBody>
+          <a:bodyPr anchorCtr="0" anchor="ctr" bIns="91425" lIns="91425" spcFirstLastPara="1" rIns="91425" wrap="square" tIns="91425">
+            <a:noAutofit/>
+          </a:bodyPr>
+          <a:lstStyle/>
+          <a:p>
+            <a:pPr indent="0" lvl="0" marL="0" marR="0" rtl="0" algn="l">
+              <a:lnSpc>
+                <a:spcPct val="100000"/>
+              </a:lnSpc>
+              <a:spcBef>
+                <a:spcPts val="0"/>
+              </a:spcBef>
+              <a:spcAft>
+                <a:spcPts val="0"/>
+              </a:spcAft>
+              <a:buClr>
+                <a:srgbClr val="000000"/>
+              </a:buClr>
+              <a:buSzPts val="1000"/>
+              <a:buFont typeface="Arial"/>
+              <a:buNone/>
+            </a:pPr>
+            <a:r>
+              <a:rPr b="1" i="0" lang="en-US" sz="1000" u="none" cap="none" strike="noStrike">
+                <a:solidFill>
+                  <a:srgbClr val="2F475B"/>
+                </a:solidFill>
+                <a:latin typeface="Arial"/>
+                <a:ea typeface="Arial"/>
+                <a:cs typeface="Arial"/>
+                <a:sym typeface="Arial"/>
+              </a:rPr>
+              <a:t>Color combinations</a:t>
+            </a:r>
+            <a:endParaRPr b="1" i="0" sz="1000" u="none" cap="none" strike="noStrike">
+              <a:solidFill>
+                <a:srgbClr val="2F475B"/>
+              </a:solidFill>
+              <a:latin typeface="Arial"/>
+              <a:ea typeface="Arial"/>
+              <a:cs typeface="Arial"/>
+              <a:sym typeface="Arial"/>
+            </a:endParaRPr>
+          </a:p>
+        </p:txBody>
+      </p:sp>
+      <p:sp>
+        <p:nvSpPr>
+          <p:cNvPr id="161" name="Google Shape;161;p11"/>
+          <p:cNvSpPr/>
+          <p:nvPr/>
+        </p:nvSpPr>
+        <p:spPr>
+          <a:xfrm flipH="1">
+            <a:off x="7879200" y="3878825"/>
+            <a:ext cx="1264800" cy="1264800"/>
+          </a:xfrm>
+          <a:prstGeom prst="rtTriangle">
+            <a:avLst/>
+          </a:prstGeom>
+          <a:solidFill>
+            <a:srgbClr val="2F475B"/>
+          </a:solidFill>
+          <a:ln>
+            <a:noFill/>
+          </a:ln>
+        </p:spPr>
+        <p:txBody>
+          <a:bodyPr anchorCtr="0" anchor="ctr" bIns="91425" lIns="91425" spcFirstLastPara="1" rIns="91425" wrap="square" tIns="91425">
+            <a:noAutofit/>
+          </a:bodyPr>
+          <a:lstStyle/>
+          <a:p>
+            <a:pPr indent="0" lvl="0" marL="0" marR="0" rtl="0" algn="l">
+              <a:lnSpc>
+                <a:spcPct val="100000"/>
+              </a:lnSpc>
+              <a:spcBef>
+                <a:spcPts val="0"/>
+              </a:spcBef>
+              <a:spcAft>
+                <a:spcPts val="0"/>
+              </a:spcAft>
+              <a:buClr>
+                <a:srgbClr val="000000"/>
+              </a:buClr>
+              <a:buSzPts val="1400"/>
+              <a:buFont typeface="Arial"/>
+              <a:buNone/>
+            </a:pPr>
+            <a:r>
+              <a:t/>
+            </a:r>
+            <a:endParaRPr b="0" i="0" sz="1400" u="none" cap="none" strike="noStrike">
+              <a:solidFill>
+                <a:srgbClr val="000000"/>
+              </a:solidFill>
+              <a:latin typeface="Arial"/>
+              <a:ea typeface="Arial"/>
+              <a:cs typeface="Arial"/>
+              <a:sym typeface="Arial"/>
+            </a:endParaRPr>
+          </a:p>
+        </p:txBody>
+      </p:sp>
+      <p:sp>
+        <p:nvSpPr>
+          <p:cNvPr id="162" name="Google Shape;162;p11"/>
+          <p:cNvSpPr/>
+          <p:nvPr/>
+        </p:nvSpPr>
+        <p:spPr>
+          <a:xfrm rot="5400000">
+            <a:off x="0" y="0"/>
+            <a:ext cx="1179900" cy="1179900"/>
+          </a:xfrm>
+          <a:prstGeom prst="rtTriangle">
+            <a:avLst/>
+          </a:prstGeom>
+          <a:solidFill>
+            <a:srgbClr val="B7B7B7"/>
+          </a:solidFill>
+          <a:ln>
+            <a:noFill/>
+          </a:ln>
+        </p:spPr>
+        <p:txBody>
+          <a:bodyPr anchorCtr="0" anchor="ctr" bIns="91425" lIns="91425" spcFirstLastPara="1" rIns="91425" wrap="square" tIns="91425">
+            <a:noAutofit/>
+          </a:bodyPr>
+          <a:lstStyle/>
+          <a:p>
+            <a:pPr indent="0" lvl="0" marL="0" marR="0" rtl="0" algn="l">
+              <a:lnSpc>
+                <a:spcPct val="100000"/>
+              </a:lnSpc>
+              <a:spcBef>
+                <a:spcPts val="0"/>
+              </a:spcBef>
+              <a:spcAft>
+                <a:spcPts val="0"/>
+              </a:spcAft>
+              <a:buClr>
+                <a:srgbClr val="000000"/>
+              </a:buClr>
+              <a:buSzPts val="1400"/>
+              <a:buFont typeface="Arial"/>
+              <a:buNone/>
+            </a:pPr>
+            <a:r>
+              <a:t/>
+            </a:r>
+            <a:endParaRPr b="0" i="0" sz="1400" u="none" cap="none" strike="noStrike">
+              <a:solidFill>
+                <a:srgbClr val="000000"/>
+              </a:solidFill>
+              <a:latin typeface="Arial"/>
+              <a:ea typeface="Arial"/>
+              <a:cs typeface="Arial"/>
+              <a:sym typeface="Arial"/>
+            </a:endParaRPr>
+          </a:p>
+        </p:txBody>
+      </p:sp>
+      <p:sp>
+        <p:nvSpPr>
+          <p:cNvPr id="163" name="Google Shape;163;p11"/>
+          <p:cNvSpPr txBox="1"/>
+          <p:nvPr/>
+        </p:nvSpPr>
+        <p:spPr>
+          <a:xfrm>
+            <a:off x="7108600" y="842350"/>
+            <a:ext cx="493500" cy="508500"/>
+          </a:xfrm>
+          <a:prstGeom prst="rect">
+            <a:avLst/>
+          </a:prstGeom>
+          <a:noFill/>
+          <a:ln>
+            <a:noFill/>
+          </a:ln>
+        </p:spPr>
+        <p:txBody>
+          <a:bodyPr anchorCtr="0" anchor="b" bIns="91425" lIns="91425" spcFirstLastPara="1" rIns="91425" wrap="square" tIns="91425">
+            <a:noAutofit/>
+          </a:bodyPr>
+          <a:lstStyle/>
+          <a:p>
+            <a:pPr indent="0" lvl="0" marL="0" marR="0" rtl="0" algn="ctr">
+              <a:lnSpc>
+                <a:spcPct val="100000"/>
+              </a:lnSpc>
+              <a:spcBef>
+                <a:spcPts val="0"/>
+              </a:spcBef>
+              <a:spcAft>
+                <a:spcPts val="0"/>
+              </a:spcAft>
+              <a:buClr>
+                <a:srgbClr val="000000"/>
+              </a:buClr>
+              <a:buSzPts val="2400"/>
+              <a:buFont typeface="Arial"/>
+              <a:buNone/>
+            </a:pPr>
+            <a:r>
+              <a:rPr b="0" i="0" lang="en-US" sz="2400" u="none" cap="none" strike="noStrike">
+                <a:solidFill>
+                  <a:srgbClr val="F04B4C"/>
+                </a:solidFill>
+                <a:latin typeface="Roboto Black"/>
+                <a:ea typeface="Roboto Black"/>
+                <a:cs typeface="Roboto Black"/>
+                <a:sym typeface="Roboto Black"/>
+              </a:rPr>
+              <a:t>7</a:t>
+            </a:r>
+            <a:endParaRPr b="0" i="0" sz="2400" u="none" cap="none" strike="noStrike">
+              <a:solidFill>
+                <a:srgbClr val="F04B4C"/>
+              </a:solidFill>
+              <a:latin typeface="Roboto Black"/>
+              <a:ea typeface="Roboto Black"/>
+              <a:cs typeface="Roboto Black"/>
+              <a:sym typeface="Roboto Black"/>
+            </a:endParaRPr>
+          </a:p>
+        </p:txBody>
+      </p:sp>
+      <p:sp>
+        <p:nvSpPr>
+          <p:cNvPr id="164" name="Google Shape;164;p11"/>
+          <p:cNvSpPr/>
+          <p:nvPr/>
+        </p:nvSpPr>
+        <p:spPr>
+          <a:xfrm>
+            <a:off x="1144575" y="2996851"/>
+            <a:ext cx="650100" cy="845400"/>
+          </a:xfrm>
+          <a:prstGeom prst="rect">
+            <a:avLst/>
+          </a:prstGeom>
+          <a:solidFill>
+            <a:srgbClr val="2F475B"/>
+          </a:solidFill>
+          <a:ln>
+            <a:noFill/>
+          </a:ln>
+        </p:spPr>
+        <p:txBody>
+          <a:bodyPr anchorCtr="0" anchor="ctr" bIns="91425" lIns="91425" spcFirstLastPara="1" rIns="91425" wrap="square" tIns="91425">
+            <a:noAutofit/>
+          </a:bodyPr>
+          <a:lstStyle/>
+          <a:p>
+            <a:pPr indent="0" lvl="0" marL="0" marR="0" rtl="0" algn="l">
+              <a:lnSpc>
+                <a:spcPct val="100000"/>
+              </a:lnSpc>
+              <a:spcBef>
+                <a:spcPts val="0"/>
+              </a:spcBef>
+              <a:spcAft>
+                <a:spcPts val="0"/>
+              </a:spcAft>
+              <a:buClr>
+                <a:srgbClr val="000000"/>
+              </a:buClr>
+              <a:buSzPts val="1400"/>
+              <a:buFont typeface="Arial"/>
+              <a:buNone/>
+            </a:pPr>
+            <a:r>
+              <a:t/>
+            </a:r>
+            <a:endParaRPr b="0" i="0" sz="1400" u="none" cap="none" strike="noStrike">
+              <a:solidFill>
+                <a:srgbClr val="000000"/>
+              </a:solidFill>
+              <a:latin typeface="Arial"/>
+              <a:ea typeface="Arial"/>
+              <a:cs typeface="Arial"/>
+              <a:sym typeface="Arial"/>
+            </a:endParaRPr>
+          </a:p>
+        </p:txBody>
+      </p:sp>
+      <p:sp>
+        <p:nvSpPr>
+          <p:cNvPr id="165" name="Google Shape;165;p11"/>
+          <p:cNvSpPr txBox="1"/>
+          <p:nvPr/>
+        </p:nvSpPr>
+        <p:spPr>
+          <a:xfrm>
+            <a:off x="1077525" y="2588340"/>
+            <a:ext cx="678300" cy="233100"/>
+          </a:xfrm>
+          <a:prstGeom prst="rect">
+            <a:avLst/>
+          </a:prstGeom>
+          <a:noFill/>
+          <a:ln>
+            <a:noFill/>
+          </a:ln>
+        </p:spPr>
+        <p:txBody>
+          <a:bodyPr anchorCtr="0" anchor="ctr" bIns="91425" lIns="91425" spcFirstLastPara="1" rIns="91425" wrap="square" tIns="91425">
+            <a:noAutofit/>
+          </a:bodyPr>
+          <a:lstStyle/>
+          <a:p>
+            <a:pPr indent="0" lvl="0" marL="0" marR="0" rtl="0" algn="l">
+              <a:lnSpc>
+                <a:spcPct val="100000"/>
+              </a:lnSpc>
+              <a:spcBef>
+                <a:spcPts val="0"/>
+              </a:spcBef>
+              <a:spcAft>
+                <a:spcPts val="0"/>
+              </a:spcAft>
+              <a:buClr>
+                <a:srgbClr val="000000"/>
+              </a:buClr>
+              <a:buSzPts val="1000"/>
+              <a:buFont typeface="Arial"/>
+              <a:buNone/>
+            </a:pPr>
+            <a:r>
+              <a:rPr b="1" i="0" lang="en-US" sz="1000" u="none" cap="none" strike="noStrike">
+                <a:solidFill>
+                  <a:srgbClr val="2F475B"/>
+                </a:solidFill>
+                <a:latin typeface="Arial"/>
+                <a:ea typeface="Arial"/>
+                <a:cs typeface="Arial"/>
+                <a:sym typeface="Arial"/>
+              </a:rPr>
+              <a:t>Primary</a:t>
+            </a:r>
+            <a:endParaRPr b="1" i="0" sz="1000" u="none" cap="none" strike="noStrike">
+              <a:solidFill>
+                <a:srgbClr val="2F475B"/>
+              </a:solidFill>
+              <a:latin typeface="Arial"/>
+              <a:ea typeface="Arial"/>
+              <a:cs typeface="Arial"/>
+              <a:sym typeface="Arial"/>
+            </a:endParaRPr>
+          </a:p>
+        </p:txBody>
+      </p:sp>
+      <p:sp>
+        <p:nvSpPr>
+          <p:cNvPr id="166" name="Google Shape;166;p11"/>
+          <p:cNvSpPr txBox="1"/>
+          <p:nvPr/>
+        </p:nvSpPr>
+        <p:spPr>
+          <a:xfrm>
+            <a:off x="1077525" y="4007201"/>
+            <a:ext cx="784200" cy="201900"/>
+          </a:xfrm>
+          <a:prstGeom prst="rect">
+            <a:avLst/>
+          </a:prstGeom>
+          <a:noFill/>
+          <a:ln>
+            <a:noFill/>
+          </a:ln>
+        </p:spPr>
+        <p:txBody>
+          <a:bodyPr anchorCtr="0" anchor="ctr" bIns="91425" lIns="91425" spcFirstLastPara="1" rIns="91425" wrap="square" tIns="91425">
+            <a:noAutofit/>
+          </a:bodyPr>
+          <a:lstStyle/>
+          <a:p>
+            <a:pPr indent="0" lvl="0" marL="0" marR="0" rtl="0" algn="ctr">
+              <a:lnSpc>
+                <a:spcPct val="100000"/>
+              </a:lnSpc>
+              <a:spcBef>
+                <a:spcPts val="0"/>
+              </a:spcBef>
+              <a:spcAft>
+                <a:spcPts val="0"/>
+              </a:spcAft>
+              <a:buClr>
+                <a:srgbClr val="000000"/>
+              </a:buClr>
+              <a:buSzPts val="1000"/>
+              <a:buFont typeface="Arial"/>
+              <a:buNone/>
+            </a:pPr>
+            <a:r>
+              <a:rPr b="0" i="0" lang="en-US" sz="1000" u="none" cap="none" strike="noStrike">
+                <a:solidFill>
+                  <a:srgbClr val="B7B7B7"/>
+                </a:solidFill>
+                <a:latin typeface="Arial"/>
+                <a:ea typeface="Arial"/>
+                <a:cs typeface="Arial"/>
+                <a:sym typeface="Arial"/>
+              </a:rPr>
+              <a:t>#2e475b</a:t>
+            </a:r>
+            <a:endParaRPr b="0" i="0" sz="1000" u="none" cap="none" strike="noStrike">
+              <a:solidFill>
+                <a:srgbClr val="B7B7B7"/>
+              </a:solidFill>
+              <a:latin typeface="Arial"/>
+              <a:ea typeface="Arial"/>
+              <a:cs typeface="Arial"/>
+              <a:sym typeface="Arial"/>
+            </a:endParaRPr>
+          </a:p>
+        </p:txBody>
+      </p:sp>
+      <p:sp>
+        <p:nvSpPr>
+          <p:cNvPr id="167" name="Google Shape;167;p11"/>
+          <p:cNvSpPr txBox="1"/>
+          <p:nvPr/>
+        </p:nvSpPr>
+        <p:spPr>
+          <a:xfrm>
+            <a:off x="2042475" y="2977951"/>
+            <a:ext cx="863100" cy="233100"/>
+          </a:xfrm>
+          <a:prstGeom prst="rect">
+            <a:avLst/>
+          </a:prstGeom>
+          <a:noFill/>
+          <a:ln>
+            <a:noFill/>
+          </a:ln>
+        </p:spPr>
+        <p:txBody>
+          <a:bodyPr anchorCtr="0" anchor="ctr" bIns="91425" lIns="91425" spcFirstLastPara="1" rIns="91425" wrap="square" tIns="91425">
+            <a:noAutofit/>
+          </a:bodyPr>
+          <a:lstStyle/>
+          <a:p>
+            <a:pPr indent="0" lvl="0" marL="0" marR="0" rtl="0" algn="l">
+              <a:lnSpc>
+                <a:spcPct val="100000"/>
+              </a:lnSpc>
+              <a:spcBef>
+                <a:spcPts val="0"/>
+              </a:spcBef>
+              <a:spcAft>
+                <a:spcPts val="0"/>
+              </a:spcAft>
+              <a:buClr>
+                <a:srgbClr val="000000"/>
+              </a:buClr>
+              <a:buSzPts val="1000"/>
+              <a:buFont typeface="Arial"/>
+              <a:buNone/>
+            </a:pPr>
+            <a:r>
+              <a:rPr b="1" i="0" lang="en-US" sz="1000" u="none" cap="none" strike="noStrike">
+                <a:solidFill>
+                  <a:srgbClr val="2F475B"/>
+                </a:solidFill>
+                <a:latin typeface="Arial"/>
+                <a:ea typeface="Arial"/>
+                <a:cs typeface="Arial"/>
+                <a:sym typeface="Arial"/>
+              </a:rPr>
+              <a:t>C: 86 %</a:t>
+            </a:r>
+            <a:endParaRPr b="1" i="0" sz="1000" u="none" cap="none" strike="noStrike">
+              <a:solidFill>
+                <a:srgbClr val="2F475B"/>
+              </a:solidFill>
+              <a:latin typeface="Arial"/>
+              <a:ea typeface="Arial"/>
+              <a:cs typeface="Arial"/>
+              <a:sym typeface="Arial"/>
+            </a:endParaRPr>
+          </a:p>
+        </p:txBody>
+      </p:sp>
+      <p:sp>
+        <p:nvSpPr>
+          <p:cNvPr id="168" name="Google Shape;168;p11"/>
+          <p:cNvSpPr txBox="1"/>
+          <p:nvPr/>
+        </p:nvSpPr>
+        <p:spPr>
+          <a:xfrm>
+            <a:off x="2042475" y="3186451"/>
+            <a:ext cx="863100" cy="233100"/>
+          </a:xfrm>
+          <a:prstGeom prst="rect">
+            <a:avLst/>
+          </a:prstGeom>
+          <a:noFill/>
+          <a:ln>
+            <a:noFill/>
+          </a:ln>
+        </p:spPr>
+        <p:txBody>
+          <a:bodyPr anchorCtr="0" anchor="ctr" bIns="91425" lIns="91425" spcFirstLastPara="1" rIns="91425" wrap="square" tIns="91425">
+            <a:noAutofit/>
+          </a:bodyPr>
+          <a:lstStyle/>
+          <a:p>
+            <a:pPr indent="0" lvl="0" marL="0" marR="0" rtl="0" algn="l">
+              <a:lnSpc>
+                <a:spcPct val="100000"/>
+              </a:lnSpc>
+              <a:spcBef>
+                <a:spcPts val="0"/>
+              </a:spcBef>
+              <a:spcAft>
+                <a:spcPts val="0"/>
+              </a:spcAft>
+              <a:buClr>
+                <a:srgbClr val="000000"/>
+              </a:buClr>
+              <a:buSzPts val="1000"/>
+              <a:buFont typeface="Arial"/>
+              <a:buNone/>
+            </a:pPr>
+            <a:r>
+              <a:rPr b="1" i="0" lang="en-US" sz="1000" u="none" cap="none" strike="noStrike">
+                <a:solidFill>
+                  <a:srgbClr val="2F475B"/>
+                </a:solidFill>
+                <a:latin typeface="Arial"/>
+                <a:ea typeface="Arial"/>
+                <a:cs typeface="Arial"/>
+                <a:sym typeface="Arial"/>
+              </a:rPr>
+              <a:t>M: 66%</a:t>
+            </a:r>
+            <a:endParaRPr b="1" i="0" sz="1000" u="none" cap="none" strike="noStrike">
+              <a:solidFill>
+                <a:srgbClr val="2F475B"/>
+              </a:solidFill>
+              <a:latin typeface="Arial"/>
+              <a:ea typeface="Arial"/>
+              <a:cs typeface="Arial"/>
+              <a:sym typeface="Arial"/>
+            </a:endParaRPr>
+          </a:p>
+        </p:txBody>
+      </p:sp>
+      <p:sp>
+        <p:nvSpPr>
+          <p:cNvPr id="169" name="Google Shape;169;p11"/>
+          <p:cNvSpPr txBox="1"/>
+          <p:nvPr/>
+        </p:nvSpPr>
+        <p:spPr>
+          <a:xfrm>
+            <a:off x="2042475" y="3423201"/>
+            <a:ext cx="863100" cy="233100"/>
+          </a:xfrm>
+          <a:prstGeom prst="rect">
+            <a:avLst/>
+          </a:prstGeom>
+          <a:noFill/>
+          <a:ln>
+            <a:noFill/>
+          </a:ln>
+        </p:spPr>
+        <p:txBody>
+          <a:bodyPr anchorCtr="0" anchor="ctr" bIns="91425" lIns="91425" spcFirstLastPara="1" rIns="91425" wrap="square" tIns="91425">
+            <a:noAutofit/>
+          </a:bodyPr>
+          <a:lstStyle/>
+          <a:p>
+            <a:pPr indent="0" lvl="0" marL="0" marR="0" rtl="0" algn="l">
+              <a:lnSpc>
+                <a:spcPct val="100000"/>
+              </a:lnSpc>
+              <a:spcBef>
+                <a:spcPts val="0"/>
+              </a:spcBef>
+              <a:spcAft>
+                <a:spcPts val="0"/>
+              </a:spcAft>
+              <a:buClr>
+                <a:srgbClr val="000000"/>
+              </a:buClr>
+              <a:buSzPts val="1000"/>
+              <a:buFont typeface="Arial"/>
+              <a:buNone/>
+            </a:pPr>
+            <a:r>
+              <a:rPr b="1" i="0" lang="en-US" sz="1000" u="none" cap="none" strike="noStrike">
+                <a:solidFill>
+                  <a:srgbClr val="2F475B"/>
+                </a:solidFill>
+                <a:latin typeface="Arial"/>
+                <a:ea typeface="Arial"/>
+                <a:cs typeface="Arial"/>
+                <a:sym typeface="Arial"/>
+              </a:rPr>
+              <a:t>Y: 45%</a:t>
+            </a:r>
+            <a:endParaRPr b="1" i="0" sz="1000" u="none" cap="none" strike="noStrike">
+              <a:solidFill>
+                <a:srgbClr val="2F475B"/>
+              </a:solidFill>
+              <a:latin typeface="Arial"/>
+              <a:ea typeface="Arial"/>
+              <a:cs typeface="Arial"/>
+              <a:sym typeface="Arial"/>
+            </a:endParaRPr>
+          </a:p>
+        </p:txBody>
+      </p:sp>
+      <p:sp>
+        <p:nvSpPr>
+          <p:cNvPr id="170" name="Google Shape;170;p11"/>
+          <p:cNvSpPr txBox="1"/>
+          <p:nvPr/>
+        </p:nvSpPr>
+        <p:spPr>
+          <a:xfrm>
+            <a:off x="2042475" y="3628051"/>
+            <a:ext cx="863100" cy="233100"/>
+          </a:xfrm>
+          <a:prstGeom prst="rect">
+            <a:avLst/>
+          </a:prstGeom>
+          <a:noFill/>
+          <a:ln>
+            <a:noFill/>
+          </a:ln>
+        </p:spPr>
+        <p:txBody>
+          <a:bodyPr anchorCtr="0" anchor="ctr" bIns="91425" lIns="91425" spcFirstLastPara="1" rIns="91425" wrap="square" tIns="91425">
+            <a:noAutofit/>
+          </a:bodyPr>
+          <a:lstStyle/>
+          <a:p>
+            <a:pPr indent="0" lvl="0" marL="0" marR="0" rtl="0" algn="l">
+              <a:lnSpc>
+                <a:spcPct val="100000"/>
+              </a:lnSpc>
+              <a:spcBef>
+                <a:spcPts val="0"/>
+              </a:spcBef>
+              <a:spcAft>
+                <a:spcPts val="0"/>
+              </a:spcAft>
+              <a:buClr>
+                <a:srgbClr val="000000"/>
+              </a:buClr>
+              <a:buSzPts val="1000"/>
+              <a:buFont typeface="Arial"/>
+              <a:buNone/>
+            </a:pPr>
+            <a:r>
+              <a:rPr b="1" i="0" lang="en-US" sz="1000" u="none" cap="none" strike="noStrike">
+                <a:solidFill>
+                  <a:srgbClr val="2F475B"/>
+                </a:solidFill>
+                <a:latin typeface="Arial"/>
+                <a:ea typeface="Arial"/>
+                <a:cs typeface="Arial"/>
+                <a:sym typeface="Arial"/>
+              </a:rPr>
+              <a:t>K: 31% </a:t>
+            </a:r>
+            <a:endParaRPr b="1" i="0" sz="1000" u="none" cap="none" strike="noStrike">
+              <a:solidFill>
+                <a:srgbClr val="2F475B"/>
+              </a:solidFill>
+              <a:latin typeface="Arial"/>
+              <a:ea typeface="Arial"/>
+              <a:cs typeface="Arial"/>
+              <a:sym typeface="Arial"/>
+            </a:endParaRPr>
+          </a:p>
+        </p:txBody>
+      </p:sp>
+      <p:sp>
+        <p:nvSpPr>
+          <p:cNvPr id="171" name="Google Shape;171;p11"/>
+          <p:cNvSpPr/>
+          <p:nvPr/>
+        </p:nvSpPr>
+        <p:spPr>
+          <a:xfrm>
+            <a:off x="3444325" y="2996851"/>
+            <a:ext cx="650100" cy="845400"/>
+          </a:xfrm>
+          <a:prstGeom prst="rect">
+            <a:avLst/>
+          </a:prstGeom>
+          <a:solidFill>
+            <a:srgbClr val="F04B4C"/>
+          </a:solidFill>
+          <a:ln>
+            <a:noFill/>
+          </a:ln>
+        </p:spPr>
+        <p:txBody>
+          <a:bodyPr anchorCtr="0" anchor="ctr" bIns="91425" lIns="91425" spcFirstLastPara="1" rIns="91425" wrap="square" tIns="91425">
+            <a:noAutofit/>
+          </a:bodyPr>
+          <a:lstStyle/>
+          <a:p>
+            <a:pPr indent="0" lvl="0" marL="0" marR="0" rtl="0" algn="l">
+              <a:lnSpc>
+                <a:spcPct val="100000"/>
+              </a:lnSpc>
+              <a:spcBef>
+                <a:spcPts val="0"/>
+              </a:spcBef>
+              <a:spcAft>
+                <a:spcPts val="0"/>
+              </a:spcAft>
+              <a:buClr>
+                <a:srgbClr val="000000"/>
+              </a:buClr>
+              <a:buSzPts val="1400"/>
+              <a:buFont typeface="Arial"/>
+              <a:buNone/>
+            </a:pPr>
+            <a:r>
+              <a:t/>
+            </a:r>
+            <a:endParaRPr b="0" i="0" sz="1400" u="none" cap="none" strike="noStrike">
+              <a:solidFill>
+                <a:srgbClr val="000000"/>
+              </a:solidFill>
+              <a:latin typeface="Arial"/>
+              <a:ea typeface="Arial"/>
+              <a:cs typeface="Arial"/>
+              <a:sym typeface="Arial"/>
+            </a:endParaRPr>
+          </a:p>
+        </p:txBody>
+      </p:sp>
+      <p:sp>
+        <p:nvSpPr>
+          <p:cNvPr id="172" name="Google Shape;172;p11"/>
+          <p:cNvSpPr txBox="1"/>
+          <p:nvPr/>
+        </p:nvSpPr>
+        <p:spPr>
+          <a:xfrm>
+            <a:off x="3292525" y="2583248"/>
+            <a:ext cx="953700" cy="233100"/>
+          </a:xfrm>
+          <a:prstGeom prst="rect">
+            <a:avLst/>
+          </a:prstGeom>
+          <a:noFill/>
+          <a:ln>
+            <a:noFill/>
+          </a:ln>
+        </p:spPr>
+        <p:txBody>
+          <a:bodyPr anchorCtr="0" anchor="ctr" bIns="91425" lIns="91425" spcFirstLastPara="1" rIns="91425" wrap="square" tIns="91425">
+            <a:noAutofit/>
+          </a:bodyPr>
+          <a:lstStyle/>
+          <a:p>
+            <a:pPr indent="0" lvl="0" marL="0" marR="0" rtl="0" algn="l">
+              <a:lnSpc>
+                <a:spcPct val="100000"/>
+              </a:lnSpc>
+              <a:spcBef>
+                <a:spcPts val="0"/>
+              </a:spcBef>
+              <a:spcAft>
+                <a:spcPts val="0"/>
+              </a:spcAft>
+              <a:buClr>
+                <a:srgbClr val="000000"/>
+              </a:buClr>
+              <a:buSzPts val="1000"/>
+              <a:buFont typeface="Arial"/>
+              <a:buNone/>
+            </a:pPr>
+            <a:r>
+              <a:rPr b="1" i="0" lang="en-US" sz="1000" u="none" cap="none" strike="noStrike">
+                <a:solidFill>
+                  <a:srgbClr val="2F475B"/>
+                </a:solidFill>
+                <a:latin typeface="Arial"/>
+                <a:ea typeface="Arial"/>
+                <a:cs typeface="Arial"/>
+                <a:sym typeface="Arial"/>
+              </a:rPr>
+              <a:t>Secondary</a:t>
+            </a:r>
+            <a:endParaRPr b="1" i="0" sz="1000" u="none" cap="none" strike="noStrike">
+              <a:solidFill>
+                <a:srgbClr val="2F475B"/>
+              </a:solidFill>
+              <a:latin typeface="Arial"/>
+              <a:ea typeface="Arial"/>
+              <a:cs typeface="Arial"/>
+              <a:sym typeface="Arial"/>
+            </a:endParaRPr>
+          </a:p>
+        </p:txBody>
+      </p:sp>
+      <p:sp>
+        <p:nvSpPr>
+          <p:cNvPr id="173" name="Google Shape;173;p11"/>
+          <p:cNvSpPr txBox="1"/>
+          <p:nvPr/>
+        </p:nvSpPr>
+        <p:spPr>
+          <a:xfrm>
+            <a:off x="3377275" y="4007201"/>
+            <a:ext cx="784200" cy="201900"/>
+          </a:xfrm>
+          <a:prstGeom prst="rect">
+            <a:avLst/>
+          </a:prstGeom>
+          <a:noFill/>
+          <a:ln>
+            <a:noFill/>
+          </a:ln>
+        </p:spPr>
+        <p:txBody>
+          <a:bodyPr anchorCtr="0" anchor="ctr" bIns="91425" lIns="91425" spcFirstLastPara="1" rIns="91425" wrap="square" tIns="91425">
+            <a:noAutofit/>
+          </a:bodyPr>
+          <a:lstStyle/>
+          <a:p>
+            <a:pPr indent="0" lvl="0" marL="0" marR="0" rtl="0" algn="ctr">
+              <a:lnSpc>
+                <a:spcPct val="100000"/>
+              </a:lnSpc>
+              <a:spcBef>
+                <a:spcPts val="0"/>
+              </a:spcBef>
+              <a:spcAft>
+                <a:spcPts val="0"/>
+              </a:spcAft>
+              <a:buClr>
+                <a:srgbClr val="000000"/>
+              </a:buClr>
+              <a:buSzPts val="1000"/>
+              <a:buFont typeface="Arial"/>
+              <a:buNone/>
+            </a:pPr>
+            <a:r>
+              <a:rPr b="0" i="0" lang="en-US" sz="1000" u="none" cap="none" strike="noStrike">
+                <a:solidFill>
+                  <a:srgbClr val="B7B7B7"/>
+                </a:solidFill>
+                <a:latin typeface="Arial"/>
+                <a:ea typeface="Arial"/>
+                <a:cs typeface="Arial"/>
+                <a:sym typeface="Arial"/>
+              </a:rPr>
+              <a:t>#f04b4c</a:t>
+            </a:r>
+            <a:endParaRPr b="0" i="0" sz="1000" u="none" cap="none" strike="noStrike">
+              <a:solidFill>
+                <a:srgbClr val="B7B7B7"/>
+              </a:solidFill>
+              <a:latin typeface="Arial"/>
+              <a:ea typeface="Arial"/>
+              <a:cs typeface="Arial"/>
+              <a:sym typeface="Arial"/>
+            </a:endParaRPr>
+          </a:p>
+        </p:txBody>
+      </p:sp>
+      <p:sp>
+        <p:nvSpPr>
+          <p:cNvPr id="174" name="Google Shape;174;p11"/>
+          <p:cNvSpPr txBox="1"/>
+          <p:nvPr/>
+        </p:nvSpPr>
+        <p:spPr>
+          <a:xfrm>
+            <a:off x="4342225" y="2977951"/>
+            <a:ext cx="863100" cy="233100"/>
+          </a:xfrm>
+          <a:prstGeom prst="rect">
+            <a:avLst/>
+          </a:prstGeom>
+          <a:noFill/>
+          <a:ln>
+            <a:noFill/>
+          </a:ln>
+        </p:spPr>
+        <p:txBody>
+          <a:bodyPr anchorCtr="0" anchor="ctr" bIns="91425" lIns="91425" spcFirstLastPara="1" rIns="91425" wrap="square" tIns="91425">
+            <a:noAutofit/>
+          </a:bodyPr>
+          <a:lstStyle/>
+          <a:p>
+            <a:pPr indent="0" lvl="0" marL="0" marR="0" rtl="0" algn="l">
+              <a:lnSpc>
+                <a:spcPct val="100000"/>
+              </a:lnSpc>
+              <a:spcBef>
+                <a:spcPts val="0"/>
+              </a:spcBef>
+              <a:spcAft>
+                <a:spcPts val="0"/>
+              </a:spcAft>
+              <a:buClr>
+                <a:srgbClr val="000000"/>
+              </a:buClr>
+              <a:buSzPts val="1000"/>
+              <a:buFont typeface="Arial"/>
+              <a:buNone/>
+            </a:pPr>
+            <a:r>
+              <a:rPr b="1" i="0" lang="en-US" sz="1000" u="none" cap="none" strike="noStrike">
+                <a:solidFill>
+                  <a:srgbClr val="2F475B"/>
+                </a:solidFill>
+                <a:latin typeface="Arial"/>
+                <a:ea typeface="Arial"/>
+                <a:cs typeface="Arial"/>
+                <a:sym typeface="Arial"/>
+              </a:rPr>
+              <a:t>C: 0 %</a:t>
+            </a:r>
+            <a:endParaRPr b="1" i="0" sz="1000" u="none" cap="none" strike="noStrike">
+              <a:solidFill>
+                <a:srgbClr val="2F475B"/>
+              </a:solidFill>
+              <a:latin typeface="Arial"/>
+              <a:ea typeface="Arial"/>
+              <a:cs typeface="Arial"/>
+              <a:sym typeface="Arial"/>
+            </a:endParaRPr>
+          </a:p>
+        </p:txBody>
+      </p:sp>
+      <p:sp>
+        <p:nvSpPr>
+          <p:cNvPr id="175" name="Google Shape;175;p11"/>
+          <p:cNvSpPr txBox="1"/>
+          <p:nvPr/>
+        </p:nvSpPr>
+        <p:spPr>
+          <a:xfrm>
+            <a:off x="4342225" y="3186451"/>
+            <a:ext cx="863100" cy="233100"/>
+          </a:xfrm>
+          <a:prstGeom prst="rect">
+            <a:avLst/>
+          </a:prstGeom>
+          <a:noFill/>
+          <a:ln>
+            <a:noFill/>
+          </a:ln>
+        </p:spPr>
+        <p:txBody>
+          <a:bodyPr anchorCtr="0" anchor="ctr" bIns="91425" lIns="91425" spcFirstLastPara="1" rIns="91425" wrap="square" tIns="91425">
+            <a:noAutofit/>
+          </a:bodyPr>
+          <a:lstStyle/>
+          <a:p>
+            <a:pPr indent="0" lvl="0" marL="0" marR="0" rtl="0" algn="l">
+              <a:lnSpc>
+                <a:spcPct val="100000"/>
+              </a:lnSpc>
+              <a:spcBef>
+                <a:spcPts val="0"/>
+              </a:spcBef>
+              <a:spcAft>
+                <a:spcPts val="0"/>
+              </a:spcAft>
+              <a:buClr>
+                <a:srgbClr val="000000"/>
+              </a:buClr>
+              <a:buSzPts val="1000"/>
+              <a:buFont typeface="Arial"/>
+              <a:buNone/>
+            </a:pPr>
+            <a:r>
+              <a:rPr b="1" i="0" lang="en-US" sz="1000" u="none" cap="none" strike="noStrike">
+                <a:solidFill>
+                  <a:srgbClr val="2F475B"/>
+                </a:solidFill>
+                <a:latin typeface="Arial"/>
+                <a:ea typeface="Arial"/>
+                <a:cs typeface="Arial"/>
+                <a:sym typeface="Arial"/>
+              </a:rPr>
+              <a:t>M: 86%</a:t>
+            </a:r>
+            <a:endParaRPr b="1" i="0" sz="1000" u="none" cap="none" strike="noStrike">
+              <a:solidFill>
+                <a:srgbClr val="2F475B"/>
+              </a:solidFill>
+              <a:latin typeface="Arial"/>
+              <a:ea typeface="Arial"/>
+              <a:cs typeface="Arial"/>
+              <a:sym typeface="Arial"/>
+            </a:endParaRPr>
+          </a:p>
+        </p:txBody>
+      </p:sp>
+      <p:sp>
+        <p:nvSpPr>
+          <p:cNvPr id="176" name="Google Shape;176;p11"/>
+          <p:cNvSpPr txBox="1"/>
+          <p:nvPr/>
+        </p:nvSpPr>
+        <p:spPr>
+          <a:xfrm>
+            <a:off x="4342225" y="3423201"/>
+            <a:ext cx="863100" cy="233100"/>
+          </a:xfrm>
+          <a:prstGeom prst="rect">
+            <a:avLst/>
+          </a:prstGeom>
+          <a:noFill/>
+          <a:ln>
+            <a:noFill/>
+          </a:ln>
+        </p:spPr>
+        <p:txBody>
+          <a:bodyPr anchorCtr="0" anchor="ctr" bIns="91425" lIns="91425" spcFirstLastPara="1" rIns="91425" wrap="square" tIns="91425">
+            <a:noAutofit/>
+          </a:bodyPr>
+          <a:lstStyle/>
+          <a:p>
+            <a:pPr indent="0" lvl="0" marL="0" marR="0" rtl="0" algn="l">
+              <a:lnSpc>
+                <a:spcPct val="100000"/>
+              </a:lnSpc>
+              <a:spcBef>
+                <a:spcPts val="0"/>
+              </a:spcBef>
+              <a:spcAft>
+                <a:spcPts val="0"/>
+              </a:spcAft>
+              <a:buClr>
+                <a:srgbClr val="000000"/>
+              </a:buClr>
+              <a:buSzPts val="1000"/>
+              <a:buFont typeface="Arial"/>
+              <a:buNone/>
+            </a:pPr>
+            <a:r>
+              <a:rPr b="1" i="0" lang="en-US" sz="1000" u="none" cap="none" strike="noStrike">
+                <a:solidFill>
+                  <a:srgbClr val="2F475B"/>
+                </a:solidFill>
+                <a:latin typeface="Arial"/>
+                <a:ea typeface="Arial"/>
+                <a:cs typeface="Arial"/>
+                <a:sym typeface="Arial"/>
+              </a:rPr>
+              <a:t>Y: 70%</a:t>
+            </a:r>
+            <a:endParaRPr b="1" i="0" sz="1000" u="none" cap="none" strike="noStrike">
+              <a:solidFill>
+                <a:srgbClr val="2F475B"/>
+              </a:solidFill>
+              <a:latin typeface="Arial"/>
+              <a:ea typeface="Arial"/>
+              <a:cs typeface="Arial"/>
+              <a:sym typeface="Arial"/>
+            </a:endParaRPr>
+          </a:p>
+        </p:txBody>
+      </p:sp>
+      <p:sp>
+        <p:nvSpPr>
+          <p:cNvPr id="177" name="Google Shape;177;p11"/>
+          <p:cNvSpPr txBox="1"/>
+          <p:nvPr/>
+        </p:nvSpPr>
+        <p:spPr>
+          <a:xfrm>
+            <a:off x="4342225" y="3628051"/>
+            <a:ext cx="863100" cy="233100"/>
+          </a:xfrm>
+          <a:prstGeom prst="rect">
+            <a:avLst/>
+          </a:prstGeom>
+          <a:noFill/>
+          <a:ln>
+            <a:noFill/>
+          </a:ln>
+        </p:spPr>
+        <p:txBody>
+          <a:bodyPr anchorCtr="0" anchor="ctr" bIns="91425" lIns="91425" spcFirstLastPara="1" rIns="91425" wrap="square" tIns="91425">
+            <a:noAutofit/>
+          </a:bodyPr>
+          <a:lstStyle/>
+          <a:p>
+            <a:pPr indent="0" lvl="0" marL="0" marR="0" rtl="0" algn="l">
+              <a:lnSpc>
+                <a:spcPct val="100000"/>
+              </a:lnSpc>
+              <a:spcBef>
+                <a:spcPts val="0"/>
+              </a:spcBef>
+              <a:spcAft>
+                <a:spcPts val="0"/>
+              </a:spcAft>
+              <a:buClr>
+                <a:srgbClr val="000000"/>
+              </a:buClr>
+              <a:buSzPts val="1000"/>
+              <a:buFont typeface="Arial"/>
+              <a:buNone/>
+            </a:pPr>
+            <a:r>
+              <a:rPr b="1" i="0" lang="en-US" sz="1000" u="none" cap="none" strike="noStrike">
+                <a:solidFill>
+                  <a:srgbClr val="2F475B"/>
+                </a:solidFill>
+                <a:latin typeface="Arial"/>
+                <a:ea typeface="Arial"/>
+                <a:cs typeface="Arial"/>
+                <a:sym typeface="Arial"/>
+              </a:rPr>
+              <a:t>K: 0% </a:t>
+            </a:r>
+            <a:endParaRPr b="1" i="0" sz="1000" u="none" cap="none" strike="noStrike">
+              <a:solidFill>
+                <a:srgbClr val="2F475B"/>
+              </a:solidFill>
+              <a:latin typeface="Arial"/>
+              <a:ea typeface="Arial"/>
+              <a:cs typeface="Arial"/>
+              <a:sym typeface="Arial"/>
+            </a:endParaRPr>
+          </a:p>
+        </p:txBody>
+      </p:sp>
+      <p:sp>
+        <p:nvSpPr>
+          <p:cNvPr id="178" name="Google Shape;178;p11"/>
+          <p:cNvSpPr/>
+          <p:nvPr/>
+        </p:nvSpPr>
+        <p:spPr>
+          <a:xfrm>
+            <a:off x="5847925" y="2949576"/>
+            <a:ext cx="650100" cy="845400"/>
+          </a:xfrm>
+          <a:prstGeom prst="rect">
+            <a:avLst/>
+          </a:prstGeom>
+          <a:solidFill>
+            <a:srgbClr val="939598"/>
+          </a:solidFill>
+          <a:ln>
+            <a:noFill/>
+          </a:ln>
+        </p:spPr>
+        <p:txBody>
+          <a:bodyPr anchorCtr="0" anchor="ctr" bIns="91425" lIns="91425" spcFirstLastPara="1" rIns="91425" wrap="square" tIns="91425">
+            <a:noAutofit/>
+          </a:bodyPr>
+          <a:lstStyle/>
+          <a:p>
+            <a:pPr indent="0" lvl="0" marL="0" marR="0" rtl="0" algn="l">
+              <a:lnSpc>
+                <a:spcPct val="100000"/>
+              </a:lnSpc>
+              <a:spcBef>
+                <a:spcPts val="0"/>
+              </a:spcBef>
+              <a:spcAft>
+                <a:spcPts val="0"/>
+              </a:spcAft>
+              <a:buClr>
+                <a:srgbClr val="000000"/>
+              </a:buClr>
+              <a:buSzPts val="1400"/>
+              <a:buFont typeface="Arial"/>
+              <a:buNone/>
+            </a:pPr>
+            <a:r>
+              <a:t/>
+            </a:r>
+            <a:endParaRPr b="0" i="0" sz="1400" u="none" cap="none" strike="noStrike">
+              <a:solidFill>
+                <a:srgbClr val="000000"/>
+              </a:solidFill>
+              <a:latin typeface="Arial"/>
+              <a:ea typeface="Arial"/>
+              <a:cs typeface="Arial"/>
+              <a:sym typeface="Arial"/>
+            </a:endParaRPr>
+          </a:p>
+        </p:txBody>
+      </p:sp>
+      <p:sp>
+        <p:nvSpPr>
+          <p:cNvPr id="179" name="Google Shape;179;p11"/>
+          <p:cNvSpPr txBox="1"/>
+          <p:nvPr/>
+        </p:nvSpPr>
+        <p:spPr>
+          <a:xfrm>
+            <a:off x="5696125" y="2583248"/>
+            <a:ext cx="953700" cy="233100"/>
+          </a:xfrm>
+          <a:prstGeom prst="rect">
+            <a:avLst/>
+          </a:prstGeom>
+          <a:noFill/>
+          <a:ln>
+            <a:noFill/>
+          </a:ln>
+        </p:spPr>
+        <p:txBody>
+          <a:bodyPr anchorCtr="0" anchor="ctr" bIns="91425" lIns="91425" spcFirstLastPara="1" rIns="91425" wrap="square" tIns="91425">
+            <a:noAutofit/>
+          </a:bodyPr>
+          <a:lstStyle/>
+          <a:p>
+            <a:pPr indent="0" lvl="0" marL="0" marR="0" rtl="0" algn="l">
+              <a:lnSpc>
+                <a:spcPct val="100000"/>
+              </a:lnSpc>
+              <a:spcBef>
+                <a:spcPts val="0"/>
+              </a:spcBef>
+              <a:spcAft>
+                <a:spcPts val="0"/>
+              </a:spcAft>
+              <a:buClr>
+                <a:srgbClr val="000000"/>
+              </a:buClr>
+              <a:buSzPts val="1000"/>
+              <a:buFont typeface="Arial"/>
+              <a:buNone/>
+            </a:pPr>
+            <a:r>
+              <a:rPr b="1" i="0" lang="en-US" sz="1000" u="none" cap="none" strike="noStrike">
+                <a:solidFill>
+                  <a:srgbClr val="2F475B"/>
+                </a:solidFill>
+                <a:latin typeface="Arial"/>
+                <a:ea typeface="Arial"/>
+                <a:cs typeface="Arial"/>
+                <a:sym typeface="Arial"/>
+              </a:rPr>
+              <a:t>Additional</a:t>
+            </a:r>
+            <a:endParaRPr b="1" i="0" sz="1000" u="none" cap="none" strike="noStrike">
+              <a:solidFill>
+                <a:srgbClr val="2F475B"/>
+              </a:solidFill>
+              <a:latin typeface="Arial"/>
+              <a:ea typeface="Arial"/>
+              <a:cs typeface="Arial"/>
+              <a:sym typeface="Arial"/>
+            </a:endParaRPr>
+          </a:p>
+        </p:txBody>
+      </p:sp>
+      <p:sp>
+        <p:nvSpPr>
+          <p:cNvPr id="180" name="Google Shape;180;p11"/>
+          <p:cNvSpPr txBox="1"/>
+          <p:nvPr/>
+        </p:nvSpPr>
+        <p:spPr>
+          <a:xfrm>
+            <a:off x="5780875" y="3959926"/>
+            <a:ext cx="784200" cy="201900"/>
+          </a:xfrm>
+          <a:prstGeom prst="rect">
+            <a:avLst/>
+          </a:prstGeom>
+          <a:noFill/>
+          <a:ln>
+            <a:noFill/>
+          </a:ln>
+        </p:spPr>
+        <p:txBody>
+          <a:bodyPr anchorCtr="0" anchor="ctr" bIns="91425" lIns="91425" spcFirstLastPara="1" rIns="91425" wrap="square" tIns="91425">
+            <a:noAutofit/>
+          </a:bodyPr>
+          <a:lstStyle/>
+          <a:p>
+            <a:pPr indent="0" lvl="0" marL="0" marR="0" rtl="0" algn="ctr">
+              <a:lnSpc>
+                <a:spcPct val="100000"/>
+              </a:lnSpc>
+              <a:spcBef>
+                <a:spcPts val="0"/>
+              </a:spcBef>
+              <a:spcAft>
+                <a:spcPts val="0"/>
+              </a:spcAft>
+              <a:buClr>
+                <a:srgbClr val="000000"/>
+              </a:buClr>
+              <a:buSzPts val="1000"/>
+              <a:buFont typeface="Arial"/>
+              <a:buNone/>
+            </a:pPr>
+            <a:r>
+              <a:rPr b="0" i="0" lang="en-US" sz="1000" u="none" cap="none" strike="noStrike">
+                <a:solidFill>
+                  <a:srgbClr val="B7B7B7"/>
+                </a:solidFill>
+                <a:latin typeface="Arial"/>
+                <a:ea typeface="Arial"/>
+                <a:cs typeface="Arial"/>
+                <a:sym typeface="Arial"/>
+              </a:rPr>
+              <a:t>#939598</a:t>
+            </a:r>
+            <a:endParaRPr b="0" i="0" sz="1000" u="none" cap="none" strike="noStrike">
+              <a:solidFill>
+                <a:srgbClr val="B7B7B7"/>
+              </a:solidFill>
+              <a:latin typeface="Arial"/>
+              <a:ea typeface="Arial"/>
+              <a:cs typeface="Arial"/>
+              <a:sym typeface="Arial"/>
+            </a:endParaRPr>
+          </a:p>
+        </p:txBody>
+      </p:sp>
+      <p:sp>
+        <p:nvSpPr>
+          <p:cNvPr id="181" name="Google Shape;181;p11"/>
+          <p:cNvSpPr txBox="1"/>
+          <p:nvPr/>
+        </p:nvSpPr>
+        <p:spPr>
+          <a:xfrm>
+            <a:off x="6745825" y="2930676"/>
+            <a:ext cx="863100" cy="233100"/>
+          </a:xfrm>
+          <a:prstGeom prst="rect">
+            <a:avLst/>
+          </a:prstGeom>
+          <a:noFill/>
+          <a:ln>
+            <a:noFill/>
+          </a:ln>
+        </p:spPr>
+        <p:txBody>
+          <a:bodyPr anchorCtr="0" anchor="ctr" bIns="91425" lIns="91425" spcFirstLastPara="1" rIns="91425" wrap="square" tIns="91425">
+            <a:noAutofit/>
+          </a:bodyPr>
+          <a:lstStyle/>
+          <a:p>
+            <a:pPr indent="0" lvl="0" marL="0" marR="0" rtl="0" algn="l">
+              <a:lnSpc>
+                <a:spcPct val="100000"/>
+              </a:lnSpc>
+              <a:spcBef>
+                <a:spcPts val="0"/>
+              </a:spcBef>
+              <a:spcAft>
+                <a:spcPts val="0"/>
+              </a:spcAft>
+              <a:buClr>
+                <a:srgbClr val="000000"/>
+              </a:buClr>
+              <a:buSzPts val="1000"/>
+              <a:buFont typeface="Arial"/>
+              <a:buNone/>
+            </a:pPr>
+            <a:r>
+              <a:rPr b="1" i="0" lang="en-US" sz="1000" u="none" cap="none" strike="noStrike">
+                <a:solidFill>
+                  <a:srgbClr val="2F475B"/>
+                </a:solidFill>
+                <a:latin typeface="Arial"/>
+                <a:ea typeface="Arial"/>
+                <a:cs typeface="Arial"/>
+                <a:sym typeface="Arial"/>
+              </a:rPr>
+              <a:t>C: 0 %</a:t>
+            </a:r>
+            <a:endParaRPr b="1" i="0" sz="1000" u="none" cap="none" strike="noStrike">
+              <a:solidFill>
+                <a:srgbClr val="2F475B"/>
+              </a:solidFill>
+              <a:latin typeface="Arial"/>
+              <a:ea typeface="Arial"/>
+              <a:cs typeface="Arial"/>
+              <a:sym typeface="Arial"/>
+            </a:endParaRPr>
+          </a:p>
+        </p:txBody>
+      </p:sp>
+      <p:sp>
+        <p:nvSpPr>
+          <p:cNvPr id="182" name="Google Shape;182;p11"/>
+          <p:cNvSpPr txBox="1"/>
+          <p:nvPr/>
+        </p:nvSpPr>
+        <p:spPr>
+          <a:xfrm>
+            <a:off x="6745825" y="3139176"/>
+            <a:ext cx="863100" cy="233100"/>
+          </a:xfrm>
+          <a:prstGeom prst="rect">
+            <a:avLst/>
+          </a:prstGeom>
+          <a:noFill/>
+          <a:ln>
+            <a:noFill/>
+          </a:ln>
+        </p:spPr>
+        <p:txBody>
+          <a:bodyPr anchorCtr="0" anchor="ctr" bIns="91425" lIns="91425" spcFirstLastPara="1" rIns="91425" wrap="square" tIns="91425">
+            <a:noAutofit/>
+          </a:bodyPr>
+          <a:lstStyle/>
+          <a:p>
+            <a:pPr indent="0" lvl="0" marL="0" marR="0" rtl="0" algn="l">
+              <a:lnSpc>
+                <a:spcPct val="100000"/>
+              </a:lnSpc>
+              <a:spcBef>
+                <a:spcPts val="0"/>
+              </a:spcBef>
+              <a:spcAft>
+                <a:spcPts val="0"/>
+              </a:spcAft>
+              <a:buClr>
+                <a:srgbClr val="000000"/>
+              </a:buClr>
+              <a:buSzPts val="1000"/>
+              <a:buFont typeface="Arial"/>
+              <a:buNone/>
+            </a:pPr>
+            <a:r>
+              <a:rPr b="1" i="0" lang="en-US" sz="1000" u="none" cap="none" strike="noStrike">
+                <a:solidFill>
+                  <a:srgbClr val="2F475B"/>
+                </a:solidFill>
+                <a:latin typeface="Arial"/>
+                <a:ea typeface="Arial"/>
+                <a:cs typeface="Arial"/>
+                <a:sym typeface="Arial"/>
+              </a:rPr>
+              <a:t>M: 0%</a:t>
+            </a:r>
+            <a:endParaRPr b="1" i="0" sz="1000" u="none" cap="none" strike="noStrike">
+              <a:solidFill>
+                <a:srgbClr val="2F475B"/>
+              </a:solidFill>
+              <a:latin typeface="Arial"/>
+              <a:ea typeface="Arial"/>
+              <a:cs typeface="Arial"/>
+              <a:sym typeface="Arial"/>
+            </a:endParaRPr>
+          </a:p>
+        </p:txBody>
+      </p:sp>
+      <p:sp>
+        <p:nvSpPr>
+          <p:cNvPr id="183" name="Google Shape;183;p11"/>
+          <p:cNvSpPr txBox="1"/>
+          <p:nvPr/>
+        </p:nvSpPr>
+        <p:spPr>
+          <a:xfrm>
+            <a:off x="6745825" y="3375926"/>
+            <a:ext cx="863100" cy="233100"/>
+          </a:xfrm>
+          <a:prstGeom prst="rect">
+            <a:avLst/>
+          </a:prstGeom>
+          <a:noFill/>
+          <a:ln>
+            <a:noFill/>
+          </a:ln>
+        </p:spPr>
+        <p:txBody>
+          <a:bodyPr anchorCtr="0" anchor="ctr" bIns="91425" lIns="91425" spcFirstLastPara="1" rIns="91425" wrap="square" tIns="91425">
+            <a:noAutofit/>
+          </a:bodyPr>
+          <a:lstStyle/>
+          <a:p>
+            <a:pPr indent="0" lvl="0" marL="0" marR="0" rtl="0" algn="l">
+              <a:lnSpc>
+                <a:spcPct val="100000"/>
+              </a:lnSpc>
+              <a:spcBef>
+                <a:spcPts val="0"/>
+              </a:spcBef>
+              <a:spcAft>
+                <a:spcPts val="0"/>
+              </a:spcAft>
+              <a:buClr>
+                <a:srgbClr val="000000"/>
+              </a:buClr>
+              <a:buSzPts val="1000"/>
+              <a:buFont typeface="Arial"/>
+              <a:buNone/>
+            </a:pPr>
+            <a:r>
+              <a:rPr b="1" i="0" lang="en-US" sz="1000" u="none" cap="none" strike="noStrike">
+                <a:solidFill>
+                  <a:srgbClr val="2F475B"/>
+                </a:solidFill>
+                <a:latin typeface="Arial"/>
+                <a:ea typeface="Arial"/>
+                <a:cs typeface="Arial"/>
+                <a:sym typeface="Arial"/>
+              </a:rPr>
+              <a:t>Y: 0%</a:t>
+            </a:r>
+            <a:endParaRPr b="1" i="0" sz="1000" u="none" cap="none" strike="noStrike">
+              <a:solidFill>
+                <a:srgbClr val="2F475B"/>
+              </a:solidFill>
+              <a:latin typeface="Arial"/>
+              <a:ea typeface="Arial"/>
+              <a:cs typeface="Arial"/>
+              <a:sym typeface="Arial"/>
+            </a:endParaRPr>
+          </a:p>
+        </p:txBody>
+      </p:sp>
+      <p:sp>
+        <p:nvSpPr>
+          <p:cNvPr id="184" name="Google Shape;184;p11"/>
+          <p:cNvSpPr txBox="1"/>
+          <p:nvPr/>
+        </p:nvSpPr>
+        <p:spPr>
+          <a:xfrm>
+            <a:off x="6745825" y="3580776"/>
+            <a:ext cx="863100" cy="233100"/>
+          </a:xfrm>
+          <a:prstGeom prst="rect">
+            <a:avLst/>
+          </a:prstGeom>
+          <a:noFill/>
+          <a:ln>
+            <a:noFill/>
+          </a:ln>
+        </p:spPr>
+        <p:txBody>
+          <a:bodyPr anchorCtr="0" anchor="ctr" bIns="91425" lIns="91425" spcFirstLastPara="1" rIns="91425" wrap="square" tIns="91425">
+            <a:noAutofit/>
+          </a:bodyPr>
+          <a:lstStyle/>
+          <a:p>
+            <a:pPr indent="0" lvl="0" marL="0" marR="0" rtl="0" algn="l">
+              <a:lnSpc>
+                <a:spcPct val="100000"/>
+              </a:lnSpc>
+              <a:spcBef>
+                <a:spcPts val="0"/>
+              </a:spcBef>
+              <a:spcAft>
+                <a:spcPts val="0"/>
+              </a:spcAft>
+              <a:buClr>
+                <a:srgbClr val="000000"/>
+              </a:buClr>
+              <a:buSzPts val="1000"/>
+              <a:buFont typeface="Arial"/>
+              <a:buNone/>
+            </a:pPr>
+            <a:r>
+              <a:rPr b="1" i="0" lang="en-US" sz="1000" u="none" cap="none" strike="noStrike">
+                <a:solidFill>
+                  <a:srgbClr val="2F475B"/>
+                </a:solidFill>
+                <a:latin typeface="Arial"/>
+                <a:ea typeface="Arial"/>
+                <a:cs typeface="Arial"/>
+                <a:sym typeface="Arial"/>
+              </a:rPr>
+              <a:t>K: 50% </a:t>
+            </a:r>
+            <a:endParaRPr b="1" i="0" sz="1000" u="none" cap="none" strike="noStrike">
+              <a:solidFill>
+                <a:srgbClr val="2F475B"/>
+              </a:solidFill>
+              <a:latin typeface="Arial"/>
+              <a:ea typeface="Arial"/>
+              <a:cs typeface="Arial"/>
+              <a:sym typeface="Arial"/>
+            </a:endParaRPr>
+          </a:p>
+        </p:txBody>
+      </p:sp>
+    </p:spTree>
+  </p:cSld>
+  <p:clrMapOvr>
+    <a:masterClrMapping/>
+  </p:clrMapOvr>
+</p:sld>
+</file>
+
+<file path=ppt/slides/slide11.xml><?xml version="1.0" encoding="utf-8"?>
 <p:sld xmlns:a="http://schemas.openxmlformats.org/drawingml/2006/main" xmlns:r="http://schemas.openxmlformats.org/officeDocument/2006/relationships" xmlns:mc="http://schemas.openxmlformats.org/markup-compatibility/2006" xmlns:mv="urn:schemas-microsoft-com:mac:vml" xmlns:p="http://schemas.openxmlformats.org/presentationml/2006/main" xmlns:c="http://schemas.openxmlformats.org/drawingml/2006/chart" xmlns:dgm="http://schemas.openxmlformats.org/drawingml/2006/diagram" xmlns:o="urn:schemas-microsoft-com:office:office" xmlns:v="urn:schemas-microsoft-com:vml" xmlns:pvml="urn:schemas-microsoft-com:office:powerpoint" xmlns:com="http://schemas.openxmlformats.org/drawingml/2006/compatibility" xmlns:p14="http://schemas.microsoft.com/office/powerpoint/2010/main" xmlns:p15="http://schemas.microsoft.com/office/powerpoint/2012/main">
   <p:cSld>
     <p:spTree>
@@ -10884,6 +13265,11 @@
               <a:spcAft>
                 <a:spcPts val="0"/>
               </a:spcAft>
+              <a:buClr>
+                <a:srgbClr val="000000"/>
+              </a:buClr>
+              <a:buSzPts val="1000"/>
+              <a:buFont typeface="Arial"/>
               <a:buNone/>
             </a:pPr>
             <a:r>
@@ -10898,7 +13284,15 @@
               </a:rPr>
               <a:t>Below are the fonts we intend to use for our web app and any other communication to keep a consistent brand.</a:t>
             </a:r>
-            <a:endParaRPr/>
+            <a:endParaRPr b="0" i="0" sz="1400" u="none" cap="none" strike="noStrike">
+              <a:solidFill>
+                <a:srgbClr val="000000"/>
+              </a:solidFill>
+              <a:latin typeface="Arial"/>
+              <a:ea typeface="Arial"/>
+              <a:cs typeface="Arial"/>
+              <a:sym typeface="Arial"/>
+            </a:endParaRPr>
           </a:p>
         </p:txBody>
       </p:sp>
@@ -11129,7 +13523,7 @@
               <a:buNone/>
             </a:pPr>
             <a:r>
-              <a:rPr lang="en-US" sz="2400">
+              <a:rPr b="0" i="0" lang="en-US" sz="2400" u="none" cap="none" strike="noStrike">
                 <a:solidFill>
                   <a:srgbClr val="F04B4C"/>
                 </a:solidFill>
@@ -11834,7 +14228,7 @@
 </p:sld>
 </file>
 
-<file path=ppt/slides/slide11.xml><?xml version="1.0" encoding="utf-8"?>
+<file path=ppt/slides/slide12.xml><?xml version="1.0" encoding="utf-8"?>
 <p:sld xmlns:a="http://schemas.openxmlformats.org/drawingml/2006/main" xmlns:r="http://schemas.openxmlformats.org/officeDocument/2006/relationships" xmlns:mc="http://schemas.openxmlformats.org/markup-compatibility/2006" xmlns:mv="urn:schemas-microsoft-com:mac:vml" xmlns:p="http://schemas.openxmlformats.org/presentationml/2006/main" xmlns:c="http://schemas.openxmlformats.org/drawingml/2006/chart" xmlns:dgm="http://schemas.openxmlformats.org/drawingml/2006/diagram" xmlns:o="urn:schemas-microsoft-com:office:office" xmlns:v="urn:schemas-microsoft-com:vml" xmlns:pvml="urn:schemas-microsoft-com:office:powerpoint" xmlns:com="http://schemas.openxmlformats.org/drawingml/2006/compatibility" xmlns:p14="http://schemas.microsoft.com/office/powerpoint/2010/main" xmlns:p15="http://schemas.microsoft.com/office/powerpoint/2012/main">
   <p:cSld>
     <p:bg>
@@ -12011,6 +14405,11 @@
               <a:spcAft>
                 <a:spcPts val="0"/>
               </a:spcAft>
+              <a:buClr>
+                <a:srgbClr val="000000"/>
+              </a:buClr>
+              <a:buSzPts val="3600"/>
+              <a:buFont typeface="Arial"/>
               <a:buNone/>
             </a:pPr>
             <a:r>
@@ -12025,7 +14424,1065 @@
               </a:rPr>
               <a:t>QUESTIONS?</a:t>
             </a:r>
+            <a:endParaRPr b="0" i="0" sz="1400" u="none" cap="none" strike="noStrike">
+              <a:solidFill>
+                <a:srgbClr val="000000"/>
+              </a:solidFill>
+              <a:latin typeface="Arial"/>
+              <a:ea typeface="Arial"/>
+              <a:cs typeface="Arial"/>
+              <a:sym typeface="Arial"/>
+            </a:endParaRPr>
+          </a:p>
+        </p:txBody>
+      </p:sp>
+    </p:spTree>
+  </p:cSld>
+  <p:clrMapOvr>
+    <a:masterClrMapping/>
+  </p:clrMapOvr>
+</p:sld>
+</file>
+
+<file path=ppt/slides/slide13.xml><?xml version="1.0" encoding="utf-8"?>
+<p:sld xmlns:a="http://schemas.openxmlformats.org/drawingml/2006/main" xmlns:r="http://schemas.openxmlformats.org/officeDocument/2006/relationships" xmlns:mc="http://schemas.openxmlformats.org/markup-compatibility/2006" xmlns:mv="urn:schemas-microsoft-com:mac:vml" xmlns:p="http://schemas.openxmlformats.org/presentationml/2006/main" xmlns:c="http://schemas.openxmlformats.org/drawingml/2006/chart" xmlns:dgm="http://schemas.openxmlformats.org/drawingml/2006/diagram" xmlns:o="urn:schemas-microsoft-com:office:office" xmlns:v="urn:schemas-microsoft-com:vml" xmlns:pvml="urn:schemas-microsoft-com:office:powerpoint" xmlns:com="http://schemas.openxmlformats.org/drawingml/2006/compatibility" xmlns:p14="http://schemas.microsoft.com/office/powerpoint/2010/main" xmlns:p15="http://schemas.microsoft.com/office/powerpoint/2012/main">
+  <p:cSld>
+    <p:bg>
+      <p:bgPr>
+        <a:solidFill>
+          <a:srgbClr val="2F475B"/>
+        </a:solidFill>
+      </p:bgPr>
+    </p:bg>
+    <p:spTree>
+      <p:nvGrpSpPr>
+        <p:cNvPr id="215" name="Shape 215"/>
+        <p:cNvGrpSpPr/>
+        <p:nvPr/>
+      </p:nvGrpSpPr>
+      <p:grpSpPr>
+        <a:xfrm>
+          <a:off x="0" y="0"/>
+          <a:ext cx="0" cy="0"/>
+          <a:chOff x="0" y="0"/>
+          <a:chExt cx="0" cy="0"/>
+        </a:xfrm>
+      </p:grpSpPr>
+      <p:sp>
+        <p:nvSpPr>
+          <p:cNvPr id="216" name="Google Shape;216;g6176071063_1_0"/>
+          <p:cNvSpPr/>
+          <p:nvPr/>
+        </p:nvSpPr>
+        <p:spPr>
+          <a:xfrm flipH="1">
+            <a:off x="7879200" y="3878825"/>
+            <a:ext cx="1264800" cy="1264800"/>
+          </a:xfrm>
+          <a:prstGeom prst="rtTriangle">
+            <a:avLst/>
+          </a:prstGeom>
+          <a:solidFill>
+            <a:srgbClr val="F04B4C"/>
+          </a:solidFill>
+          <a:ln>
+            <a:noFill/>
+          </a:ln>
+        </p:spPr>
+        <p:txBody>
+          <a:bodyPr anchorCtr="0" anchor="ctr" bIns="91425" lIns="91425" spcFirstLastPara="1" rIns="91425" wrap="square" tIns="91425">
+            <a:noAutofit/>
+          </a:bodyPr>
+          <a:lstStyle/>
+          <a:p>
+            <a:pPr indent="0" lvl="0" marL="0" marR="0" rtl="0" algn="l">
+              <a:lnSpc>
+                <a:spcPct val="100000"/>
+              </a:lnSpc>
+              <a:spcBef>
+                <a:spcPts val="0"/>
+              </a:spcBef>
+              <a:spcAft>
+                <a:spcPts val="0"/>
+              </a:spcAft>
+              <a:buClr>
+                <a:srgbClr val="000000"/>
+              </a:buClr>
+              <a:buSzPts val="1400"/>
+              <a:buFont typeface="Arial"/>
+              <a:buNone/>
+            </a:pPr>
+            <a:r>
+              <a:t/>
+            </a:r>
+            <a:endParaRPr b="0" i="0" sz="1400" u="none" cap="none" strike="noStrike">
+              <a:solidFill>
+                <a:srgbClr val="000000"/>
+              </a:solidFill>
+              <a:latin typeface="Arial"/>
+              <a:ea typeface="Arial"/>
+              <a:cs typeface="Arial"/>
+              <a:sym typeface="Arial"/>
+            </a:endParaRPr>
+          </a:p>
+        </p:txBody>
+      </p:sp>
+      <p:sp>
+        <p:nvSpPr>
+          <p:cNvPr id="217" name="Google Shape;217;g6176071063_1_0"/>
+          <p:cNvSpPr/>
+          <p:nvPr/>
+        </p:nvSpPr>
+        <p:spPr>
+          <a:xfrm rot="5400000">
+            <a:off x="0" y="0"/>
+            <a:ext cx="1179900" cy="1179900"/>
+          </a:xfrm>
+          <a:prstGeom prst="rtTriangle">
+            <a:avLst/>
+          </a:prstGeom>
+          <a:solidFill>
+            <a:srgbClr val="F04B4C"/>
+          </a:solidFill>
+          <a:ln>
+            <a:noFill/>
+          </a:ln>
+        </p:spPr>
+        <p:txBody>
+          <a:bodyPr anchorCtr="0" anchor="ctr" bIns="91425" lIns="91425" spcFirstLastPara="1" rIns="91425" wrap="square" tIns="91425">
+            <a:noAutofit/>
+          </a:bodyPr>
+          <a:lstStyle/>
+          <a:p>
+            <a:pPr indent="0" lvl="0" marL="0" marR="0" rtl="0" algn="l">
+              <a:lnSpc>
+                <a:spcPct val="100000"/>
+              </a:lnSpc>
+              <a:spcBef>
+                <a:spcPts val="0"/>
+              </a:spcBef>
+              <a:spcAft>
+                <a:spcPts val="0"/>
+              </a:spcAft>
+              <a:buClr>
+                <a:srgbClr val="000000"/>
+              </a:buClr>
+              <a:buSzPts val="1400"/>
+              <a:buFont typeface="Arial"/>
+              <a:buNone/>
+            </a:pPr>
+            <a:r>
+              <a:t/>
+            </a:r>
+            <a:endParaRPr b="0" i="0" sz="1400" u="none" cap="none" strike="noStrike">
+              <a:solidFill>
+                <a:srgbClr val="000000"/>
+              </a:solidFill>
+              <a:latin typeface="Arial"/>
+              <a:ea typeface="Arial"/>
+              <a:cs typeface="Arial"/>
+              <a:sym typeface="Arial"/>
+            </a:endParaRPr>
+          </a:p>
+        </p:txBody>
+      </p:sp>
+      <p:sp>
+        <p:nvSpPr>
+          <p:cNvPr id="218" name="Google Shape;218;g6176071063_1_0"/>
+          <p:cNvSpPr txBox="1"/>
+          <p:nvPr/>
+        </p:nvSpPr>
+        <p:spPr>
+          <a:xfrm>
+            <a:off x="1915568" y="1955615"/>
+            <a:ext cx="5112600" cy="646200"/>
+          </a:xfrm>
+          <a:prstGeom prst="rect">
+            <a:avLst/>
+          </a:prstGeom>
+          <a:noFill/>
+          <a:ln>
+            <a:noFill/>
+          </a:ln>
+        </p:spPr>
+        <p:txBody>
+          <a:bodyPr anchorCtr="0" anchor="t" bIns="45700" lIns="91425" spcFirstLastPara="1" rIns="91425" wrap="square" tIns="45700">
+            <a:noAutofit/>
+          </a:bodyPr>
+          <a:lstStyle/>
+          <a:p>
+            <a:pPr indent="0" lvl="0" marL="0" marR="0" rtl="0" algn="ctr">
+              <a:lnSpc>
+                <a:spcPct val="100000"/>
+              </a:lnSpc>
+              <a:spcBef>
+                <a:spcPts val="0"/>
+              </a:spcBef>
+              <a:spcAft>
+                <a:spcPts val="0"/>
+              </a:spcAft>
+              <a:buClr>
+                <a:srgbClr val="000000"/>
+              </a:buClr>
+              <a:buSzPts val="3600"/>
+              <a:buFont typeface="Arial"/>
+              <a:buNone/>
+            </a:pPr>
+            <a:r>
+              <a:rPr lang="en-US" sz="3600">
+                <a:solidFill>
+                  <a:srgbClr val="F2F2F2"/>
+                </a:solidFill>
+              </a:rPr>
+              <a:t>Backup Slides</a:t>
+            </a:r>
+            <a:endParaRPr b="0" i="0" sz="1400" u="none" cap="none" strike="noStrike">
+              <a:solidFill>
+                <a:srgbClr val="000000"/>
+              </a:solidFill>
+              <a:latin typeface="Arial"/>
+              <a:ea typeface="Arial"/>
+              <a:cs typeface="Arial"/>
+              <a:sym typeface="Arial"/>
+            </a:endParaRPr>
+          </a:p>
+        </p:txBody>
+      </p:sp>
+    </p:spTree>
+  </p:cSld>
+  <p:clrMapOvr>
+    <a:masterClrMapping/>
+  </p:clrMapOvr>
+</p:sld>
+</file>
+
+<file path=ppt/slides/slide14.xml><?xml version="1.0" encoding="utf-8"?>
+<p:sld xmlns:a="http://schemas.openxmlformats.org/drawingml/2006/main" xmlns:r="http://schemas.openxmlformats.org/officeDocument/2006/relationships" xmlns:mc="http://schemas.openxmlformats.org/markup-compatibility/2006" xmlns:mv="urn:schemas-microsoft-com:mac:vml" xmlns:p="http://schemas.openxmlformats.org/presentationml/2006/main" xmlns:c="http://schemas.openxmlformats.org/drawingml/2006/chart" xmlns:dgm="http://schemas.openxmlformats.org/drawingml/2006/diagram" xmlns:o="urn:schemas-microsoft-com:office:office" xmlns:v="urn:schemas-microsoft-com:vml" xmlns:pvml="urn:schemas-microsoft-com:office:powerpoint" xmlns:com="http://schemas.openxmlformats.org/drawingml/2006/compatibility" xmlns:p14="http://schemas.microsoft.com/office/powerpoint/2010/main" xmlns:p15="http://schemas.microsoft.com/office/powerpoint/2012/main">
+  <p:cSld>
+    <p:spTree>
+      <p:nvGrpSpPr>
+        <p:cNvPr id="222" name="Shape 222"/>
+        <p:cNvGrpSpPr/>
+        <p:nvPr/>
+      </p:nvGrpSpPr>
+      <p:grpSpPr>
+        <a:xfrm>
+          <a:off x="0" y="0"/>
+          <a:ext cx="0" cy="0"/>
+          <a:chOff x="0" y="0"/>
+          <a:chExt cx="0" cy="0"/>
+        </a:xfrm>
+      </p:grpSpPr>
+      <p:sp>
+        <p:nvSpPr>
+          <p:cNvPr id="223" name="Google Shape;223;g6176071063_1_25"/>
+          <p:cNvSpPr txBox="1"/>
+          <p:nvPr/>
+        </p:nvSpPr>
+        <p:spPr>
+          <a:xfrm>
+            <a:off x="7311426" y="461650"/>
+            <a:ext cx="863100" cy="889200"/>
+          </a:xfrm>
+          <a:prstGeom prst="rect">
+            <a:avLst/>
+          </a:prstGeom>
+          <a:noFill/>
+          <a:ln>
+            <a:noFill/>
+          </a:ln>
+        </p:spPr>
+        <p:txBody>
+          <a:bodyPr anchorCtr="0" anchor="ctr" bIns="91425" lIns="91425" spcFirstLastPara="1" rIns="91425" wrap="square" tIns="91425">
+            <a:noAutofit/>
+          </a:bodyPr>
+          <a:lstStyle/>
+          <a:p>
+            <a:pPr indent="0" lvl="0" marL="0" marR="0" rtl="0" algn="ctr">
+              <a:lnSpc>
+                <a:spcPct val="100000"/>
+              </a:lnSpc>
+              <a:spcBef>
+                <a:spcPts val="0"/>
+              </a:spcBef>
+              <a:spcAft>
+                <a:spcPts val="0"/>
+              </a:spcAft>
+              <a:buClr>
+                <a:srgbClr val="000000"/>
+              </a:buClr>
+              <a:buSzPts val="6000"/>
+              <a:buFont typeface="Arial"/>
+              <a:buNone/>
+            </a:pPr>
+            <a:r>
+              <a:rPr b="0" i="0" lang="en-US" sz="6000" u="none" cap="none" strike="noStrike">
+                <a:solidFill>
+                  <a:srgbClr val="FFFFFF"/>
+                </a:solidFill>
+                <a:latin typeface="Roboto Black"/>
+                <a:ea typeface="Roboto Black"/>
+                <a:cs typeface="Roboto Black"/>
+                <a:sym typeface="Roboto Black"/>
+              </a:rPr>
+              <a:t>A</a:t>
+            </a:r>
+            <a:endParaRPr b="0" i="0" sz="6000" u="none" cap="none" strike="noStrike">
+              <a:solidFill>
+                <a:srgbClr val="FFFFFF"/>
+              </a:solidFill>
+              <a:latin typeface="Roboto Black"/>
+              <a:ea typeface="Roboto Black"/>
+              <a:cs typeface="Roboto Black"/>
+              <a:sym typeface="Roboto Black"/>
+            </a:endParaRPr>
+          </a:p>
+        </p:txBody>
+      </p:sp>
+      <p:sp>
+        <p:nvSpPr>
+          <p:cNvPr id="224" name="Google Shape;224;g6176071063_1_25"/>
+          <p:cNvSpPr txBox="1"/>
+          <p:nvPr/>
+        </p:nvSpPr>
+        <p:spPr>
+          <a:xfrm>
+            <a:off x="1795938" y="911625"/>
+            <a:ext cx="4665900" cy="279300"/>
+          </a:xfrm>
+          <a:prstGeom prst="rect">
+            <a:avLst/>
+          </a:prstGeom>
+          <a:noFill/>
+          <a:ln>
+            <a:noFill/>
+          </a:ln>
+        </p:spPr>
+        <p:txBody>
+          <a:bodyPr anchorCtr="0" anchor="ctr" bIns="91425" lIns="91425" spcFirstLastPara="1" rIns="91425" wrap="square" tIns="91425">
+            <a:noAutofit/>
+          </a:bodyPr>
+          <a:lstStyle/>
+          <a:p>
+            <a:pPr indent="0" lvl="0" marL="0" marR="0" rtl="0" algn="r">
+              <a:lnSpc>
+                <a:spcPct val="100000"/>
+              </a:lnSpc>
+              <a:spcBef>
+                <a:spcPts val="0"/>
+              </a:spcBef>
+              <a:spcAft>
+                <a:spcPts val="0"/>
+              </a:spcAft>
+              <a:buClr>
+                <a:srgbClr val="000000"/>
+              </a:buClr>
+              <a:buSzPts val="1800"/>
+              <a:buFont typeface="Arial"/>
+              <a:buNone/>
+            </a:pPr>
+            <a:r>
+              <a:rPr b="1" lang="en-US" sz="1800">
+                <a:solidFill>
+                  <a:srgbClr val="F04B4C"/>
+                </a:solidFill>
+                <a:latin typeface="Roboto"/>
+                <a:ea typeface="Roboto"/>
+                <a:cs typeface="Roboto"/>
+                <a:sym typeface="Roboto"/>
+              </a:rPr>
+              <a:t>Project Plan / Sprint Planning</a:t>
+            </a:r>
+            <a:endParaRPr b="1" i="0" sz="1800" u="none" cap="none" strike="noStrike">
+              <a:solidFill>
+                <a:srgbClr val="F04B4C"/>
+              </a:solidFill>
+              <a:latin typeface="Roboto"/>
+              <a:ea typeface="Roboto"/>
+              <a:cs typeface="Roboto"/>
+              <a:sym typeface="Roboto"/>
+            </a:endParaRPr>
+          </a:p>
+        </p:txBody>
+      </p:sp>
+      <p:cxnSp>
+        <p:nvCxnSpPr>
+          <p:cNvPr id="225" name="Google Shape;225;g6176071063_1_25"/>
+          <p:cNvCxnSpPr/>
+          <p:nvPr/>
+        </p:nvCxnSpPr>
+        <p:spPr>
+          <a:xfrm rot="10800000">
+            <a:off x="925550" y="1420150"/>
+            <a:ext cx="7157100" cy="0"/>
+          </a:xfrm>
+          <a:prstGeom prst="straightConnector1">
+            <a:avLst/>
+          </a:prstGeom>
+          <a:noFill/>
+          <a:ln cap="flat" cmpd="sng" w="9525">
+            <a:solidFill>
+              <a:srgbClr val="CCCCCC"/>
+            </a:solidFill>
+            <a:prstDash val="solid"/>
+            <a:round/>
+            <a:headEnd len="sm" w="sm" type="none"/>
+            <a:tailEnd len="sm" w="sm" type="none"/>
+          </a:ln>
+        </p:spPr>
+      </p:cxnSp>
+      <p:sp>
+        <p:nvSpPr>
+          <p:cNvPr id="226" name="Google Shape;226;g6176071063_1_25"/>
+          <p:cNvSpPr/>
+          <p:nvPr/>
+        </p:nvSpPr>
+        <p:spPr>
+          <a:xfrm flipH="1">
+            <a:off x="7879200" y="3878825"/>
+            <a:ext cx="1264800" cy="1264800"/>
+          </a:xfrm>
+          <a:prstGeom prst="rtTriangle">
+            <a:avLst/>
+          </a:prstGeom>
+          <a:solidFill>
+            <a:srgbClr val="2F475B"/>
+          </a:solidFill>
+          <a:ln>
+            <a:noFill/>
+          </a:ln>
+        </p:spPr>
+        <p:txBody>
+          <a:bodyPr anchorCtr="0" anchor="ctr" bIns="91425" lIns="91425" spcFirstLastPara="1" rIns="91425" wrap="square" tIns="91425">
+            <a:noAutofit/>
+          </a:bodyPr>
+          <a:lstStyle/>
+          <a:p>
+            <a:pPr indent="0" lvl="0" marL="0" marR="0" rtl="0" algn="l">
+              <a:lnSpc>
+                <a:spcPct val="100000"/>
+              </a:lnSpc>
+              <a:spcBef>
+                <a:spcPts val="0"/>
+              </a:spcBef>
+              <a:spcAft>
+                <a:spcPts val="0"/>
+              </a:spcAft>
+              <a:buClr>
+                <a:srgbClr val="000000"/>
+              </a:buClr>
+              <a:buSzPts val="1400"/>
+              <a:buFont typeface="Arial"/>
+              <a:buNone/>
+            </a:pPr>
+            <a:r>
+              <a:t/>
+            </a:r>
+            <a:endParaRPr b="0" i="0" sz="1400" u="none" cap="none" strike="noStrike">
+              <a:solidFill>
+                <a:srgbClr val="000000"/>
+              </a:solidFill>
+              <a:latin typeface="Arial"/>
+              <a:ea typeface="Arial"/>
+              <a:cs typeface="Arial"/>
+              <a:sym typeface="Arial"/>
+            </a:endParaRPr>
+          </a:p>
+        </p:txBody>
+      </p:sp>
+      <p:sp>
+        <p:nvSpPr>
+          <p:cNvPr id="227" name="Google Shape;227;g6176071063_1_25"/>
+          <p:cNvSpPr/>
+          <p:nvPr/>
+        </p:nvSpPr>
+        <p:spPr>
+          <a:xfrm rot="5400000">
+            <a:off x="0" y="0"/>
+            <a:ext cx="1179900" cy="1179900"/>
+          </a:xfrm>
+          <a:prstGeom prst="rtTriangle">
+            <a:avLst/>
+          </a:prstGeom>
+          <a:solidFill>
+            <a:srgbClr val="B7B7B7"/>
+          </a:solidFill>
+          <a:ln>
+            <a:noFill/>
+          </a:ln>
+        </p:spPr>
+        <p:txBody>
+          <a:bodyPr anchorCtr="0" anchor="ctr" bIns="91425" lIns="91425" spcFirstLastPara="1" rIns="91425" wrap="square" tIns="91425">
+            <a:noAutofit/>
+          </a:bodyPr>
+          <a:lstStyle/>
+          <a:p>
+            <a:pPr indent="0" lvl="0" marL="0" marR="0" rtl="0" algn="l">
+              <a:lnSpc>
+                <a:spcPct val="100000"/>
+              </a:lnSpc>
+              <a:spcBef>
+                <a:spcPts val="0"/>
+              </a:spcBef>
+              <a:spcAft>
+                <a:spcPts val="0"/>
+              </a:spcAft>
+              <a:buClr>
+                <a:srgbClr val="000000"/>
+              </a:buClr>
+              <a:buSzPts val="1400"/>
+              <a:buFont typeface="Arial"/>
+              <a:buNone/>
+            </a:pPr>
+            <a:r>
+              <a:t/>
+            </a:r>
+            <a:endParaRPr b="0" i="0" sz="1400" u="none" cap="none" strike="noStrike">
+              <a:solidFill>
+                <a:srgbClr val="000000"/>
+              </a:solidFill>
+              <a:latin typeface="Arial"/>
+              <a:ea typeface="Arial"/>
+              <a:cs typeface="Arial"/>
+              <a:sym typeface="Arial"/>
+            </a:endParaRPr>
+          </a:p>
+        </p:txBody>
+      </p:sp>
+      <p:sp>
+        <p:nvSpPr>
+          <p:cNvPr id="228" name="Google Shape;228;g6176071063_1_25"/>
+          <p:cNvSpPr txBox="1"/>
+          <p:nvPr/>
+        </p:nvSpPr>
+        <p:spPr>
+          <a:xfrm>
+            <a:off x="7108600" y="842350"/>
+            <a:ext cx="493500" cy="508500"/>
+          </a:xfrm>
+          <a:prstGeom prst="rect">
+            <a:avLst/>
+          </a:prstGeom>
+          <a:noFill/>
+          <a:ln>
+            <a:noFill/>
+          </a:ln>
+        </p:spPr>
+        <p:txBody>
+          <a:bodyPr anchorCtr="0" anchor="b" bIns="91425" lIns="91425" spcFirstLastPara="1" rIns="91425" wrap="square" tIns="91425">
+            <a:noAutofit/>
+          </a:bodyPr>
+          <a:lstStyle/>
+          <a:p>
+            <a:pPr indent="0" lvl="0" marL="0" marR="0" rtl="0" algn="ctr">
+              <a:lnSpc>
+                <a:spcPct val="100000"/>
+              </a:lnSpc>
+              <a:spcBef>
+                <a:spcPts val="0"/>
+              </a:spcBef>
+              <a:spcAft>
+                <a:spcPts val="0"/>
+              </a:spcAft>
+              <a:buClr>
+                <a:srgbClr val="000000"/>
+              </a:buClr>
+              <a:buSzPts val="2400"/>
+              <a:buFont typeface="Arial"/>
+              <a:buNone/>
+            </a:pPr>
+            <a:r>
+              <a:t/>
+            </a:r>
+            <a:endParaRPr b="0" i="0" sz="2400" u="none" cap="none" strike="noStrike">
+              <a:solidFill>
+                <a:srgbClr val="F04B4C"/>
+              </a:solidFill>
+              <a:latin typeface="Roboto Black"/>
+              <a:ea typeface="Roboto Black"/>
+              <a:cs typeface="Roboto Black"/>
+              <a:sym typeface="Roboto Black"/>
+            </a:endParaRPr>
+          </a:p>
+        </p:txBody>
+      </p:sp>
+      <p:sp>
+        <p:nvSpPr>
+          <p:cNvPr id="229" name="Google Shape;229;g6176071063_1_25"/>
+          <p:cNvSpPr txBox="1"/>
+          <p:nvPr/>
+        </p:nvSpPr>
+        <p:spPr>
+          <a:xfrm>
+            <a:off x="1053200" y="1943100"/>
+            <a:ext cx="6784500" cy="2032800"/>
+          </a:xfrm>
+          <a:prstGeom prst="rect">
+            <a:avLst/>
+          </a:prstGeom>
+          <a:noFill/>
+          <a:ln>
+            <a:noFill/>
+          </a:ln>
+        </p:spPr>
+        <p:txBody>
+          <a:bodyPr anchorCtr="0" anchor="t" bIns="91425" lIns="91425" spcFirstLastPara="1" rIns="91425" wrap="square" tIns="91425">
+            <a:noAutofit/>
+          </a:bodyPr>
+          <a:lstStyle/>
+          <a:p>
+            <a:pPr indent="0" lvl="0" marL="0" rtl="0" algn="l">
+              <a:spcBef>
+                <a:spcPts val="0"/>
+              </a:spcBef>
+              <a:spcAft>
+                <a:spcPts val="0"/>
+              </a:spcAft>
+              <a:buNone/>
+            </a:pPr>
+            <a:r>
+              <a:rPr lang="en-US"/>
+              <a:t>Link to Project Plan / Sprint Planning:</a:t>
+            </a:r>
             <a:endParaRPr/>
+          </a:p>
+          <a:p>
+            <a:pPr indent="0" lvl="0" marL="0" rtl="0" algn="l">
+              <a:spcBef>
+                <a:spcPts val="0"/>
+              </a:spcBef>
+              <a:spcAft>
+                <a:spcPts val="0"/>
+              </a:spcAft>
+              <a:buNone/>
+            </a:pPr>
+            <a:r>
+              <a:t/>
+            </a:r>
+            <a:endParaRPr/>
+          </a:p>
+          <a:p>
+            <a:pPr indent="0" lvl="0" marL="0" rtl="0" algn="l">
+              <a:spcBef>
+                <a:spcPts val="0"/>
+              </a:spcBef>
+              <a:spcAft>
+                <a:spcPts val="0"/>
+              </a:spcAft>
+              <a:buNone/>
+            </a:pPr>
+            <a:r>
+              <a:rPr lang="en-US"/>
+              <a:t>Comments</a:t>
+            </a:r>
+            <a:endParaRPr/>
+          </a:p>
+          <a:p>
+            <a:pPr indent="0" lvl="0" marL="0" rtl="0" algn="l">
+              <a:spcBef>
+                <a:spcPts val="0"/>
+              </a:spcBef>
+              <a:spcAft>
+                <a:spcPts val="0"/>
+              </a:spcAft>
+              <a:buNone/>
+            </a:pPr>
+            <a:r>
+              <a:t/>
+            </a:r>
+            <a:endParaRPr/>
+          </a:p>
+          <a:p>
+            <a:pPr indent="-317500" lvl="0" marL="457200" rtl="0" algn="l">
+              <a:spcBef>
+                <a:spcPts val="0"/>
+              </a:spcBef>
+              <a:spcAft>
+                <a:spcPts val="0"/>
+              </a:spcAft>
+              <a:buSzPts val="1400"/>
+              <a:buAutoNum type="arabicPeriod"/>
+            </a:pPr>
+            <a:r>
+              <a:rPr lang="en-US"/>
+              <a:t>At this time, User Stories are very high level to allow for later decisions / design to be made during implementation</a:t>
+            </a:r>
+            <a:endParaRPr/>
+          </a:p>
+          <a:p>
+            <a:pPr indent="-317500" lvl="0" marL="457200" rtl="0" algn="l">
+              <a:spcBef>
+                <a:spcPts val="0"/>
+              </a:spcBef>
+              <a:spcAft>
+                <a:spcPts val="0"/>
+              </a:spcAft>
+              <a:buSzPts val="1400"/>
+              <a:buAutoNum type="arabicPeriod"/>
+            </a:pPr>
+            <a:r>
+              <a:rPr lang="en-US"/>
+              <a:t>We’ve slotted a single user story for the first sprint (but it will probably slip to the next sprint, to first setup web application infrastructure)</a:t>
+            </a:r>
+            <a:endParaRPr/>
+          </a:p>
+        </p:txBody>
+      </p:sp>
+    </p:spTree>
+  </p:cSld>
+  <p:clrMapOvr>
+    <a:masterClrMapping/>
+  </p:clrMapOvr>
+</p:sld>
+</file>
+
+<file path=ppt/slides/slide15.xml><?xml version="1.0" encoding="utf-8"?>
+<p:sld xmlns:a="http://schemas.openxmlformats.org/drawingml/2006/main" xmlns:r="http://schemas.openxmlformats.org/officeDocument/2006/relationships" xmlns:mc="http://schemas.openxmlformats.org/markup-compatibility/2006" xmlns:mv="urn:schemas-microsoft-com:mac:vml" xmlns:p="http://schemas.openxmlformats.org/presentationml/2006/main" xmlns:c="http://schemas.openxmlformats.org/drawingml/2006/chart" xmlns:dgm="http://schemas.openxmlformats.org/drawingml/2006/diagram" xmlns:o="urn:schemas-microsoft-com:office:office" xmlns:v="urn:schemas-microsoft-com:vml" xmlns:pvml="urn:schemas-microsoft-com:office:powerpoint" xmlns:com="http://schemas.openxmlformats.org/drawingml/2006/compatibility" xmlns:p14="http://schemas.microsoft.com/office/powerpoint/2010/main" xmlns:p15="http://schemas.microsoft.com/office/powerpoint/2012/main">
+  <p:cSld>
+    <p:spTree>
+      <p:nvGrpSpPr>
+        <p:cNvPr id="233" name="Shape 233"/>
+        <p:cNvGrpSpPr/>
+        <p:nvPr/>
+      </p:nvGrpSpPr>
+      <p:grpSpPr>
+        <a:xfrm>
+          <a:off x="0" y="0"/>
+          <a:ext cx="0" cy="0"/>
+          <a:chOff x="0" y="0"/>
+          <a:chExt cx="0" cy="0"/>
+        </a:xfrm>
+      </p:grpSpPr>
+      <p:sp>
+        <p:nvSpPr>
+          <p:cNvPr id="234" name="Google Shape;234;g6176071063_1_44"/>
+          <p:cNvSpPr txBox="1"/>
+          <p:nvPr/>
+        </p:nvSpPr>
+        <p:spPr>
+          <a:xfrm>
+            <a:off x="7311426" y="461650"/>
+            <a:ext cx="863100" cy="889200"/>
+          </a:xfrm>
+          <a:prstGeom prst="rect">
+            <a:avLst/>
+          </a:prstGeom>
+          <a:noFill/>
+          <a:ln>
+            <a:noFill/>
+          </a:ln>
+        </p:spPr>
+        <p:txBody>
+          <a:bodyPr anchorCtr="0" anchor="ctr" bIns="91425" lIns="91425" spcFirstLastPara="1" rIns="91425" wrap="square" tIns="91425">
+            <a:noAutofit/>
+          </a:bodyPr>
+          <a:lstStyle/>
+          <a:p>
+            <a:pPr indent="0" lvl="0" marL="0" marR="0" rtl="0" algn="ctr">
+              <a:lnSpc>
+                <a:spcPct val="100000"/>
+              </a:lnSpc>
+              <a:spcBef>
+                <a:spcPts val="0"/>
+              </a:spcBef>
+              <a:spcAft>
+                <a:spcPts val="0"/>
+              </a:spcAft>
+              <a:buClr>
+                <a:srgbClr val="000000"/>
+              </a:buClr>
+              <a:buSzPts val="6000"/>
+              <a:buFont typeface="Arial"/>
+              <a:buNone/>
+            </a:pPr>
+            <a:r>
+              <a:rPr b="0" i="0" lang="en-US" sz="6000" u="none" cap="none" strike="noStrike">
+                <a:solidFill>
+                  <a:srgbClr val="FFFFFF"/>
+                </a:solidFill>
+                <a:latin typeface="Roboto Black"/>
+                <a:ea typeface="Roboto Black"/>
+                <a:cs typeface="Roboto Black"/>
+                <a:sym typeface="Roboto Black"/>
+              </a:rPr>
+              <a:t>A</a:t>
+            </a:r>
+            <a:endParaRPr b="0" i="0" sz="6000" u="none" cap="none" strike="noStrike">
+              <a:solidFill>
+                <a:srgbClr val="FFFFFF"/>
+              </a:solidFill>
+              <a:latin typeface="Roboto Black"/>
+              <a:ea typeface="Roboto Black"/>
+              <a:cs typeface="Roboto Black"/>
+              <a:sym typeface="Roboto Black"/>
+            </a:endParaRPr>
+          </a:p>
+        </p:txBody>
+      </p:sp>
+      <p:sp>
+        <p:nvSpPr>
+          <p:cNvPr id="235" name="Google Shape;235;g6176071063_1_44"/>
+          <p:cNvSpPr txBox="1"/>
+          <p:nvPr/>
+        </p:nvSpPr>
+        <p:spPr>
+          <a:xfrm>
+            <a:off x="1795938" y="911625"/>
+            <a:ext cx="4665900" cy="279300"/>
+          </a:xfrm>
+          <a:prstGeom prst="rect">
+            <a:avLst/>
+          </a:prstGeom>
+          <a:noFill/>
+          <a:ln>
+            <a:noFill/>
+          </a:ln>
+        </p:spPr>
+        <p:txBody>
+          <a:bodyPr anchorCtr="0" anchor="ctr" bIns="91425" lIns="91425" spcFirstLastPara="1" rIns="91425" wrap="square" tIns="91425">
+            <a:noAutofit/>
+          </a:bodyPr>
+          <a:lstStyle/>
+          <a:p>
+            <a:pPr indent="0" lvl="0" marL="0" marR="0" rtl="0" algn="r">
+              <a:lnSpc>
+                <a:spcPct val="100000"/>
+              </a:lnSpc>
+              <a:spcBef>
+                <a:spcPts val="0"/>
+              </a:spcBef>
+              <a:spcAft>
+                <a:spcPts val="0"/>
+              </a:spcAft>
+              <a:buClr>
+                <a:srgbClr val="000000"/>
+              </a:buClr>
+              <a:buSzPts val="1800"/>
+              <a:buFont typeface="Arial"/>
+              <a:buNone/>
+            </a:pPr>
+            <a:r>
+              <a:rPr b="1" lang="en-US" sz="1800">
+                <a:solidFill>
+                  <a:srgbClr val="F04B4C"/>
+                </a:solidFill>
+                <a:latin typeface="Roboto"/>
+                <a:ea typeface="Roboto"/>
+                <a:cs typeface="Roboto"/>
+                <a:sym typeface="Roboto"/>
+              </a:rPr>
+              <a:t>Test Plan</a:t>
+            </a:r>
+            <a:endParaRPr b="1" i="0" sz="1800" u="none" cap="none" strike="noStrike">
+              <a:solidFill>
+                <a:srgbClr val="F04B4C"/>
+              </a:solidFill>
+              <a:latin typeface="Roboto"/>
+              <a:ea typeface="Roboto"/>
+              <a:cs typeface="Roboto"/>
+              <a:sym typeface="Roboto"/>
+            </a:endParaRPr>
+          </a:p>
+        </p:txBody>
+      </p:sp>
+      <p:cxnSp>
+        <p:nvCxnSpPr>
+          <p:cNvPr id="236" name="Google Shape;236;g6176071063_1_44"/>
+          <p:cNvCxnSpPr/>
+          <p:nvPr/>
+        </p:nvCxnSpPr>
+        <p:spPr>
+          <a:xfrm rot="10800000">
+            <a:off x="925550" y="1420150"/>
+            <a:ext cx="7157100" cy="0"/>
+          </a:xfrm>
+          <a:prstGeom prst="straightConnector1">
+            <a:avLst/>
+          </a:prstGeom>
+          <a:noFill/>
+          <a:ln cap="flat" cmpd="sng" w="9525">
+            <a:solidFill>
+              <a:srgbClr val="CCCCCC"/>
+            </a:solidFill>
+            <a:prstDash val="solid"/>
+            <a:round/>
+            <a:headEnd len="sm" w="sm" type="none"/>
+            <a:tailEnd len="sm" w="sm" type="none"/>
+          </a:ln>
+        </p:spPr>
+      </p:cxnSp>
+      <p:sp>
+        <p:nvSpPr>
+          <p:cNvPr id="237" name="Google Shape;237;g6176071063_1_44"/>
+          <p:cNvSpPr/>
+          <p:nvPr/>
+        </p:nvSpPr>
+        <p:spPr>
+          <a:xfrm flipH="1">
+            <a:off x="7879200" y="3878825"/>
+            <a:ext cx="1264800" cy="1264800"/>
+          </a:xfrm>
+          <a:prstGeom prst="rtTriangle">
+            <a:avLst/>
+          </a:prstGeom>
+          <a:solidFill>
+            <a:srgbClr val="2F475B"/>
+          </a:solidFill>
+          <a:ln>
+            <a:noFill/>
+          </a:ln>
+        </p:spPr>
+        <p:txBody>
+          <a:bodyPr anchorCtr="0" anchor="ctr" bIns="91425" lIns="91425" spcFirstLastPara="1" rIns="91425" wrap="square" tIns="91425">
+            <a:noAutofit/>
+          </a:bodyPr>
+          <a:lstStyle/>
+          <a:p>
+            <a:pPr indent="0" lvl="0" marL="0" marR="0" rtl="0" algn="l">
+              <a:lnSpc>
+                <a:spcPct val="100000"/>
+              </a:lnSpc>
+              <a:spcBef>
+                <a:spcPts val="0"/>
+              </a:spcBef>
+              <a:spcAft>
+                <a:spcPts val="0"/>
+              </a:spcAft>
+              <a:buClr>
+                <a:srgbClr val="000000"/>
+              </a:buClr>
+              <a:buSzPts val="1400"/>
+              <a:buFont typeface="Arial"/>
+              <a:buNone/>
+            </a:pPr>
+            <a:r>
+              <a:t/>
+            </a:r>
+            <a:endParaRPr b="0" i="0" sz="1400" u="none" cap="none" strike="noStrike">
+              <a:solidFill>
+                <a:srgbClr val="000000"/>
+              </a:solidFill>
+              <a:latin typeface="Arial"/>
+              <a:ea typeface="Arial"/>
+              <a:cs typeface="Arial"/>
+              <a:sym typeface="Arial"/>
+            </a:endParaRPr>
+          </a:p>
+        </p:txBody>
+      </p:sp>
+      <p:sp>
+        <p:nvSpPr>
+          <p:cNvPr id="238" name="Google Shape;238;g6176071063_1_44"/>
+          <p:cNvSpPr/>
+          <p:nvPr/>
+        </p:nvSpPr>
+        <p:spPr>
+          <a:xfrm rot="5400000">
+            <a:off x="0" y="0"/>
+            <a:ext cx="1179900" cy="1179900"/>
+          </a:xfrm>
+          <a:prstGeom prst="rtTriangle">
+            <a:avLst/>
+          </a:prstGeom>
+          <a:solidFill>
+            <a:srgbClr val="B7B7B7"/>
+          </a:solidFill>
+          <a:ln>
+            <a:noFill/>
+          </a:ln>
+        </p:spPr>
+        <p:txBody>
+          <a:bodyPr anchorCtr="0" anchor="ctr" bIns="91425" lIns="91425" spcFirstLastPara="1" rIns="91425" wrap="square" tIns="91425">
+            <a:noAutofit/>
+          </a:bodyPr>
+          <a:lstStyle/>
+          <a:p>
+            <a:pPr indent="0" lvl="0" marL="0" marR="0" rtl="0" algn="l">
+              <a:lnSpc>
+                <a:spcPct val="100000"/>
+              </a:lnSpc>
+              <a:spcBef>
+                <a:spcPts val="0"/>
+              </a:spcBef>
+              <a:spcAft>
+                <a:spcPts val="0"/>
+              </a:spcAft>
+              <a:buClr>
+                <a:srgbClr val="000000"/>
+              </a:buClr>
+              <a:buSzPts val="1400"/>
+              <a:buFont typeface="Arial"/>
+              <a:buNone/>
+            </a:pPr>
+            <a:r>
+              <a:t/>
+            </a:r>
+            <a:endParaRPr b="0" i="0" sz="1400" u="none" cap="none" strike="noStrike">
+              <a:solidFill>
+                <a:srgbClr val="000000"/>
+              </a:solidFill>
+              <a:latin typeface="Arial"/>
+              <a:ea typeface="Arial"/>
+              <a:cs typeface="Arial"/>
+              <a:sym typeface="Arial"/>
+            </a:endParaRPr>
+          </a:p>
+        </p:txBody>
+      </p:sp>
+      <p:sp>
+        <p:nvSpPr>
+          <p:cNvPr id="239" name="Google Shape;239;g6176071063_1_44"/>
+          <p:cNvSpPr txBox="1"/>
+          <p:nvPr/>
+        </p:nvSpPr>
+        <p:spPr>
+          <a:xfrm>
+            <a:off x="7108600" y="842350"/>
+            <a:ext cx="493500" cy="508500"/>
+          </a:xfrm>
+          <a:prstGeom prst="rect">
+            <a:avLst/>
+          </a:prstGeom>
+          <a:noFill/>
+          <a:ln>
+            <a:noFill/>
+          </a:ln>
+        </p:spPr>
+        <p:txBody>
+          <a:bodyPr anchorCtr="0" anchor="b" bIns="91425" lIns="91425" spcFirstLastPara="1" rIns="91425" wrap="square" tIns="91425">
+            <a:noAutofit/>
+          </a:bodyPr>
+          <a:lstStyle/>
+          <a:p>
+            <a:pPr indent="0" lvl="0" marL="0" marR="0" rtl="0" algn="ctr">
+              <a:lnSpc>
+                <a:spcPct val="100000"/>
+              </a:lnSpc>
+              <a:spcBef>
+                <a:spcPts val="0"/>
+              </a:spcBef>
+              <a:spcAft>
+                <a:spcPts val="0"/>
+              </a:spcAft>
+              <a:buClr>
+                <a:srgbClr val="000000"/>
+              </a:buClr>
+              <a:buSzPts val="2400"/>
+              <a:buFont typeface="Arial"/>
+              <a:buNone/>
+            </a:pPr>
+            <a:r>
+              <a:t/>
+            </a:r>
+            <a:endParaRPr b="0" i="0" sz="2400" u="none" cap="none" strike="noStrike">
+              <a:solidFill>
+                <a:srgbClr val="F04B4C"/>
+              </a:solidFill>
+              <a:latin typeface="Roboto Black"/>
+              <a:ea typeface="Roboto Black"/>
+              <a:cs typeface="Roboto Black"/>
+              <a:sym typeface="Roboto Black"/>
+            </a:endParaRPr>
           </a:p>
         </p:txBody>
       </p:sp>
@@ -12306,13 +15763,34 @@
               <a:spcAft>
                 <a:spcPts val="0"/>
               </a:spcAft>
+              <a:buClr>
+                <a:srgbClr val="000000"/>
+              </a:buClr>
+              <a:buSzPts val="1400"/>
+              <a:buFont typeface="Arial"/>
               <a:buNone/>
             </a:pPr>
             <a:r>
-              <a:rPr lang="en-US"/>
+              <a:rPr b="0" i="0" lang="en-US" sz="1400" u="none" cap="none" strike="noStrike">
+                <a:solidFill>
+                  <a:srgbClr val="000000"/>
+                </a:solidFill>
+                <a:latin typeface="Arial"/>
+                <a:ea typeface="Arial"/>
+                <a:cs typeface="Arial"/>
+                <a:sym typeface="Arial"/>
+              </a:rPr>
               <a:t>In this presentation we are going to discuss the architectural and design aspects of our web application. We also present a high level architecture diagram of how the system would work and what components would it comprise of.</a:t>
             </a:r>
-            <a:endParaRPr/>
+            <a:endParaRPr b="0" i="0" sz="1400" u="none" cap="none" strike="noStrike">
+              <a:solidFill>
+                <a:srgbClr val="000000"/>
+              </a:solidFill>
+              <a:latin typeface="Arial"/>
+              <a:ea typeface="Arial"/>
+              <a:cs typeface="Arial"/>
+              <a:sym typeface="Arial"/>
+            </a:endParaRPr>
           </a:p>
         </p:txBody>
       </p:sp>
@@ -12698,7 +16176,7 @@
             <a:tbl>
               <a:tblPr>
                 <a:noFill/>
-                <a:tableStyleId>{AD800C67-6264-49F5-A087-044EE7C432AC}</a:tableStyleId>
+                <a:tableStyleId>{9951EFF6-31DD-4FAD-840B-583AB0E2091B}</a:tableStyleId>
               </a:tblPr>
               <a:tblGrid>
                 <a:gridCol w="1498600"/>
@@ -12720,6 +16198,11 @@
                         <a:spcAft>
                           <a:spcPts val="0"/>
                         </a:spcAft>
+                        <a:buClr>
+                          <a:srgbClr val="000000"/>
+                        </a:buClr>
+                        <a:buSzPts val="1800"/>
+                        <a:buFont typeface="Arial"/>
                         <a:buNone/>
                       </a:pPr>
                       <a:r>
@@ -12798,6 +16281,11 @@
                         <a:spcAft>
                           <a:spcPts val="0"/>
                         </a:spcAft>
+                        <a:buClr>
+                          <a:srgbClr val="000000"/>
+                        </a:buClr>
+                        <a:buSzPts val="1800"/>
+                        <a:buFont typeface="Arial"/>
                         <a:buNone/>
                       </a:pPr>
                       <a:r>
@@ -12878,6 +16366,11 @@
                         <a:spcAft>
                           <a:spcPts val="0"/>
                         </a:spcAft>
+                        <a:buClr>
+                          <a:srgbClr val="000000"/>
+                        </a:buClr>
+                        <a:buSzPts val="1400"/>
+                        <a:buFont typeface="Arial"/>
                         <a:buNone/>
                       </a:pPr>
                       <a:r>
@@ -12956,6 +16449,11 @@
                         <a:spcAft>
                           <a:spcPts val="0"/>
                         </a:spcAft>
+                        <a:buClr>
+                          <a:srgbClr val="000000"/>
+                        </a:buClr>
+                        <a:buSzPts val="1400"/>
+                        <a:buFont typeface="Arial"/>
                         <a:buNone/>
                       </a:pPr>
                       <a:r>
@@ -13036,6 +16534,11 @@
                         <a:spcAft>
                           <a:spcPts val="0"/>
                         </a:spcAft>
+                        <a:buClr>
+                          <a:srgbClr val="000000"/>
+                        </a:buClr>
+                        <a:buSzPts val="1400"/>
+                        <a:buFont typeface="Arial"/>
                         <a:buNone/>
                       </a:pPr>
                       <a:r>
@@ -13114,6 +16617,11 @@
                         <a:spcAft>
                           <a:spcPts val="0"/>
                         </a:spcAft>
+                        <a:buClr>
+                          <a:srgbClr val="000000"/>
+                        </a:buClr>
+                        <a:buSzPts val="1400"/>
+                        <a:buFont typeface="Arial"/>
                         <a:buNone/>
                       </a:pPr>
                       <a:r>
@@ -13194,6 +16702,11 @@
                         <a:spcAft>
                           <a:spcPts val="0"/>
                         </a:spcAft>
+                        <a:buClr>
+                          <a:srgbClr val="000000"/>
+                        </a:buClr>
+                        <a:buSzPts val="1400"/>
+                        <a:buFont typeface="Arial"/>
                         <a:buNone/>
                       </a:pPr>
                       <a:r>
@@ -13272,6 +16785,11 @@
                         <a:spcAft>
                           <a:spcPts val="0"/>
                         </a:spcAft>
+                        <a:buClr>
+                          <a:srgbClr val="000000"/>
+                        </a:buClr>
+                        <a:buSzPts val="1400"/>
+                        <a:buFont typeface="Arial"/>
                         <a:buNone/>
                       </a:pPr>
                       <a:r>
@@ -13352,6 +16870,11 @@
                         <a:spcAft>
                           <a:spcPts val="0"/>
                         </a:spcAft>
+                        <a:buClr>
+                          <a:srgbClr val="000000"/>
+                        </a:buClr>
+                        <a:buSzPts val="1400"/>
+                        <a:buFont typeface="Arial"/>
                         <a:buNone/>
                       </a:pPr>
                       <a:r>
@@ -13430,6 +16953,11 @@
                         <a:spcAft>
                           <a:spcPts val="0"/>
                         </a:spcAft>
+                        <a:buClr>
+                          <a:srgbClr val="000000"/>
+                        </a:buClr>
+                        <a:buSzPts val="1400"/>
+                        <a:buFont typeface="Arial"/>
                         <a:buNone/>
                       </a:pPr>
                       <a:r>
@@ -13510,6 +17038,11 @@
                         <a:spcAft>
                           <a:spcPts val="0"/>
                         </a:spcAft>
+                        <a:buClr>
+                          <a:srgbClr val="000000"/>
+                        </a:buClr>
+                        <a:buSzPts val="1400"/>
+                        <a:buFont typeface="Arial"/>
                         <a:buNone/>
                       </a:pPr>
                       <a:r>
@@ -13588,6 +17121,11 @@
                         <a:spcAft>
                           <a:spcPts val="0"/>
                         </a:spcAft>
+                        <a:buClr>
+                          <a:srgbClr val="000000"/>
+                        </a:buClr>
+                        <a:buSzPts val="1400"/>
+                        <a:buFont typeface="Arial"/>
                         <a:buNone/>
                       </a:pPr>
                       <a:r>
@@ -14066,42 +17604,6 @@
               <a:buChar char="•"/>
             </a:pPr>
             <a:r>
-              <a:rPr lang="en-US">
-                <a:solidFill>
-                  <a:srgbClr val="2F475B"/>
-                </a:solidFill>
-              </a:rPr>
-              <a:t>MongoDB</a:t>
-            </a:r>
-            <a:endParaRPr/>
-          </a:p>
-          <a:p>
-            <a:pPr indent="-285750" lvl="0" marL="285750" marR="0" rtl="0" algn="l">
-              <a:lnSpc>
-                <a:spcPct val="100000"/>
-              </a:lnSpc>
-              <a:spcBef>
-                <a:spcPts val="0"/>
-              </a:spcBef>
-              <a:spcAft>
-                <a:spcPts val="0"/>
-              </a:spcAft>
-              <a:buClr>
-                <a:srgbClr val="000000"/>
-              </a:buClr>
-              <a:buSzPts val="1400"/>
-              <a:buFont typeface="Arial"/>
-              <a:buChar char="•"/>
-            </a:pPr>
-            <a:r>
-              <a:rPr lang="en-US">
-                <a:solidFill>
-                  <a:srgbClr val="2F475B"/>
-                </a:solidFill>
-              </a:rPr>
-              <a:t>Express.js</a:t>
-            </a:r>
-            <a:r>
               <a:rPr b="0" i="0" lang="en-US" sz="1400" u="none" cap="none" strike="noStrike">
                 <a:solidFill>
                   <a:srgbClr val="2F475B"/>
@@ -14111,9 +17613,17 @@
                 <a:cs typeface="Arial"/>
                 <a:sym typeface="Arial"/>
               </a:rPr>
-              <a:t> </a:t>
+              <a:t>MongoDB</a:t>
             </a:r>
-            <a:endParaRPr/>
+            <a:endParaRPr b="0" i="0" sz="1400" u="none" cap="none" strike="noStrike">
+              <a:solidFill>
+                <a:srgbClr val="000000"/>
+              </a:solidFill>
+              <a:latin typeface="Arial"/>
+              <a:ea typeface="Arial"/>
+              <a:cs typeface="Arial"/>
+              <a:sym typeface="Arial"/>
+            </a:endParaRPr>
           </a:p>
           <a:p>
             <a:pPr indent="-285750" lvl="0" marL="285750" marR="0" rtl="0" algn="l">
@@ -14134,14 +17644,66 @@
               <a:buChar char="•"/>
             </a:pPr>
             <a:r>
-              <a:rPr lang="en-US">
+              <a:rPr b="0" i="0" lang="en-US" sz="1400" u="none" cap="none" strike="noStrike">
                 <a:solidFill>
                   <a:srgbClr val="2F475B"/>
                 </a:solidFill>
+                <a:latin typeface="Arial"/>
+                <a:ea typeface="Arial"/>
+                <a:cs typeface="Arial"/>
+                <a:sym typeface="Arial"/>
+              </a:rPr>
+              <a:t>Express.js </a:t>
+            </a:r>
+            <a:endParaRPr b="0" i="0" sz="1400" u="none" cap="none" strike="noStrike">
+              <a:solidFill>
+                <a:srgbClr val="000000"/>
+              </a:solidFill>
+              <a:latin typeface="Arial"/>
+              <a:ea typeface="Arial"/>
+              <a:cs typeface="Arial"/>
+              <a:sym typeface="Arial"/>
+            </a:endParaRPr>
+          </a:p>
+          <a:p>
+            <a:pPr indent="-285750" lvl="0" marL="285750" marR="0" rtl="0" algn="l">
+              <a:lnSpc>
+                <a:spcPct val="100000"/>
+              </a:lnSpc>
+              <a:spcBef>
+                <a:spcPts val="0"/>
+              </a:spcBef>
+              <a:spcAft>
+                <a:spcPts val="0"/>
+              </a:spcAft>
+              <a:buClr>
+                <a:srgbClr val="000000"/>
+              </a:buClr>
+              <a:buSzPts val="1400"/>
+              <a:buFont typeface="Arial"/>
+              <a:buChar char="•"/>
+            </a:pPr>
+            <a:r>
+              <a:rPr b="0" i="0" lang="en-US" sz="1400" u="none" cap="none" strike="noStrike">
+                <a:solidFill>
+                  <a:srgbClr val="2F475B"/>
+                </a:solidFill>
+                <a:latin typeface="Arial"/>
+                <a:ea typeface="Arial"/>
+                <a:cs typeface="Arial"/>
+                <a:sym typeface="Arial"/>
               </a:rPr>
               <a:t>Spoonacular Recipe API</a:t>
             </a:r>
-            <a:endParaRPr/>
+            <a:endParaRPr b="0" i="0" sz="1400" u="none" cap="none" strike="noStrike">
+              <a:solidFill>
+                <a:srgbClr val="000000"/>
+              </a:solidFill>
+              <a:latin typeface="Arial"/>
+              <a:ea typeface="Arial"/>
+              <a:cs typeface="Arial"/>
+              <a:sym typeface="Arial"/>
+            </a:endParaRPr>
           </a:p>
           <a:p>
             <a:pPr indent="-285750" lvl="0" marL="285750" marR="0" rtl="0" algn="l">
@@ -14162,14 +17724,26 @@
               <a:buChar char="•"/>
             </a:pPr>
             <a:r>
-              <a:rPr lang="en-US">
+              <a:rPr b="0" i="0" lang="en-US" sz="1400" u="none" cap="none" strike="noStrike">
                 <a:solidFill>
                   <a:srgbClr val="2F475B"/>
                 </a:solidFill>
+                <a:latin typeface="Arial"/>
+                <a:ea typeface="Arial"/>
+                <a:cs typeface="Arial"/>
+                <a:sym typeface="Arial"/>
               </a:rPr>
               <a:t>Google Sign In Authentication</a:t>
             </a:r>
-            <a:endParaRPr/>
+            <a:endParaRPr b="0" i="0" sz="1400" u="none" cap="none" strike="noStrike">
+              <a:solidFill>
+                <a:srgbClr val="000000"/>
+              </a:solidFill>
+              <a:latin typeface="Arial"/>
+              <a:ea typeface="Arial"/>
+              <a:cs typeface="Arial"/>
+              <a:sym typeface="Arial"/>
+            </a:endParaRPr>
           </a:p>
           <a:p>
             <a:pPr indent="-285750" lvl="0" marL="285750" marR="0" rtl="0" algn="l">
@@ -14190,14 +17764,26 @@
               <a:buChar char="•"/>
             </a:pPr>
             <a:r>
-              <a:rPr lang="en-US">
+              <a:rPr b="0" i="0" lang="en-US" sz="1400" u="none" cap="none" strike="noStrike">
                 <a:solidFill>
                   <a:srgbClr val="2F475B"/>
                 </a:solidFill>
+                <a:latin typeface="Arial"/>
+                <a:ea typeface="Arial"/>
+                <a:cs typeface="Arial"/>
+                <a:sym typeface="Arial"/>
               </a:rPr>
               <a:t>React Components</a:t>
             </a:r>
-            <a:endParaRPr/>
+            <a:endParaRPr b="0" i="0" sz="1400" u="none" cap="none" strike="noStrike">
+              <a:solidFill>
+                <a:srgbClr val="000000"/>
+              </a:solidFill>
+              <a:latin typeface="Arial"/>
+              <a:ea typeface="Arial"/>
+              <a:cs typeface="Arial"/>
+              <a:sym typeface="Arial"/>
+            </a:endParaRPr>
           </a:p>
           <a:p>
             <a:pPr indent="-285750" lvl="0" marL="285750" marR="0" rtl="0" algn="l">
@@ -14218,14 +17804,26 @@
               <a:buChar char="•"/>
             </a:pPr>
             <a:r>
-              <a:rPr lang="en-US">
+              <a:rPr b="0" i="0" lang="en-US" sz="1400" u="none" cap="none" strike="noStrike">
                 <a:solidFill>
                   <a:srgbClr val="2F475B"/>
                 </a:solidFill>
+                <a:latin typeface="Arial"/>
+                <a:ea typeface="Arial"/>
+                <a:cs typeface="Arial"/>
+                <a:sym typeface="Arial"/>
               </a:rPr>
               <a:t>JXML, CSS Design</a:t>
             </a:r>
-            <a:endParaRPr/>
+            <a:endParaRPr b="0" i="0" sz="1400" u="none" cap="none" strike="noStrike">
+              <a:solidFill>
+                <a:srgbClr val="000000"/>
+              </a:solidFill>
+              <a:latin typeface="Arial"/>
+              <a:ea typeface="Arial"/>
+              <a:cs typeface="Arial"/>
+              <a:sym typeface="Arial"/>
+            </a:endParaRPr>
           </a:p>
         </p:txBody>
       </p:sp>
@@ -14256,7 +17854,7 @@
       </p:grpSpPr>
       <p:sp>
         <p:nvSpPr>
-          <p:cNvPr id="97" name="Google Shape;97;p5"/>
+          <p:cNvPr id="97" name="Google Shape;97;p8"/>
           <p:cNvSpPr txBox="1"/>
           <p:nvPr/>
         </p:nvSpPr>
@@ -14322,7 +17920,1048 @@
       </p:sp>
       <p:sp>
         <p:nvSpPr>
-          <p:cNvPr id="98" name="Google Shape;98;p5"/>
+          <p:cNvPr id="98" name="Google Shape;98;p8"/>
+          <p:cNvSpPr txBox="1"/>
+          <p:nvPr/>
+        </p:nvSpPr>
+        <p:spPr>
+          <a:xfrm>
+            <a:off x="3472744" y="563525"/>
+            <a:ext cx="3030900" cy="279300"/>
+          </a:xfrm>
+          <a:prstGeom prst="rect">
+            <a:avLst/>
+          </a:prstGeom>
+          <a:noFill/>
+          <a:ln>
+            <a:noFill/>
+          </a:ln>
+        </p:spPr>
+        <p:txBody>
+          <a:bodyPr anchorCtr="0" anchor="ctr" bIns="91425" lIns="91425" spcFirstLastPara="1" rIns="91425" wrap="square" tIns="91425">
+            <a:noAutofit/>
+          </a:bodyPr>
+          <a:lstStyle/>
+          <a:p>
+            <a:pPr indent="0" lvl="0" marL="0" marR="0" rtl="0" algn="r">
+              <a:lnSpc>
+                <a:spcPct val="100000"/>
+              </a:lnSpc>
+              <a:spcBef>
+                <a:spcPts val="0"/>
+              </a:spcBef>
+              <a:spcAft>
+                <a:spcPts val="0"/>
+              </a:spcAft>
+              <a:buClr>
+                <a:srgbClr val="000000"/>
+              </a:buClr>
+              <a:buSzPts val="1800"/>
+              <a:buFont typeface="Arial"/>
+              <a:buNone/>
+            </a:pPr>
+            <a:r>
+              <a:rPr b="1" i="0" lang="en-US" sz="1800" u="none" cap="none" strike="noStrike">
+                <a:solidFill>
+                  <a:srgbClr val="F04B4C"/>
+                </a:solidFill>
+                <a:latin typeface="Roboto"/>
+                <a:ea typeface="Roboto"/>
+                <a:cs typeface="Roboto"/>
+                <a:sym typeface="Roboto"/>
+              </a:rPr>
+              <a:t>TECHNOLOGY STACK</a:t>
+            </a:r>
+            <a:endParaRPr b="1" i="0" sz="1800" u="none" cap="none" strike="noStrike">
+              <a:solidFill>
+                <a:srgbClr val="F04B4C"/>
+              </a:solidFill>
+              <a:latin typeface="Roboto"/>
+              <a:ea typeface="Roboto"/>
+              <a:cs typeface="Roboto"/>
+              <a:sym typeface="Roboto"/>
+            </a:endParaRPr>
+          </a:p>
+        </p:txBody>
+      </p:sp>
+      <p:cxnSp>
+        <p:nvCxnSpPr>
+          <p:cNvPr id="99" name="Google Shape;99;p8"/>
+          <p:cNvCxnSpPr/>
+          <p:nvPr/>
+        </p:nvCxnSpPr>
+        <p:spPr>
+          <a:xfrm rot="10800000">
+            <a:off x="993450" y="1096600"/>
+            <a:ext cx="7157100" cy="0"/>
+          </a:xfrm>
+          <a:prstGeom prst="straightConnector1">
+            <a:avLst/>
+          </a:prstGeom>
+          <a:noFill/>
+          <a:ln cap="flat" cmpd="sng" w="9525">
+            <a:solidFill>
+              <a:srgbClr val="CCCCCC"/>
+            </a:solidFill>
+            <a:prstDash val="solid"/>
+            <a:round/>
+            <a:headEnd len="sm" w="sm" type="none"/>
+            <a:tailEnd len="sm" w="sm" type="none"/>
+          </a:ln>
+        </p:spPr>
+      </p:cxnSp>
+      <p:sp>
+        <p:nvSpPr>
+          <p:cNvPr id="100" name="Google Shape;100;p8"/>
+          <p:cNvSpPr/>
+          <p:nvPr/>
+        </p:nvSpPr>
+        <p:spPr>
+          <a:xfrm flipH="1">
+            <a:off x="7879200" y="3878825"/>
+            <a:ext cx="1264800" cy="1264800"/>
+          </a:xfrm>
+          <a:prstGeom prst="rtTriangle">
+            <a:avLst/>
+          </a:prstGeom>
+          <a:solidFill>
+            <a:srgbClr val="2F475B"/>
+          </a:solidFill>
+          <a:ln>
+            <a:noFill/>
+          </a:ln>
+        </p:spPr>
+        <p:txBody>
+          <a:bodyPr anchorCtr="0" anchor="ctr" bIns="91425" lIns="91425" spcFirstLastPara="1" rIns="91425" wrap="square" tIns="91425">
+            <a:noAutofit/>
+          </a:bodyPr>
+          <a:lstStyle/>
+          <a:p>
+            <a:pPr indent="0" lvl="0" marL="0" marR="0" rtl="0" algn="l">
+              <a:lnSpc>
+                <a:spcPct val="100000"/>
+              </a:lnSpc>
+              <a:spcBef>
+                <a:spcPts val="0"/>
+              </a:spcBef>
+              <a:spcAft>
+                <a:spcPts val="0"/>
+              </a:spcAft>
+              <a:buClr>
+                <a:srgbClr val="000000"/>
+              </a:buClr>
+              <a:buSzPts val="1400"/>
+              <a:buFont typeface="Arial"/>
+              <a:buNone/>
+            </a:pPr>
+            <a:r>
+              <a:t/>
+            </a:r>
+            <a:endParaRPr b="0" i="0" sz="1400" u="none" cap="none" strike="noStrike">
+              <a:solidFill>
+                <a:srgbClr val="000000"/>
+              </a:solidFill>
+              <a:latin typeface="Arial"/>
+              <a:ea typeface="Arial"/>
+              <a:cs typeface="Arial"/>
+              <a:sym typeface="Arial"/>
+            </a:endParaRPr>
+          </a:p>
+        </p:txBody>
+      </p:sp>
+      <p:sp>
+        <p:nvSpPr>
+          <p:cNvPr id="101" name="Google Shape;101;p8"/>
+          <p:cNvSpPr/>
+          <p:nvPr/>
+        </p:nvSpPr>
+        <p:spPr>
+          <a:xfrm rot="5400000">
+            <a:off x="0" y="0"/>
+            <a:ext cx="1179900" cy="1179900"/>
+          </a:xfrm>
+          <a:prstGeom prst="rtTriangle">
+            <a:avLst/>
+          </a:prstGeom>
+          <a:solidFill>
+            <a:srgbClr val="B7B7B7"/>
+          </a:solidFill>
+          <a:ln>
+            <a:noFill/>
+          </a:ln>
+        </p:spPr>
+        <p:txBody>
+          <a:bodyPr anchorCtr="0" anchor="ctr" bIns="91425" lIns="91425" spcFirstLastPara="1" rIns="91425" wrap="square" tIns="91425">
+            <a:noAutofit/>
+          </a:bodyPr>
+          <a:lstStyle/>
+          <a:p>
+            <a:pPr indent="0" lvl="0" marL="0" marR="0" rtl="0" algn="l">
+              <a:lnSpc>
+                <a:spcPct val="100000"/>
+              </a:lnSpc>
+              <a:spcBef>
+                <a:spcPts val="0"/>
+              </a:spcBef>
+              <a:spcAft>
+                <a:spcPts val="0"/>
+              </a:spcAft>
+              <a:buClr>
+                <a:srgbClr val="000000"/>
+              </a:buClr>
+              <a:buSzPts val="1400"/>
+              <a:buFont typeface="Arial"/>
+              <a:buNone/>
+            </a:pPr>
+            <a:r>
+              <a:t/>
+            </a:r>
+            <a:endParaRPr b="0" i="0" sz="1400" u="none" cap="none" strike="noStrike">
+              <a:solidFill>
+                <a:srgbClr val="000000"/>
+              </a:solidFill>
+              <a:latin typeface="Arial"/>
+              <a:ea typeface="Arial"/>
+              <a:cs typeface="Arial"/>
+              <a:sym typeface="Arial"/>
+            </a:endParaRPr>
+          </a:p>
+        </p:txBody>
+      </p:sp>
+      <p:sp>
+        <p:nvSpPr>
+          <p:cNvPr id="102" name="Google Shape;102;p8"/>
+          <p:cNvSpPr txBox="1"/>
+          <p:nvPr/>
+        </p:nvSpPr>
+        <p:spPr>
+          <a:xfrm>
+            <a:off x="7311425" y="448925"/>
+            <a:ext cx="493500" cy="508500"/>
+          </a:xfrm>
+          <a:prstGeom prst="rect">
+            <a:avLst/>
+          </a:prstGeom>
+          <a:noFill/>
+          <a:ln>
+            <a:noFill/>
+          </a:ln>
+        </p:spPr>
+        <p:txBody>
+          <a:bodyPr anchorCtr="0" anchor="b" bIns="91425" lIns="91425" spcFirstLastPara="1" rIns="91425" wrap="square" tIns="91425">
+            <a:noAutofit/>
+          </a:bodyPr>
+          <a:lstStyle/>
+          <a:p>
+            <a:pPr indent="0" lvl="0" marL="0" marR="0" rtl="0" algn="ctr">
+              <a:lnSpc>
+                <a:spcPct val="100000"/>
+              </a:lnSpc>
+              <a:spcBef>
+                <a:spcPts val="0"/>
+              </a:spcBef>
+              <a:spcAft>
+                <a:spcPts val="0"/>
+              </a:spcAft>
+              <a:buClr>
+                <a:srgbClr val="000000"/>
+              </a:buClr>
+              <a:buSzPts val="2400"/>
+              <a:buFont typeface="Arial"/>
+              <a:buNone/>
+            </a:pPr>
+            <a:r>
+              <a:rPr b="0" i="0" lang="en-US" sz="2400" u="none" cap="none" strike="noStrike">
+                <a:solidFill>
+                  <a:srgbClr val="F04B4C"/>
+                </a:solidFill>
+                <a:latin typeface="Roboto Black"/>
+                <a:ea typeface="Roboto Black"/>
+                <a:cs typeface="Roboto Black"/>
+                <a:sym typeface="Roboto Black"/>
+              </a:rPr>
+              <a:t>5</a:t>
+            </a:r>
+            <a:endParaRPr b="0" i="0" sz="2400" u="none" cap="none" strike="noStrike">
+              <a:solidFill>
+                <a:srgbClr val="F04B4C"/>
+              </a:solidFill>
+              <a:latin typeface="Roboto Black"/>
+              <a:ea typeface="Roboto Black"/>
+              <a:cs typeface="Roboto Black"/>
+              <a:sym typeface="Roboto Black"/>
+            </a:endParaRPr>
+          </a:p>
+        </p:txBody>
+      </p:sp>
+      <p:sp>
+        <p:nvSpPr>
+          <p:cNvPr id="103" name="Google Shape;103;p8"/>
+          <p:cNvSpPr txBox="1"/>
+          <p:nvPr/>
+        </p:nvSpPr>
+        <p:spPr>
+          <a:xfrm>
+            <a:off x="5039250" y="1350374"/>
+            <a:ext cx="3479700" cy="1264800"/>
+          </a:xfrm>
+          <a:prstGeom prst="rect">
+            <a:avLst/>
+          </a:prstGeom>
+          <a:noFill/>
+          <a:ln>
+            <a:noFill/>
+          </a:ln>
+        </p:spPr>
+        <p:txBody>
+          <a:bodyPr anchorCtr="0" anchor="t" bIns="45700" lIns="91425" spcFirstLastPara="1" rIns="91425" wrap="square" tIns="45700">
+            <a:spAutoFit/>
+          </a:bodyPr>
+          <a:lstStyle/>
+          <a:p>
+            <a:pPr indent="-285750" lvl="0" marL="285750" marR="0" rtl="0" algn="l">
+              <a:lnSpc>
+                <a:spcPct val="100000"/>
+              </a:lnSpc>
+              <a:spcBef>
+                <a:spcPts val="0"/>
+              </a:spcBef>
+              <a:spcAft>
+                <a:spcPts val="0"/>
+              </a:spcAft>
+              <a:buClr>
+                <a:srgbClr val="000000"/>
+              </a:buClr>
+              <a:buSzPts val="1400"/>
+              <a:buFont typeface="Arial"/>
+              <a:buChar char="•"/>
+            </a:pPr>
+            <a:r>
+              <a:rPr b="0" i="0" lang="en-US" sz="1400" u="none" cap="none" strike="noStrike">
+                <a:solidFill>
+                  <a:srgbClr val="2F475B"/>
+                </a:solidFill>
+                <a:latin typeface="Arial"/>
+                <a:ea typeface="Arial"/>
+                <a:cs typeface="Arial"/>
+                <a:sym typeface="Arial"/>
+              </a:rPr>
+              <a:t>MongoDB</a:t>
+            </a:r>
+            <a:endParaRPr b="0" i="0" sz="1400" u="none" cap="none" strike="noStrike">
+              <a:solidFill>
+                <a:srgbClr val="000000"/>
+              </a:solidFill>
+              <a:latin typeface="Arial"/>
+              <a:ea typeface="Arial"/>
+              <a:cs typeface="Arial"/>
+              <a:sym typeface="Arial"/>
+            </a:endParaRPr>
+          </a:p>
+          <a:p>
+            <a:pPr indent="-285750" lvl="0" marL="285750" marR="0" rtl="0" algn="l">
+              <a:lnSpc>
+                <a:spcPct val="100000"/>
+              </a:lnSpc>
+              <a:spcBef>
+                <a:spcPts val="0"/>
+              </a:spcBef>
+              <a:spcAft>
+                <a:spcPts val="0"/>
+              </a:spcAft>
+              <a:buClr>
+                <a:srgbClr val="000000"/>
+              </a:buClr>
+              <a:buSzPts val="1400"/>
+              <a:buFont typeface="Arial"/>
+              <a:buChar char="•"/>
+            </a:pPr>
+            <a:r>
+              <a:rPr b="0" i="0" lang="en-US" sz="1400" u="none" cap="none" strike="noStrike">
+                <a:solidFill>
+                  <a:srgbClr val="2F475B"/>
+                </a:solidFill>
+                <a:latin typeface="Arial"/>
+                <a:ea typeface="Arial"/>
+                <a:cs typeface="Arial"/>
+                <a:sym typeface="Arial"/>
+              </a:rPr>
+              <a:t>Express.js</a:t>
+            </a:r>
+            <a:endParaRPr b="0" i="0" sz="1400" u="none" cap="none" strike="noStrike">
+              <a:solidFill>
+                <a:srgbClr val="2F475B"/>
+              </a:solidFill>
+              <a:latin typeface="Arial"/>
+              <a:ea typeface="Arial"/>
+              <a:cs typeface="Arial"/>
+              <a:sym typeface="Arial"/>
+            </a:endParaRPr>
+          </a:p>
+          <a:p>
+            <a:pPr indent="-285750" lvl="0" marL="285750" marR="0" rtl="0" algn="l">
+              <a:lnSpc>
+                <a:spcPct val="100000"/>
+              </a:lnSpc>
+              <a:spcBef>
+                <a:spcPts val="0"/>
+              </a:spcBef>
+              <a:spcAft>
+                <a:spcPts val="0"/>
+              </a:spcAft>
+              <a:buClr>
+                <a:srgbClr val="2F475B"/>
+              </a:buClr>
+              <a:buSzPts val="1400"/>
+              <a:buFont typeface="Arial"/>
+              <a:buChar char="•"/>
+            </a:pPr>
+            <a:r>
+              <a:rPr b="0" i="0" lang="en-US" sz="1400" u="none" cap="none" strike="noStrike">
+                <a:solidFill>
+                  <a:srgbClr val="2F475B"/>
+                </a:solidFill>
+                <a:latin typeface="Arial"/>
+                <a:ea typeface="Arial"/>
+                <a:cs typeface="Arial"/>
+                <a:sym typeface="Arial"/>
+              </a:rPr>
+              <a:t>React.js</a:t>
+            </a:r>
+            <a:endParaRPr b="0" i="0" sz="1400" u="none" cap="none" strike="noStrike">
+              <a:solidFill>
+                <a:srgbClr val="2F475B"/>
+              </a:solidFill>
+              <a:latin typeface="Arial"/>
+              <a:ea typeface="Arial"/>
+              <a:cs typeface="Arial"/>
+              <a:sym typeface="Arial"/>
+            </a:endParaRPr>
+          </a:p>
+          <a:p>
+            <a:pPr indent="-285750" lvl="0" marL="285750" marR="0" rtl="0" algn="l">
+              <a:lnSpc>
+                <a:spcPct val="100000"/>
+              </a:lnSpc>
+              <a:spcBef>
+                <a:spcPts val="0"/>
+              </a:spcBef>
+              <a:spcAft>
+                <a:spcPts val="0"/>
+              </a:spcAft>
+              <a:buClr>
+                <a:srgbClr val="2F475B"/>
+              </a:buClr>
+              <a:buSzPts val="1400"/>
+              <a:buFont typeface="Arial"/>
+              <a:buChar char="•"/>
+            </a:pPr>
+            <a:r>
+              <a:rPr b="0" i="0" lang="en-US" sz="1400" u="none" cap="none" strike="noStrike">
+                <a:solidFill>
+                  <a:srgbClr val="2F475B"/>
+                </a:solidFill>
+                <a:latin typeface="Arial"/>
+                <a:ea typeface="Arial"/>
+                <a:cs typeface="Arial"/>
+                <a:sym typeface="Arial"/>
+              </a:rPr>
+              <a:t>Node.js</a:t>
+            </a:r>
+            <a:endParaRPr b="0" i="0" sz="1400" u="none" cap="none" strike="noStrike">
+              <a:solidFill>
+                <a:srgbClr val="2F475B"/>
+              </a:solidFill>
+              <a:latin typeface="Arial"/>
+              <a:ea typeface="Arial"/>
+              <a:cs typeface="Arial"/>
+              <a:sym typeface="Arial"/>
+            </a:endParaRPr>
+          </a:p>
+        </p:txBody>
+      </p:sp>
+      <p:sp>
+        <p:nvSpPr>
+          <p:cNvPr id="104" name="Google Shape;104;p8"/>
+          <p:cNvSpPr txBox="1"/>
+          <p:nvPr/>
+        </p:nvSpPr>
+        <p:spPr>
+          <a:xfrm>
+            <a:off x="993450" y="1423800"/>
+            <a:ext cx="4045800" cy="508500"/>
+          </a:xfrm>
+          <a:prstGeom prst="rect">
+            <a:avLst/>
+          </a:prstGeom>
+          <a:noFill/>
+          <a:ln>
+            <a:noFill/>
+          </a:ln>
+        </p:spPr>
+        <p:txBody>
+          <a:bodyPr anchorCtr="0" anchor="t" bIns="91425" lIns="91425" spcFirstLastPara="1" rIns="91425" wrap="square" tIns="91425">
+            <a:noAutofit/>
+          </a:bodyPr>
+          <a:lstStyle/>
+          <a:p>
+            <a:pPr indent="0" lvl="0" marL="0" marR="0" rtl="0" algn="l">
+              <a:lnSpc>
+                <a:spcPct val="100000"/>
+              </a:lnSpc>
+              <a:spcBef>
+                <a:spcPts val="0"/>
+              </a:spcBef>
+              <a:spcAft>
+                <a:spcPts val="0"/>
+              </a:spcAft>
+              <a:buClr>
+                <a:srgbClr val="000000"/>
+              </a:buClr>
+              <a:buSzPts val="1400"/>
+              <a:buFont typeface="Arial"/>
+              <a:buNone/>
+            </a:pPr>
+            <a:r>
+              <a:rPr b="0" i="0" lang="en-US" sz="1400" u="none" cap="none" strike="noStrike">
+                <a:solidFill>
+                  <a:srgbClr val="000000"/>
+                </a:solidFill>
+                <a:latin typeface="Arial"/>
+                <a:ea typeface="Arial"/>
+                <a:cs typeface="Arial"/>
+                <a:sym typeface="Arial"/>
+              </a:rPr>
+              <a:t>We have decided to follow the MERN stack model to develop our web application.</a:t>
+            </a:r>
+            <a:endParaRPr b="0" i="0" sz="1400" u="none" cap="none" strike="noStrike">
+              <a:solidFill>
+                <a:srgbClr val="000000"/>
+              </a:solidFill>
+              <a:latin typeface="Arial"/>
+              <a:ea typeface="Arial"/>
+              <a:cs typeface="Arial"/>
+              <a:sym typeface="Arial"/>
+            </a:endParaRPr>
+          </a:p>
+        </p:txBody>
+      </p:sp>
+      <p:pic>
+        <p:nvPicPr>
+          <p:cNvPr id="105" name="Google Shape;105;p8"/>
+          <p:cNvPicPr preferRelativeResize="0"/>
+          <p:nvPr/>
+        </p:nvPicPr>
+        <p:blipFill rotWithShape="1">
+          <a:blip r:embed="rId3">
+            <a:alphaModFix/>
+          </a:blip>
+          <a:srcRect b="0" l="0" r="0" t="0"/>
+          <a:stretch/>
+        </p:blipFill>
+        <p:spPr>
+          <a:xfrm>
+            <a:off x="1351463" y="2513272"/>
+            <a:ext cx="6441067" cy="1738123"/>
+          </a:xfrm>
+          <a:prstGeom prst="rect">
+            <a:avLst/>
+          </a:prstGeom>
+          <a:noFill/>
+          <a:ln>
+            <a:noFill/>
+          </a:ln>
+        </p:spPr>
+      </p:pic>
+    </p:spTree>
+  </p:cSld>
+  <p:clrMapOvr>
+    <a:masterClrMapping/>
+  </p:clrMapOvr>
+</p:sld>
+</file>
+
+<file path=ppt/slides/slide6.xml><?xml version="1.0" encoding="utf-8"?>
+<p:sld xmlns:a="http://schemas.openxmlformats.org/drawingml/2006/main" xmlns:r="http://schemas.openxmlformats.org/officeDocument/2006/relationships" xmlns:mc="http://schemas.openxmlformats.org/markup-compatibility/2006" xmlns:mv="urn:schemas-microsoft-com:mac:vml" xmlns:p="http://schemas.openxmlformats.org/presentationml/2006/main" xmlns:c="http://schemas.openxmlformats.org/drawingml/2006/chart" xmlns:dgm="http://schemas.openxmlformats.org/drawingml/2006/diagram" xmlns:o="urn:schemas-microsoft-com:office:office" xmlns:v="urn:schemas-microsoft-com:vml" xmlns:pvml="urn:schemas-microsoft-com:office:powerpoint" xmlns:com="http://schemas.openxmlformats.org/drawingml/2006/compatibility" xmlns:p14="http://schemas.microsoft.com/office/powerpoint/2010/main" xmlns:p15="http://schemas.microsoft.com/office/powerpoint/2012/main">
+  <p:cSld>
+    <p:spTree>
+      <p:nvGrpSpPr>
+        <p:cNvPr id="109" name="Shape 109"/>
+        <p:cNvGrpSpPr/>
+        <p:nvPr/>
+      </p:nvGrpSpPr>
+      <p:grpSpPr>
+        <a:xfrm>
+          <a:off x="0" y="0"/>
+          <a:ext cx="0" cy="0"/>
+          <a:chOff x="0" y="0"/>
+          <a:chExt cx="0" cy="0"/>
+        </a:xfrm>
+      </p:grpSpPr>
+      <p:sp>
+        <p:nvSpPr>
+          <p:cNvPr id="110" name="Google Shape;110;p6"/>
+          <p:cNvSpPr txBox="1"/>
+          <p:nvPr/>
+        </p:nvSpPr>
+        <p:spPr>
+          <a:xfrm>
+            <a:off x="7311426" y="461650"/>
+            <a:ext cx="863100" cy="889200"/>
+          </a:xfrm>
+          <a:prstGeom prst="rect">
+            <a:avLst/>
+          </a:prstGeom>
+          <a:noFill/>
+          <a:ln>
+            <a:noFill/>
+          </a:ln>
+        </p:spPr>
+        <p:txBody>
+          <a:bodyPr anchorCtr="0" anchor="ctr" bIns="91425" lIns="91425" spcFirstLastPara="1" rIns="91425" wrap="square" tIns="91425">
+            <a:noAutofit/>
+          </a:bodyPr>
+          <a:lstStyle/>
+          <a:p>
+            <a:pPr indent="0" lvl="0" marL="0" marR="0" rtl="0" algn="ctr">
+              <a:lnSpc>
+                <a:spcPct val="100000"/>
+              </a:lnSpc>
+              <a:spcBef>
+                <a:spcPts val="0"/>
+              </a:spcBef>
+              <a:spcAft>
+                <a:spcPts val="0"/>
+              </a:spcAft>
+              <a:buClr>
+                <a:srgbClr val="000000"/>
+              </a:buClr>
+              <a:buSzPts val="6000"/>
+              <a:buFont typeface="Arial"/>
+              <a:buNone/>
+            </a:pPr>
+            <a:r>
+              <a:rPr b="0" i="0" lang="en-US" sz="6000" u="none" cap="none" strike="noStrike">
+                <a:solidFill>
+                  <a:srgbClr val="FFFFFF"/>
+                </a:solidFill>
+                <a:latin typeface="Roboto Black"/>
+                <a:ea typeface="Roboto Black"/>
+                <a:cs typeface="Roboto Black"/>
+                <a:sym typeface="Roboto Black"/>
+              </a:rPr>
+              <a:t>A</a:t>
+            </a:r>
+            <a:endParaRPr b="0" i="0" sz="6000" u="none" cap="none" strike="noStrike">
+              <a:solidFill>
+                <a:srgbClr val="FFFFFF"/>
+              </a:solidFill>
+              <a:latin typeface="Roboto Black"/>
+              <a:ea typeface="Roboto Black"/>
+              <a:cs typeface="Roboto Black"/>
+              <a:sym typeface="Roboto Black"/>
+            </a:endParaRPr>
+          </a:p>
+        </p:txBody>
+      </p:sp>
+      <p:sp>
+        <p:nvSpPr>
+          <p:cNvPr id="111" name="Google Shape;111;p6"/>
+          <p:cNvSpPr txBox="1"/>
+          <p:nvPr/>
+        </p:nvSpPr>
+        <p:spPr>
+          <a:xfrm>
+            <a:off x="3430669" y="911625"/>
+            <a:ext cx="3030981" cy="279300"/>
+          </a:xfrm>
+          <a:prstGeom prst="rect">
+            <a:avLst/>
+          </a:prstGeom>
+          <a:noFill/>
+          <a:ln>
+            <a:noFill/>
+          </a:ln>
+        </p:spPr>
+        <p:txBody>
+          <a:bodyPr anchorCtr="0" anchor="ctr" bIns="91425" lIns="91425" spcFirstLastPara="1" rIns="91425" wrap="square" tIns="91425">
+            <a:noAutofit/>
+          </a:bodyPr>
+          <a:lstStyle/>
+          <a:p>
+            <a:pPr indent="0" lvl="0" marL="0" marR="0" rtl="0" algn="r">
+              <a:lnSpc>
+                <a:spcPct val="100000"/>
+              </a:lnSpc>
+              <a:spcBef>
+                <a:spcPts val="0"/>
+              </a:spcBef>
+              <a:spcAft>
+                <a:spcPts val="0"/>
+              </a:spcAft>
+              <a:buClr>
+                <a:srgbClr val="000000"/>
+              </a:buClr>
+              <a:buSzPts val="1800"/>
+              <a:buFont typeface="Arial"/>
+              <a:buNone/>
+            </a:pPr>
+            <a:r>
+              <a:rPr b="1" i="0" lang="en-US" sz="1800" u="none" cap="none" strike="noStrike">
+                <a:solidFill>
+                  <a:srgbClr val="F04B4C"/>
+                </a:solidFill>
+                <a:latin typeface="Roboto"/>
+                <a:ea typeface="Roboto"/>
+                <a:cs typeface="Roboto"/>
+                <a:sym typeface="Roboto"/>
+              </a:rPr>
+              <a:t>LOGICAL ARCHITECTURE</a:t>
+            </a:r>
+            <a:endParaRPr b="1" i="0" sz="1800" u="none" cap="none" strike="noStrike">
+              <a:solidFill>
+                <a:srgbClr val="F04B4C"/>
+              </a:solidFill>
+              <a:latin typeface="Roboto"/>
+              <a:ea typeface="Roboto"/>
+              <a:cs typeface="Roboto"/>
+              <a:sym typeface="Roboto"/>
+            </a:endParaRPr>
+          </a:p>
+        </p:txBody>
+      </p:sp>
+      <p:cxnSp>
+        <p:nvCxnSpPr>
+          <p:cNvPr id="112" name="Google Shape;112;p6"/>
+          <p:cNvCxnSpPr/>
+          <p:nvPr/>
+        </p:nvCxnSpPr>
+        <p:spPr>
+          <a:xfrm rot="10800000">
+            <a:off x="925550" y="1420150"/>
+            <a:ext cx="7157100" cy="0"/>
+          </a:xfrm>
+          <a:prstGeom prst="straightConnector1">
+            <a:avLst/>
+          </a:prstGeom>
+          <a:noFill/>
+          <a:ln cap="flat" cmpd="sng" w="9525">
+            <a:solidFill>
+              <a:srgbClr val="CCCCCC"/>
+            </a:solidFill>
+            <a:prstDash val="solid"/>
+            <a:round/>
+            <a:headEnd len="sm" w="sm" type="none"/>
+            <a:tailEnd len="sm" w="sm" type="none"/>
+          </a:ln>
+        </p:spPr>
+      </p:cxnSp>
+      <p:sp>
+        <p:nvSpPr>
+          <p:cNvPr id="113" name="Google Shape;113;p6"/>
+          <p:cNvSpPr/>
+          <p:nvPr/>
+        </p:nvSpPr>
+        <p:spPr>
+          <a:xfrm flipH="1">
+            <a:off x="7879200" y="3878825"/>
+            <a:ext cx="1264800" cy="1264800"/>
+          </a:xfrm>
+          <a:prstGeom prst="rtTriangle">
+            <a:avLst/>
+          </a:prstGeom>
+          <a:solidFill>
+            <a:srgbClr val="2F475B"/>
+          </a:solidFill>
+          <a:ln>
+            <a:noFill/>
+          </a:ln>
+        </p:spPr>
+        <p:txBody>
+          <a:bodyPr anchorCtr="0" anchor="ctr" bIns="91425" lIns="91425" spcFirstLastPara="1" rIns="91425" wrap="square" tIns="91425">
+            <a:noAutofit/>
+          </a:bodyPr>
+          <a:lstStyle/>
+          <a:p>
+            <a:pPr indent="0" lvl="0" marL="0" marR="0" rtl="0" algn="l">
+              <a:lnSpc>
+                <a:spcPct val="100000"/>
+              </a:lnSpc>
+              <a:spcBef>
+                <a:spcPts val="0"/>
+              </a:spcBef>
+              <a:spcAft>
+                <a:spcPts val="0"/>
+              </a:spcAft>
+              <a:buClr>
+                <a:srgbClr val="000000"/>
+              </a:buClr>
+              <a:buSzPts val="1400"/>
+              <a:buFont typeface="Arial"/>
+              <a:buNone/>
+            </a:pPr>
+            <a:r>
+              <a:t/>
+            </a:r>
+            <a:endParaRPr b="0" i="0" sz="1400" u="none" cap="none" strike="noStrike">
+              <a:solidFill>
+                <a:srgbClr val="000000"/>
+              </a:solidFill>
+              <a:latin typeface="Arial"/>
+              <a:ea typeface="Arial"/>
+              <a:cs typeface="Arial"/>
+              <a:sym typeface="Arial"/>
+            </a:endParaRPr>
+          </a:p>
+        </p:txBody>
+      </p:sp>
+      <p:sp>
+        <p:nvSpPr>
+          <p:cNvPr id="114" name="Google Shape;114;p6"/>
+          <p:cNvSpPr/>
+          <p:nvPr/>
+        </p:nvSpPr>
+        <p:spPr>
+          <a:xfrm rot="5400000">
+            <a:off x="0" y="0"/>
+            <a:ext cx="1179900" cy="1179900"/>
+          </a:xfrm>
+          <a:prstGeom prst="rtTriangle">
+            <a:avLst/>
+          </a:prstGeom>
+          <a:solidFill>
+            <a:srgbClr val="B7B7B7"/>
+          </a:solidFill>
+          <a:ln>
+            <a:noFill/>
+          </a:ln>
+        </p:spPr>
+        <p:txBody>
+          <a:bodyPr anchorCtr="0" anchor="ctr" bIns="91425" lIns="91425" spcFirstLastPara="1" rIns="91425" wrap="square" tIns="91425">
+            <a:noAutofit/>
+          </a:bodyPr>
+          <a:lstStyle/>
+          <a:p>
+            <a:pPr indent="0" lvl="0" marL="0" marR="0" rtl="0" algn="l">
+              <a:lnSpc>
+                <a:spcPct val="100000"/>
+              </a:lnSpc>
+              <a:spcBef>
+                <a:spcPts val="0"/>
+              </a:spcBef>
+              <a:spcAft>
+                <a:spcPts val="0"/>
+              </a:spcAft>
+              <a:buClr>
+                <a:srgbClr val="000000"/>
+              </a:buClr>
+              <a:buSzPts val="1400"/>
+              <a:buFont typeface="Arial"/>
+              <a:buNone/>
+            </a:pPr>
+            <a:r>
+              <a:t/>
+            </a:r>
+            <a:endParaRPr b="0" i="0" sz="1400" u="none" cap="none" strike="noStrike">
+              <a:solidFill>
+                <a:srgbClr val="000000"/>
+              </a:solidFill>
+              <a:latin typeface="Arial"/>
+              <a:ea typeface="Arial"/>
+              <a:cs typeface="Arial"/>
+              <a:sym typeface="Arial"/>
+            </a:endParaRPr>
+          </a:p>
+        </p:txBody>
+      </p:sp>
+      <p:sp>
+        <p:nvSpPr>
+          <p:cNvPr id="115" name="Google Shape;115;p6"/>
+          <p:cNvSpPr txBox="1"/>
+          <p:nvPr/>
+        </p:nvSpPr>
+        <p:spPr>
+          <a:xfrm>
+            <a:off x="7108600" y="842350"/>
+            <a:ext cx="493500" cy="508500"/>
+          </a:xfrm>
+          <a:prstGeom prst="rect">
+            <a:avLst/>
+          </a:prstGeom>
+          <a:noFill/>
+          <a:ln>
+            <a:noFill/>
+          </a:ln>
+        </p:spPr>
+        <p:txBody>
+          <a:bodyPr anchorCtr="0" anchor="b" bIns="91425" lIns="91425" spcFirstLastPara="1" rIns="91425" wrap="square" tIns="91425">
+            <a:noAutofit/>
+          </a:bodyPr>
+          <a:lstStyle/>
+          <a:p>
+            <a:pPr indent="0" lvl="0" marL="0" marR="0" rtl="0" algn="ctr">
+              <a:lnSpc>
+                <a:spcPct val="100000"/>
+              </a:lnSpc>
+              <a:spcBef>
+                <a:spcPts val="0"/>
+              </a:spcBef>
+              <a:spcAft>
+                <a:spcPts val="0"/>
+              </a:spcAft>
+              <a:buClr>
+                <a:srgbClr val="000000"/>
+              </a:buClr>
+              <a:buSzPts val="2400"/>
+              <a:buFont typeface="Arial"/>
+              <a:buNone/>
+            </a:pPr>
+            <a:r>
+              <a:rPr b="0" i="0" lang="en-US" sz="2400" u="none" cap="none" strike="noStrike">
+                <a:solidFill>
+                  <a:srgbClr val="F04B4C"/>
+                </a:solidFill>
+                <a:latin typeface="Roboto Black"/>
+                <a:ea typeface="Roboto Black"/>
+                <a:cs typeface="Roboto Black"/>
+                <a:sym typeface="Roboto Black"/>
+              </a:rPr>
+              <a:t>4</a:t>
+            </a:r>
+            <a:endParaRPr b="0" i="0" sz="2400" u="none" cap="none" strike="noStrike">
+              <a:solidFill>
+                <a:srgbClr val="F04B4C"/>
+              </a:solidFill>
+              <a:latin typeface="Roboto Black"/>
+              <a:ea typeface="Roboto Black"/>
+              <a:cs typeface="Roboto Black"/>
+              <a:sym typeface="Roboto Black"/>
+            </a:endParaRPr>
+          </a:p>
+        </p:txBody>
+      </p:sp>
+      <p:pic>
+        <p:nvPicPr>
+          <p:cNvPr id="116" name="Google Shape;116;p6"/>
+          <p:cNvPicPr preferRelativeResize="0"/>
+          <p:nvPr/>
+        </p:nvPicPr>
+        <p:blipFill>
+          <a:blip r:embed="rId3">
+            <a:alphaModFix/>
+          </a:blip>
+          <a:stretch>
+            <a:fillRect/>
+          </a:stretch>
+        </p:blipFill>
+        <p:spPr>
+          <a:xfrm>
+            <a:off x="3082403" y="1332300"/>
+            <a:ext cx="3106881" cy="3658802"/>
+          </a:xfrm>
+          <a:prstGeom prst="rect">
+            <a:avLst/>
+          </a:prstGeom>
+          <a:noFill/>
+          <a:ln>
+            <a:noFill/>
+          </a:ln>
+        </p:spPr>
+      </p:pic>
+    </p:spTree>
+  </p:cSld>
+  <p:clrMapOvr>
+    <a:masterClrMapping/>
+  </p:clrMapOvr>
+</p:sld>
+</file>
+
+<file path=ppt/slides/slide7.xml><?xml version="1.0" encoding="utf-8"?>
+<p:sld xmlns:a="http://schemas.openxmlformats.org/drawingml/2006/main" xmlns:r="http://schemas.openxmlformats.org/officeDocument/2006/relationships" xmlns:mc="http://schemas.openxmlformats.org/markup-compatibility/2006" xmlns:mv="urn:schemas-microsoft-com:mac:vml" xmlns:p="http://schemas.openxmlformats.org/presentationml/2006/main" xmlns:c="http://schemas.openxmlformats.org/drawingml/2006/chart" xmlns:dgm="http://schemas.openxmlformats.org/drawingml/2006/diagram" xmlns:o="urn:schemas-microsoft-com:office:office" xmlns:v="urn:schemas-microsoft-com:vml" xmlns:pvml="urn:schemas-microsoft-com:office:powerpoint" xmlns:com="http://schemas.openxmlformats.org/drawingml/2006/compatibility" xmlns:p14="http://schemas.microsoft.com/office/powerpoint/2010/main" xmlns:p15="http://schemas.microsoft.com/office/powerpoint/2012/main">
+  <p:cSld>
+    <p:spTree>
+      <p:nvGrpSpPr>
+        <p:cNvPr id="120" name="Shape 120"/>
+        <p:cNvGrpSpPr/>
+        <p:nvPr/>
+      </p:nvGrpSpPr>
+      <p:grpSpPr>
+        <a:xfrm>
+          <a:off x="0" y="0"/>
+          <a:ext cx="0" cy="0"/>
+          <a:chOff x="0" y="0"/>
+          <a:chExt cx="0" cy="0"/>
+        </a:xfrm>
+      </p:grpSpPr>
+      <p:sp>
+        <p:nvSpPr>
+          <p:cNvPr id="121" name="Google Shape;121;p5"/>
+          <p:cNvSpPr txBox="1"/>
+          <p:nvPr/>
+        </p:nvSpPr>
+        <p:spPr>
+          <a:xfrm>
+            <a:off x="7311426" y="461650"/>
+            <a:ext cx="863100" cy="889200"/>
+          </a:xfrm>
+          <a:prstGeom prst="rect">
+            <a:avLst/>
+          </a:prstGeom>
+          <a:noFill/>
+          <a:ln>
+            <a:noFill/>
+          </a:ln>
+        </p:spPr>
+        <p:txBody>
+          <a:bodyPr anchorCtr="0" anchor="ctr" bIns="91425" lIns="91425" spcFirstLastPara="1" rIns="91425" wrap="square" tIns="91425">
+            <a:noAutofit/>
+          </a:bodyPr>
+          <a:lstStyle/>
+          <a:p>
+            <a:pPr indent="0" lvl="0" marL="0" marR="0" rtl="0" algn="ctr">
+              <a:lnSpc>
+                <a:spcPct val="100000"/>
+              </a:lnSpc>
+              <a:spcBef>
+                <a:spcPts val="0"/>
+              </a:spcBef>
+              <a:spcAft>
+                <a:spcPts val="0"/>
+              </a:spcAft>
+              <a:buClr>
+                <a:srgbClr val="000000"/>
+              </a:buClr>
+              <a:buSzPts val="6000"/>
+              <a:buFont typeface="Arial"/>
+              <a:buNone/>
+            </a:pPr>
+            <a:r>
+              <a:rPr b="0" i="0" lang="en-US" sz="6000" u="none" cap="none" strike="noStrike">
+                <a:solidFill>
+                  <a:srgbClr val="FFFFFF"/>
+                </a:solidFill>
+                <a:latin typeface="Roboto Black"/>
+                <a:ea typeface="Roboto Black"/>
+                <a:cs typeface="Roboto Black"/>
+                <a:sym typeface="Roboto Black"/>
+              </a:rPr>
+              <a:t>A</a:t>
+            </a:r>
+            <a:endParaRPr b="0" i="0" sz="6000" u="none" cap="none" strike="noStrike">
+              <a:solidFill>
+                <a:srgbClr val="FFFFFF"/>
+              </a:solidFill>
+              <a:latin typeface="Roboto Black"/>
+              <a:ea typeface="Roboto Black"/>
+              <a:cs typeface="Roboto Black"/>
+              <a:sym typeface="Roboto Black"/>
+            </a:endParaRPr>
+          </a:p>
+        </p:txBody>
+      </p:sp>
+      <p:sp>
+        <p:nvSpPr>
+          <p:cNvPr id="122" name="Google Shape;122;p5"/>
           <p:cNvSpPr txBox="1"/>
           <p:nvPr/>
         </p:nvSpPr>
@@ -14388,7 +19027,7 @@
       </p:sp>
       <p:cxnSp>
         <p:nvCxnSpPr>
-          <p:cNvPr id="99" name="Google Shape;99;p5"/>
+          <p:cNvPr id="123" name="Google Shape;123;p5"/>
           <p:cNvCxnSpPr/>
           <p:nvPr/>
         </p:nvCxnSpPr>
@@ -14414,7 +19053,7 @@
       </p:cxnSp>
       <p:sp>
         <p:nvSpPr>
-          <p:cNvPr id="100" name="Google Shape;100;p5"/>
+          <p:cNvPr id="124" name="Google Shape;124;p5"/>
           <p:cNvSpPr/>
           <p:nvPr/>
         </p:nvSpPr>
@@ -14473,7 +19112,7 @@
       </p:sp>
       <p:sp>
         <p:nvSpPr>
-          <p:cNvPr id="101" name="Google Shape;101;p5"/>
+          <p:cNvPr id="125" name="Google Shape;125;p5"/>
           <p:cNvSpPr/>
           <p:nvPr/>
         </p:nvSpPr>
@@ -14532,7 +19171,7 @@
       </p:sp>
       <p:sp>
         <p:nvSpPr>
-          <p:cNvPr id="102" name="Google Shape;102;p5"/>
+          <p:cNvPr id="126" name="Google Shape;126;p5"/>
           <p:cNvSpPr txBox="1"/>
           <p:nvPr/>
         </p:nvSpPr>
@@ -14598,7 +19237,7 @@
       </p:sp>
       <p:pic>
         <p:nvPicPr>
-          <p:cNvPr id="103" name="Google Shape;103;p5"/>
+          <p:cNvPr id="127" name="Google Shape;127;p5"/>
           <p:cNvPicPr preferRelativeResize="0"/>
           <p:nvPr/>
         </p:nvPicPr>
@@ -14612,8 +19251,8 @@
         </p:blipFill>
         <p:spPr>
           <a:xfrm>
-            <a:off x="1830200" y="988725"/>
-            <a:ext cx="5238175" cy="3978825"/>
+            <a:off x="2995621" y="882000"/>
+            <a:ext cx="3954514" cy="4109099"/>
           </a:xfrm>
           <a:prstGeom prst="rect">
             <a:avLst/>
@@ -14632,12 +19271,12 @@
 </p:sld>
 </file>
 
-<file path=ppt/slides/slide6.xml><?xml version="1.0" encoding="utf-8"?>
+<file path=ppt/slides/slide8.xml><?xml version="1.0" encoding="utf-8"?>
 <p:sld xmlns:a="http://schemas.openxmlformats.org/drawingml/2006/main" xmlns:r="http://schemas.openxmlformats.org/officeDocument/2006/relationships" xmlns:mc="http://schemas.openxmlformats.org/markup-compatibility/2006" xmlns:mv="urn:schemas-microsoft-com:mac:vml" xmlns:p="http://schemas.openxmlformats.org/presentationml/2006/main" xmlns:c="http://schemas.openxmlformats.org/drawingml/2006/chart" xmlns:dgm="http://schemas.openxmlformats.org/drawingml/2006/diagram" xmlns:o="urn:schemas-microsoft-com:office:office" xmlns:v="urn:schemas-microsoft-com:vml" xmlns:pvml="urn:schemas-microsoft-com:office:powerpoint" xmlns:com="http://schemas.openxmlformats.org/drawingml/2006/compatibility" xmlns:p14="http://schemas.microsoft.com/office/powerpoint/2010/main" xmlns:p15="http://schemas.microsoft.com/office/powerpoint/2012/main">
   <p:cSld>
     <p:spTree>
       <p:nvGrpSpPr>
-        <p:cNvPr id="107" name="Shape 107"/>
+        <p:cNvPr id="131" name="Shape 131"/>
         <p:cNvGrpSpPr/>
         <p:nvPr/>
       </p:nvGrpSpPr>
@@ -14651,7 +19290,7 @@
       </p:grpSpPr>
       <p:sp>
         <p:nvSpPr>
-          <p:cNvPr id="108" name="Google Shape;108;p6"/>
+          <p:cNvPr id="132" name="Google Shape;132;p10"/>
           <p:cNvSpPr txBox="1"/>
           <p:nvPr/>
         </p:nvSpPr>
@@ -14717,14 +19356,14 @@
       </p:sp>
       <p:sp>
         <p:nvSpPr>
-          <p:cNvPr id="109" name="Google Shape;109;p6"/>
+          <p:cNvPr id="133" name="Google Shape;133;p10"/>
           <p:cNvSpPr txBox="1"/>
           <p:nvPr/>
         </p:nvSpPr>
         <p:spPr>
           <a:xfrm>
-            <a:off x="3430669" y="911625"/>
-            <a:ext cx="3030981" cy="279300"/>
+            <a:off x="1795938" y="911625"/>
+            <a:ext cx="4665900" cy="279300"/>
           </a:xfrm>
           <a:prstGeom prst="rect">
             <a:avLst/>
@@ -14767,7 +19406,7 @@
                 <a:cs typeface="Roboto"/>
                 <a:sym typeface="Roboto"/>
               </a:rPr>
-              <a:t>LOGICAL ARCHITECTURE</a:t>
+              <a:t>GOVERNANCE AND SOURCE CONTROL</a:t>
             </a:r>
             <a:endParaRPr b="1" i="0" sz="1800" u="none" cap="none" strike="noStrike">
               <a:solidFill>
@@ -14783,7 +19422,7 @@
       </p:sp>
       <p:cxnSp>
         <p:nvCxnSpPr>
-          <p:cNvPr id="110" name="Google Shape;110;p6"/>
+          <p:cNvPr id="134" name="Google Shape;134;p10"/>
           <p:cNvCxnSpPr/>
           <p:nvPr/>
         </p:nvCxnSpPr>
@@ -14809,7 +19448,7 @@
       </p:cxnSp>
       <p:sp>
         <p:nvSpPr>
-          <p:cNvPr id="111" name="Google Shape;111;p6"/>
+          <p:cNvPr id="135" name="Google Shape;135;p10"/>
           <p:cNvSpPr/>
           <p:nvPr/>
         </p:nvSpPr>
@@ -14868,7 +19507,7 @@
       </p:sp>
       <p:sp>
         <p:nvSpPr>
-          <p:cNvPr id="112" name="Google Shape;112;p6"/>
+          <p:cNvPr id="136" name="Google Shape;136;p10"/>
           <p:cNvSpPr/>
           <p:nvPr/>
         </p:nvSpPr>
@@ -14927,7 +19566,7 @@
       </p:sp>
       <p:sp>
         <p:nvSpPr>
-          <p:cNvPr id="113" name="Google Shape;113;p6"/>
+          <p:cNvPr id="137" name="Google Shape;137;p10"/>
           <p:cNvSpPr txBox="1"/>
           <p:nvPr/>
         </p:nvSpPr>
@@ -14977,7 +19616,7 @@
                 <a:cs typeface="Roboto Black"/>
                 <a:sym typeface="Roboto Black"/>
               </a:rPr>
-              <a:t>4</a:t>
+              <a:t>6</a:t>
             </a:r>
             <a:endParaRPr b="0" i="0" sz="2400" u="none" cap="none" strike="noStrike">
               <a:solidFill>
@@ -14991,57 +19630,103 @@
           </a:p>
         </p:txBody>
       </p:sp>
+      <p:pic>
+        <p:nvPicPr>
+          <p:cNvPr id="138" name="Google Shape;138;p10"/>
+          <p:cNvPicPr preferRelativeResize="0"/>
+          <p:nvPr/>
+        </p:nvPicPr>
+        <p:blipFill rotWithShape="1">
+          <a:blip r:embed="rId3">
+            <a:alphaModFix/>
+          </a:blip>
+          <a:srcRect b="0" l="0" r="0" t="0"/>
+          <a:stretch/>
+        </p:blipFill>
+        <p:spPr>
+          <a:xfrm>
+            <a:off x="1438300" y="1560388"/>
+            <a:ext cx="1332175" cy="1332175"/>
+          </a:xfrm>
+          <a:prstGeom prst="rect">
+            <a:avLst/>
+          </a:prstGeom>
+          <a:noFill/>
+          <a:ln>
+            <a:noFill/>
+          </a:ln>
+        </p:spPr>
+      </p:pic>
       <p:sp>
         <p:nvSpPr>
-          <p:cNvPr id="114" name="Google Shape;114;p6"/>
-          <p:cNvSpPr/>
+          <p:cNvPr id="139" name="Google Shape;139;p10"/>
+          <p:cNvSpPr txBox="1"/>
           <p:nvPr/>
         </p:nvSpPr>
         <p:spPr>
           <a:xfrm>
-            <a:off x="2189221" y="1715842"/>
-            <a:ext cx="527281" cy="901012"/>
+            <a:off x="2984200" y="1870375"/>
+            <a:ext cx="5190300" cy="712200"/>
           </a:xfrm>
-          <a:prstGeom prst="flowChartMagneticDisk">
+          <a:prstGeom prst="rect">
             <a:avLst/>
           </a:prstGeom>
-          <a:solidFill>
-            <a:srgbClr val="BFBFBF"/>
-          </a:solidFill>
-          <a:ln cap="flat" cmpd="sng" w="12700">
-            <a:solidFill>
-              <a:srgbClr val="2F475B"/>
-            </a:solidFill>
-            <a:prstDash val="solid"/>
-            <a:round/>
-            <a:headEnd len="sm" w="sm" type="none"/>
-            <a:tailEnd len="sm" w="sm" type="none"/>
+          <a:noFill/>
+          <a:ln>
+            <a:noFill/>
           </a:ln>
         </p:spPr>
         <p:txBody>
-          <a:bodyPr anchorCtr="0" anchor="ctr" bIns="45700" lIns="91425" spcFirstLastPara="1" rIns="91425" wrap="square" tIns="45700">
+          <a:bodyPr anchorCtr="0" anchor="t" bIns="91425" lIns="91425" spcFirstLastPara="1" rIns="91425" wrap="square" tIns="91425">
             <a:noAutofit/>
           </a:bodyPr>
           <a:lstStyle/>
           <a:p>
-            <a:pPr indent="0" lvl="0" marL="0" marR="0" rtl="0" algn="ctr">
-              <a:lnSpc>
-                <a:spcPct val="100000"/>
-              </a:lnSpc>
-              <a:spcBef>
-                <a:spcPts val="0"/>
-              </a:spcBef>
-              <a:spcAft>
-                <a:spcPts val="0"/>
-              </a:spcAft>
+            <a:pPr indent="0" lvl="0" marL="0" marR="0" rtl="0" algn="l">
+              <a:lnSpc>
+                <a:spcPct val="100000"/>
+              </a:lnSpc>
+              <a:spcBef>
+                <a:spcPts val="0"/>
+              </a:spcBef>
+              <a:spcAft>
+                <a:spcPts val="0"/>
+              </a:spcAft>
+              <a:buClr>
+                <a:srgbClr val="000000"/>
+              </a:buClr>
+              <a:buSzPts val="1400"/>
+              <a:buFont typeface="Arial"/>
               <a:buNone/>
             </a:pPr>
             <a:r>
-              <a:t/>
+              <a:rPr b="0" i="0" lang="en-US" sz="1400" u="none" cap="none" strike="noStrike">
+                <a:solidFill>
+                  <a:srgbClr val="000000"/>
+                </a:solidFill>
+                <a:latin typeface="Arial"/>
+                <a:ea typeface="Arial"/>
+                <a:cs typeface="Arial"/>
+                <a:sym typeface="Arial"/>
+              </a:rPr>
+              <a:t>Repository Link - </a:t>
+            </a:r>
+            <a:r>
+              <a:rPr b="0" i="0" lang="en-US" sz="1400" u="sng" cap="none" strike="noStrike">
+                <a:solidFill>
+                  <a:schemeClr val="hlink"/>
+                </a:solidFill>
+                <a:latin typeface="Arial"/>
+                <a:ea typeface="Arial"/>
+                <a:cs typeface="Arial"/>
+                <a:sym typeface="Arial"/>
+                <a:hlinkClick r:id="rId4"/>
+              </a:rPr>
+              <a:t>https://github.com/msalvi96/Prep_Your_Meal</a:t>
             </a:r>
             <a:endParaRPr b="0" i="0" sz="1400" u="none" cap="none" strike="noStrike">
               <a:solidFill>
-                <a:schemeClr val="lt1"/>
+                <a:srgbClr val="000000"/>
               </a:solidFill>
               <a:latin typeface="Arial"/>
               <a:ea typeface="Arial"/>
@@ -15053,418 +19738,14 @@
       </p:sp>
       <p:sp>
         <p:nvSpPr>
-          <p:cNvPr id="115" name="Google Shape;115;p6"/>
-          <p:cNvSpPr/>
-          <p:nvPr/>
-        </p:nvSpPr>
-        <p:spPr>
-          <a:xfrm>
-            <a:off x="3430669" y="1715842"/>
-            <a:ext cx="2069080" cy="901005"/>
-          </a:xfrm>
-          <a:prstGeom prst="rect">
-            <a:avLst/>
-          </a:prstGeom>
-          <a:solidFill>
-            <a:schemeClr val="lt1"/>
-          </a:solidFill>
-          <a:ln cap="flat" cmpd="sng" w="12700">
-            <a:solidFill>
-              <a:srgbClr val="2F475B"/>
-            </a:solidFill>
-            <a:prstDash val="solid"/>
-            <a:round/>
-            <a:headEnd len="sm" w="sm" type="none"/>
-            <a:tailEnd len="sm" w="sm" type="none"/>
-          </a:ln>
-        </p:spPr>
-        <p:txBody>
-          <a:bodyPr anchorCtr="0" anchor="ctr" bIns="45700" lIns="91425" spcFirstLastPara="1" rIns="91425" wrap="square" tIns="45700">
-            <a:noAutofit/>
-          </a:bodyPr>
-          <a:lstStyle/>
-          <a:p>
-            <a:pPr indent="0" lvl="0" marL="0" marR="0" rtl="0" algn="ctr">
-              <a:lnSpc>
-                <a:spcPct val="100000"/>
-              </a:lnSpc>
-              <a:spcBef>
-                <a:spcPts val="0"/>
-              </a:spcBef>
-              <a:spcAft>
-                <a:spcPts val="0"/>
-              </a:spcAft>
-              <a:buNone/>
-            </a:pPr>
-            <a:r>
-              <a:rPr b="0" i="0" lang="en-US" sz="1100" u="none" cap="none" strike="noStrike">
-                <a:solidFill>
-                  <a:srgbClr val="2F475B"/>
-                </a:solidFill>
-                <a:latin typeface="Arial"/>
-                <a:ea typeface="Arial"/>
-                <a:cs typeface="Arial"/>
-                <a:sym typeface="Arial"/>
-              </a:rPr>
-              <a:t>Authentication/</a:t>
-            </a:r>
-            <a:endParaRPr/>
-          </a:p>
-          <a:p>
-            <a:pPr indent="0" lvl="0" marL="0" marR="0" rtl="0" algn="ctr">
-              <a:lnSpc>
-                <a:spcPct val="100000"/>
-              </a:lnSpc>
-              <a:spcBef>
-                <a:spcPts val="0"/>
-              </a:spcBef>
-              <a:spcAft>
-                <a:spcPts val="0"/>
-              </a:spcAft>
-              <a:buNone/>
-            </a:pPr>
-            <a:r>
-              <a:rPr b="0" i="0" lang="en-US" sz="1100" u="none" cap="none" strike="noStrike">
-                <a:solidFill>
-                  <a:srgbClr val="2F475B"/>
-                </a:solidFill>
-                <a:latin typeface="Arial"/>
-                <a:ea typeface="Arial"/>
-                <a:cs typeface="Arial"/>
-                <a:sym typeface="Arial"/>
-              </a:rPr>
-              <a:t>Authorization</a:t>
-            </a:r>
-            <a:endParaRPr/>
-          </a:p>
-        </p:txBody>
-      </p:sp>
-      <p:cxnSp>
-        <p:nvCxnSpPr>
-          <p:cNvPr id="116" name="Google Shape;116;p6"/>
-          <p:cNvCxnSpPr>
-            <a:stCxn id="114" idx="4"/>
-            <a:endCxn id="115" idx="1"/>
-          </p:cNvCxnSpPr>
-          <p:nvPr/>
-        </p:nvCxnSpPr>
-        <p:spPr>
-          <a:xfrm>
-            <a:off x="2716502" y="2166348"/>
-            <a:ext cx="714300" cy="0"/>
-          </a:xfrm>
-          <a:prstGeom prst="straightConnector1">
-            <a:avLst/>
-          </a:prstGeom>
-          <a:noFill/>
-          <a:ln cap="flat" cmpd="sng" w="9525">
-            <a:solidFill>
-              <a:srgbClr val="2F475B"/>
-            </a:solidFill>
-            <a:prstDash val="solid"/>
-            <a:round/>
-            <a:headEnd len="sm" w="sm" type="none"/>
-            <a:tailEnd len="sm" w="sm" type="none"/>
-          </a:ln>
-        </p:spPr>
-      </p:cxnSp>
-      <p:sp>
-        <p:nvSpPr>
-          <p:cNvPr id="117" name="Google Shape;117;p6"/>
-          <p:cNvSpPr/>
-          <p:nvPr/>
-        </p:nvSpPr>
-        <p:spPr>
-          <a:xfrm>
-            <a:off x="3430669" y="2977820"/>
-            <a:ext cx="2069080" cy="901005"/>
-          </a:xfrm>
-          <a:prstGeom prst="rect">
-            <a:avLst/>
-          </a:prstGeom>
-          <a:solidFill>
-            <a:schemeClr val="lt1"/>
-          </a:solidFill>
-          <a:ln cap="flat" cmpd="sng" w="12700">
-            <a:solidFill>
-              <a:srgbClr val="2F475B"/>
-            </a:solidFill>
-            <a:prstDash val="solid"/>
-            <a:round/>
-            <a:headEnd len="sm" w="sm" type="none"/>
-            <a:tailEnd len="sm" w="sm" type="none"/>
-          </a:ln>
-        </p:spPr>
-        <p:txBody>
-          <a:bodyPr anchorCtr="0" anchor="t" bIns="45700" lIns="91425" spcFirstLastPara="1" rIns="91425" wrap="square" tIns="45700">
-            <a:noAutofit/>
-          </a:bodyPr>
-          <a:lstStyle/>
-          <a:p>
-            <a:pPr indent="0" lvl="0" marL="0" marR="0" rtl="0" algn="ctr">
-              <a:lnSpc>
-                <a:spcPct val="100000"/>
-              </a:lnSpc>
-              <a:spcBef>
-                <a:spcPts val="0"/>
-              </a:spcBef>
-              <a:spcAft>
-                <a:spcPts val="0"/>
-              </a:spcAft>
-              <a:buNone/>
-            </a:pPr>
-            <a:r>
-              <a:rPr b="0" i="0" lang="en-US" sz="1100" u="none" cap="none" strike="noStrike">
-                <a:solidFill>
-                  <a:srgbClr val="2F475B"/>
-                </a:solidFill>
-                <a:latin typeface="Arial"/>
-                <a:ea typeface="Arial"/>
-                <a:cs typeface="Arial"/>
-                <a:sym typeface="Arial"/>
-              </a:rPr>
-              <a:t>Stove &amp; Oven</a:t>
-            </a:r>
-            <a:endParaRPr/>
-          </a:p>
-        </p:txBody>
-      </p:sp>
-      <p:sp>
-        <p:nvSpPr>
-          <p:cNvPr id="118" name="Google Shape;118;p6"/>
-          <p:cNvSpPr/>
-          <p:nvPr/>
-        </p:nvSpPr>
-        <p:spPr>
-          <a:xfrm>
-            <a:off x="3751043" y="4432313"/>
-            <a:ext cx="1428332" cy="460454"/>
-          </a:xfrm>
-          <a:prstGeom prst="rect">
-            <a:avLst/>
-          </a:prstGeom>
-          <a:solidFill>
-            <a:srgbClr val="2F475B"/>
-          </a:solidFill>
-          <a:ln cap="flat" cmpd="sng" w="25400">
-            <a:solidFill>
-              <a:srgbClr val="2F475B"/>
-            </a:solidFill>
-            <a:prstDash val="solid"/>
-            <a:round/>
-            <a:headEnd len="sm" w="sm" type="none"/>
-            <a:tailEnd len="sm" w="sm" type="none"/>
-          </a:ln>
-        </p:spPr>
-        <p:txBody>
-          <a:bodyPr anchorCtr="0" anchor="ctr" bIns="45700" lIns="91425" spcFirstLastPara="1" rIns="91425" wrap="square" tIns="45700">
-            <a:noAutofit/>
-          </a:bodyPr>
-          <a:lstStyle/>
-          <a:p>
-            <a:pPr indent="0" lvl="0" marL="0" marR="0" rtl="0" algn="ctr">
-              <a:lnSpc>
-                <a:spcPct val="100000"/>
-              </a:lnSpc>
-              <a:spcBef>
-                <a:spcPts val="0"/>
-              </a:spcBef>
-              <a:spcAft>
-                <a:spcPts val="0"/>
-              </a:spcAft>
-              <a:buNone/>
-            </a:pPr>
-            <a:r>
-              <a:rPr b="0" i="0" lang="en-US" sz="1200" u="none" cap="none" strike="noStrike">
-                <a:solidFill>
-                  <a:schemeClr val="lt1"/>
-                </a:solidFill>
-                <a:latin typeface="Arial"/>
-                <a:ea typeface="Arial"/>
-                <a:cs typeface="Arial"/>
-                <a:sym typeface="Arial"/>
-              </a:rPr>
-              <a:t>Client</a:t>
-            </a:r>
-            <a:endParaRPr/>
-          </a:p>
-          <a:p>
-            <a:pPr indent="0" lvl="0" marL="0" marR="0" rtl="0" algn="ctr">
-              <a:lnSpc>
-                <a:spcPct val="100000"/>
-              </a:lnSpc>
-              <a:spcBef>
-                <a:spcPts val="0"/>
-              </a:spcBef>
-              <a:spcAft>
-                <a:spcPts val="0"/>
-              </a:spcAft>
-              <a:buNone/>
-            </a:pPr>
-            <a:r>
-              <a:rPr b="0" i="0" lang="en-US" sz="700" u="none" cap="none" strike="noStrike">
-                <a:solidFill>
-                  <a:schemeClr val="lt1"/>
-                </a:solidFill>
-                <a:latin typeface="Arial"/>
-                <a:ea typeface="Arial"/>
-                <a:cs typeface="Arial"/>
-                <a:sym typeface="Arial"/>
-              </a:rPr>
-              <a:t>(Web Browser)</a:t>
-            </a:r>
-            <a:endParaRPr/>
-          </a:p>
-        </p:txBody>
-      </p:sp>
-      <p:sp>
-        <p:nvSpPr>
-          <p:cNvPr id="119" name="Google Shape;119;p6"/>
-          <p:cNvSpPr/>
-          <p:nvPr/>
-        </p:nvSpPr>
-        <p:spPr>
-          <a:xfrm>
-            <a:off x="3650370" y="3574253"/>
-            <a:ext cx="688581" cy="203049"/>
-          </a:xfrm>
-          <a:prstGeom prst="rect">
-            <a:avLst/>
-          </a:prstGeom>
-          <a:solidFill>
-            <a:srgbClr val="2F475B"/>
-          </a:solidFill>
-          <a:ln cap="flat" cmpd="sng" w="25400">
-            <a:solidFill>
-              <a:srgbClr val="2F475B"/>
-            </a:solidFill>
-            <a:prstDash val="solid"/>
-            <a:round/>
-            <a:headEnd len="sm" w="sm" type="none"/>
-            <a:tailEnd len="sm" w="sm" type="none"/>
-          </a:ln>
-        </p:spPr>
-        <p:txBody>
-          <a:bodyPr anchorCtr="0" anchor="ctr" bIns="45700" lIns="91425" spcFirstLastPara="1" rIns="91425" wrap="square" tIns="45700">
-            <a:noAutofit/>
-          </a:bodyPr>
-          <a:lstStyle/>
-          <a:p>
-            <a:pPr indent="0" lvl="0" marL="0" marR="0" rtl="0" algn="ctr">
-              <a:lnSpc>
-                <a:spcPct val="100000"/>
-              </a:lnSpc>
-              <a:spcBef>
-                <a:spcPts val="0"/>
-              </a:spcBef>
-              <a:spcAft>
-                <a:spcPts val="0"/>
-              </a:spcAft>
-              <a:buNone/>
-            </a:pPr>
-            <a:r>
-              <a:rPr b="0" i="0" lang="en-US" sz="600" u="none" cap="none" strike="noStrike">
-                <a:solidFill>
-                  <a:schemeClr val="lt1"/>
-                </a:solidFill>
-                <a:latin typeface="Arial"/>
-                <a:ea typeface="Arial"/>
-                <a:cs typeface="Arial"/>
-                <a:sym typeface="Arial"/>
-              </a:rPr>
-              <a:t>Business Logic</a:t>
-            </a:r>
-            <a:endParaRPr b="0" i="0" sz="700" u="none" cap="none" strike="noStrike">
-              <a:solidFill>
-                <a:schemeClr val="lt1"/>
-              </a:solidFill>
-              <a:latin typeface="Arial"/>
-              <a:ea typeface="Arial"/>
-              <a:cs typeface="Arial"/>
-              <a:sym typeface="Arial"/>
-            </a:endParaRPr>
-          </a:p>
-        </p:txBody>
-      </p:sp>
-      <p:sp>
-        <p:nvSpPr>
-          <p:cNvPr id="120" name="Google Shape;120;p6"/>
-          <p:cNvSpPr/>
-          <p:nvPr/>
-        </p:nvSpPr>
-        <p:spPr>
-          <a:xfrm>
-            <a:off x="4558651" y="3574253"/>
-            <a:ext cx="688581" cy="203049"/>
-          </a:xfrm>
-          <a:prstGeom prst="rect">
-            <a:avLst/>
-          </a:prstGeom>
-          <a:solidFill>
-            <a:srgbClr val="2F475B"/>
-          </a:solidFill>
-          <a:ln cap="flat" cmpd="sng" w="25400">
-            <a:solidFill>
-              <a:srgbClr val="2F475B"/>
-            </a:solidFill>
-            <a:prstDash val="solid"/>
-            <a:round/>
-            <a:headEnd len="sm" w="sm" type="none"/>
-            <a:tailEnd len="sm" w="sm" type="none"/>
-          </a:ln>
-        </p:spPr>
-        <p:txBody>
-          <a:bodyPr anchorCtr="0" anchor="ctr" bIns="45700" lIns="91425" spcFirstLastPara="1" rIns="91425" wrap="square" tIns="45700">
-            <a:noAutofit/>
-          </a:bodyPr>
-          <a:lstStyle/>
-          <a:p>
-            <a:pPr indent="0" lvl="0" marL="0" marR="0" rtl="0" algn="ctr">
-              <a:lnSpc>
-                <a:spcPct val="100000"/>
-              </a:lnSpc>
-              <a:spcBef>
-                <a:spcPts val="0"/>
-              </a:spcBef>
-              <a:spcAft>
-                <a:spcPts val="0"/>
-              </a:spcAft>
-              <a:buNone/>
-            </a:pPr>
-            <a:r>
-              <a:rPr b="0" i="0" lang="en-US" sz="600" u="none" cap="none" strike="noStrike">
-                <a:solidFill>
-                  <a:schemeClr val="lt1"/>
-                </a:solidFill>
-                <a:latin typeface="Arial"/>
-                <a:ea typeface="Arial"/>
-                <a:cs typeface="Arial"/>
-                <a:sym typeface="Arial"/>
-              </a:rPr>
-              <a:t>Web Portal</a:t>
-            </a:r>
-            <a:endParaRPr b="0" i="0" sz="700" u="none" cap="none" strike="noStrike">
-              <a:solidFill>
-                <a:schemeClr val="lt1"/>
-              </a:solidFill>
-              <a:latin typeface="Arial"/>
-              <a:ea typeface="Arial"/>
-              <a:cs typeface="Arial"/>
-              <a:sym typeface="Arial"/>
-            </a:endParaRPr>
-          </a:p>
-        </p:txBody>
-      </p:sp>
-      <p:sp>
-        <p:nvSpPr>
-          <p:cNvPr id="121" name="Google Shape;121;p6"/>
+          <p:cNvPr id="140" name="Google Shape;140;p10"/>
           <p:cNvSpPr txBox="1"/>
           <p:nvPr/>
         </p:nvSpPr>
         <p:spPr>
           <a:xfrm>
-            <a:off x="2152848" y="2152993"/>
-            <a:ext cx="631555" cy="184666"/>
+            <a:off x="3086100" y="2934125"/>
+            <a:ext cx="5088300" cy="1508100"/>
           </a:xfrm>
           <a:prstGeom prst="rect">
             <a:avLst/>
@@ -15475,8 +19756,8 @@
           </a:ln>
         </p:spPr>
         <p:txBody>
-          <a:bodyPr anchorCtr="0" anchor="t" bIns="45700" lIns="91425" spcFirstLastPara="1" rIns="91425" wrap="square" tIns="45700">
-            <a:spAutoFit/>
+          <a:bodyPr anchorCtr="0" anchor="t" bIns="91425" lIns="91425" spcFirstLastPara="1" rIns="91425" wrap="square" tIns="91425">
+            <a:noAutofit/>
           </a:bodyPr>
           <a:lstStyle/>
           <a:p>
@@ -15490,162 +19771,28 @@
               <a:spcAft>
                 <a:spcPts val="0"/>
               </a:spcAft>
+              <a:buClr>
+                <a:srgbClr val="000000"/>
+              </a:buClr>
+              <a:buSzPts val="1400"/>
+              <a:buFont typeface="Arial"/>
               <a:buNone/>
             </a:pPr>
             <a:r>
-              <a:rPr lang="en-US" sz="600">
-                <a:solidFill>
-                  <a:srgbClr val="2F475B"/>
-                </a:solidFill>
-              </a:rPr>
-              <a:t>MongoDB</a:t>
-            </a:r>
-            <a:endParaRPr/>
-          </a:p>
-        </p:txBody>
-      </p:sp>
-      <p:cxnSp>
-        <p:nvCxnSpPr>
-          <p:cNvPr id="122" name="Google Shape;122;p6"/>
-          <p:cNvCxnSpPr>
-            <a:stCxn id="118" idx="0"/>
-            <a:endCxn id="117" idx="2"/>
-          </p:cNvCxnSpPr>
-          <p:nvPr/>
-        </p:nvCxnSpPr>
-        <p:spPr>
-          <a:xfrm rot="10800000">
-            <a:off x="4465209" y="3878813"/>
-            <a:ext cx="0" cy="553500"/>
-          </a:xfrm>
-          <a:prstGeom prst="straightConnector1">
-            <a:avLst/>
-          </a:prstGeom>
-          <a:noFill/>
-          <a:ln cap="flat" cmpd="sng" w="9525">
-            <a:solidFill>
-              <a:srgbClr val="2F475B"/>
-            </a:solidFill>
-            <a:prstDash val="solid"/>
-            <a:round/>
-            <a:headEnd len="sm" w="sm" type="none"/>
-            <a:tailEnd len="sm" w="sm" type="none"/>
-          </a:ln>
-        </p:spPr>
-      </p:cxnSp>
-      <p:sp>
-        <p:nvSpPr>
-          <p:cNvPr id="123" name="Google Shape;123;p6"/>
-          <p:cNvSpPr txBox="1"/>
-          <p:nvPr/>
-        </p:nvSpPr>
-        <p:spPr>
-          <a:xfrm>
-            <a:off x="4422645" y="4068063"/>
-            <a:ext cx="631555" cy="184666"/>
-          </a:xfrm>
-          <a:prstGeom prst="rect">
-            <a:avLst/>
-          </a:prstGeom>
-          <a:noFill/>
-          <a:ln>
-            <a:noFill/>
-          </a:ln>
-        </p:spPr>
-        <p:txBody>
-          <a:bodyPr anchorCtr="0" anchor="t" bIns="45700" lIns="91425" spcFirstLastPara="1" rIns="91425" wrap="square" tIns="45700">
-            <a:spAutoFit/>
-          </a:bodyPr>
-          <a:lstStyle/>
-          <a:p>
-            <a:pPr indent="0" lvl="0" marL="0" marR="0" rtl="0" algn="l">
-              <a:lnSpc>
-                <a:spcPct val="100000"/>
-              </a:lnSpc>
-              <a:spcBef>
-                <a:spcPts val="0"/>
-              </a:spcBef>
-              <a:spcAft>
-                <a:spcPts val="0"/>
-              </a:spcAft>
-              <a:buNone/>
-            </a:pPr>
-            <a:r>
-              <a:rPr b="0" i="0" lang="en-US" sz="600" u="none" cap="none" strike="noStrike">
-                <a:solidFill>
-                  <a:srgbClr val="2F475B"/>
+              <a:rPr b="0" i="0" lang="en-US" sz="1400" u="none" cap="none" strike="noStrike">
+                <a:solidFill>
+                  <a:srgbClr val="000000"/>
                 </a:solidFill>
                 <a:latin typeface="Arial"/>
                 <a:ea typeface="Arial"/>
                 <a:cs typeface="Arial"/>
                 <a:sym typeface="Arial"/>
               </a:rPr>
-              <a:t>JSON</a:t>
+              <a:t>We plan to have weekly standup meetings on Wednesday to plan our sprints. Similarly we also plan to have a Sprint review meeting just as the sprint is coming to an end to review team’s work during that particular sprint. That being said, we will constantly keep the team updated using group messages on Whatsapp. </a:t>
             </a:r>
-            <a:endParaRPr/>
-          </a:p>
-        </p:txBody>
-      </p:sp>
-      <p:sp>
-        <p:nvSpPr>
-          <p:cNvPr id="124" name="Google Shape;124;p6"/>
-          <p:cNvSpPr/>
-          <p:nvPr/>
-        </p:nvSpPr>
-        <p:spPr>
-          <a:xfrm>
-            <a:off x="4144836" y="3283490"/>
-            <a:ext cx="688581" cy="203049"/>
-          </a:xfrm>
-          <a:prstGeom prst="rect">
-            <a:avLst/>
-          </a:prstGeom>
-          <a:solidFill>
-            <a:srgbClr val="2F475B"/>
-          </a:solidFill>
-          <a:ln cap="flat" cmpd="sng" w="25400">
-            <a:solidFill>
-              <a:srgbClr val="2F475B"/>
-            </a:solidFill>
-            <a:prstDash val="solid"/>
-            <a:round/>
-            <a:headEnd len="sm" w="sm" type="none"/>
-            <a:tailEnd len="sm" w="sm" type="none"/>
-          </a:ln>
-        </p:spPr>
-        <p:txBody>
-          <a:bodyPr anchorCtr="0" anchor="ctr" bIns="45700" lIns="91425" spcFirstLastPara="1" rIns="91425" wrap="square" tIns="45700">
-            <a:noAutofit/>
-          </a:bodyPr>
-          <a:lstStyle/>
-          <a:p>
-            <a:pPr indent="0" lvl="0" marL="0" marR="0" rtl="0" algn="ctr">
-              <a:lnSpc>
-                <a:spcPct val="100000"/>
-              </a:lnSpc>
-              <a:spcBef>
-                <a:spcPts val="0"/>
-              </a:spcBef>
-              <a:spcAft>
-                <a:spcPts val="0"/>
-              </a:spcAft>
-              <a:buNone/>
-            </a:pPr>
-            <a:r>
-              <a:rPr b="0" i="0" lang="en-US" sz="600" u="none" cap="none" strike="noStrike">
-                <a:solidFill>
-                  <a:schemeClr val="lt1"/>
-                </a:solidFill>
-                <a:latin typeface="Arial"/>
-                <a:ea typeface="Arial"/>
-                <a:cs typeface="Arial"/>
-                <a:sym typeface="Arial"/>
-              </a:rPr>
-              <a:t>RECIPE API</a:t>
-            </a:r>
-            <a:endParaRPr b="0" i="0" sz="700" u="none" cap="none" strike="noStrike">
+            <a:endParaRPr b="0" i="0" sz="1400" u="none" cap="none" strike="noStrike">
               <a:solidFill>
-                <a:schemeClr val="lt1"/>
+                <a:srgbClr val="000000"/>
               </a:solidFill>
               <a:latin typeface="Arial"/>
               <a:ea typeface="Arial"/>
@@ -15655,35 +19802,6 @@
           </a:p>
         </p:txBody>
       </p:sp>
-      <p:cxnSp>
-        <p:nvCxnSpPr>
-          <p:cNvPr id="125" name="Google Shape;125;p6"/>
-          <p:cNvCxnSpPr>
-            <a:stCxn id="117" idx="0"/>
-            <a:endCxn id="115" idx="2"/>
-          </p:cNvCxnSpPr>
-          <p:nvPr/>
-        </p:nvCxnSpPr>
-        <p:spPr>
-          <a:xfrm rot="10800000">
-            <a:off x="4465209" y="2616920"/>
-            <a:ext cx="0" cy="360900"/>
-          </a:xfrm>
-          <a:prstGeom prst="straightConnector1">
-            <a:avLst/>
-          </a:prstGeom>
-          <a:noFill/>
-          <a:ln cap="flat" cmpd="sng" w="9525">
-            <a:solidFill>
-              <a:srgbClr val="2F475B"/>
-            </a:solidFill>
-            <a:prstDash val="solid"/>
-            <a:round/>
-            <a:headEnd len="sm" w="sm" type="none"/>
-            <a:tailEnd len="sm" w="sm" type="none"/>
-          </a:ln>
-        </p:spPr>
-      </p:cxnSp>
     </p:spTree>
   </p:cSld>
   <p:clrMapOvr>
@@ -15692,12 +19810,12 @@
 </p:sld>
 </file>
 
-<file path=ppt/slides/slide7.xml><?xml version="1.0" encoding="utf-8"?>
+<file path=ppt/slides/slide9.xml><?xml version="1.0" encoding="utf-8"?>
 <p:sld xmlns:a="http://schemas.openxmlformats.org/drawingml/2006/main" xmlns:r="http://schemas.openxmlformats.org/officeDocument/2006/relationships" xmlns:mc="http://schemas.openxmlformats.org/markup-compatibility/2006" xmlns:mv="urn:schemas-microsoft-com:mac:vml" xmlns:p="http://schemas.openxmlformats.org/presentationml/2006/main" xmlns:c="http://schemas.openxmlformats.org/drawingml/2006/chart" xmlns:dgm="http://schemas.openxmlformats.org/drawingml/2006/diagram" xmlns:o="urn:schemas-microsoft-com:office:office" xmlns:v="urn:schemas-microsoft-com:vml" xmlns:pvml="urn:schemas-microsoft-com:office:powerpoint" xmlns:com="http://schemas.openxmlformats.org/drawingml/2006/compatibility" xmlns:p14="http://schemas.microsoft.com/office/powerpoint/2010/main" xmlns:p15="http://schemas.microsoft.com/office/powerpoint/2012/main">
   <p:cSld>
     <p:spTree>
       <p:nvGrpSpPr>
-        <p:cNvPr id="129" name="Shape 129"/>
+        <p:cNvPr id="144" name="Shape 144"/>
         <p:cNvGrpSpPr/>
         <p:nvPr/>
       </p:nvGrpSpPr>
@@ -15711,7 +19829,7 @@
       </p:grpSpPr>
       <p:sp>
         <p:nvSpPr>
-          <p:cNvPr id="130" name="Google Shape;130;p8"/>
+          <p:cNvPr id="145" name="Google Shape;145;g6176071063_0_5"/>
           <p:cNvSpPr txBox="1"/>
           <p:nvPr/>
         </p:nvSpPr>
@@ -15777,14 +19895,14 @@
       </p:sp>
       <p:sp>
         <p:nvSpPr>
-          <p:cNvPr id="131" name="Google Shape;131;p8"/>
+          <p:cNvPr id="146" name="Google Shape;146;g6176071063_0_5"/>
           <p:cNvSpPr txBox="1"/>
           <p:nvPr/>
         </p:nvSpPr>
         <p:spPr>
           <a:xfrm>
-            <a:off x="3472744" y="563525"/>
-            <a:ext cx="3030900" cy="279300"/>
+            <a:off x="1795938" y="911625"/>
+            <a:ext cx="4665900" cy="279300"/>
           </a:xfrm>
           <a:prstGeom prst="rect">
             <a:avLst/>
@@ -15818,7 +19936,7 @@
               <a:buNone/>
             </a:pPr>
             <a:r>
-              <a:rPr b="1" i="0" lang="en-US" sz="1800" u="none" cap="none" strike="noStrike">
+              <a:rPr b="1" lang="en-US" sz="1800">
                 <a:solidFill>
                   <a:srgbClr val="F04B4C"/>
                 </a:solidFill>
@@ -15827,7 +19945,7 @@
                 <a:cs typeface="Roboto"/>
                 <a:sym typeface="Roboto"/>
               </a:rPr>
-              <a:t>TECHNOLOGY STACK</a:t>
+              <a:t>Wireframe</a:t>
             </a:r>
             <a:endParaRPr b="1" i="0" sz="1800" u="none" cap="none" strike="noStrike">
               <a:solidFill>
@@ -15843,13 +19961,13 @@
       </p:sp>
       <p:cxnSp>
         <p:nvCxnSpPr>
-          <p:cNvPr id="132" name="Google Shape;132;p8"/>
+          <p:cNvPr id="147" name="Google Shape;147;g6176071063_0_5"/>
           <p:cNvCxnSpPr/>
           <p:nvPr/>
         </p:nvCxnSpPr>
         <p:spPr>
           <a:xfrm rot="10800000">
-            <a:off x="993450" y="1096600"/>
+            <a:off x="925550" y="1420150"/>
             <a:ext cx="7157100" cy="0"/>
           </a:xfrm>
           <a:prstGeom prst="straightConnector1">
@@ -15869,7 +19987,7 @@
       </p:cxnSp>
       <p:sp>
         <p:nvSpPr>
-          <p:cNvPr id="133" name="Google Shape;133;p8"/>
+          <p:cNvPr id="148" name="Google Shape;148;g6176071063_0_5"/>
           <p:cNvSpPr/>
           <p:nvPr/>
         </p:nvSpPr>
@@ -15928,7 +20046,7 @@
       </p:sp>
       <p:sp>
         <p:nvSpPr>
-          <p:cNvPr id="134" name="Google Shape;134;p8"/>
+          <p:cNvPr id="149" name="Google Shape;149;g6176071063_0_5"/>
           <p:cNvSpPr/>
           <p:nvPr/>
         </p:nvSpPr>
@@ -15987,604 +20105,7 @@
       </p:sp>
       <p:sp>
         <p:nvSpPr>
-          <p:cNvPr id="135" name="Google Shape;135;p8"/>
-          <p:cNvSpPr txBox="1"/>
-          <p:nvPr/>
-        </p:nvSpPr>
-        <p:spPr>
-          <a:xfrm>
-            <a:off x="7311425" y="448925"/>
-            <a:ext cx="493500" cy="508500"/>
-          </a:xfrm>
-          <a:prstGeom prst="rect">
-            <a:avLst/>
-          </a:prstGeom>
-          <a:noFill/>
-          <a:ln>
-            <a:noFill/>
-          </a:ln>
-        </p:spPr>
-        <p:txBody>
-          <a:bodyPr anchorCtr="0" anchor="b" bIns="91425" lIns="91425" spcFirstLastPara="1" rIns="91425" wrap="square" tIns="91425">
-            <a:noAutofit/>
-          </a:bodyPr>
-          <a:lstStyle/>
-          <a:p>
-            <a:pPr indent="0" lvl="0" marL="0" marR="0" rtl="0" algn="ctr">
-              <a:lnSpc>
-                <a:spcPct val="100000"/>
-              </a:lnSpc>
-              <a:spcBef>
-                <a:spcPts val="0"/>
-              </a:spcBef>
-              <a:spcAft>
-                <a:spcPts val="0"/>
-              </a:spcAft>
-              <a:buClr>
-                <a:srgbClr val="000000"/>
-              </a:buClr>
-              <a:buSzPts val="2400"/>
-              <a:buFont typeface="Arial"/>
-              <a:buNone/>
-            </a:pPr>
-            <a:r>
-              <a:rPr lang="en-US" sz="2400">
-                <a:solidFill>
-                  <a:srgbClr val="F04B4C"/>
-                </a:solidFill>
-                <a:latin typeface="Roboto Black"/>
-                <a:ea typeface="Roboto Black"/>
-                <a:cs typeface="Roboto Black"/>
-                <a:sym typeface="Roboto Black"/>
-              </a:rPr>
-              <a:t>5</a:t>
-            </a:r>
-            <a:endParaRPr b="0" i="0" sz="2400" u="none" cap="none" strike="noStrike">
-              <a:solidFill>
-                <a:srgbClr val="F04B4C"/>
-              </a:solidFill>
-              <a:latin typeface="Roboto Black"/>
-              <a:ea typeface="Roboto Black"/>
-              <a:cs typeface="Roboto Black"/>
-              <a:sym typeface="Roboto Black"/>
-            </a:endParaRPr>
-          </a:p>
-        </p:txBody>
-      </p:sp>
-      <p:sp>
-        <p:nvSpPr>
-          <p:cNvPr id="136" name="Google Shape;136;p8"/>
-          <p:cNvSpPr txBox="1"/>
-          <p:nvPr/>
-        </p:nvSpPr>
-        <p:spPr>
-          <a:xfrm>
-            <a:off x="5039250" y="1350374"/>
-            <a:ext cx="3479700" cy="1264800"/>
-          </a:xfrm>
-          <a:prstGeom prst="rect">
-            <a:avLst/>
-          </a:prstGeom>
-          <a:noFill/>
-          <a:ln>
-            <a:noFill/>
-          </a:ln>
-        </p:spPr>
-        <p:txBody>
-          <a:bodyPr anchorCtr="0" anchor="t" bIns="45700" lIns="91425" spcFirstLastPara="1" rIns="91425" wrap="square" tIns="45700">
-            <a:spAutoFit/>
-          </a:bodyPr>
-          <a:lstStyle/>
-          <a:p>
-            <a:pPr indent="-285750" lvl="0" marL="285750" marR="0" rtl="0" algn="l">
-              <a:lnSpc>
-                <a:spcPct val="100000"/>
-              </a:lnSpc>
-              <a:spcBef>
-                <a:spcPts val="0"/>
-              </a:spcBef>
-              <a:spcAft>
-                <a:spcPts val="0"/>
-              </a:spcAft>
-              <a:buClr>
-                <a:srgbClr val="000000"/>
-              </a:buClr>
-              <a:buSzPts val="1400"/>
-              <a:buFont typeface="Arial"/>
-              <a:buChar char="•"/>
-            </a:pPr>
-            <a:r>
-              <a:rPr lang="en-US">
-                <a:solidFill>
-                  <a:srgbClr val="2F475B"/>
-                </a:solidFill>
-              </a:rPr>
-              <a:t>MongoDB</a:t>
-            </a:r>
-            <a:endParaRPr/>
-          </a:p>
-          <a:p>
-            <a:pPr indent="-285750" lvl="0" marL="285750" marR="0" rtl="0" algn="l">
-              <a:lnSpc>
-                <a:spcPct val="100000"/>
-              </a:lnSpc>
-              <a:spcBef>
-                <a:spcPts val="0"/>
-              </a:spcBef>
-              <a:spcAft>
-                <a:spcPts val="0"/>
-              </a:spcAft>
-              <a:buClr>
-                <a:srgbClr val="000000"/>
-              </a:buClr>
-              <a:buSzPts val="1400"/>
-              <a:buFont typeface="Arial"/>
-              <a:buChar char="•"/>
-            </a:pPr>
-            <a:r>
-              <a:rPr lang="en-US">
-                <a:solidFill>
-                  <a:srgbClr val="2F475B"/>
-                </a:solidFill>
-              </a:rPr>
-              <a:t>Express.js</a:t>
-            </a:r>
-            <a:endParaRPr>
-              <a:solidFill>
-                <a:srgbClr val="2F475B"/>
-              </a:solidFill>
-            </a:endParaRPr>
-          </a:p>
-          <a:p>
-            <a:pPr indent="-285750" lvl="0" marL="285750" marR="0" rtl="0" algn="l">
-              <a:lnSpc>
-                <a:spcPct val="100000"/>
-              </a:lnSpc>
-              <a:spcBef>
-                <a:spcPts val="0"/>
-              </a:spcBef>
-              <a:spcAft>
-                <a:spcPts val="0"/>
-              </a:spcAft>
-              <a:buClr>
-                <a:srgbClr val="2F475B"/>
-              </a:buClr>
-              <a:buSzPts val="1400"/>
-              <a:buChar char="•"/>
-            </a:pPr>
-            <a:r>
-              <a:rPr lang="en-US">
-                <a:solidFill>
-                  <a:srgbClr val="2F475B"/>
-                </a:solidFill>
-              </a:rPr>
-              <a:t>React.js</a:t>
-            </a:r>
-            <a:endParaRPr>
-              <a:solidFill>
-                <a:srgbClr val="2F475B"/>
-              </a:solidFill>
-            </a:endParaRPr>
-          </a:p>
-          <a:p>
-            <a:pPr indent="-285750" lvl="0" marL="285750" marR="0" rtl="0" algn="l">
-              <a:lnSpc>
-                <a:spcPct val="100000"/>
-              </a:lnSpc>
-              <a:spcBef>
-                <a:spcPts val="0"/>
-              </a:spcBef>
-              <a:spcAft>
-                <a:spcPts val="0"/>
-              </a:spcAft>
-              <a:buClr>
-                <a:srgbClr val="2F475B"/>
-              </a:buClr>
-              <a:buSzPts val="1400"/>
-              <a:buChar char="•"/>
-            </a:pPr>
-            <a:r>
-              <a:rPr lang="en-US">
-                <a:solidFill>
-                  <a:srgbClr val="2F475B"/>
-                </a:solidFill>
-              </a:rPr>
-              <a:t>Node.js</a:t>
-            </a:r>
-            <a:endParaRPr>
-              <a:solidFill>
-                <a:srgbClr val="2F475B"/>
-              </a:solidFill>
-            </a:endParaRPr>
-          </a:p>
-        </p:txBody>
-      </p:sp>
-      <p:sp>
-        <p:nvSpPr>
-          <p:cNvPr id="137" name="Google Shape;137;p8"/>
-          <p:cNvSpPr txBox="1"/>
-          <p:nvPr/>
-        </p:nvSpPr>
-        <p:spPr>
-          <a:xfrm>
-            <a:off x="993450" y="1423800"/>
-            <a:ext cx="4045800" cy="508500"/>
-          </a:xfrm>
-          <a:prstGeom prst="rect">
-            <a:avLst/>
-          </a:prstGeom>
-          <a:noFill/>
-          <a:ln>
-            <a:noFill/>
-          </a:ln>
-        </p:spPr>
-        <p:txBody>
-          <a:bodyPr anchorCtr="0" anchor="t" bIns="91425" lIns="91425" spcFirstLastPara="1" rIns="91425" wrap="square" tIns="91425">
-            <a:noAutofit/>
-          </a:bodyPr>
-          <a:lstStyle/>
-          <a:p>
-            <a:pPr indent="0" lvl="0" marL="0" rtl="0" algn="l">
-              <a:spcBef>
-                <a:spcPts val="0"/>
-              </a:spcBef>
-              <a:spcAft>
-                <a:spcPts val="0"/>
-              </a:spcAft>
-              <a:buNone/>
-            </a:pPr>
-            <a:r>
-              <a:rPr lang="en-US"/>
-              <a:t>We have decided to follow the MERN stack model to develop our web application.</a:t>
-            </a:r>
-            <a:endParaRPr/>
-          </a:p>
-        </p:txBody>
-      </p:sp>
-      <p:pic>
-        <p:nvPicPr>
-          <p:cNvPr id="138" name="Google Shape;138;p8"/>
-          <p:cNvPicPr preferRelativeResize="0"/>
-          <p:nvPr/>
-        </p:nvPicPr>
-        <p:blipFill>
-          <a:blip r:embed="rId3">
-            <a:alphaModFix/>
-          </a:blip>
-          <a:stretch>
-            <a:fillRect/>
-          </a:stretch>
-        </p:blipFill>
-        <p:spPr>
-          <a:xfrm>
-            <a:off x="1351463" y="2513272"/>
-            <a:ext cx="6441067" cy="1738123"/>
-          </a:xfrm>
-          <a:prstGeom prst="rect">
-            <a:avLst/>
-          </a:prstGeom>
-          <a:noFill/>
-          <a:ln>
-            <a:noFill/>
-          </a:ln>
-        </p:spPr>
-      </p:pic>
-    </p:spTree>
-  </p:cSld>
-  <p:clrMapOvr>
-    <a:masterClrMapping/>
-  </p:clrMapOvr>
-</p:sld>
-</file>
-
-<file path=ppt/slides/slide8.xml><?xml version="1.0" encoding="utf-8"?>
-<p:sld xmlns:a="http://schemas.openxmlformats.org/drawingml/2006/main" xmlns:r="http://schemas.openxmlformats.org/officeDocument/2006/relationships" xmlns:mc="http://schemas.openxmlformats.org/markup-compatibility/2006" xmlns:mv="urn:schemas-microsoft-com:mac:vml" xmlns:p="http://schemas.openxmlformats.org/presentationml/2006/main" xmlns:c="http://schemas.openxmlformats.org/drawingml/2006/chart" xmlns:dgm="http://schemas.openxmlformats.org/drawingml/2006/diagram" xmlns:o="urn:schemas-microsoft-com:office:office" xmlns:v="urn:schemas-microsoft-com:vml" xmlns:pvml="urn:schemas-microsoft-com:office:powerpoint" xmlns:com="http://schemas.openxmlformats.org/drawingml/2006/compatibility" xmlns:p14="http://schemas.microsoft.com/office/powerpoint/2010/main" xmlns:p15="http://schemas.microsoft.com/office/powerpoint/2012/main">
-  <p:cSld>
-    <p:spTree>
-      <p:nvGrpSpPr>
-        <p:cNvPr id="142" name="Shape 142"/>
-        <p:cNvGrpSpPr/>
-        <p:nvPr/>
-      </p:nvGrpSpPr>
-      <p:grpSpPr>
-        <a:xfrm>
-          <a:off x="0" y="0"/>
-          <a:ext cx="0" cy="0"/>
-          <a:chOff x="0" y="0"/>
-          <a:chExt cx="0" cy="0"/>
-        </a:xfrm>
-      </p:grpSpPr>
-      <p:sp>
-        <p:nvSpPr>
-          <p:cNvPr id="143" name="Google Shape;143;p10"/>
-          <p:cNvSpPr txBox="1"/>
-          <p:nvPr/>
-        </p:nvSpPr>
-        <p:spPr>
-          <a:xfrm>
-            <a:off x="7311426" y="461650"/>
-            <a:ext cx="863100" cy="889200"/>
-          </a:xfrm>
-          <a:prstGeom prst="rect">
-            <a:avLst/>
-          </a:prstGeom>
-          <a:noFill/>
-          <a:ln>
-            <a:noFill/>
-          </a:ln>
-        </p:spPr>
-        <p:txBody>
-          <a:bodyPr anchorCtr="0" anchor="ctr" bIns="91425" lIns="91425" spcFirstLastPara="1" rIns="91425" wrap="square" tIns="91425">
-            <a:noAutofit/>
-          </a:bodyPr>
-          <a:lstStyle/>
-          <a:p>
-            <a:pPr indent="0" lvl="0" marL="0" marR="0" rtl="0" algn="ctr">
-              <a:lnSpc>
-                <a:spcPct val="100000"/>
-              </a:lnSpc>
-              <a:spcBef>
-                <a:spcPts val="0"/>
-              </a:spcBef>
-              <a:spcAft>
-                <a:spcPts val="0"/>
-              </a:spcAft>
-              <a:buClr>
-                <a:srgbClr val="000000"/>
-              </a:buClr>
-              <a:buSzPts val="6000"/>
-              <a:buFont typeface="Arial"/>
-              <a:buNone/>
-            </a:pPr>
-            <a:r>
-              <a:rPr b="0" i="0" lang="en-US" sz="6000" u="none" cap="none" strike="noStrike">
-                <a:solidFill>
-                  <a:srgbClr val="FFFFFF"/>
-                </a:solidFill>
-                <a:latin typeface="Roboto Black"/>
-                <a:ea typeface="Roboto Black"/>
-                <a:cs typeface="Roboto Black"/>
-                <a:sym typeface="Roboto Black"/>
-              </a:rPr>
-              <a:t>A</a:t>
-            </a:r>
-            <a:endParaRPr b="0" i="0" sz="6000" u="none" cap="none" strike="noStrike">
-              <a:solidFill>
-                <a:srgbClr val="FFFFFF"/>
-              </a:solidFill>
-              <a:latin typeface="Roboto Black"/>
-              <a:ea typeface="Roboto Black"/>
-              <a:cs typeface="Roboto Black"/>
-              <a:sym typeface="Roboto Black"/>
-            </a:endParaRPr>
-          </a:p>
-        </p:txBody>
-      </p:sp>
-      <p:sp>
-        <p:nvSpPr>
-          <p:cNvPr id="144" name="Google Shape;144;p10"/>
-          <p:cNvSpPr txBox="1"/>
-          <p:nvPr/>
-        </p:nvSpPr>
-        <p:spPr>
-          <a:xfrm>
-            <a:off x="1795938" y="911625"/>
-            <a:ext cx="4665900" cy="279300"/>
-          </a:xfrm>
-          <a:prstGeom prst="rect">
-            <a:avLst/>
-          </a:prstGeom>
-          <a:noFill/>
-          <a:ln>
-            <a:noFill/>
-          </a:ln>
-        </p:spPr>
-        <p:txBody>
-          <a:bodyPr anchorCtr="0" anchor="ctr" bIns="91425" lIns="91425" spcFirstLastPara="1" rIns="91425" wrap="square" tIns="91425">
-            <a:noAutofit/>
-          </a:bodyPr>
-          <a:lstStyle/>
-          <a:p>
-            <a:pPr indent="0" lvl="0" marL="0" marR="0" rtl="0" algn="r">
-              <a:lnSpc>
-                <a:spcPct val="100000"/>
-              </a:lnSpc>
-              <a:spcBef>
-                <a:spcPts val="0"/>
-              </a:spcBef>
-              <a:spcAft>
-                <a:spcPts val="0"/>
-              </a:spcAft>
-              <a:buClr>
-                <a:srgbClr val="000000"/>
-              </a:buClr>
-              <a:buSzPts val="1800"/>
-              <a:buFont typeface="Arial"/>
-              <a:buNone/>
-            </a:pPr>
-            <a:r>
-              <a:rPr b="1" lang="en-US" sz="1800">
-                <a:solidFill>
-                  <a:srgbClr val="F04B4C"/>
-                </a:solidFill>
-                <a:latin typeface="Roboto"/>
-                <a:ea typeface="Roboto"/>
-                <a:cs typeface="Roboto"/>
-                <a:sym typeface="Roboto"/>
-              </a:rPr>
-              <a:t>GOVERNANCE AND SOURCE</a:t>
-            </a:r>
-            <a:r>
-              <a:rPr b="1" i="0" lang="en-US" sz="1800" u="none" cap="none" strike="noStrike">
-                <a:solidFill>
-                  <a:srgbClr val="F04B4C"/>
-                </a:solidFill>
-                <a:latin typeface="Roboto"/>
-                <a:ea typeface="Roboto"/>
-                <a:cs typeface="Roboto"/>
-                <a:sym typeface="Roboto"/>
-              </a:rPr>
-              <a:t> CONTROL</a:t>
-            </a:r>
-            <a:endParaRPr b="1" i="0" sz="1800" u="none" cap="none" strike="noStrike">
-              <a:solidFill>
-                <a:srgbClr val="F04B4C"/>
-              </a:solidFill>
-              <a:latin typeface="Roboto"/>
-              <a:ea typeface="Roboto"/>
-              <a:cs typeface="Roboto"/>
-              <a:sym typeface="Roboto"/>
-            </a:endParaRPr>
-          </a:p>
-        </p:txBody>
-      </p:sp>
-      <p:cxnSp>
-        <p:nvCxnSpPr>
-          <p:cNvPr id="145" name="Google Shape;145;p10"/>
-          <p:cNvCxnSpPr/>
-          <p:nvPr/>
-        </p:nvCxnSpPr>
-        <p:spPr>
-          <a:xfrm rot="10800000">
-            <a:off x="925550" y="1420150"/>
-            <a:ext cx="7157100" cy="0"/>
-          </a:xfrm>
-          <a:prstGeom prst="straightConnector1">
-            <a:avLst/>
-          </a:prstGeom>
-          <a:noFill/>
-          <a:ln cap="flat" cmpd="sng" w="9525">
-            <a:solidFill>
-              <a:srgbClr val="CCCCCC"/>
-            </a:solidFill>
-            <a:prstDash val="solid"/>
-            <a:round/>
-            <a:headEnd len="sm" w="sm" type="none"/>
-            <a:tailEnd len="sm" w="sm" type="none"/>
-          </a:ln>
-        </p:spPr>
-      </p:cxnSp>
-      <p:sp>
-        <p:nvSpPr>
-          <p:cNvPr id="146" name="Google Shape;146;p10"/>
-          <p:cNvSpPr/>
-          <p:nvPr/>
-        </p:nvSpPr>
-        <p:spPr>
-          <a:xfrm flipH="1">
-            <a:off x="7879200" y="3878825"/>
-            <a:ext cx="1264800" cy="1264800"/>
-          </a:xfrm>
-          <a:prstGeom prst="rtTriangle">
-            <a:avLst/>
-          </a:prstGeom>
-          <a:solidFill>
-            <a:srgbClr val="2F475B"/>
-          </a:solidFill>
-          <a:ln>
-            <a:noFill/>
-          </a:ln>
-        </p:spPr>
-        <p:txBody>
-          <a:bodyPr anchorCtr="0" anchor="ctr" bIns="91425" lIns="91425" spcFirstLastPara="1" rIns="91425" wrap="square" tIns="91425">
-            <a:noAutofit/>
-          </a:bodyPr>
-          <a:lstStyle/>
-          <a:p>
-            <a:pPr indent="0" lvl="0" marL="0" marR="0" rtl="0" algn="l">
-              <a:lnSpc>
-                <a:spcPct val="100000"/>
-              </a:lnSpc>
-              <a:spcBef>
-                <a:spcPts val="0"/>
-              </a:spcBef>
-              <a:spcAft>
-                <a:spcPts val="0"/>
-              </a:spcAft>
-              <a:buClr>
-                <a:srgbClr val="000000"/>
-              </a:buClr>
-              <a:buSzPts val="1400"/>
-              <a:buFont typeface="Arial"/>
-              <a:buNone/>
-            </a:pPr>
-            <a:r>
-              <a:t/>
-            </a:r>
-            <a:endParaRPr b="0" i="0" sz="1400" u="none" cap="none" strike="noStrike">
-              <a:solidFill>
-                <a:srgbClr val="000000"/>
-              </a:solidFill>
-              <a:latin typeface="Arial"/>
-              <a:ea typeface="Arial"/>
-              <a:cs typeface="Arial"/>
-              <a:sym typeface="Arial"/>
-            </a:endParaRPr>
-          </a:p>
-        </p:txBody>
-      </p:sp>
-      <p:sp>
-        <p:nvSpPr>
-          <p:cNvPr id="147" name="Google Shape;147;p10"/>
-          <p:cNvSpPr/>
-          <p:nvPr/>
-        </p:nvSpPr>
-        <p:spPr>
-          <a:xfrm rot="5400000">
-            <a:off x="0" y="0"/>
-            <a:ext cx="1179900" cy="1179900"/>
-          </a:xfrm>
-          <a:prstGeom prst="rtTriangle">
-            <a:avLst/>
-          </a:prstGeom>
-          <a:solidFill>
-            <a:srgbClr val="B7B7B7"/>
-          </a:solidFill>
-          <a:ln>
-            <a:noFill/>
-          </a:ln>
-        </p:spPr>
-        <p:txBody>
-          <a:bodyPr anchorCtr="0" anchor="ctr" bIns="91425" lIns="91425" spcFirstLastPara="1" rIns="91425" wrap="square" tIns="91425">
-            <a:noAutofit/>
-          </a:bodyPr>
-          <a:lstStyle/>
-          <a:p>
-            <a:pPr indent="0" lvl="0" marL="0" marR="0" rtl="0" algn="l">
-              <a:lnSpc>
-                <a:spcPct val="100000"/>
-              </a:lnSpc>
-              <a:spcBef>
-                <a:spcPts val="0"/>
-              </a:spcBef>
-              <a:spcAft>
-                <a:spcPts val="0"/>
-              </a:spcAft>
-              <a:buClr>
-                <a:srgbClr val="000000"/>
-              </a:buClr>
-              <a:buSzPts val="1400"/>
-              <a:buFont typeface="Arial"/>
-              <a:buNone/>
-            </a:pPr>
-            <a:r>
-              <a:t/>
-            </a:r>
-            <a:endParaRPr b="0" i="0" sz="1400" u="none" cap="none" strike="noStrike">
-              <a:solidFill>
-                <a:srgbClr val="000000"/>
-              </a:solidFill>
-              <a:latin typeface="Arial"/>
-              <a:ea typeface="Arial"/>
-              <a:cs typeface="Arial"/>
-              <a:sym typeface="Arial"/>
-            </a:endParaRPr>
-          </a:p>
-        </p:txBody>
-      </p:sp>
-      <p:sp>
-        <p:nvSpPr>
-          <p:cNvPr id="148" name="Google Shape;148;p10"/>
+          <p:cNvPr id="150" name="Google Shape;150;g6176071063_0_5"/>
           <p:cNvSpPr txBox="1"/>
           <p:nvPr/>
         </p:nvSpPr>
@@ -16634,7 +20155,7 @@
                 <a:cs typeface="Roboto Black"/>
                 <a:sym typeface="Roboto Black"/>
               </a:rPr>
-              <a:t>6</a:t>
+              <a:t>7</a:t>
             </a:r>
             <a:endParaRPr b="0" i="0" sz="2400" u="none" cap="none" strike="noStrike">
               <a:solidFill>
@@ -16650,7 +20171,7 @@
       </p:sp>
       <p:pic>
         <p:nvPicPr>
-          <p:cNvPr id="149" name="Google Shape;149;p10"/>
+          <p:cNvPr id="151" name="Google Shape;151;g6176071063_0_5"/>
           <p:cNvPicPr preferRelativeResize="0"/>
           <p:nvPr/>
         </p:nvPicPr>
@@ -16664,8 +20185,8 @@
         </p:blipFill>
         <p:spPr>
           <a:xfrm>
-            <a:off x="1438300" y="1560388"/>
-            <a:ext cx="1332175" cy="1332175"/>
+            <a:off x="3121669" y="1343325"/>
+            <a:ext cx="2769510" cy="3647775"/>
           </a:xfrm>
           <a:prstGeom prst="rect">
             <a:avLst/>
@@ -16676,1963 +20197,6 @@
           </a:ln>
         </p:spPr>
       </p:pic>
-      <p:sp>
-        <p:nvSpPr>
-          <p:cNvPr id="150" name="Google Shape;150;p10"/>
-          <p:cNvSpPr txBox="1"/>
-          <p:nvPr/>
-        </p:nvSpPr>
-        <p:spPr>
-          <a:xfrm>
-            <a:off x="2984200" y="1870375"/>
-            <a:ext cx="5190300" cy="712200"/>
-          </a:xfrm>
-          <a:prstGeom prst="rect">
-            <a:avLst/>
-          </a:prstGeom>
-          <a:noFill/>
-          <a:ln>
-            <a:noFill/>
-          </a:ln>
-        </p:spPr>
-        <p:txBody>
-          <a:bodyPr anchorCtr="0" anchor="t" bIns="91425" lIns="91425" spcFirstLastPara="1" rIns="91425" wrap="square" tIns="91425">
-            <a:noAutofit/>
-          </a:bodyPr>
-          <a:lstStyle/>
-          <a:p>
-            <a:pPr indent="0" lvl="0" marL="0" rtl="0" algn="l">
-              <a:spcBef>
-                <a:spcPts val="0"/>
-              </a:spcBef>
-              <a:spcAft>
-                <a:spcPts val="0"/>
-              </a:spcAft>
-              <a:buNone/>
-            </a:pPr>
-            <a:r>
-              <a:rPr lang="en-US"/>
-              <a:t>Repository Link - </a:t>
-            </a:r>
-            <a:r>
-              <a:rPr lang="en-US" u="sng">
-                <a:solidFill>
-                  <a:schemeClr val="hlink"/>
-                </a:solidFill>
-                <a:hlinkClick r:id="rId4"/>
-              </a:rPr>
-              <a:t>https://github.com/msalvi96/Prep_Your_Meal</a:t>
-            </a:r>
-            <a:endParaRPr/>
-          </a:p>
-        </p:txBody>
-      </p:sp>
-      <p:sp>
-        <p:nvSpPr>
-          <p:cNvPr id="151" name="Google Shape;151;p10"/>
-          <p:cNvSpPr txBox="1"/>
-          <p:nvPr/>
-        </p:nvSpPr>
-        <p:spPr>
-          <a:xfrm>
-            <a:off x="3086100" y="2934125"/>
-            <a:ext cx="5088300" cy="1508100"/>
-          </a:xfrm>
-          <a:prstGeom prst="rect">
-            <a:avLst/>
-          </a:prstGeom>
-          <a:noFill/>
-          <a:ln>
-            <a:noFill/>
-          </a:ln>
-        </p:spPr>
-        <p:txBody>
-          <a:bodyPr anchorCtr="0" anchor="t" bIns="91425" lIns="91425" spcFirstLastPara="1" rIns="91425" wrap="square" tIns="91425">
-            <a:noAutofit/>
-          </a:bodyPr>
-          <a:lstStyle/>
-          <a:p>
-            <a:pPr indent="0" lvl="0" marL="0" rtl="0" algn="l">
-              <a:spcBef>
-                <a:spcPts val="0"/>
-              </a:spcBef>
-              <a:spcAft>
-                <a:spcPts val="0"/>
-              </a:spcAft>
-              <a:buNone/>
-            </a:pPr>
-            <a:r>
-              <a:rPr lang="en-US"/>
-              <a:t>We plan to have weekly standup meetings on Wednesday to plan our sprints. Similarly we also plan to have a Sprint review meeting just as the sprint is coming to an end to review team’s work during that particular sprint. That being said, we will constantly keep the team updated using group messages on Whatsapp. </a:t>
-            </a:r>
-            <a:endParaRPr/>
-          </a:p>
-        </p:txBody>
-      </p:sp>
-    </p:spTree>
-  </p:cSld>
-  <p:clrMapOvr>
-    <a:masterClrMapping/>
-  </p:clrMapOvr>
-</p:sld>
-</file>
-
-<file path=ppt/slides/slide9.xml><?xml version="1.0" encoding="utf-8"?>
-<p:sld xmlns:a="http://schemas.openxmlformats.org/drawingml/2006/main" xmlns:r="http://schemas.openxmlformats.org/officeDocument/2006/relationships" xmlns:mc="http://schemas.openxmlformats.org/markup-compatibility/2006" xmlns:mv="urn:schemas-microsoft-com:mac:vml" xmlns:p="http://schemas.openxmlformats.org/presentationml/2006/main" xmlns:c="http://schemas.openxmlformats.org/drawingml/2006/chart" xmlns:dgm="http://schemas.openxmlformats.org/drawingml/2006/diagram" xmlns:o="urn:schemas-microsoft-com:office:office" xmlns:v="urn:schemas-microsoft-com:vml" xmlns:pvml="urn:schemas-microsoft-com:office:powerpoint" xmlns:com="http://schemas.openxmlformats.org/drawingml/2006/compatibility" xmlns:p14="http://schemas.microsoft.com/office/powerpoint/2010/main" xmlns:p15="http://schemas.microsoft.com/office/powerpoint/2012/main">
-  <p:cSld>
-    <p:spTree>
-      <p:nvGrpSpPr>
-        <p:cNvPr id="155" name="Shape 155"/>
-        <p:cNvGrpSpPr/>
-        <p:nvPr/>
-      </p:nvGrpSpPr>
-      <p:grpSpPr>
-        <a:xfrm>
-          <a:off x="0" y="0"/>
-          <a:ext cx="0" cy="0"/>
-          <a:chOff x="0" y="0"/>
-          <a:chExt cx="0" cy="0"/>
-        </a:xfrm>
-      </p:grpSpPr>
-      <p:sp>
-        <p:nvSpPr>
-          <p:cNvPr id="156" name="Google Shape;156;p11"/>
-          <p:cNvSpPr txBox="1"/>
-          <p:nvPr/>
-        </p:nvSpPr>
-        <p:spPr>
-          <a:xfrm>
-            <a:off x="7311426" y="461650"/>
-            <a:ext cx="863100" cy="889200"/>
-          </a:xfrm>
-          <a:prstGeom prst="rect">
-            <a:avLst/>
-          </a:prstGeom>
-          <a:noFill/>
-          <a:ln>
-            <a:noFill/>
-          </a:ln>
-        </p:spPr>
-        <p:txBody>
-          <a:bodyPr anchorCtr="0" anchor="ctr" bIns="91425" lIns="91425" spcFirstLastPara="1" rIns="91425" wrap="square" tIns="91425">
-            <a:noAutofit/>
-          </a:bodyPr>
-          <a:lstStyle/>
-          <a:p>
-            <a:pPr indent="0" lvl="0" marL="0" marR="0" rtl="0" algn="ctr">
-              <a:lnSpc>
-                <a:spcPct val="100000"/>
-              </a:lnSpc>
-              <a:spcBef>
-                <a:spcPts val="0"/>
-              </a:spcBef>
-              <a:spcAft>
-                <a:spcPts val="0"/>
-              </a:spcAft>
-              <a:buClr>
-                <a:srgbClr val="000000"/>
-              </a:buClr>
-              <a:buSzPts val="6000"/>
-              <a:buFont typeface="Arial"/>
-              <a:buNone/>
-            </a:pPr>
-            <a:r>
-              <a:rPr b="0" i="0" lang="en-US" sz="6000" u="none" cap="none" strike="noStrike">
-                <a:solidFill>
-                  <a:srgbClr val="FFFFFF"/>
-                </a:solidFill>
-                <a:latin typeface="Roboto Black"/>
-                <a:ea typeface="Roboto Black"/>
-                <a:cs typeface="Roboto Black"/>
-                <a:sym typeface="Roboto Black"/>
-              </a:rPr>
-              <a:t>B</a:t>
-            </a:r>
-            <a:endParaRPr b="0" i="0" sz="6000" u="none" cap="none" strike="noStrike">
-              <a:solidFill>
-                <a:srgbClr val="FFFFFF"/>
-              </a:solidFill>
-              <a:latin typeface="Roboto Black"/>
-              <a:ea typeface="Roboto Black"/>
-              <a:cs typeface="Roboto Black"/>
-              <a:sym typeface="Roboto Black"/>
-            </a:endParaRPr>
-          </a:p>
-        </p:txBody>
-      </p:sp>
-      <p:sp>
-        <p:nvSpPr>
-          <p:cNvPr id="157" name="Google Shape;157;p11"/>
-          <p:cNvSpPr txBox="1"/>
-          <p:nvPr/>
-        </p:nvSpPr>
-        <p:spPr>
-          <a:xfrm>
-            <a:off x="4668600" y="911625"/>
-            <a:ext cx="1667400" cy="279300"/>
-          </a:xfrm>
-          <a:prstGeom prst="rect">
-            <a:avLst/>
-          </a:prstGeom>
-          <a:noFill/>
-          <a:ln>
-            <a:noFill/>
-          </a:ln>
-        </p:spPr>
-        <p:txBody>
-          <a:bodyPr anchorCtr="0" anchor="ctr" bIns="91425" lIns="91425" spcFirstLastPara="1" rIns="91425" wrap="square" tIns="91425">
-            <a:noAutofit/>
-          </a:bodyPr>
-          <a:lstStyle/>
-          <a:p>
-            <a:pPr indent="0" lvl="0" marL="0" marR="0" rtl="0" algn="r">
-              <a:lnSpc>
-                <a:spcPct val="100000"/>
-              </a:lnSpc>
-              <a:spcBef>
-                <a:spcPts val="0"/>
-              </a:spcBef>
-              <a:spcAft>
-                <a:spcPts val="0"/>
-              </a:spcAft>
-              <a:buClr>
-                <a:srgbClr val="000000"/>
-              </a:buClr>
-              <a:buSzPts val="1800"/>
-              <a:buFont typeface="Arial"/>
-              <a:buNone/>
-            </a:pPr>
-            <a:r>
-              <a:rPr b="1" i="0" lang="en-US" sz="1800" u="none" cap="none" strike="noStrike">
-                <a:solidFill>
-                  <a:srgbClr val="F04B4C"/>
-                </a:solidFill>
-                <a:latin typeface="Roboto"/>
-                <a:ea typeface="Roboto"/>
-                <a:cs typeface="Roboto"/>
-                <a:sym typeface="Roboto"/>
-              </a:rPr>
-              <a:t>COLOR GUIDE</a:t>
-            </a:r>
-            <a:endParaRPr b="1" i="0" sz="1800" u="none" cap="none" strike="noStrike">
-              <a:solidFill>
-                <a:srgbClr val="F04B4C"/>
-              </a:solidFill>
-              <a:latin typeface="Roboto"/>
-              <a:ea typeface="Roboto"/>
-              <a:cs typeface="Roboto"/>
-              <a:sym typeface="Roboto"/>
-            </a:endParaRPr>
-          </a:p>
-        </p:txBody>
-      </p:sp>
-      <p:cxnSp>
-        <p:nvCxnSpPr>
-          <p:cNvPr id="158" name="Google Shape;158;p11"/>
-          <p:cNvCxnSpPr/>
-          <p:nvPr/>
-        </p:nvCxnSpPr>
-        <p:spPr>
-          <a:xfrm rot="10800000">
-            <a:off x="925550" y="1420150"/>
-            <a:ext cx="7157100" cy="0"/>
-          </a:xfrm>
-          <a:prstGeom prst="straightConnector1">
-            <a:avLst/>
-          </a:prstGeom>
-          <a:noFill/>
-          <a:ln cap="flat" cmpd="sng" w="9525">
-            <a:solidFill>
-              <a:srgbClr val="CCCCCC"/>
-            </a:solidFill>
-            <a:prstDash val="solid"/>
-            <a:round/>
-            <a:headEnd len="sm" w="sm" type="none"/>
-            <a:tailEnd len="sm" w="sm" type="none"/>
-          </a:ln>
-        </p:spPr>
-      </p:cxnSp>
-      <p:sp>
-        <p:nvSpPr>
-          <p:cNvPr id="159" name="Google Shape;159;p11"/>
-          <p:cNvSpPr txBox="1"/>
-          <p:nvPr/>
-        </p:nvSpPr>
-        <p:spPr>
-          <a:xfrm>
-            <a:off x="840774" y="1837075"/>
-            <a:ext cx="7241875" cy="508500"/>
-          </a:xfrm>
-          <a:prstGeom prst="rect">
-            <a:avLst/>
-          </a:prstGeom>
-          <a:noFill/>
-          <a:ln>
-            <a:noFill/>
-          </a:ln>
-        </p:spPr>
-        <p:txBody>
-          <a:bodyPr anchorCtr="0" anchor="ctr" bIns="91425" lIns="91425" spcFirstLastPara="1" rIns="91425" wrap="square" tIns="91425">
-            <a:noAutofit/>
-          </a:bodyPr>
-          <a:lstStyle/>
-          <a:p>
-            <a:pPr indent="0" lvl="0" marL="0" marR="0" rtl="0" algn="l">
-              <a:lnSpc>
-                <a:spcPct val="100000"/>
-              </a:lnSpc>
-              <a:spcBef>
-                <a:spcPts val="0"/>
-              </a:spcBef>
-              <a:spcAft>
-                <a:spcPts val="0"/>
-              </a:spcAft>
-              <a:buClr>
-                <a:srgbClr val="000000"/>
-              </a:buClr>
-              <a:buSzPts val="1000"/>
-              <a:buFont typeface="Arial"/>
-              <a:buNone/>
-            </a:pPr>
-            <a:r>
-              <a:rPr b="0" i="0" lang="en-US" sz="1000" u="none" cap="none" strike="noStrike">
-                <a:solidFill>
-                  <a:srgbClr val="B7B7B7"/>
-                </a:solidFill>
-                <a:latin typeface="Arial"/>
-                <a:ea typeface="Arial"/>
-                <a:cs typeface="Arial"/>
-                <a:sym typeface="Arial"/>
-              </a:rPr>
-              <a:t>Below are the color combinations we intend to use for our web app and any other communication to keep a consistent brand.</a:t>
-            </a:r>
-            <a:endParaRPr b="0" i="0" sz="1000" u="none" cap="none" strike="noStrike">
-              <a:solidFill>
-                <a:srgbClr val="B7B7B7"/>
-              </a:solidFill>
-              <a:latin typeface="Arial"/>
-              <a:ea typeface="Arial"/>
-              <a:cs typeface="Arial"/>
-              <a:sym typeface="Arial"/>
-            </a:endParaRPr>
-          </a:p>
-        </p:txBody>
-      </p:sp>
-      <p:sp>
-        <p:nvSpPr>
-          <p:cNvPr id="160" name="Google Shape;160;p11"/>
-          <p:cNvSpPr txBox="1"/>
-          <p:nvPr/>
-        </p:nvSpPr>
-        <p:spPr>
-          <a:xfrm>
-            <a:off x="840775" y="1547363"/>
-            <a:ext cx="2381100" cy="233100"/>
-          </a:xfrm>
-          <a:prstGeom prst="rect">
-            <a:avLst/>
-          </a:prstGeom>
-          <a:noFill/>
-          <a:ln>
-            <a:noFill/>
-          </a:ln>
-        </p:spPr>
-        <p:txBody>
-          <a:bodyPr anchorCtr="0" anchor="ctr" bIns="91425" lIns="91425" spcFirstLastPara="1" rIns="91425" wrap="square" tIns="91425">
-            <a:noAutofit/>
-          </a:bodyPr>
-          <a:lstStyle/>
-          <a:p>
-            <a:pPr indent="0" lvl="0" marL="0" marR="0" rtl="0" algn="l">
-              <a:lnSpc>
-                <a:spcPct val="100000"/>
-              </a:lnSpc>
-              <a:spcBef>
-                <a:spcPts val="0"/>
-              </a:spcBef>
-              <a:spcAft>
-                <a:spcPts val="0"/>
-              </a:spcAft>
-              <a:buClr>
-                <a:srgbClr val="000000"/>
-              </a:buClr>
-              <a:buSzPts val="1000"/>
-              <a:buFont typeface="Arial"/>
-              <a:buNone/>
-            </a:pPr>
-            <a:r>
-              <a:rPr b="1" i="0" lang="en-US" sz="1000" u="none" cap="none" strike="noStrike">
-                <a:solidFill>
-                  <a:srgbClr val="2F475B"/>
-                </a:solidFill>
-                <a:latin typeface="Arial"/>
-                <a:ea typeface="Arial"/>
-                <a:cs typeface="Arial"/>
-                <a:sym typeface="Arial"/>
-              </a:rPr>
-              <a:t>Color combinations</a:t>
-            </a:r>
-            <a:endParaRPr b="1" i="0" sz="1000" u="none" cap="none" strike="noStrike">
-              <a:solidFill>
-                <a:srgbClr val="2F475B"/>
-              </a:solidFill>
-              <a:latin typeface="Arial"/>
-              <a:ea typeface="Arial"/>
-              <a:cs typeface="Arial"/>
-              <a:sym typeface="Arial"/>
-            </a:endParaRPr>
-          </a:p>
-        </p:txBody>
-      </p:sp>
-      <p:sp>
-        <p:nvSpPr>
-          <p:cNvPr id="161" name="Google Shape;161;p11"/>
-          <p:cNvSpPr/>
-          <p:nvPr/>
-        </p:nvSpPr>
-        <p:spPr>
-          <a:xfrm flipH="1">
-            <a:off x="7879200" y="3878825"/>
-            <a:ext cx="1264800" cy="1264800"/>
-          </a:xfrm>
-          <a:prstGeom prst="rtTriangle">
-            <a:avLst/>
-          </a:prstGeom>
-          <a:solidFill>
-            <a:srgbClr val="2F475B"/>
-          </a:solidFill>
-          <a:ln>
-            <a:noFill/>
-          </a:ln>
-        </p:spPr>
-        <p:txBody>
-          <a:bodyPr anchorCtr="0" anchor="ctr" bIns="91425" lIns="91425" spcFirstLastPara="1" rIns="91425" wrap="square" tIns="91425">
-            <a:noAutofit/>
-          </a:bodyPr>
-          <a:lstStyle/>
-          <a:p>
-            <a:pPr indent="0" lvl="0" marL="0" marR="0" rtl="0" algn="l">
-              <a:lnSpc>
-                <a:spcPct val="100000"/>
-              </a:lnSpc>
-              <a:spcBef>
-                <a:spcPts val="0"/>
-              </a:spcBef>
-              <a:spcAft>
-                <a:spcPts val="0"/>
-              </a:spcAft>
-              <a:buClr>
-                <a:srgbClr val="000000"/>
-              </a:buClr>
-              <a:buSzPts val="1400"/>
-              <a:buFont typeface="Arial"/>
-              <a:buNone/>
-            </a:pPr>
-            <a:r>
-              <a:t/>
-            </a:r>
-            <a:endParaRPr b="0" i="0" sz="1400" u="none" cap="none" strike="noStrike">
-              <a:solidFill>
-                <a:srgbClr val="000000"/>
-              </a:solidFill>
-              <a:latin typeface="Arial"/>
-              <a:ea typeface="Arial"/>
-              <a:cs typeface="Arial"/>
-              <a:sym typeface="Arial"/>
-            </a:endParaRPr>
-          </a:p>
-        </p:txBody>
-      </p:sp>
-      <p:sp>
-        <p:nvSpPr>
-          <p:cNvPr id="162" name="Google Shape;162;p11"/>
-          <p:cNvSpPr/>
-          <p:nvPr/>
-        </p:nvSpPr>
-        <p:spPr>
-          <a:xfrm rot="5400000">
-            <a:off x="0" y="0"/>
-            <a:ext cx="1179900" cy="1179900"/>
-          </a:xfrm>
-          <a:prstGeom prst="rtTriangle">
-            <a:avLst/>
-          </a:prstGeom>
-          <a:solidFill>
-            <a:srgbClr val="B7B7B7"/>
-          </a:solidFill>
-          <a:ln>
-            <a:noFill/>
-          </a:ln>
-        </p:spPr>
-        <p:txBody>
-          <a:bodyPr anchorCtr="0" anchor="ctr" bIns="91425" lIns="91425" spcFirstLastPara="1" rIns="91425" wrap="square" tIns="91425">
-            <a:noAutofit/>
-          </a:bodyPr>
-          <a:lstStyle/>
-          <a:p>
-            <a:pPr indent="0" lvl="0" marL="0" marR="0" rtl="0" algn="l">
-              <a:lnSpc>
-                <a:spcPct val="100000"/>
-              </a:lnSpc>
-              <a:spcBef>
-                <a:spcPts val="0"/>
-              </a:spcBef>
-              <a:spcAft>
-                <a:spcPts val="0"/>
-              </a:spcAft>
-              <a:buClr>
-                <a:srgbClr val="000000"/>
-              </a:buClr>
-              <a:buSzPts val="1400"/>
-              <a:buFont typeface="Arial"/>
-              <a:buNone/>
-            </a:pPr>
-            <a:r>
-              <a:t/>
-            </a:r>
-            <a:endParaRPr b="0" i="0" sz="1400" u="none" cap="none" strike="noStrike">
-              <a:solidFill>
-                <a:srgbClr val="000000"/>
-              </a:solidFill>
-              <a:latin typeface="Arial"/>
-              <a:ea typeface="Arial"/>
-              <a:cs typeface="Arial"/>
-              <a:sym typeface="Arial"/>
-            </a:endParaRPr>
-          </a:p>
-        </p:txBody>
-      </p:sp>
-      <p:sp>
-        <p:nvSpPr>
-          <p:cNvPr id="163" name="Google Shape;163;p11"/>
-          <p:cNvSpPr txBox="1"/>
-          <p:nvPr/>
-        </p:nvSpPr>
-        <p:spPr>
-          <a:xfrm>
-            <a:off x="7108600" y="842350"/>
-            <a:ext cx="493500" cy="508500"/>
-          </a:xfrm>
-          <a:prstGeom prst="rect">
-            <a:avLst/>
-          </a:prstGeom>
-          <a:noFill/>
-          <a:ln>
-            <a:noFill/>
-          </a:ln>
-        </p:spPr>
-        <p:txBody>
-          <a:bodyPr anchorCtr="0" anchor="b" bIns="91425" lIns="91425" spcFirstLastPara="1" rIns="91425" wrap="square" tIns="91425">
-            <a:noAutofit/>
-          </a:bodyPr>
-          <a:lstStyle/>
-          <a:p>
-            <a:pPr indent="0" lvl="0" marL="0" marR="0" rtl="0" algn="ctr">
-              <a:lnSpc>
-                <a:spcPct val="100000"/>
-              </a:lnSpc>
-              <a:spcBef>
-                <a:spcPts val="0"/>
-              </a:spcBef>
-              <a:spcAft>
-                <a:spcPts val="0"/>
-              </a:spcAft>
-              <a:buClr>
-                <a:srgbClr val="000000"/>
-              </a:buClr>
-              <a:buSzPts val="2400"/>
-              <a:buFont typeface="Arial"/>
-              <a:buNone/>
-            </a:pPr>
-            <a:r>
-              <a:rPr lang="en-US" sz="2400">
-                <a:solidFill>
-                  <a:srgbClr val="F04B4C"/>
-                </a:solidFill>
-                <a:latin typeface="Roboto Black"/>
-                <a:ea typeface="Roboto Black"/>
-                <a:cs typeface="Roboto Black"/>
-                <a:sym typeface="Roboto Black"/>
-              </a:rPr>
-              <a:t>7</a:t>
-            </a:r>
-            <a:endParaRPr b="0" i="0" sz="2400" u="none" cap="none" strike="noStrike">
-              <a:solidFill>
-                <a:srgbClr val="F04B4C"/>
-              </a:solidFill>
-              <a:latin typeface="Roboto Black"/>
-              <a:ea typeface="Roboto Black"/>
-              <a:cs typeface="Roboto Black"/>
-              <a:sym typeface="Roboto Black"/>
-            </a:endParaRPr>
-          </a:p>
-        </p:txBody>
-      </p:sp>
-      <p:sp>
-        <p:nvSpPr>
-          <p:cNvPr id="164" name="Google Shape;164;p11"/>
-          <p:cNvSpPr/>
-          <p:nvPr/>
-        </p:nvSpPr>
-        <p:spPr>
-          <a:xfrm>
-            <a:off x="1144575" y="2996851"/>
-            <a:ext cx="650100" cy="845400"/>
-          </a:xfrm>
-          <a:prstGeom prst="rect">
-            <a:avLst/>
-          </a:prstGeom>
-          <a:solidFill>
-            <a:srgbClr val="2F475B"/>
-          </a:solidFill>
-          <a:ln>
-            <a:noFill/>
-          </a:ln>
-        </p:spPr>
-        <p:txBody>
-          <a:bodyPr anchorCtr="0" anchor="ctr" bIns="91425" lIns="91425" spcFirstLastPara="1" rIns="91425" wrap="square" tIns="91425">
-            <a:noAutofit/>
-          </a:bodyPr>
-          <a:lstStyle/>
-          <a:p>
-            <a:pPr indent="0" lvl="0" marL="0" marR="0" rtl="0" algn="l">
-              <a:lnSpc>
-                <a:spcPct val="100000"/>
-              </a:lnSpc>
-              <a:spcBef>
-                <a:spcPts val="0"/>
-              </a:spcBef>
-              <a:spcAft>
-                <a:spcPts val="0"/>
-              </a:spcAft>
-              <a:buClr>
-                <a:srgbClr val="000000"/>
-              </a:buClr>
-              <a:buSzPts val="1400"/>
-              <a:buFont typeface="Arial"/>
-              <a:buNone/>
-            </a:pPr>
-            <a:r>
-              <a:t/>
-            </a:r>
-            <a:endParaRPr b="0" i="0" sz="1400" u="none" cap="none" strike="noStrike">
-              <a:solidFill>
-                <a:srgbClr val="000000"/>
-              </a:solidFill>
-              <a:latin typeface="Arial"/>
-              <a:ea typeface="Arial"/>
-              <a:cs typeface="Arial"/>
-              <a:sym typeface="Arial"/>
-            </a:endParaRPr>
-          </a:p>
-        </p:txBody>
-      </p:sp>
-      <p:sp>
-        <p:nvSpPr>
-          <p:cNvPr id="165" name="Google Shape;165;p11"/>
-          <p:cNvSpPr txBox="1"/>
-          <p:nvPr/>
-        </p:nvSpPr>
-        <p:spPr>
-          <a:xfrm>
-            <a:off x="1077525" y="2588340"/>
-            <a:ext cx="678300" cy="233100"/>
-          </a:xfrm>
-          <a:prstGeom prst="rect">
-            <a:avLst/>
-          </a:prstGeom>
-          <a:noFill/>
-          <a:ln>
-            <a:noFill/>
-          </a:ln>
-        </p:spPr>
-        <p:txBody>
-          <a:bodyPr anchorCtr="0" anchor="ctr" bIns="91425" lIns="91425" spcFirstLastPara="1" rIns="91425" wrap="square" tIns="91425">
-            <a:noAutofit/>
-          </a:bodyPr>
-          <a:lstStyle/>
-          <a:p>
-            <a:pPr indent="0" lvl="0" marL="0" marR="0" rtl="0" algn="l">
-              <a:lnSpc>
-                <a:spcPct val="100000"/>
-              </a:lnSpc>
-              <a:spcBef>
-                <a:spcPts val="0"/>
-              </a:spcBef>
-              <a:spcAft>
-                <a:spcPts val="0"/>
-              </a:spcAft>
-              <a:buClr>
-                <a:srgbClr val="000000"/>
-              </a:buClr>
-              <a:buSzPts val="1000"/>
-              <a:buFont typeface="Arial"/>
-              <a:buNone/>
-            </a:pPr>
-            <a:r>
-              <a:rPr b="1" i="0" lang="en-US" sz="1000" u="none" cap="none" strike="noStrike">
-                <a:solidFill>
-                  <a:srgbClr val="2F475B"/>
-                </a:solidFill>
-                <a:latin typeface="Arial"/>
-                <a:ea typeface="Arial"/>
-                <a:cs typeface="Arial"/>
-                <a:sym typeface="Arial"/>
-              </a:rPr>
-              <a:t>Primary</a:t>
-            </a:r>
-            <a:endParaRPr b="1" i="0" sz="1000" u="none" cap="none" strike="noStrike">
-              <a:solidFill>
-                <a:srgbClr val="2F475B"/>
-              </a:solidFill>
-              <a:latin typeface="Arial"/>
-              <a:ea typeface="Arial"/>
-              <a:cs typeface="Arial"/>
-              <a:sym typeface="Arial"/>
-            </a:endParaRPr>
-          </a:p>
-        </p:txBody>
-      </p:sp>
-      <p:sp>
-        <p:nvSpPr>
-          <p:cNvPr id="166" name="Google Shape;166;p11"/>
-          <p:cNvSpPr txBox="1"/>
-          <p:nvPr/>
-        </p:nvSpPr>
-        <p:spPr>
-          <a:xfrm>
-            <a:off x="1077525" y="4007201"/>
-            <a:ext cx="784200" cy="201900"/>
-          </a:xfrm>
-          <a:prstGeom prst="rect">
-            <a:avLst/>
-          </a:prstGeom>
-          <a:noFill/>
-          <a:ln>
-            <a:noFill/>
-          </a:ln>
-        </p:spPr>
-        <p:txBody>
-          <a:bodyPr anchorCtr="0" anchor="ctr" bIns="91425" lIns="91425" spcFirstLastPara="1" rIns="91425" wrap="square" tIns="91425">
-            <a:noAutofit/>
-          </a:bodyPr>
-          <a:lstStyle/>
-          <a:p>
-            <a:pPr indent="0" lvl="0" marL="0" marR="0" rtl="0" algn="ctr">
-              <a:lnSpc>
-                <a:spcPct val="100000"/>
-              </a:lnSpc>
-              <a:spcBef>
-                <a:spcPts val="0"/>
-              </a:spcBef>
-              <a:spcAft>
-                <a:spcPts val="0"/>
-              </a:spcAft>
-              <a:buClr>
-                <a:srgbClr val="000000"/>
-              </a:buClr>
-              <a:buSzPts val="1000"/>
-              <a:buFont typeface="Arial"/>
-              <a:buNone/>
-            </a:pPr>
-            <a:r>
-              <a:rPr b="0" i="0" lang="en-US" sz="1000" u="none" cap="none" strike="noStrike">
-                <a:solidFill>
-                  <a:srgbClr val="B7B7B7"/>
-                </a:solidFill>
-                <a:latin typeface="Arial"/>
-                <a:ea typeface="Arial"/>
-                <a:cs typeface="Arial"/>
-                <a:sym typeface="Arial"/>
-              </a:rPr>
-              <a:t>#2e475b</a:t>
-            </a:r>
-            <a:endParaRPr b="0" i="0" sz="1000" u="none" cap="none" strike="noStrike">
-              <a:solidFill>
-                <a:srgbClr val="B7B7B7"/>
-              </a:solidFill>
-              <a:latin typeface="Arial"/>
-              <a:ea typeface="Arial"/>
-              <a:cs typeface="Arial"/>
-              <a:sym typeface="Arial"/>
-            </a:endParaRPr>
-          </a:p>
-        </p:txBody>
-      </p:sp>
-      <p:sp>
-        <p:nvSpPr>
-          <p:cNvPr id="167" name="Google Shape;167;p11"/>
-          <p:cNvSpPr txBox="1"/>
-          <p:nvPr/>
-        </p:nvSpPr>
-        <p:spPr>
-          <a:xfrm>
-            <a:off x="2042475" y="2977951"/>
-            <a:ext cx="863100" cy="233100"/>
-          </a:xfrm>
-          <a:prstGeom prst="rect">
-            <a:avLst/>
-          </a:prstGeom>
-          <a:noFill/>
-          <a:ln>
-            <a:noFill/>
-          </a:ln>
-        </p:spPr>
-        <p:txBody>
-          <a:bodyPr anchorCtr="0" anchor="ctr" bIns="91425" lIns="91425" spcFirstLastPara="1" rIns="91425" wrap="square" tIns="91425">
-            <a:noAutofit/>
-          </a:bodyPr>
-          <a:lstStyle/>
-          <a:p>
-            <a:pPr indent="0" lvl="0" marL="0" marR="0" rtl="0" algn="l">
-              <a:lnSpc>
-                <a:spcPct val="100000"/>
-              </a:lnSpc>
-              <a:spcBef>
-                <a:spcPts val="0"/>
-              </a:spcBef>
-              <a:spcAft>
-                <a:spcPts val="0"/>
-              </a:spcAft>
-              <a:buClr>
-                <a:srgbClr val="000000"/>
-              </a:buClr>
-              <a:buSzPts val="1000"/>
-              <a:buFont typeface="Arial"/>
-              <a:buNone/>
-            </a:pPr>
-            <a:r>
-              <a:rPr b="1" i="0" lang="en-US" sz="1000" u="none" cap="none" strike="noStrike">
-                <a:solidFill>
-                  <a:srgbClr val="2F475B"/>
-                </a:solidFill>
-                <a:latin typeface="Arial"/>
-                <a:ea typeface="Arial"/>
-                <a:cs typeface="Arial"/>
-                <a:sym typeface="Arial"/>
-              </a:rPr>
-              <a:t>C: 86 %</a:t>
-            </a:r>
-            <a:endParaRPr b="1" i="0" sz="1000" u="none" cap="none" strike="noStrike">
-              <a:solidFill>
-                <a:srgbClr val="2F475B"/>
-              </a:solidFill>
-              <a:latin typeface="Arial"/>
-              <a:ea typeface="Arial"/>
-              <a:cs typeface="Arial"/>
-              <a:sym typeface="Arial"/>
-            </a:endParaRPr>
-          </a:p>
-        </p:txBody>
-      </p:sp>
-      <p:sp>
-        <p:nvSpPr>
-          <p:cNvPr id="168" name="Google Shape;168;p11"/>
-          <p:cNvSpPr txBox="1"/>
-          <p:nvPr/>
-        </p:nvSpPr>
-        <p:spPr>
-          <a:xfrm>
-            <a:off x="2042475" y="3186451"/>
-            <a:ext cx="863100" cy="233100"/>
-          </a:xfrm>
-          <a:prstGeom prst="rect">
-            <a:avLst/>
-          </a:prstGeom>
-          <a:noFill/>
-          <a:ln>
-            <a:noFill/>
-          </a:ln>
-        </p:spPr>
-        <p:txBody>
-          <a:bodyPr anchorCtr="0" anchor="ctr" bIns="91425" lIns="91425" spcFirstLastPara="1" rIns="91425" wrap="square" tIns="91425">
-            <a:noAutofit/>
-          </a:bodyPr>
-          <a:lstStyle/>
-          <a:p>
-            <a:pPr indent="0" lvl="0" marL="0" marR="0" rtl="0" algn="l">
-              <a:lnSpc>
-                <a:spcPct val="100000"/>
-              </a:lnSpc>
-              <a:spcBef>
-                <a:spcPts val="0"/>
-              </a:spcBef>
-              <a:spcAft>
-                <a:spcPts val="0"/>
-              </a:spcAft>
-              <a:buClr>
-                <a:srgbClr val="000000"/>
-              </a:buClr>
-              <a:buSzPts val="1000"/>
-              <a:buFont typeface="Arial"/>
-              <a:buNone/>
-            </a:pPr>
-            <a:r>
-              <a:rPr b="1" i="0" lang="en-US" sz="1000" u="none" cap="none" strike="noStrike">
-                <a:solidFill>
-                  <a:srgbClr val="2F475B"/>
-                </a:solidFill>
-                <a:latin typeface="Arial"/>
-                <a:ea typeface="Arial"/>
-                <a:cs typeface="Arial"/>
-                <a:sym typeface="Arial"/>
-              </a:rPr>
-              <a:t>M: 66%</a:t>
-            </a:r>
-            <a:endParaRPr b="1" i="0" sz="1000" u="none" cap="none" strike="noStrike">
-              <a:solidFill>
-                <a:srgbClr val="2F475B"/>
-              </a:solidFill>
-              <a:latin typeface="Arial"/>
-              <a:ea typeface="Arial"/>
-              <a:cs typeface="Arial"/>
-              <a:sym typeface="Arial"/>
-            </a:endParaRPr>
-          </a:p>
-        </p:txBody>
-      </p:sp>
-      <p:sp>
-        <p:nvSpPr>
-          <p:cNvPr id="169" name="Google Shape;169;p11"/>
-          <p:cNvSpPr txBox="1"/>
-          <p:nvPr/>
-        </p:nvSpPr>
-        <p:spPr>
-          <a:xfrm>
-            <a:off x="2042475" y="3423201"/>
-            <a:ext cx="863100" cy="233100"/>
-          </a:xfrm>
-          <a:prstGeom prst="rect">
-            <a:avLst/>
-          </a:prstGeom>
-          <a:noFill/>
-          <a:ln>
-            <a:noFill/>
-          </a:ln>
-        </p:spPr>
-        <p:txBody>
-          <a:bodyPr anchorCtr="0" anchor="ctr" bIns="91425" lIns="91425" spcFirstLastPara="1" rIns="91425" wrap="square" tIns="91425">
-            <a:noAutofit/>
-          </a:bodyPr>
-          <a:lstStyle/>
-          <a:p>
-            <a:pPr indent="0" lvl="0" marL="0" marR="0" rtl="0" algn="l">
-              <a:lnSpc>
-                <a:spcPct val="100000"/>
-              </a:lnSpc>
-              <a:spcBef>
-                <a:spcPts val="0"/>
-              </a:spcBef>
-              <a:spcAft>
-                <a:spcPts val="0"/>
-              </a:spcAft>
-              <a:buClr>
-                <a:srgbClr val="000000"/>
-              </a:buClr>
-              <a:buSzPts val="1000"/>
-              <a:buFont typeface="Arial"/>
-              <a:buNone/>
-            </a:pPr>
-            <a:r>
-              <a:rPr b="1" i="0" lang="en-US" sz="1000" u="none" cap="none" strike="noStrike">
-                <a:solidFill>
-                  <a:srgbClr val="2F475B"/>
-                </a:solidFill>
-                <a:latin typeface="Arial"/>
-                <a:ea typeface="Arial"/>
-                <a:cs typeface="Arial"/>
-                <a:sym typeface="Arial"/>
-              </a:rPr>
-              <a:t>Y: 45%</a:t>
-            </a:r>
-            <a:endParaRPr b="1" i="0" sz="1000" u="none" cap="none" strike="noStrike">
-              <a:solidFill>
-                <a:srgbClr val="2F475B"/>
-              </a:solidFill>
-              <a:latin typeface="Arial"/>
-              <a:ea typeface="Arial"/>
-              <a:cs typeface="Arial"/>
-              <a:sym typeface="Arial"/>
-            </a:endParaRPr>
-          </a:p>
-        </p:txBody>
-      </p:sp>
-      <p:sp>
-        <p:nvSpPr>
-          <p:cNvPr id="170" name="Google Shape;170;p11"/>
-          <p:cNvSpPr txBox="1"/>
-          <p:nvPr/>
-        </p:nvSpPr>
-        <p:spPr>
-          <a:xfrm>
-            <a:off x="2042475" y="3628051"/>
-            <a:ext cx="863100" cy="233100"/>
-          </a:xfrm>
-          <a:prstGeom prst="rect">
-            <a:avLst/>
-          </a:prstGeom>
-          <a:noFill/>
-          <a:ln>
-            <a:noFill/>
-          </a:ln>
-        </p:spPr>
-        <p:txBody>
-          <a:bodyPr anchorCtr="0" anchor="ctr" bIns="91425" lIns="91425" spcFirstLastPara="1" rIns="91425" wrap="square" tIns="91425">
-            <a:noAutofit/>
-          </a:bodyPr>
-          <a:lstStyle/>
-          <a:p>
-            <a:pPr indent="0" lvl="0" marL="0" marR="0" rtl="0" algn="l">
-              <a:lnSpc>
-                <a:spcPct val="100000"/>
-              </a:lnSpc>
-              <a:spcBef>
-                <a:spcPts val="0"/>
-              </a:spcBef>
-              <a:spcAft>
-                <a:spcPts val="0"/>
-              </a:spcAft>
-              <a:buClr>
-                <a:srgbClr val="000000"/>
-              </a:buClr>
-              <a:buSzPts val="1000"/>
-              <a:buFont typeface="Arial"/>
-              <a:buNone/>
-            </a:pPr>
-            <a:r>
-              <a:rPr b="1" i="0" lang="en-US" sz="1000" u="none" cap="none" strike="noStrike">
-                <a:solidFill>
-                  <a:srgbClr val="2F475B"/>
-                </a:solidFill>
-                <a:latin typeface="Arial"/>
-                <a:ea typeface="Arial"/>
-                <a:cs typeface="Arial"/>
-                <a:sym typeface="Arial"/>
-              </a:rPr>
-              <a:t>K: 31% </a:t>
-            </a:r>
-            <a:endParaRPr b="1" i="0" sz="1000" u="none" cap="none" strike="noStrike">
-              <a:solidFill>
-                <a:srgbClr val="2F475B"/>
-              </a:solidFill>
-              <a:latin typeface="Arial"/>
-              <a:ea typeface="Arial"/>
-              <a:cs typeface="Arial"/>
-              <a:sym typeface="Arial"/>
-            </a:endParaRPr>
-          </a:p>
-        </p:txBody>
-      </p:sp>
-      <p:sp>
-        <p:nvSpPr>
-          <p:cNvPr id="171" name="Google Shape;171;p11"/>
-          <p:cNvSpPr/>
-          <p:nvPr/>
-        </p:nvSpPr>
-        <p:spPr>
-          <a:xfrm>
-            <a:off x="3444325" y="2996851"/>
-            <a:ext cx="650100" cy="845400"/>
-          </a:xfrm>
-          <a:prstGeom prst="rect">
-            <a:avLst/>
-          </a:prstGeom>
-          <a:solidFill>
-            <a:srgbClr val="F04B4C"/>
-          </a:solidFill>
-          <a:ln>
-            <a:noFill/>
-          </a:ln>
-        </p:spPr>
-        <p:txBody>
-          <a:bodyPr anchorCtr="0" anchor="ctr" bIns="91425" lIns="91425" spcFirstLastPara="1" rIns="91425" wrap="square" tIns="91425">
-            <a:noAutofit/>
-          </a:bodyPr>
-          <a:lstStyle/>
-          <a:p>
-            <a:pPr indent="0" lvl="0" marL="0" marR="0" rtl="0" algn="l">
-              <a:lnSpc>
-                <a:spcPct val="100000"/>
-              </a:lnSpc>
-              <a:spcBef>
-                <a:spcPts val="0"/>
-              </a:spcBef>
-              <a:spcAft>
-                <a:spcPts val="0"/>
-              </a:spcAft>
-              <a:buClr>
-                <a:srgbClr val="000000"/>
-              </a:buClr>
-              <a:buSzPts val="1400"/>
-              <a:buFont typeface="Arial"/>
-              <a:buNone/>
-            </a:pPr>
-            <a:r>
-              <a:t/>
-            </a:r>
-            <a:endParaRPr b="0" i="0" sz="1400" u="none" cap="none" strike="noStrike">
-              <a:solidFill>
-                <a:srgbClr val="000000"/>
-              </a:solidFill>
-              <a:latin typeface="Arial"/>
-              <a:ea typeface="Arial"/>
-              <a:cs typeface="Arial"/>
-              <a:sym typeface="Arial"/>
-            </a:endParaRPr>
-          </a:p>
-        </p:txBody>
-      </p:sp>
-      <p:sp>
-        <p:nvSpPr>
-          <p:cNvPr id="172" name="Google Shape;172;p11"/>
-          <p:cNvSpPr txBox="1"/>
-          <p:nvPr/>
-        </p:nvSpPr>
-        <p:spPr>
-          <a:xfrm>
-            <a:off x="3292525" y="2583248"/>
-            <a:ext cx="953700" cy="233100"/>
-          </a:xfrm>
-          <a:prstGeom prst="rect">
-            <a:avLst/>
-          </a:prstGeom>
-          <a:noFill/>
-          <a:ln>
-            <a:noFill/>
-          </a:ln>
-        </p:spPr>
-        <p:txBody>
-          <a:bodyPr anchorCtr="0" anchor="ctr" bIns="91425" lIns="91425" spcFirstLastPara="1" rIns="91425" wrap="square" tIns="91425">
-            <a:noAutofit/>
-          </a:bodyPr>
-          <a:lstStyle/>
-          <a:p>
-            <a:pPr indent="0" lvl="0" marL="0" marR="0" rtl="0" algn="l">
-              <a:lnSpc>
-                <a:spcPct val="100000"/>
-              </a:lnSpc>
-              <a:spcBef>
-                <a:spcPts val="0"/>
-              </a:spcBef>
-              <a:spcAft>
-                <a:spcPts val="0"/>
-              </a:spcAft>
-              <a:buClr>
-                <a:srgbClr val="000000"/>
-              </a:buClr>
-              <a:buSzPts val="1000"/>
-              <a:buFont typeface="Arial"/>
-              <a:buNone/>
-            </a:pPr>
-            <a:r>
-              <a:rPr b="1" i="0" lang="en-US" sz="1000" u="none" cap="none" strike="noStrike">
-                <a:solidFill>
-                  <a:srgbClr val="2F475B"/>
-                </a:solidFill>
-                <a:latin typeface="Arial"/>
-                <a:ea typeface="Arial"/>
-                <a:cs typeface="Arial"/>
-                <a:sym typeface="Arial"/>
-              </a:rPr>
-              <a:t>Secondary</a:t>
-            </a:r>
-            <a:endParaRPr b="1" i="0" sz="1000" u="none" cap="none" strike="noStrike">
-              <a:solidFill>
-                <a:srgbClr val="2F475B"/>
-              </a:solidFill>
-              <a:latin typeface="Arial"/>
-              <a:ea typeface="Arial"/>
-              <a:cs typeface="Arial"/>
-              <a:sym typeface="Arial"/>
-            </a:endParaRPr>
-          </a:p>
-        </p:txBody>
-      </p:sp>
-      <p:sp>
-        <p:nvSpPr>
-          <p:cNvPr id="173" name="Google Shape;173;p11"/>
-          <p:cNvSpPr txBox="1"/>
-          <p:nvPr/>
-        </p:nvSpPr>
-        <p:spPr>
-          <a:xfrm>
-            <a:off x="3377275" y="4007201"/>
-            <a:ext cx="784200" cy="201900"/>
-          </a:xfrm>
-          <a:prstGeom prst="rect">
-            <a:avLst/>
-          </a:prstGeom>
-          <a:noFill/>
-          <a:ln>
-            <a:noFill/>
-          </a:ln>
-        </p:spPr>
-        <p:txBody>
-          <a:bodyPr anchorCtr="0" anchor="ctr" bIns="91425" lIns="91425" spcFirstLastPara="1" rIns="91425" wrap="square" tIns="91425">
-            <a:noAutofit/>
-          </a:bodyPr>
-          <a:lstStyle/>
-          <a:p>
-            <a:pPr indent="0" lvl="0" marL="0" marR="0" rtl="0" algn="ctr">
-              <a:lnSpc>
-                <a:spcPct val="100000"/>
-              </a:lnSpc>
-              <a:spcBef>
-                <a:spcPts val="0"/>
-              </a:spcBef>
-              <a:spcAft>
-                <a:spcPts val="0"/>
-              </a:spcAft>
-              <a:buClr>
-                <a:srgbClr val="000000"/>
-              </a:buClr>
-              <a:buSzPts val="1000"/>
-              <a:buFont typeface="Arial"/>
-              <a:buNone/>
-            </a:pPr>
-            <a:r>
-              <a:rPr b="0" i="0" lang="en-US" sz="1000" u="none" cap="none" strike="noStrike">
-                <a:solidFill>
-                  <a:srgbClr val="B7B7B7"/>
-                </a:solidFill>
-                <a:latin typeface="Arial"/>
-                <a:ea typeface="Arial"/>
-                <a:cs typeface="Arial"/>
-                <a:sym typeface="Arial"/>
-              </a:rPr>
-              <a:t>#f04b4c</a:t>
-            </a:r>
-            <a:endParaRPr b="0" i="0" sz="1000" u="none" cap="none" strike="noStrike">
-              <a:solidFill>
-                <a:srgbClr val="B7B7B7"/>
-              </a:solidFill>
-              <a:latin typeface="Arial"/>
-              <a:ea typeface="Arial"/>
-              <a:cs typeface="Arial"/>
-              <a:sym typeface="Arial"/>
-            </a:endParaRPr>
-          </a:p>
-        </p:txBody>
-      </p:sp>
-      <p:sp>
-        <p:nvSpPr>
-          <p:cNvPr id="174" name="Google Shape;174;p11"/>
-          <p:cNvSpPr txBox="1"/>
-          <p:nvPr/>
-        </p:nvSpPr>
-        <p:spPr>
-          <a:xfrm>
-            <a:off x="4342225" y="2977951"/>
-            <a:ext cx="863100" cy="233100"/>
-          </a:xfrm>
-          <a:prstGeom prst="rect">
-            <a:avLst/>
-          </a:prstGeom>
-          <a:noFill/>
-          <a:ln>
-            <a:noFill/>
-          </a:ln>
-        </p:spPr>
-        <p:txBody>
-          <a:bodyPr anchorCtr="0" anchor="ctr" bIns="91425" lIns="91425" spcFirstLastPara="1" rIns="91425" wrap="square" tIns="91425">
-            <a:noAutofit/>
-          </a:bodyPr>
-          <a:lstStyle/>
-          <a:p>
-            <a:pPr indent="0" lvl="0" marL="0" marR="0" rtl="0" algn="l">
-              <a:lnSpc>
-                <a:spcPct val="100000"/>
-              </a:lnSpc>
-              <a:spcBef>
-                <a:spcPts val="0"/>
-              </a:spcBef>
-              <a:spcAft>
-                <a:spcPts val="0"/>
-              </a:spcAft>
-              <a:buClr>
-                <a:srgbClr val="000000"/>
-              </a:buClr>
-              <a:buSzPts val="1000"/>
-              <a:buFont typeface="Arial"/>
-              <a:buNone/>
-            </a:pPr>
-            <a:r>
-              <a:rPr b="1" i="0" lang="en-US" sz="1000" u="none" cap="none" strike="noStrike">
-                <a:solidFill>
-                  <a:srgbClr val="2F475B"/>
-                </a:solidFill>
-                <a:latin typeface="Arial"/>
-                <a:ea typeface="Arial"/>
-                <a:cs typeface="Arial"/>
-                <a:sym typeface="Arial"/>
-              </a:rPr>
-              <a:t>C: 0 %</a:t>
-            </a:r>
-            <a:endParaRPr b="1" i="0" sz="1000" u="none" cap="none" strike="noStrike">
-              <a:solidFill>
-                <a:srgbClr val="2F475B"/>
-              </a:solidFill>
-              <a:latin typeface="Arial"/>
-              <a:ea typeface="Arial"/>
-              <a:cs typeface="Arial"/>
-              <a:sym typeface="Arial"/>
-            </a:endParaRPr>
-          </a:p>
-        </p:txBody>
-      </p:sp>
-      <p:sp>
-        <p:nvSpPr>
-          <p:cNvPr id="175" name="Google Shape;175;p11"/>
-          <p:cNvSpPr txBox="1"/>
-          <p:nvPr/>
-        </p:nvSpPr>
-        <p:spPr>
-          <a:xfrm>
-            <a:off x="4342225" y="3186451"/>
-            <a:ext cx="863100" cy="233100"/>
-          </a:xfrm>
-          <a:prstGeom prst="rect">
-            <a:avLst/>
-          </a:prstGeom>
-          <a:noFill/>
-          <a:ln>
-            <a:noFill/>
-          </a:ln>
-        </p:spPr>
-        <p:txBody>
-          <a:bodyPr anchorCtr="0" anchor="ctr" bIns="91425" lIns="91425" spcFirstLastPara="1" rIns="91425" wrap="square" tIns="91425">
-            <a:noAutofit/>
-          </a:bodyPr>
-          <a:lstStyle/>
-          <a:p>
-            <a:pPr indent="0" lvl="0" marL="0" marR="0" rtl="0" algn="l">
-              <a:lnSpc>
-                <a:spcPct val="100000"/>
-              </a:lnSpc>
-              <a:spcBef>
-                <a:spcPts val="0"/>
-              </a:spcBef>
-              <a:spcAft>
-                <a:spcPts val="0"/>
-              </a:spcAft>
-              <a:buClr>
-                <a:srgbClr val="000000"/>
-              </a:buClr>
-              <a:buSzPts val="1000"/>
-              <a:buFont typeface="Arial"/>
-              <a:buNone/>
-            </a:pPr>
-            <a:r>
-              <a:rPr b="1" i="0" lang="en-US" sz="1000" u="none" cap="none" strike="noStrike">
-                <a:solidFill>
-                  <a:srgbClr val="2F475B"/>
-                </a:solidFill>
-                <a:latin typeface="Arial"/>
-                <a:ea typeface="Arial"/>
-                <a:cs typeface="Arial"/>
-                <a:sym typeface="Arial"/>
-              </a:rPr>
-              <a:t>M: 86%</a:t>
-            </a:r>
-            <a:endParaRPr b="1" i="0" sz="1000" u="none" cap="none" strike="noStrike">
-              <a:solidFill>
-                <a:srgbClr val="2F475B"/>
-              </a:solidFill>
-              <a:latin typeface="Arial"/>
-              <a:ea typeface="Arial"/>
-              <a:cs typeface="Arial"/>
-              <a:sym typeface="Arial"/>
-            </a:endParaRPr>
-          </a:p>
-        </p:txBody>
-      </p:sp>
-      <p:sp>
-        <p:nvSpPr>
-          <p:cNvPr id="176" name="Google Shape;176;p11"/>
-          <p:cNvSpPr txBox="1"/>
-          <p:nvPr/>
-        </p:nvSpPr>
-        <p:spPr>
-          <a:xfrm>
-            <a:off x="4342225" y="3423201"/>
-            <a:ext cx="863100" cy="233100"/>
-          </a:xfrm>
-          <a:prstGeom prst="rect">
-            <a:avLst/>
-          </a:prstGeom>
-          <a:noFill/>
-          <a:ln>
-            <a:noFill/>
-          </a:ln>
-        </p:spPr>
-        <p:txBody>
-          <a:bodyPr anchorCtr="0" anchor="ctr" bIns="91425" lIns="91425" spcFirstLastPara="1" rIns="91425" wrap="square" tIns="91425">
-            <a:noAutofit/>
-          </a:bodyPr>
-          <a:lstStyle/>
-          <a:p>
-            <a:pPr indent="0" lvl="0" marL="0" marR="0" rtl="0" algn="l">
-              <a:lnSpc>
-                <a:spcPct val="100000"/>
-              </a:lnSpc>
-              <a:spcBef>
-                <a:spcPts val="0"/>
-              </a:spcBef>
-              <a:spcAft>
-                <a:spcPts val="0"/>
-              </a:spcAft>
-              <a:buClr>
-                <a:srgbClr val="000000"/>
-              </a:buClr>
-              <a:buSzPts val="1000"/>
-              <a:buFont typeface="Arial"/>
-              <a:buNone/>
-            </a:pPr>
-            <a:r>
-              <a:rPr b="1" i="0" lang="en-US" sz="1000" u="none" cap="none" strike="noStrike">
-                <a:solidFill>
-                  <a:srgbClr val="2F475B"/>
-                </a:solidFill>
-                <a:latin typeface="Arial"/>
-                <a:ea typeface="Arial"/>
-                <a:cs typeface="Arial"/>
-                <a:sym typeface="Arial"/>
-              </a:rPr>
-              <a:t>Y: 70%</a:t>
-            </a:r>
-            <a:endParaRPr b="1" i="0" sz="1000" u="none" cap="none" strike="noStrike">
-              <a:solidFill>
-                <a:srgbClr val="2F475B"/>
-              </a:solidFill>
-              <a:latin typeface="Arial"/>
-              <a:ea typeface="Arial"/>
-              <a:cs typeface="Arial"/>
-              <a:sym typeface="Arial"/>
-            </a:endParaRPr>
-          </a:p>
-        </p:txBody>
-      </p:sp>
-      <p:sp>
-        <p:nvSpPr>
-          <p:cNvPr id="177" name="Google Shape;177;p11"/>
-          <p:cNvSpPr txBox="1"/>
-          <p:nvPr/>
-        </p:nvSpPr>
-        <p:spPr>
-          <a:xfrm>
-            <a:off x="4342225" y="3628051"/>
-            <a:ext cx="863100" cy="233100"/>
-          </a:xfrm>
-          <a:prstGeom prst="rect">
-            <a:avLst/>
-          </a:prstGeom>
-          <a:noFill/>
-          <a:ln>
-            <a:noFill/>
-          </a:ln>
-        </p:spPr>
-        <p:txBody>
-          <a:bodyPr anchorCtr="0" anchor="ctr" bIns="91425" lIns="91425" spcFirstLastPara="1" rIns="91425" wrap="square" tIns="91425">
-            <a:noAutofit/>
-          </a:bodyPr>
-          <a:lstStyle/>
-          <a:p>
-            <a:pPr indent="0" lvl="0" marL="0" marR="0" rtl="0" algn="l">
-              <a:lnSpc>
-                <a:spcPct val="100000"/>
-              </a:lnSpc>
-              <a:spcBef>
-                <a:spcPts val="0"/>
-              </a:spcBef>
-              <a:spcAft>
-                <a:spcPts val="0"/>
-              </a:spcAft>
-              <a:buClr>
-                <a:srgbClr val="000000"/>
-              </a:buClr>
-              <a:buSzPts val="1000"/>
-              <a:buFont typeface="Arial"/>
-              <a:buNone/>
-            </a:pPr>
-            <a:r>
-              <a:rPr b="1" i="0" lang="en-US" sz="1000" u="none" cap="none" strike="noStrike">
-                <a:solidFill>
-                  <a:srgbClr val="2F475B"/>
-                </a:solidFill>
-                <a:latin typeface="Arial"/>
-                <a:ea typeface="Arial"/>
-                <a:cs typeface="Arial"/>
-                <a:sym typeface="Arial"/>
-              </a:rPr>
-              <a:t>K: 0% </a:t>
-            </a:r>
-            <a:endParaRPr b="1" i="0" sz="1000" u="none" cap="none" strike="noStrike">
-              <a:solidFill>
-                <a:srgbClr val="2F475B"/>
-              </a:solidFill>
-              <a:latin typeface="Arial"/>
-              <a:ea typeface="Arial"/>
-              <a:cs typeface="Arial"/>
-              <a:sym typeface="Arial"/>
-            </a:endParaRPr>
-          </a:p>
-        </p:txBody>
-      </p:sp>
-      <p:sp>
-        <p:nvSpPr>
-          <p:cNvPr id="178" name="Google Shape;178;p11"/>
-          <p:cNvSpPr/>
-          <p:nvPr/>
-        </p:nvSpPr>
-        <p:spPr>
-          <a:xfrm>
-            <a:off x="5847925" y="2949576"/>
-            <a:ext cx="650100" cy="845400"/>
-          </a:xfrm>
-          <a:prstGeom prst="rect">
-            <a:avLst/>
-          </a:prstGeom>
-          <a:solidFill>
-            <a:srgbClr val="939598"/>
-          </a:solidFill>
-          <a:ln>
-            <a:noFill/>
-          </a:ln>
-        </p:spPr>
-        <p:txBody>
-          <a:bodyPr anchorCtr="0" anchor="ctr" bIns="91425" lIns="91425" spcFirstLastPara="1" rIns="91425" wrap="square" tIns="91425">
-            <a:noAutofit/>
-          </a:bodyPr>
-          <a:lstStyle/>
-          <a:p>
-            <a:pPr indent="0" lvl="0" marL="0" marR="0" rtl="0" algn="l">
-              <a:lnSpc>
-                <a:spcPct val="100000"/>
-              </a:lnSpc>
-              <a:spcBef>
-                <a:spcPts val="0"/>
-              </a:spcBef>
-              <a:spcAft>
-                <a:spcPts val="0"/>
-              </a:spcAft>
-              <a:buClr>
-                <a:srgbClr val="000000"/>
-              </a:buClr>
-              <a:buSzPts val="1400"/>
-              <a:buFont typeface="Arial"/>
-              <a:buNone/>
-            </a:pPr>
-            <a:r>
-              <a:t/>
-            </a:r>
-            <a:endParaRPr b="0" i="0" sz="1400" u="none" cap="none" strike="noStrike">
-              <a:solidFill>
-                <a:srgbClr val="000000"/>
-              </a:solidFill>
-              <a:latin typeface="Arial"/>
-              <a:ea typeface="Arial"/>
-              <a:cs typeface="Arial"/>
-              <a:sym typeface="Arial"/>
-            </a:endParaRPr>
-          </a:p>
-        </p:txBody>
-      </p:sp>
-      <p:sp>
-        <p:nvSpPr>
-          <p:cNvPr id="179" name="Google Shape;179;p11"/>
-          <p:cNvSpPr txBox="1"/>
-          <p:nvPr/>
-        </p:nvSpPr>
-        <p:spPr>
-          <a:xfrm>
-            <a:off x="5696125" y="2583248"/>
-            <a:ext cx="953700" cy="233100"/>
-          </a:xfrm>
-          <a:prstGeom prst="rect">
-            <a:avLst/>
-          </a:prstGeom>
-          <a:noFill/>
-          <a:ln>
-            <a:noFill/>
-          </a:ln>
-        </p:spPr>
-        <p:txBody>
-          <a:bodyPr anchorCtr="0" anchor="ctr" bIns="91425" lIns="91425" spcFirstLastPara="1" rIns="91425" wrap="square" tIns="91425">
-            <a:noAutofit/>
-          </a:bodyPr>
-          <a:lstStyle/>
-          <a:p>
-            <a:pPr indent="0" lvl="0" marL="0" marR="0" rtl="0" algn="l">
-              <a:lnSpc>
-                <a:spcPct val="100000"/>
-              </a:lnSpc>
-              <a:spcBef>
-                <a:spcPts val="0"/>
-              </a:spcBef>
-              <a:spcAft>
-                <a:spcPts val="0"/>
-              </a:spcAft>
-              <a:buClr>
-                <a:srgbClr val="000000"/>
-              </a:buClr>
-              <a:buSzPts val="1000"/>
-              <a:buFont typeface="Arial"/>
-              <a:buNone/>
-            </a:pPr>
-            <a:r>
-              <a:rPr b="1" i="0" lang="en-US" sz="1000" u="none" cap="none" strike="noStrike">
-                <a:solidFill>
-                  <a:srgbClr val="2F475B"/>
-                </a:solidFill>
-                <a:latin typeface="Arial"/>
-                <a:ea typeface="Arial"/>
-                <a:cs typeface="Arial"/>
-                <a:sym typeface="Arial"/>
-              </a:rPr>
-              <a:t>Additional</a:t>
-            </a:r>
-            <a:endParaRPr b="1" i="0" sz="1000" u="none" cap="none" strike="noStrike">
-              <a:solidFill>
-                <a:srgbClr val="2F475B"/>
-              </a:solidFill>
-              <a:latin typeface="Arial"/>
-              <a:ea typeface="Arial"/>
-              <a:cs typeface="Arial"/>
-              <a:sym typeface="Arial"/>
-            </a:endParaRPr>
-          </a:p>
-        </p:txBody>
-      </p:sp>
-      <p:sp>
-        <p:nvSpPr>
-          <p:cNvPr id="180" name="Google Shape;180;p11"/>
-          <p:cNvSpPr txBox="1"/>
-          <p:nvPr/>
-        </p:nvSpPr>
-        <p:spPr>
-          <a:xfrm>
-            <a:off x="5780875" y="3959926"/>
-            <a:ext cx="784200" cy="201900"/>
-          </a:xfrm>
-          <a:prstGeom prst="rect">
-            <a:avLst/>
-          </a:prstGeom>
-          <a:noFill/>
-          <a:ln>
-            <a:noFill/>
-          </a:ln>
-        </p:spPr>
-        <p:txBody>
-          <a:bodyPr anchorCtr="0" anchor="ctr" bIns="91425" lIns="91425" spcFirstLastPara="1" rIns="91425" wrap="square" tIns="91425">
-            <a:noAutofit/>
-          </a:bodyPr>
-          <a:lstStyle/>
-          <a:p>
-            <a:pPr indent="0" lvl="0" marL="0" marR="0" rtl="0" algn="ctr">
-              <a:lnSpc>
-                <a:spcPct val="100000"/>
-              </a:lnSpc>
-              <a:spcBef>
-                <a:spcPts val="0"/>
-              </a:spcBef>
-              <a:spcAft>
-                <a:spcPts val="0"/>
-              </a:spcAft>
-              <a:buClr>
-                <a:srgbClr val="000000"/>
-              </a:buClr>
-              <a:buSzPts val="1000"/>
-              <a:buFont typeface="Arial"/>
-              <a:buNone/>
-            </a:pPr>
-            <a:r>
-              <a:rPr b="0" i="0" lang="en-US" sz="1000" u="none" cap="none" strike="noStrike">
-                <a:solidFill>
-                  <a:srgbClr val="B7B7B7"/>
-                </a:solidFill>
-                <a:latin typeface="Arial"/>
-                <a:ea typeface="Arial"/>
-                <a:cs typeface="Arial"/>
-                <a:sym typeface="Arial"/>
-              </a:rPr>
-              <a:t>#939598</a:t>
-            </a:r>
-            <a:endParaRPr b="0" i="0" sz="1000" u="none" cap="none" strike="noStrike">
-              <a:solidFill>
-                <a:srgbClr val="B7B7B7"/>
-              </a:solidFill>
-              <a:latin typeface="Arial"/>
-              <a:ea typeface="Arial"/>
-              <a:cs typeface="Arial"/>
-              <a:sym typeface="Arial"/>
-            </a:endParaRPr>
-          </a:p>
-        </p:txBody>
-      </p:sp>
-      <p:sp>
-        <p:nvSpPr>
-          <p:cNvPr id="181" name="Google Shape;181;p11"/>
-          <p:cNvSpPr txBox="1"/>
-          <p:nvPr/>
-        </p:nvSpPr>
-        <p:spPr>
-          <a:xfrm>
-            <a:off x="6745825" y="2930676"/>
-            <a:ext cx="863100" cy="233100"/>
-          </a:xfrm>
-          <a:prstGeom prst="rect">
-            <a:avLst/>
-          </a:prstGeom>
-          <a:noFill/>
-          <a:ln>
-            <a:noFill/>
-          </a:ln>
-        </p:spPr>
-        <p:txBody>
-          <a:bodyPr anchorCtr="0" anchor="ctr" bIns="91425" lIns="91425" spcFirstLastPara="1" rIns="91425" wrap="square" tIns="91425">
-            <a:noAutofit/>
-          </a:bodyPr>
-          <a:lstStyle/>
-          <a:p>
-            <a:pPr indent="0" lvl="0" marL="0" marR="0" rtl="0" algn="l">
-              <a:lnSpc>
-                <a:spcPct val="100000"/>
-              </a:lnSpc>
-              <a:spcBef>
-                <a:spcPts val="0"/>
-              </a:spcBef>
-              <a:spcAft>
-                <a:spcPts val="0"/>
-              </a:spcAft>
-              <a:buClr>
-                <a:srgbClr val="000000"/>
-              </a:buClr>
-              <a:buSzPts val="1000"/>
-              <a:buFont typeface="Arial"/>
-              <a:buNone/>
-            </a:pPr>
-            <a:r>
-              <a:rPr b="1" i="0" lang="en-US" sz="1000" u="none" cap="none" strike="noStrike">
-                <a:solidFill>
-                  <a:srgbClr val="2F475B"/>
-                </a:solidFill>
-                <a:latin typeface="Arial"/>
-                <a:ea typeface="Arial"/>
-                <a:cs typeface="Arial"/>
-                <a:sym typeface="Arial"/>
-              </a:rPr>
-              <a:t>C: 0 %</a:t>
-            </a:r>
-            <a:endParaRPr b="1" i="0" sz="1000" u="none" cap="none" strike="noStrike">
-              <a:solidFill>
-                <a:srgbClr val="2F475B"/>
-              </a:solidFill>
-              <a:latin typeface="Arial"/>
-              <a:ea typeface="Arial"/>
-              <a:cs typeface="Arial"/>
-              <a:sym typeface="Arial"/>
-            </a:endParaRPr>
-          </a:p>
-        </p:txBody>
-      </p:sp>
-      <p:sp>
-        <p:nvSpPr>
-          <p:cNvPr id="182" name="Google Shape;182;p11"/>
-          <p:cNvSpPr txBox="1"/>
-          <p:nvPr/>
-        </p:nvSpPr>
-        <p:spPr>
-          <a:xfrm>
-            <a:off x="6745825" y="3139176"/>
-            <a:ext cx="863100" cy="233100"/>
-          </a:xfrm>
-          <a:prstGeom prst="rect">
-            <a:avLst/>
-          </a:prstGeom>
-          <a:noFill/>
-          <a:ln>
-            <a:noFill/>
-          </a:ln>
-        </p:spPr>
-        <p:txBody>
-          <a:bodyPr anchorCtr="0" anchor="ctr" bIns="91425" lIns="91425" spcFirstLastPara="1" rIns="91425" wrap="square" tIns="91425">
-            <a:noAutofit/>
-          </a:bodyPr>
-          <a:lstStyle/>
-          <a:p>
-            <a:pPr indent="0" lvl="0" marL="0" marR="0" rtl="0" algn="l">
-              <a:lnSpc>
-                <a:spcPct val="100000"/>
-              </a:lnSpc>
-              <a:spcBef>
-                <a:spcPts val="0"/>
-              </a:spcBef>
-              <a:spcAft>
-                <a:spcPts val="0"/>
-              </a:spcAft>
-              <a:buClr>
-                <a:srgbClr val="000000"/>
-              </a:buClr>
-              <a:buSzPts val="1000"/>
-              <a:buFont typeface="Arial"/>
-              <a:buNone/>
-            </a:pPr>
-            <a:r>
-              <a:rPr b="1" i="0" lang="en-US" sz="1000" u="none" cap="none" strike="noStrike">
-                <a:solidFill>
-                  <a:srgbClr val="2F475B"/>
-                </a:solidFill>
-                <a:latin typeface="Arial"/>
-                <a:ea typeface="Arial"/>
-                <a:cs typeface="Arial"/>
-                <a:sym typeface="Arial"/>
-              </a:rPr>
-              <a:t>M: 0%</a:t>
-            </a:r>
-            <a:endParaRPr b="1" i="0" sz="1000" u="none" cap="none" strike="noStrike">
-              <a:solidFill>
-                <a:srgbClr val="2F475B"/>
-              </a:solidFill>
-              <a:latin typeface="Arial"/>
-              <a:ea typeface="Arial"/>
-              <a:cs typeface="Arial"/>
-              <a:sym typeface="Arial"/>
-            </a:endParaRPr>
-          </a:p>
-        </p:txBody>
-      </p:sp>
-      <p:sp>
-        <p:nvSpPr>
-          <p:cNvPr id="183" name="Google Shape;183;p11"/>
-          <p:cNvSpPr txBox="1"/>
-          <p:nvPr/>
-        </p:nvSpPr>
-        <p:spPr>
-          <a:xfrm>
-            <a:off x="6745825" y="3375926"/>
-            <a:ext cx="863100" cy="233100"/>
-          </a:xfrm>
-          <a:prstGeom prst="rect">
-            <a:avLst/>
-          </a:prstGeom>
-          <a:noFill/>
-          <a:ln>
-            <a:noFill/>
-          </a:ln>
-        </p:spPr>
-        <p:txBody>
-          <a:bodyPr anchorCtr="0" anchor="ctr" bIns="91425" lIns="91425" spcFirstLastPara="1" rIns="91425" wrap="square" tIns="91425">
-            <a:noAutofit/>
-          </a:bodyPr>
-          <a:lstStyle/>
-          <a:p>
-            <a:pPr indent="0" lvl="0" marL="0" marR="0" rtl="0" algn="l">
-              <a:lnSpc>
-                <a:spcPct val="100000"/>
-              </a:lnSpc>
-              <a:spcBef>
-                <a:spcPts val="0"/>
-              </a:spcBef>
-              <a:spcAft>
-                <a:spcPts val="0"/>
-              </a:spcAft>
-              <a:buClr>
-                <a:srgbClr val="000000"/>
-              </a:buClr>
-              <a:buSzPts val="1000"/>
-              <a:buFont typeface="Arial"/>
-              <a:buNone/>
-            </a:pPr>
-            <a:r>
-              <a:rPr b="1" i="0" lang="en-US" sz="1000" u="none" cap="none" strike="noStrike">
-                <a:solidFill>
-                  <a:srgbClr val="2F475B"/>
-                </a:solidFill>
-                <a:latin typeface="Arial"/>
-                <a:ea typeface="Arial"/>
-                <a:cs typeface="Arial"/>
-                <a:sym typeface="Arial"/>
-              </a:rPr>
-              <a:t>Y: 0%</a:t>
-            </a:r>
-            <a:endParaRPr b="1" i="0" sz="1000" u="none" cap="none" strike="noStrike">
-              <a:solidFill>
-                <a:srgbClr val="2F475B"/>
-              </a:solidFill>
-              <a:latin typeface="Arial"/>
-              <a:ea typeface="Arial"/>
-              <a:cs typeface="Arial"/>
-              <a:sym typeface="Arial"/>
-            </a:endParaRPr>
-          </a:p>
-        </p:txBody>
-      </p:sp>
-      <p:sp>
-        <p:nvSpPr>
-          <p:cNvPr id="184" name="Google Shape;184;p11"/>
-          <p:cNvSpPr txBox="1"/>
-          <p:nvPr/>
-        </p:nvSpPr>
-        <p:spPr>
-          <a:xfrm>
-            <a:off x="6745825" y="3580776"/>
-            <a:ext cx="863100" cy="233100"/>
-          </a:xfrm>
-          <a:prstGeom prst="rect">
-            <a:avLst/>
-          </a:prstGeom>
-          <a:noFill/>
-          <a:ln>
-            <a:noFill/>
-          </a:ln>
-        </p:spPr>
-        <p:txBody>
-          <a:bodyPr anchorCtr="0" anchor="ctr" bIns="91425" lIns="91425" spcFirstLastPara="1" rIns="91425" wrap="square" tIns="91425">
-            <a:noAutofit/>
-          </a:bodyPr>
-          <a:lstStyle/>
-          <a:p>
-            <a:pPr indent="0" lvl="0" marL="0" marR="0" rtl="0" algn="l">
-              <a:lnSpc>
-                <a:spcPct val="100000"/>
-              </a:lnSpc>
-              <a:spcBef>
-                <a:spcPts val="0"/>
-              </a:spcBef>
-              <a:spcAft>
-                <a:spcPts val="0"/>
-              </a:spcAft>
-              <a:buClr>
-                <a:srgbClr val="000000"/>
-              </a:buClr>
-              <a:buSzPts val="1000"/>
-              <a:buFont typeface="Arial"/>
-              <a:buNone/>
-            </a:pPr>
-            <a:r>
-              <a:rPr b="1" i="0" lang="en-US" sz="1000" u="none" cap="none" strike="noStrike">
-                <a:solidFill>
-                  <a:srgbClr val="2F475B"/>
-                </a:solidFill>
-                <a:latin typeface="Arial"/>
-                <a:ea typeface="Arial"/>
-                <a:cs typeface="Arial"/>
-                <a:sym typeface="Arial"/>
-              </a:rPr>
-              <a:t>K: 50% </a:t>
-            </a:r>
-            <a:endParaRPr b="1" i="0" sz="1000" u="none" cap="none" strike="noStrike">
-              <a:solidFill>
-                <a:srgbClr val="2F475B"/>
-              </a:solidFill>
-              <a:latin typeface="Arial"/>
-              <a:ea typeface="Arial"/>
-              <a:cs typeface="Arial"/>
-              <a:sym typeface="Arial"/>
-            </a:endParaRPr>
-          </a:p>
-        </p:txBody>
-      </p:sp>
     </p:spTree>
   </p:cSld>
   <p:clrMapOvr>
@@ -18642,6 +20206,285 @@
 </file>
 
 <file path=ppt/theme/theme1.xml><?xml version="1.0" encoding="utf-8"?>
+<a:theme xmlns:a="http://schemas.openxmlformats.org/drawingml/2006/main" xmlns:r="http://schemas.openxmlformats.org/officeDocument/2006/relationships">
+  <a:themeElements>
+    <a:clrScheme name="Default">
+      <a:dk1>
+        <a:srgbClr val="000000"/>
+      </a:dk1>
+      <a:lt1>
+        <a:srgbClr val="FFFFFF"/>
+      </a:lt1>
+      <a:dk2>
+        <a:srgbClr val="158158"/>
+      </a:dk2>
+      <a:lt2>
+        <a:srgbClr val="F3F3F3"/>
+      </a:lt2>
+      <a:accent1>
+        <a:srgbClr val="058DC7"/>
+      </a:accent1>
+      <a:accent2>
+        <a:srgbClr val="50B432"/>
+      </a:accent2>
+      <a:accent3>
+        <a:srgbClr val="ED561B"/>
+      </a:accent3>
+      <a:accent4>
+        <a:srgbClr val="EDEF00"/>
+      </a:accent4>
+      <a:accent5>
+        <a:srgbClr val="24CBE5"/>
+      </a:accent5>
+      <a:accent6>
+        <a:srgbClr val="64E572"/>
+      </a:accent6>
+      <a:hlink>
+        <a:srgbClr val="2200CC"/>
+      </a:hlink>
+      <a:folHlink>
+        <a:srgbClr val="551A8B"/>
+      </a:folHlink>
+    </a:clrScheme>
+    <a:fontScheme name="Office">
+      <a:majorFont>
+        <a:latin typeface="Arial"/>
+        <a:ea typeface=""/>
+        <a:cs typeface=""/>
+        <a:font script="Jpan" typeface="ＭＳ Ｐゴシック"/>
+        <a:font script="Hang" typeface="맑은 고딕"/>
+        <a:font script="Hans" typeface="宋体"/>
+        <a:font script="Hant" typeface="新細明體"/>
+        <a:font script="Arab" typeface="Times New Roman"/>
+        <a:font script="Hebr" typeface="Times New Roman"/>
+        <a:font script="Thai" typeface="Angsana New"/>
+        <a:font script="Ethi" typeface="Nyala"/>
+        <a:font script="Beng" typeface="Vrinda"/>
+        <a:font script="Gujr" typeface="Shruti"/>
+        <a:font script="Khmr" typeface="MoolBoran"/>
+        <a:font script="Knda" typeface="Tunga"/>
+        <a:font script="Guru" typeface="Raavi"/>
+        <a:font script="Cans" typeface="Euphemia"/>
+        <a:font script="Cher" typeface="Plantagenet Cherokee"/>
+        <a:font script="Yiii" typeface="Microsoft Yi Baiti"/>
+        <a:font script="Tibt" typeface="Microsoft Himalaya"/>
+        <a:font script="Thaa" typeface="MV Boli"/>
+        <a:font script="Deva" typeface="Mangal"/>
+        <a:font script="Telu" typeface="Gautami"/>
+        <a:font script="Taml" typeface="Latha"/>
+        <a:font script="Syrc" typeface="Estrangelo Edessa"/>
+        <a:font script="Orya" typeface="Kalinga"/>
+        <a:font script="Mlym" typeface="Kartika"/>
+        <a:font script="Laoo" typeface="DokChampa"/>
+        <a:font script="Sinh" typeface="Iskoola Pota"/>
+        <a:font script="Mong" typeface="Mongolian Baiti"/>
+        <a:font script="Viet" typeface="Times New Roman"/>
+        <a:font script="Uigh" typeface="Microsoft Uighur"/>
+        <a:font script="Geor" typeface="Sylfaen"/>
+      </a:majorFont>
+      <a:minorFont>
+        <a:latin typeface="Arial"/>
+        <a:ea typeface=""/>
+        <a:cs typeface=""/>
+        <a:font script="Jpan" typeface="ＭＳ Ｐゴシック"/>
+        <a:font script="Hang" typeface="맑은 고딕"/>
+        <a:font script="Hans" typeface="宋体"/>
+        <a:font script="Hant" typeface="新細明體"/>
+        <a:font script="Arab" typeface="Arial"/>
+        <a:font script="Hebr" typeface="Arial"/>
+        <a:font script="Thai" typeface="Cordia New"/>
+        <a:font script="Ethi" typeface="Nyala"/>
+        <a:font script="Beng" typeface="Vrinda"/>
+        <a:font script="Gujr" typeface="Shruti"/>
+        <a:font script="Khmr" typeface="DaunPenh"/>
+        <a:font script="Knda" typeface="Tunga"/>
+        <a:font script="Guru" typeface="Raavi"/>
+        <a:font script="Cans" typeface="Euphemia"/>
+        <a:font script="Cher" typeface="Plantagenet Cherokee"/>
+        <a:font script="Yiii" typeface="Microsoft Yi Baiti"/>
+        <a:font script="Tibt" typeface="Microsoft Himalaya"/>
+        <a:font script="Thaa" typeface="MV Boli"/>
+        <a:font script="Deva" typeface="Mangal"/>
+        <a:font script="Telu" typeface="Gautami"/>
+        <a:font script="Taml" typeface="Latha"/>
+        <a:font script="Syrc" typeface="Estrangelo Edessa"/>
+        <a:font script="Orya" typeface="Kalinga"/>
+        <a:font script="Mlym" typeface="Kartika"/>
+        <a:font script="Laoo" typeface="DokChampa"/>
+        <a:font script="Sinh" typeface="Iskoola Pota"/>
+        <a:font script="Mong" typeface="Mongolian Baiti"/>
+        <a:font script="Viet" typeface="Arial"/>
+        <a:font script="Uigh" typeface="Microsoft Uighur"/>
+        <a:font script="Geor" typeface="Sylfaen"/>
+      </a:minorFont>
+    </a:fontScheme>
+    <a:fmtScheme name="Office">
+      <a:fillStyleLst>
+        <a:solidFill>
+          <a:schemeClr val="phClr"/>
+        </a:solidFill>
+        <a:gradFill rotWithShape="1">
+          <a:gsLst>
+            <a:gs pos="0">
+              <a:schemeClr val="phClr">
+                <a:tint val="50000"/>
+                <a:satMod val="300000"/>
+              </a:schemeClr>
+            </a:gs>
+            <a:gs pos="35000">
+              <a:schemeClr val="phClr">
+                <a:tint val="37000"/>
+                <a:satMod val="300000"/>
+              </a:schemeClr>
+            </a:gs>
+            <a:gs pos="100000">
+              <a:schemeClr val="phClr">
+                <a:tint val="15000"/>
+                <a:satMod val="350000"/>
+              </a:schemeClr>
+            </a:gs>
+          </a:gsLst>
+          <a:lin ang="16200000" scaled="1"/>
+        </a:gradFill>
+        <a:gradFill rotWithShape="1">
+          <a:gsLst>
+            <a:gs pos="0">
+              <a:schemeClr val="phClr">
+                <a:tint val="100000"/>
+                <a:shade val="100000"/>
+                <a:satMod val="130000"/>
+              </a:schemeClr>
+            </a:gs>
+            <a:gs pos="100000">
+              <a:schemeClr val="phClr">
+                <a:tint val="50000"/>
+                <a:shade val="100000"/>
+                <a:satMod val="350000"/>
+              </a:schemeClr>
+            </a:gs>
+          </a:gsLst>
+          <a:lin ang="16200000" scaled="0"/>
+        </a:gradFill>
+      </a:fillStyleLst>
+      <a:lnStyleLst>
+        <a:ln w="9525" cap="flat" cmpd="sng" algn="ctr">
+          <a:solidFill>
+            <a:schemeClr val="phClr">
+              <a:shade val="95000"/>
+              <a:satMod val="105000"/>
+            </a:schemeClr>
+          </a:solidFill>
+          <a:prstDash val="solid"/>
+        </a:ln>
+        <a:ln w="25400" cap="flat" cmpd="sng" algn="ctr">
+          <a:solidFill>
+            <a:schemeClr val="phClr"/>
+          </a:solidFill>
+          <a:prstDash val="solid"/>
+        </a:ln>
+        <a:ln w="38100" cap="flat" cmpd="sng" algn="ctr">
+          <a:solidFill>
+            <a:schemeClr val="phClr"/>
+          </a:solidFill>
+          <a:prstDash val="solid"/>
+        </a:ln>
+      </a:lnStyleLst>
+      <a:effectStyleLst>
+        <a:effectStyle>
+          <a:effectLst>
+            <a:outerShdw blurRad="40000" dist="20000" dir="5400000" rotWithShape="0">
+              <a:srgbClr val="000000">
+                <a:alpha val="38000"/>
+              </a:srgbClr>
+            </a:outerShdw>
+          </a:effectLst>
+        </a:effectStyle>
+        <a:effectStyle>
+          <a:effectLst>
+            <a:outerShdw blurRad="40000" dist="23000" dir="5400000" rotWithShape="0">
+              <a:srgbClr val="000000">
+                <a:alpha val="35000"/>
+              </a:srgbClr>
+            </a:outerShdw>
+          </a:effectLst>
+        </a:effectStyle>
+        <a:effectStyle>
+          <a:effectLst>
+            <a:outerShdw blurRad="40000" dist="23000" dir="5400000" rotWithShape="0">
+              <a:srgbClr val="000000">
+                <a:alpha val="35000"/>
+              </a:srgbClr>
+            </a:outerShdw>
+          </a:effectLst>
+          <a:scene3d>
+            <a:camera prst="orthographicFront">
+              <a:rot lat="0" lon="0" rev="0"/>
+            </a:camera>
+            <a:lightRig rig="threePt" dir="t">
+              <a:rot lat="0" lon="0" rev="1200000"/>
+            </a:lightRig>
+          </a:scene3d>
+          <a:sp3d>
+            <a:bevelT w="63500" h="25400"/>
+          </a:sp3d>
+        </a:effectStyle>
+      </a:effectStyleLst>
+      <a:bgFillStyleLst>
+        <a:solidFill>
+          <a:schemeClr val="phClr"/>
+        </a:solidFill>
+        <a:gradFill rotWithShape="1">
+          <a:gsLst>
+            <a:gs pos="0">
+              <a:schemeClr val="phClr">
+                <a:tint val="40000"/>
+                <a:satMod val="350000"/>
+              </a:schemeClr>
+            </a:gs>
+            <a:gs pos="40000">
+              <a:schemeClr val="phClr">
+                <a:tint val="45000"/>
+                <a:shade val="99000"/>
+                <a:satMod val="350000"/>
+              </a:schemeClr>
+            </a:gs>
+            <a:gs pos="100000">
+              <a:schemeClr val="phClr">
+                <a:shade val="20000"/>
+                <a:satMod val="255000"/>
+              </a:schemeClr>
+            </a:gs>
+          </a:gsLst>
+          <a:path path="circle">
+            <a:fillToRect l="50000" t="-80000" r="50000" b="180000"/>
+          </a:path>
+        </a:gradFill>
+        <a:gradFill rotWithShape="1">
+          <a:gsLst>
+            <a:gs pos="0">
+              <a:schemeClr val="phClr">
+                <a:tint val="80000"/>
+                <a:satMod val="300000"/>
+              </a:schemeClr>
+            </a:gs>
+            <a:gs pos="100000">
+              <a:schemeClr val="phClr">
+                <a:shade val="30000"/>
+                <a:satMod val="200000"/>
+              </a:schemeClr>
+            </a:gs>
+          </a:gsLst>
+          <a:path path="circle">
+            <a:fillToRect l="50000" t="50000" r="50000" b="50000"/>
+          </a:path>
+        </a:gradFill>
+      </a:bgFillStyleLst>
+    </a:fmtScheme>
+  </a:themeElements>
+</a:theme>
+</file>
+
+<file path=ppt/theme/theme2.xml><?xml version="1.0" encoding="utf-8"?>
 <a:theme xmlns:a="http://schemas.openxmlformats.org/drawingml/2006/main" xmlns:r="http://schemas.openxmlformats.org/officeDocument/2006/relationships" name="Simple Light">
   <a:themeElements>
     <a:clrScheme name="Simple Light">
@@ -18918,283 +20761,4 @@
     </a:fmtScheme>
   </a:themeElements>
 </a:theme>
-</file>
-
-<file path=ppt/theme/theme2.xml><?xml version="1.0" encoding="utf-8"?>
-<a:theme xmlns:a="http://schemas.openxmlformats.org/drawingml/2006/main" xmlns:r="http://schemas.openxmlformats.org/officeDocument/2006/relationships">
-  <a:themeElements>
-    <a:clrScheme name="Default">
-      <a:dk1>
-        <a:srgbClr val="000000"/>
-      </a:dk1>
-      <a:lt1>
-        <a:srgbClr val="FFFFFF"/>
-      </a:lt1>
-      <a:dk2>
-        <a:srgbClr val="158158"/>
-      </a:dk2>
-      <a:lt2>
-        <a:srgbClr val="F3F3F3"/>
-      </a:lt2>
-      <a:accent1>
-        <a:srgbClr val="058DC7"/>
-      </a:accent1>
-      <a:accent2>
-        <a:srgbClr val="50B432"/>
-      </a:accent2>
-      <a:accent3>
-        <a:srgbClr val="ED561B"/>
-      </a:accent3>
-      <a:accent4>
-        <a:srgbClr val="EDEF00"/>
-      </a:accent4>
-      <a:accent5>
-        <a:srgbClr val="24CBE5"/>
-      </a:accent5>
-      <a:accent6>
-        <a:srgbClr val="64E572"/>
-      </a:accent6>
-      <a:hlink>
-        <a:srgbClr val="2200CC"/>
-      </a:hlink>
-      <a:folHlink>
-        <a:srgbClr val="551A8B"/>
-      </a:folHlink>
-    </a:clrScheme>
-    <a:fontScheme name="Office">
-      <a:majorFont>
-        <a:latin typeface="Arial"/>
-        <a:ea typeface=""/>
-        <a:cs typeface=""/>
-        <a:font script="Jpan" typeface="ＭＳ Ｐゴシック"/>
-        <a:font script="Hang" typeface="맑은 고딕"/>
-        <a:font script="Hans" typeface="宋体"/>
-        <a:font script="Hant" typeface="新細明體"/>
-        <a:font script="Arab" typeface="Times New Roman"/>
-        <a:font script="Hebr" typeface="Times New Roman"/>
-        <a:font script="Thai" typeface="Angsana New"/>
-        <a:font script="Ethi" typeface="Nyala"/>
-        <a:font script="Beng" typeface="Vrinda"/>
-        <a:font script="Gujr" typeface="Shruti"/>
-        <a:font script="Khmr" typeface="MoolBoran"/>
-        <a:font script="Knda" typeface="Tunga"/>
-        <a:font script="Guru" typeface="Raavi"/>
-        <a:font script="Cans" typeface="Euphemia"/>
-        <a:font script="Cher" typeface="Plantagenet Cherokee"/>
-        <a:font script="Yiii" typeface="Microsoft Yi Baiti"/>
-        <a:font script="Tibt" typeface="Microsoft Himalaya"/>
-        <a:font script="Thaa" typeface="MV Boli"/>
-        <a:font script="Deva" typeface="Mangal"/>
-        <a:font script="Telu" typeface="Gautami"/>
-        <a:font script="Taml" typeface="Latha"/>
-        <a:font script="Syrc" typeface="Estrangelo Edessa"/>
-        <a:font script="Orya" typeface="Kalinga"/>
-        <a:font script="Mlym" typeface="Kartika"/>
-        <a:font script="Laoo" typeface="DokChampa"/>
-        <a:font script="Sinh" typeface="Iskoola Pota"/>
-        <a:font script="Mong" typeface="Mongolian Baiti"/>
-        <a:font script="Viet" typeface="Times New Roman"/>
-        <a:font script="Uigh" typeface="Microsoft Uighur"/>
-        <a:font script="Geor" typeface="Sylfaen"/>
-      </a:majorFont>
-      <a:minorFont>
-        <a:latin typeface="Arial"/>
-        <a:ea typeface=""/>
-        <a:cs typeface=""/>
-        <a:font script="Jpan" typeface="ＭＳ Ｐゴシック"/>
-        <a:font script="Hang" typeface="맑은 고딕"/>
-        <a:font script="Hans" typeface="宋体"/>
-        <a:font script="Hant" typeface="新細明體"/>
-        <a:font script="Arab" typeface="Arial"/>
-        <a:font script="Hebr" typeface="Arial"/>
-        <a:font script="Thai" typeface="Cordia New"/>
-        <a:font script="Ethi" typeface="Nyala"/>
-        <a:font script="Beng" typeface="Vrinda"/>
-        <a:font script="Gujr" typeface="Shruti"/>
-        <a:font script="Khmr" typeface="DaunPenh"/>
-        <a:font script="Knda" typeface="Tunga"/>
-        <a:font script="Guru" typeface="Raavi"/>
-        <a:font script="Cans" typeface="Euphemia"/>
-        <a:font script="Cher" typeface="Plantagenet Cherokee"/>
-        <a:font script="Yiii" typeface="Microsoft Yi Baiti"/>
-        <a:font script="Tibt" typeface="Microsoft Himalaya"/>
-        <a:font script="Thaa" typeface="MV Boli"/>
-        <a:font script="Deva" typeface="Mangal"/>
-        <a:font script="Telu" typeface="Gautami"/>
-        <a:font script="Taml" typeface="Latha"/>
-        <a:font script="Syrc" typeface="Estrangelo Edessa"/>
-        <a:font script="Orya" typeface="Kalinga"/>
-        <a:font script="Mlym" typeface="Kartika"/>
-        <a:font script="Laoo" typeface="DokChampa"/>
-        <a:font script="Sinh" typeface="Iskoola Pota"/>
-        <a:font script="Mong" typeface="Mongolian Baiti"/>
-        <a:font script="Viet" typeface="Arial"/>
-        <a:font script="Uigh" typeface="Microsoft Uighur"/>
-        <a:font script="Geor" typeface="Sylfaen"/>
-      </a:minorFont>
-    </a:fontScheme>
-    <a:fmtScheme name="Office">
-      <a:fillStyleLst>
-        <a:solidFill>
-          <a:schemeClr val="phClr"/>
-        </a:solidFill>
-        <a:gradFill rotWithShape="1">
-          <a:gsLst>
-            <a:gs pos="0">
-              <a:schemeClr val="phClr">
-                <a:tint val="50000"/>
-                <a:satMod val="300000"/>
-              </a:schemeClr>
-            </a:gs>
-            <a:gs pos="35000">
-              <a:schemeClr val="phClr">
-                <a:tint val="37000"/>
-                <a:satMod val="300000"/>
-              </a:schemeClr>
-            </a:gs>
-            <a:gs pos="100000">
-              <a:schemeClr val="phClr">
-                <a:tint val="15000"/>
-                <a:satMod val="350000"/>
-              </a:schemeClr>
-            </a:gs>
-          </a:gsLst>
-          <a:lin ang="16200000" scaled="1"/>
-        </a:gradFill>
-        <a:gradFill rotWithShape="1">
-          <a:gsLst>
-            <a:gs pos="0">
-              <a:schemeClr val="phClr">
-                <a:tint val="100000"/>
-                <a:shade val="100000"/>
-                <a:satMod val="130000"/>
-              </a:schemeClr>
-            </a:gs>
-            <a:gs pos="100000">
-              <a:schemeClr val="phClr">
-                <a:tint val="50000"/>
-                <a:shade val="100000"/>
-                <a:satMod val="350000"/>
-              </a:schemeClr>
-            </a:gs>
-          </a:gsLst>
-          <a:lin ang="16200000" scaled="0"/>
-        </a:gradFill>
-      </a:fillStyleLst>
-      <a:lnStyleLst>
-        <a:ln w="9525" cap="flat" cmpd="sng" algn="ctr">
-          <a:solidFill>
-            <a:schemeClr val="phClr">
-              <a:shade val="95000"/>
-              <a:satMod val="105000"/>
-            </a:schemeClr>
-          </a:solidFill>
-          <a:prstDash val="solid"/>
-        </a:ln>
-        <a:ln w="25400" cap="flat" cmpd="sng" algn="ctr">
-          <a:solidFill>
-            <a:schemeClr val="phClr"/>
-          </a:solidFill>
-          <a:prstDash val="solid"/>
-        </a:ln>
-        <a:ln w="38100" cap="flat" cmpd="sng" algn="ctr">
-          <a:solidFill>
-            <a:schemeClr val="phClr"/>
-          </a:solidFill>
-          <a:prstDash val="solid"/>
-        </a:ln>
-      </a:lnStyleLst>
-      <a:effectStyleLst>
-        <a:effectStyle>
-          <a:effectLst>
-            <a:outerShdw blurRad="40000" dist="20000" dir="5400000" rotWithShape="0">
-              <a:srgbClr val="000000">
-                <a:alpha val="38000"/>
-              </a:srgbClr>
-            </a:outerShdw>
-          </a:effectLst>
-        </a:effectStyle>
-        <a:effectStyle>
-          <a:effectLst>
-            <a:outerShdw blurRad="40000" dist="23000" dir="5400000" rotWithShape="0">
-              <a:srgbClr val="000000">
-                <a:alpha val="35000"/>
-              </a:srgbClr>
-            </a:outerShdw>
-          </a:effectLst>
-        </a:effectStyle>
-        <a:effectStyle>
-          <a:effectLst>
-            <a:outerShdw blurRad="40000" dist="23000" dir="5400000" rotWithShape="0">
-              <a:srgbClr val="000000">
-                <a:alpha val="35000"/>
-              </a:srgbClr>
-            </a:outerShdw>
-          </a:effectLst>
-          <a:scene3d>
-            <a:camera prst="orthographicFront">
-              <a:rot lat="0" lon="0" rev="0"/>
-            </a:camera>
-            <a:lightRig rig="threePt" dir="t">
-              <a:rot lat="0" lon="0" rev="1200000"/>
-            </a:lightRig>
-          </a:scene3d>
-          <a:sp3d>
-            <a:bevelT w="63500" h="25400"/>
-          </a:sp3d>
-        </a:effectStyle>
-      </a:effectStyleLst>
-      <a:bgFillStyleLst>
-        <a:solidFill>
-          <a:schemeClr val="phClr"/>
-        </a:solidFill>
-        <a:gradFill rotWithShape="1">
-          <a:gsLst>
-            <a:gs pos="0">
-              <a:schemeClr val="phClr">
-                <a:tint val="40000"/>
-                <a:satMod val="350000"/>
-              </a:schemeClr>
-            </a:gs>
-            <a:gs pos="40000">
-              <a:schemeClr val="phClr">
-                <a:tint val="45000"/>
-                <a:shade val="99000"/>
-                <a:satMod val="350000"/>
-              </a:schemeClr>
-            </a:gs>
-            <a:gs pos="100000">
-              <a:schemeClr val="phClr">
-                <a:shade val="20000"/>
-                <a:satMod val="255000"/>
-              </a:schemeClr>
-            </a:gs>
-          </a:gsLst>
-          <a:path path="circle">
-            <a:fillToRect l="50000" t="-80000" r="50000" b="180000"/>
-          </a:path>
-        </a:gradFill>
-        <a:gradFill rotWithShape="1">
-          <a:gsLst>
-            <a:gs pos="0">
-              <a:schemeClr val="phClr">
-                <a:tint val="80000"/>
-                <a:satMod val="300000"/>
-              </a:schemeClr>
-            </a:gs>
-            <a:gs pos="100000">
-              <a:schemeClr val="phClr">
-                <a:shade val="30000"/>
-                <a:satMod val="200000"/>
-              </a:schemeClr>
-            </a:gs>
-          </a:gsLst>
-          <a:path path="circle">
-            <a:fillToRect l="50000" t="50000" r="50000" b="50000"/>
-          </a:path>
-        </a:gradFill>
-      </a:bgFillStyleLst>
-    </a:fmtScheme>
-  </a:themeElements>
-</a:theme>
 </file>
--- a/documentation/ArchitectureDesign.pptx
+++ b/documentation/ArchitectureDesign.pptx
@@ -278,7 +278,7 @@
   </p:defaultTextStyle>
   <p:extLst>
     <p:ext uri="http://customooxmlschemas.google.com/">
-      <go:slidesCustomData xmlns:go="http://customooxmlschemas.google.com/" r:id="rId31" roundtripDataSignature="AMtx7miDL1L4ibZJ4SwvgknmmShvazMzEg=="/>
+      <go:slidesCustomData xmlns:go="http://customooxmlschemas.google.com/" r:id="rId31" roundtripDataSignature="AMtx7mjfL8gyoTdj6o6LrGKztT9mREhZIg=="/>
     </p:ext>
   </p:extLst>
 </p:presentation>
@@ -974,7 +974,7 @@
   <p:cSld>
     <p:spTree>
       <p:nvGrpSpPr>
-        <p:cNvPr id="152" name="Shape 152"/>
+        <p:cNvPr id="151" name="Shape 151"/>
         <p:cNvGrpSpPr/>
         <p:nvPr/>
       </p:nvGrpSpPr>
@@ -988,7 +988,7 @@
       </p:grpSpPr>
       <p:sp>
         <p:nvSpPr>
-          <p:cNvPr id="153" name="Google Shape;153;p11:notes"/>
+          <p:cNvPr id="152" name="Google Shape;152;p11:notes"/>
           <p:cNvSpPr/>
           <p:nvPr>
             <p:ph idx="2" type="sldImg"/>
@@ -1033,7 +1033,7 @@
       </p:sp>
       <p:sp>
         <p:nvSpPr>
-          <p:cNvPr id="154" name="Google Shape;154;p11:notes"/>
+          <p:cNvPr id="153" name="Google Shape;153;p11:notes"/>
           <p:cNvSpPr txBox="1"/>
           <p:nvPr>
             <p:ph idx="1" type="body"/>
@@ -1091,7 +1091,7 @@
   <p:cSld>
     <p:spTree>
       <p:nvGrpSpPr>
-        <p:cNvPr id="185" name="Shape 185"/>
+        <p:cNvPr id="184" name="Shape 184"/>
         <p:cNvGrpSpPr/>
         <p:nvPr/>
       </p:nvGrpSpPr>
@@ -1105,7 +1105,7 @@
       </p:grpSpPr>
       <p:sp>
         <p:nvSpPr>
-          <p:cNvPr id="186" name="Google Shape;186;p12:notes"/>
+          <p:cNvPr id="185" name="Google Shape;185;p12:notes"/>
           <p:cNvSpPr/>
           <p:nvPr>
             <p:ph idx="2" type="sldImg"/>
@@ -1150,7 +1150,7 @@
       </p:sp>
       <p:sp>
         <p:nvSpPr>
-          <p:cNvPr id="187" name="Google Shape;187;p12:notes"/>
+          <p:cNvPr id="186" name="Google Shape;186;p12:notes"/>
           <p:cNvSpPr txBox="1"/>
           <p:nvPr>
             <p:ph idx="1" type="body"/>
@@ -1208,7 +1208,7 @@
   <p:cSld>
     <p:spTree>
       <p:nvGrpSpPr>
-        <p:cNvPr id="205" name="Shape 205"/>
+        <p:cNvPr id="204" name="Shape 204"/>
         <p:cNvGrpSpPr/>
         <p:nvPr/>
       </p:nvGrpSpPr>
@@ -1222,7 +1222,7 @@
       </p:grpSpPr>
       <p:sp>
         <p:nvSpPr>
-          <p:cNvPr id="206" name="Google Shape;206;p13:notes"/>
+          <p:cNvPr id="205" name="Google Shape;205;p13:notes"/>
           <p:cNvSpPr/>
           <p:nvPr>
             <p:ph idx="2" type="sldImg"/>
@@ -1267,7 +1267,7 @@
       </p:sp>
       <p:sp>
         <p:nvSpPr>
-          <p:cNvPr id="207" name="Google Shape;207;p13:notes"/>
+          <p:cNvPr id="206" name="Google Shape;206;p13:notes"/>
           <p:cNvSpPr txBox="1"/>
           <p:nvPr>
             <p:ph idx="1" type="body"/>
@@ -1325,7 +1325,7 @@
   <p:cSld>
     <p:spTree>
       <p:nvGrpSpPr>
-        <p:cNvPr id="212" name="Shape 212"/>
+        <p:cNvPr id="211" name="Shape 211"/>
         <p:cNvGrpSpPr/>
         <p:nvPr/>
       </p:nvGrpSpPr>
@@ -1339,7 +1339,7 @@
       </p:grpSpPr>
       <p:sp>
         <p:nvSpPr>
-          <p:cNvPr id="213" name="Google Shape;213;g6176071063_1_0:notes"/>
+          <p:cNvPr id="212" name="Google Shape;212;g6176071063_1_0:notes"/>
           <p:cNvSpPr/>
           <p:nvPr>
             <p:ph idx="2" type="sldImg"/>
@@ -1384,7 +1384,7 @@
       </p:sp>
       <p:sp>
         <p:nvSpPr>
-          <p:cNvPr id="214" name="Google Shape;214;g6176071063_1_0:notes"/>
+          <p:cNvPr id="213" name="Google Shape;213;g6176071063_1_0:notes"/>
           <p:cNvSpPr txBox="1"/>
           <p:nvPr>
             <p:ph idx="1" type="body"/>
@@ -1442,7 +1442,7 @@
   <p:cSld>
     <p:spTree>
       <p:nvGrpSpPr>
-        <p:cNvPr id="219" name="Shape 219"/>
+        <p:cNvPr id="218" name="Shape 218"/>
         <p:cNvGrpSpPr/>
         <p:nvPr/>
       </p:nvGrpSpPr>
@@ -1456,7 +1456,7 @@
       </p:grpSpPr>
       <p:sp>
         <p:nvSpPr>
-          <p:cNvPr id="220" name="Google Shape;220;g6176071063_1_25:notes"/>
+          <p:cNvPr id="219" name="Google Shape;219;g6176071063_1_25:notes"/>
           <p:cNvSpPr/>
           <p:nvPr>
             <p:ph idx="2" type="sldImg"/>
@@ -1501,7 +1501,7 @@
       </p:sp>
       <p:sp>
         <p:nvSpPr>
-          <p:cNvPr id="221" name="Google Shape;221;g6176071063_1_25:notes"/>
+          <p:cNvPr id="220" name="Google Shape;220;g6176071063_1_25:notes"/>
           <p:cNvSpPr txBox="1"/>
           <p:nvPr>
             <p:ph idx="1" type="body"/>
@@ -1559,7 +1559,7 @@
   <p:cSld>
     <p:spTree>
       <p:nvGrpSpPr>
-        <p:cNvPr id="230" name="Shape 230"/>
+        <p:cNvPr id="229" name="Shape 229"/>
         <p:cNvGrpSpPr/>
         <p:nvPr/>
       </p:nvGrpSpPr>
@@ -1573,7 +1573,7 @@
       </p:grpSpPr>
       <p:sp>
         <p:nvSpPr>
-          <p:cNvPr id="231" name="Google Shape;231;g6176071063_1_44:notes"/>
+          <p:cNvPr id="230" name="Google Shape;230;g6176071063_1_55:notes"/>
           <p:cNvSpPr/>
           <p:nvPr>
             <p:ph idx="2" type="sldImg"/>
@@ -1618,7 +1618,7 @@
       </p:sp>
       <p:sp>
         <p:nvSpPr>
-          <p:cNvPr id="232" name="Google Shape;232;g6176071063_1_44:notes"/>
+          <p:cNvPr id="231" name="Google Shape;231;g6176071063_1_55:notes"/>
           <p:cNvSpPr txBox="1"/>
           <p:nvPr>
             <p:ph idx="1" type="body"/>
@@ -1807,7 +1807,7 @@
       </p:grpSpPr>
       <p:sp>
         <p:nvSpPr>
-          <p:cNvPr id="72" name="Google Shape;72;p3:notes"/>
+          <p:cNvPr id="72" name="Google Shape;72;g6176071063_0_5:notes"/>
           <p:cNvSpPr/>
           <p:nvPr>
             <p:ph idx="2" type="sldImg"/>
@@ -1852,7 +1852,7 @@
       </p:sp>
       <p:sp>
         <p:nvSpPr>
-          <p:cNvPr id="73" name="Google Shape;73;p3:notes"/>
+          <p:cNvPr id="73" name="Google Shape;73;g6176071063_0_5:notes"/>
           <p:cNvSpPr txBox="1"/>
           <p:nvPr>
             <p:ph idx="1" type="body"/>
@@ -1910,7 +1910,7 @@
   <p:cSld>
     <p:spTree>
       <p:nvGrpSpPr>
-        <p:cNvPr id="82" name="Shape 82"/>
+        <p:cNvPr id="81" name="Shape 81"/>
         <p:cNvGrpSpPr/>
         <p:nvPr/>
       </p:nvGrpSpPr>
@@ -1924,7 +1924,7 @@
       </p:grpSpPr>
       <p:sp>
         <p:nvSpPr>
-          <p:cNvPr id="83" name="Google Shape;83;p4:notes"/>
+          <p:cNvPr id="82" name="Google Shape;82;p3:notes"/>
           <p:cNvSpPr/>
           <p:nvPr>
             <p:ph idx="2" type="sldImg"/>
@@ -1969,7 +1969,7 @@
       </p:sp>
       <p:sp>
         <p:nvSpPr>
-          <p:cNvPr id="84" name="Google Shape;84;p4:notes"/>
+          <p:cNvPr id="83" name="Google Shape;83;p3:notes"/>
           <p:cNvSpPr txBox="1"/>
           <p:nvPr>
             <p:ph idx="1" type="body"/>
@@ -2027,7 +2027,7 @@
   <p:cSld>
     <p:spTree>
       <p:nvGrpSpPr>
-        <p:cNvPr id="93" name="Shape 93"/>
+        <p:cNvPr id="92" name="Shape 92"/>
         <p:cNvGrpSpPr/>
         <p:nvPr/>
       </p:nvGrpSpPr>
@@ -2041,7 +2041,7 @@
       </p:grpSpPr>
       <p:sp>
         <p:nvSpPr>
-          <p:cNvPr id="94" name="Google Shape;94;p8:notes"/>
+          <p:cNvPr id="93" name="Google Shape;93;p4:notes"/>
           <p:cNvSpPr/>
           <p:nvPr>
             <p:ph idx="2" type="sldImg"/>
@@ -2086,7 +2086,7 @@
       </p:sp>
       <p:sp>
         <p:nvSpPr>
-          <p:cNvPr id="95" name="Google Shape;95;p8:notes"/>
+          <p:cNvPr id="94" name="Google Shape;94;p4:notes"/>
           <p:cNvSpPr txBox="1"/>
           <p:nvPr>
             <p:ph idx="1" type="body"/>
@@ -2144,7 +2144,7 @@
   <p:cSld>
     <p:spTree>
       <p:nvGrpSpPr>
-        <p:cNvPr id="106" name="Shape 106"/>
+        <p:cNvPr id="103" name="Shape 103"/>
         <p:cNvGrpSpPr/>
         <p:nvPr/>
       </p:nvGrpSpPr>
@@ -2158,7 +2158,7 @@
       </p:grpSpPr>
       <p:sp>
         <p:nvSpPr>
-          <p:cNvPr id="107" name="Google Shape;107;p6:notes"/>
+          <p:cNvPr id="104" name="Google Shape;104;p8:notes"/>
           <p:cNvSpPr/>
           <p:nvPr>
             <p:ph idx="2" type="sldImg"/>
@@ -2203,7 +2203,7 @@
       </p:sp>
       <p:sp>
         <p:nvSpPr>
-          <p:cNvPr id="108" name="Google Shape;108;p6:notes"/>
+          <p:cNvPr id="105" name="Google Shape;105;p8:notes"/>
           <p:cNvSpPr txBox="1"/>
           <p:nvPr>
             <p:ph idx="1" type="body"/>
@@ -2261,7 +2261,7 @@
   <p:cSld>
     <p:spTree>
       <p:nvGrpSpPr>
-        <p:cNvPr id="117" name="Shape 117"/>
+        <p:cNvPr id="116" name="Shape 116"/>
         <p:cNvGrpSpPr/>
         <p:nvPr/>
       </p:nvGrpSpPr>
@@ -2275,7 +2275,7 @@
       </p:grpSpPr>
       <p:sp>
         <p:nvSpPr>
-          <p:cNvPr id="118" name="Google Shape;118;p5:notes"/>
+          <p:cNvPr id="117" name="Google Shape;117;p6:notes"/>
           <p:cNvSpPr/>
           <p:nvPr>
             <p:ph idx="2" type="sldImg"/>
@@ -2320,7 +2320,7 @@
       </p:sp>
       <p:sp>
         <p:nvSpPr>
-          <p:cNvPr id="119" name="Google Shape;119;p5:notes"/>
+          <p:cNvPr id="118" name="Google Shape;118;p6:notes"/>
           <p:cNvSpPr txBox="1"/>
           <p:nvPr>
             <p:ph idx="1" type="body"/>
@@ -2378,7 +2378,7 @@
   <p:cSld>
     <p:spTree>
       <p:nvGrpSpPr>
-        <p:cNvPr id="128" name="Shape 128"/>
+        <p:cNvPr id="127" name="Shape 127"/>
         <p:cNvGrpSpPr/>
         <p:nvPr/>
       </p:nvGrpSpPr>
@@ -2392,7 +2392,7 @@
       </p:grpSpPr>
       <p:sp>
         <p:nvSpPr>
-          <p:cNvPr id="129" name="Google Shape;129;p10:notes"/>
+          <p:cNvPr id="128" name="Google Shape;128;p5:notes"/>
           <p:cNvSpPr/>
           <p:nvPr>
             <p:ph idx="2" type="sldImg"/>
@@ -2437,7 +2437,7 @@
       </p:sp>
       <p:sp>
         <p:nvSpPr>
-          <p:cNvPr id="130" name="Google Shape;130;p10:notes"/>
+          <p:cNvPr id="129" name="Google Shape;129;p5:notes"/>
           <p:cNvSpPr txBox="1"/>
           <p:nvPr>
             <p:ph idx="1" type="body"/>
@@ -2495,7 +2495,7 @@
   <p:cSld>
     <p:spTree>
       <p:nvGrpSpPr>
-        <p:cNvPr id="141" name="Shape 141"/>
+        <p:cNvPr id="138" name="Shape 138"/>
         <p:cNvGrpSpPr/>
         <p:nvPr/>
       </p:nvGrpSpPr>
@@ -2509,7 +2509,7 @@
       </p:grpSpPr>
       <p:sp>
         <p:nvSpPr>
-          <p:cNvPr id="142" name="Google Shape;142;g6176071063_0_5:notes"/>
+          <p:cNvPr id="139" name="Google Shape;139;p10:notes"/>
           <p:cNvSpPr/>
           <p:nvPr>
             <p:ph idx="2" type="sldImg"/>
@@ -2554,7 +2554,7 @@
       </p:sp>
       <p:sp>
         <p:nvSpPr>
-          <p:cNvPr id="143" name="Google Shape;143;g6176071063_0_5:notes"/>
+          <p:cNvPr id="140" name="Google Shape;140;p10:notes"/>
           <p:cNvSpPr txBox="1"/>
           <p:nvPr>
             <p:ph idx="1" type="body"/>
@@ -10630,7 +10630,7 @@
             <a:tbl>
               <a:tblPr>
                 <a:noFill/>
-                <a:tableStyleId>{9951EFF6-31DD-4FAD-840B-583AB0E2091B}</a:tableStyleId>
+                <a:tableStyleId>{B7AF92B2-C945-46F8-A399-E75278C12F00}</a:tableStyleId>
               </a:tblPr>
               <a:tblGrid>
                 <a:gridCol w="1810525"/>
@@ -11196,7 +11196,7 @@
   <p:cSld>
     <p:spTree>
       <p:nvGrpSpPr>
-        <p:cNvPr id="155" name="Shape 155"/>
+        <p:cNvPr id="154" name="Shape 154"/>
         <p:cNvGrpSpPr/>
         <p:nvPr/>
       </p:nvGrpSpPr>
@@ -11210,7 +11210,7 @@
       </p:grpSpPr>
       <p:sp>
         <p:nvSpPr>
-          <p:cNvPr id="156" name="Google Shape;156;p11"/>
+          <p:cNvPr id="155" name="Google Shape;155;p11"/>
           <p:cNvSpPr txBox="1"/>
           <p:nvPr/>
         </p:nvSpPr>
@@ -11276,7 +11276,7 @@
       </p:sp>
       <p:sp>
         <p:nvSpPr>
-          <p:cNvPr id="157" name="Google Shape;157;p11"/>
+          <p:cNvPr id="156" name="Google Shape;156;p11"/>
           <p:cNvSpPr txBox="1"/>
           <p:nvPr/>
         </p:nvSpPr>
@@ -11342,7 +11342,7 @@
       </p:sp>
       <p:cxnSp>
         <p:nvCxnSpPr>
-          <p:cNvPr id="158" name="Google Shape;158;p11"/>
+          <p:cNvPr id="157" name="Google Shape;157;p11"/>
           <p:cNvCxnSpPr/>
           <p:nvPr/>
         </p:nvCxnSpPr>
@@ -11368,7 +11368,7 @@
       </p:cxnSp>
       <p:sp>
         <p:nvSpPr>
-          <p:cNvPr id="159" name="Google Shape;159;p11"/>
+          <p:cNvPr id="158" name="Google Shape;158;p11"/>
           <p:cNvSpPr txBox="1"/>
           <p:nvPr/>
         </p:nvSpPr>
@@ -11434,7 +11434,7 @@
       </p:sp>
       <p:sp>
         <p:nvSpPr>
-          <p:cNvPr id="160" name="Google Shape;160;p11"/>
+          <p:cNvPr id="159" name="Google Shape;159;p11"/>
           <p:cNvSpPr txBox="1"/>
           <p:nvPr/>
         </p:nvSpPr>
@@ -11500,7 +11500,7 @@
       </p:sp>
       <p:sp>
         <p:nvSpPr>
-          <p:cNvPr id="161" name="Google Shape;161;p11"/>
+          <p:cNvPr id="160" name="Google Shape;160;p11"/>
           <p:cNvSpPr/>
           <p:nvPr/>
         </p:nvSpPr>
@@ -11559,7 +11559,7 @@
       </p:sp>
       <p:sp>
         <p:nvSpPr>
-          <p:cNvPr id="162" name="Google Shape;162;p11"/>
+          <p:cNvPr id="161" name="Google Shape;161;p11"/>
           <p:cNvSpPr/>
           <p:nvPr/>
         </p:nvSpPr>
@@ -11618,7 +11618,7 @@
       </p:sp>
       <p:sp>
         <p:nvSpPr>
-          <p:cNvPr id="163" name="Google Shape;163;p11"/>
+          <p:cNvPr id="162" name="Google Shape;162;p11"/>
           <p:cNvSpPr txBox="1"/>
           <p:nvPr/>
         </p:nvSpPr>
@@ -11659,7 +11659,7 @@
               <a:buNone/>
             </a:pPr>
             <a:r>
-              <a:rPr b="0" i="0" lang="en-US" sz="2400" u="none" cap="none" strike="noStrike">
+              <a:rPr lang="en-US" sz="2400">
                 <a:solidFill>
                   <a:srgbClr val="F04B4C"/>
                 </a:solidFill>
@@ -11684,7 +11684,7 @@
       </p:sp>
       <p:sp>
         <p:nvSpPr>
-          <p:cNvPr id="164" name="Google Shape;164;p11"/>
+          <p:cNvPr id="163" name="Google Shape;163;p11"/>
           <p:cNvSpPr/>
           <p:nvPr/>
         </p:nvSpPr>
@@ -11743,7 +11743,7 @@
       </p:sp>
       <p:sp>
         <p:nvSpPr>
-          <p:cNvPr id="165" name="Google Shape;165;p11"/>
+          <p:cNvPr id="164" name="Google Shape;164;p11"/>
           <p:cNvSpPr txBox="1"/>
           <p:nvPr/>
         </p:nvSpPr>
@@ -11809,7 +11809,7 @@
       </p:sp>
       <p:sp>
         <p:nvSpPr>
-          <p:cNvPr id="166" name="Google Shape;166;p11"/>
+          <p:cNvPr id="165" name="Google Shape;165;p11"/>
           <p:cNvSpPr txBox="1"/>
           <p:nvPr/>
         </p:nvSpPr>
@@ -11875,7 +11875,7 @@
       </p:sp>
       <p:sp>
         <p:nvSpPr>
-          <p:cNvPr id="167" name="Google Shape;167;p11"/>
+          <p:cNvPr id="166" name="Google Shape;166;p11"/>
           <p:cNvSpPr txBox="1"/>
           <p:nvPr/>
         </p:nvSpPr>
@@ -11941,7 +11941,7 @@
       </p:sp>
       <p:sp>
         <p:nvSpPr>
-          <p:cNvPr id="168" name="Google Shape;168;p11"/>
+          <p:cNvPr id="167" name="Google Shape;167;p11"/>
           <p:cNvSpPr txBox="1"/>
           <p:nvPr/>
         </p:nvSpPr>
@@ -12007,7 +12007,7 @@
       </p:sp>
       <p:sp>
         <p:nvSpPr>
-          <p:cNvPr id="169" name="Google Shape;169;p11"/>
+          <p:cNvPr id="168" name="Google Shape;168;p11"/>
           <p:cNvSpPr txBox="1"/>
           <p:nvPr/>
         </p:nvSpPr>
@@ -12073,7 +12073,7 @@
       </p:sp>
       <p:sp>
         <p:nvSpPr>
-          <p:cNvPr id="170" name="Google Shape;170;p11"/>
+          <p:cNvPr id="169" name="Google Shape;169;p11"/>
           <p:cNvSpPr txBox="1"/>
           <p:nvPr/>
         </p:nvSpPr>
@@ -12139,7 +12139,7 @@
       </p:sp>
       <p:sp>
         <p:nvSpPr>
-          <p:cNvPr id="171" name="Google Shape;171;p11"/>
+          <p:cNvPr id="170" name="Google Shape;170;p11"/>
           <p:cNvSpPr/>
           <p:nvPr/>
         </p:nvSpPr>
@@ -12198,7 +12198,7 @@
       </p:sp>
       <p:sp>
         <p:nvSpPr>
-          <p:cNvPr id="172" name="Google Shape;172;p11"/>
+          <p:cNvPr id="171" name="Google Shape;171;p11"/>
           <p:cNvSpPr txBox="1"/>
           <p:nvPr/>
         </p:nvSpPr>
@@ -12264,7 +12264,7 @@
       </p:sp>
       <p:sp>
         <p:nvSpPr>
-          <p:cNvPr id="173" name="Google Shape;173;p11"/>
+          <p:cNvPr id="172" name="Google Shape;172;p11"/>
           <p:cNvSpPr txBox="1"/>
           <p:nvPr/>
         </p:nvSpPr>
@@ -12330,7 +12330,7 @@
       </p:sp>
       <p:sp>
         <p:nvSpPr>
-          <p:cNvPr id="174" name="Google Shape;174;p11"/>
+          <p:cNvPr id="173" name="Google Shape;173;p11"/>
           <p:cNvSpPr txBox="1"/>
           <p:nvPr/>
         </p:nvSpPr>
@@ -12396,7 +12396,7 @@
       </p:sp>
       <p:sp>
         <p:nvSpPr>
-          <p:cNvPr id="175" name="Google Shape;175;p11"/>
+          <p:cNvPr id="174" name="Google Shape;174;p11"/>
           <p:cNvSpPr txBox="1"/>
           <p:nvPr/>
         </p:nvSpPr>
@@ -12462,7 +12462,7 @@
       </p:sp>
       <p:sp>
         <p:nvSpPr>
-          <p:cNvPr id="176" name="Google Shape;176;p11"/>
+          <p:cNvPr id="175" name="Google Shape;175;p11"/>
           <p:cNvSpPr txBox="1"/>
           <p:nvPr/>
         </p:nvSpPr>
@@ -12528,7 +12528,7 @@
       </p:sp>
       <p:sp>
         <p:nvSpPr>
-          <p:cNvPr id="177" name="Google Shape;177;p11"/>
+          <p:cNvPr id="176" name="Google Shape;176;p11"/>
           <p:cNvSpPr txBox="1"/>
           <p:nvPr/>
         </p:nvSpPr>
@@ -12594,7 +12594,7 @@
       </p:sp>
       <p:sp>
         <p:nvSpPr>
-          <p:cNvPr id="178" name="Google Shape;178;p11"/>
+          <p:cNvPr id="177" name="Google Shape;177;p11"/>
           <p:cNvSpPr/>
           <p:nvPr/>
         </p:nvSpPr>
@@ -12653,7 +12653,7 @@
       </p:sp>
       <p:sp>
         <p:nvSpPr>
-          <p:cNvPr id="179" name="Google Shape;179;p11"/>
+          <p:cNvPr id="178" name="Google Shape;178;p11"/>
           <p:cNvSpPr txBox="1"/>
           <p:nvPr/>
         </p:nvSpPr>
@@ -12719,7 +12719,7 @@
       </p:sp>
       <p:sp>
         <p:nvSpPr>
-          <p:cNvPr id="180" name="Google Shape;180;p11"/>
+          <p:cNvPr id="179" name="Google Shape;179;p11"/>
           <p:cNvSpPr txBox="1"/>
           <p:nvPr/>
         </p:nvSpPr>
@@ -12785,7 +12785,7 @@
       </p:sp>
       <p:sp>
         <p:nvSpPr>
-          <p:cNvPr id="181" name="Google Shape;181;p11"/>
+          <p:cNvPr id="180" name="Google Shape;180;p11"/>
           <p:cNvSpPr txBox="1"/>
           <p:nvPr/>
         </p:nvSpPr>
@@ -12851,7 +12851,7 @@
       </p:sp>
       <p:sp>
         <p:nvSpPr>
-          <p:cNvPr id="182" name="Google Shape;182;p11"/>
+          <p:cNvPr id="181" name="Google Shape;181;p11"/>
           <p:cNvSpPr txBox="1"/>
           <p:nvPr/>
         </p:nvSpPr>
@@ -12917,7 +12917,7 @@
       </p:sp>
       <p:sp>
         <p:nvSpPr>
-          <p:cNvPr id="183" name="Google Shape;183;p11"/>
+          <p:cNvPr id="182" name="Google Shape;182;p11"/>
           <p:cNvSpPr txBox="1"/>
           <p:nvPr/>
         </p:nvSpPr>
@@ -12983,7 +12983,7 @@
       </p:sp>
       <p:sp>
         <p:nvSpPr>
-          <p:cNvPr id="184" name="Google Shape;184;p11"/>
+          <p:cNvPr id="183" name="Google Shape;183;p11"/>
           <p:cNvSpPr txBox="1"/>
           <p:nvPr/>
         </p:nvSpPr>
@@ -13060,7 +13060,7 @@
   <p:cSld>
     <p:spTree>
       <p:nvGrpSpPr>
-        <p:cNvPr id="188" name="Shape 188"/>
+        <p:cNvPr id="187" name="Shape 187"/>
         <p:cNvGrpSpPr/>
         <p:nvPr/>
       </p:nvGrpSpPr>
@@ -13074,7 +13074,7 @@
       </p:grpSpPr>
       <p:sp>
         <p:nvSpPr>
-          <p:cNvPr id="189" name="Google Shape;189;p12"/>
+          <p:cNvPr id="188" name="Google Shape;188;p12"/>
           <p:cNvSpPr txBox="1"/>
           <p:nvPr/>
         </p:nvSpPr>
@@ -13140,7 +13140,7 @@
       </p:sp>
       <p:sp>
         <p:nvSpPr>
-          <p:cNvPr id="190" name="Google Shape;190;p12"/>
+          <p:cNvPr id="189" name="Google Shape;189;p12"/>
           <p:cNvSpPr txBox="1"/>
           <p:nvPr/>
         </p:nvSpPr>
@@ -13206,7 +13206,7 @@
       </p:sp>
       <p:cxnSp>
         <p:nvCxnSpPr>
-          <p:cNvPr id="191" name="Google Shape;191;p12"/>
+          <p:cNvPr id="190" name="Google Shape;190;p12"/>
           <p:cNvCxnSpPr/>
           <p:nvPr/>
         </p:nvCxnSpPr>
@@ -13232,7 +13232,7 @@
       </p:cxnSp>
       <p:sp>
         <p:nvSpPr>
-          <p:cNvPr id="192" name="Google Shape;192;p12"/>
+          <p:cNvPr id="191" name="Google Shape;191;p12"/>
           <p:cNvSpPr txBox="1"/>
           <p:nvPr/>
         </p:nvSpPr>
@@ -13298,7 +13298,7 @@
       </p:sp>
       <p:sp>
         <p:nvSpPr>
-          <p:cNvPr id="193" name="Google Shape;193;p12"/>
+          <p:cNvPr id="192" name="Google Shape;192;p12"/>
           <p:cNvSpPr txBox="1"/>
           <p:nvPr/>
         </p:nvSpPr>
@@ -13364,7 +13364,7 @@
       </p:sp>
       <p:sp>
         <p:nvSpPr>
-          <p:cNvPr id="194" name="Google Shape;194;p12"/>
+          <p:cNvPr id="193" name="Google Shape;193;p12"/>
           <p:cNvSpPr/>
           <p:nvPr/>
         </p:nvSpPr>
@@ -13423,7 +13423,7 @@
       </p:sp>
       <p:sp>
         <p:nvSpPr>
-          <p:cNvPr id="195" name="Google Shape;195;p12"/>
+          <p:cNvPr id="194" name="Google Shape;194;p12"/>
           <p:cNvSpPr/>
           <p:nvPr/>
         </p:nvSpPr>
@@ -13482,7 +13482,7 @@
       </p:sp>
       <p:sp>
         <p:nvSpPr>
-          <p:cNvPr id="196" name="Google Shape;196;p12"/>
+          <p:cNvPr id="195" name="Google Shape;195;p12"/>
           <p:cNvSpPr txBox="1"/>
           <p:nvPr/>
         </p:nvSpPr>
@@ -13523,7 +13523,7 @@
               <a:buNone/>
             </a:pPr>
             <a:r>
-              <a:rPr b="0" i="0" lang="en-US" sz="2400" u="none" cap="none" strike="noStrike">
+              <a:rPr lang="en-US" sz="2400">
                 <a:solidFill>
                   <a:srgbClr val="F04B4C"/>
                 </a:solidFill>
@@ -13548,7 +13548,7 @@
       </p:sp>
       <p:sp>
         <p:nvSpPr>
-          <p:cNvPr id="197" name="Google Shape;197;p12"/>
+          <p:cNvPr id="196" name="Google Shape;196;p12"/>
           <p:cNvSpPr txBox="1"/>
           <p:nvPr/>
         </p:nvSpPr>
@@ -13614,7 +13614,7 @@
       </p:sp>
       <p:sp>
         <p:nvSpPr>
-          <p:cNvPr id="198" name="Google Shape;198;p12"/>
+          <p:cNvPr id="197" name="Google Shape;197;p12"/>
           <p:cNvSpPr txBox="1"/>
           <p:nvPr/>
         </p:nvSpPr>
@@ -13760,7 +13760,7 @@
       </p:sp>
       <p:sp>
         <p:nvSpPr>
-          <p:cNvPr id="199" name="Google Shape;199;p12"/>
+          <p:cNvPr id="198" name="Google Shape;198;p12"/>
           <p:cNvSpPr/>
           <p:nvPr/>
         </p:nvSpPr>
@@ -13819,7 +13819,7 @@
       </p:sp>
       <p:sp>
         <p:nvSpPr>
-          <p:cNvPr id="200" name="Google Shape;200;p12"/>
+          <p:cNvPr id="199" name="Google Shape;199;p12"/>
           <p:cNvSpPr txBox="1"/>
           <p:nvPr/>
         </p:nvSpPr>
@@ -13885,7 +13885,7 @@
       </p:sp>
       <p:sp>
         <p:nvSpPr>
-          <p:cNvPr id="201" name="Google Shape;201;p12"/>
+          <p:cNvPr id="200" name="Google Shape;200;p12"/>
           <p:cNvSpPr txBox="1"/>
           <p:nvPr/>
         </p:nvSpPr>
@@ -13951,7 +13951,7 @@
       </p:sp>
       <p:sp>
         <p:nvSpPr>
-          <p:cNvPr id="202" name="Google Shape;202;p12"/>
+          <p:cNvPr id="201" name="Google Shape;201;p12"/>
           <p:cNvSpPr txBox="1"/>
           <p:nvPr/>
         </p:nvSpPr>
@@ -14097,7 +14097,7 @@
       </p:sp>
       <p:sp>
         <p:nvSpPr>
-          <p:cNvPr id="203" name="Google Shape;203;p12"/>
+          <p:cNvPr id="202" name="Google Shape;202;p12"/>
           <p:cNvSpPr/>
           <p:nvPr/>
         </p:nvSpPr>
@@ -14156,7 +14156,7 @@
       </p:sp>
       <p:sp>
         <p:nvSpPr>
-          <p:cNvPr id="204" name="Google Shape;204;p12"/>
+          <p:cNvPr id="203" name="Google Shape;203;p12"/>
           <p:cNvSpPr txBox="1"/>
           <p:nvPr/>
         </p:nvSpPr>
@@ -14240,7 +14240,7 @@
     </p:bg>
     <p:spTree>
       <p:nvGrpSpPr>
-        <p:cNvPr id="208" name="Shape 208"/>
+        <p:cNvPr id="207" name="Shape 207"/>
         <p:cNvGrpSpPr/>
         <p:nvPr/>
       </p:nvGrpSpPr>
@@ -14254,7 +14254,7 @@
       </p:grpSpPr>
       <p:sp>
         <p:nvSpPr>
-          <p:cNvPr id="209" name="Google Shape;209;p13"/>
+          <p:cNvPr id="208" name="Google Shape;208;p13"/>
           <p:cNvSpPr/>
           <p:nvPr/>
         </p:nvSpPr>
@@ -14313,7 +14313,7 @@
       </p:sp>
       <p:sp>
         <p:nvSpPr>
-          <p:cNvPr id="210" name="Google Shape;210;p13"/>
+          <p:cNvPr id="209" name="Google Shape;209;p13"/>
           <p:cNvSpPr/>
           <p:nvPr/>
         </p:nvSpPr>
@@ -14372,7 +14372,7 @@
       </p:sp>
       <p:sp>
         <p:nvSpPr>
-          <p:cNvPr id="211" name="Google Shape;211;p13"/>
+          <p:cNvPr id="210" name="Google Shape;210;p13"/>
           <p:cNvSpPr txBox="1"/>
           <p:nvPr/>
         </p:nvSpPr>
@@ -14456,7 +14456,7 @@
     </p:bg>
     <p:spTree>
       <p:nvGrpSpPr>
-        <p:cNvPr id="215" name="Shape 215"/>
+        <p:cNvPr id="214" name="Shape 214"/>
         <p:cNvGrpSpPr/>
         <p:nvPr/>
       </p:nvGrpSpPr>
@@ -14470,7 +14470,7 @@
       </p:grpSpPr>
       <p:sp>
         <p:nvSpPr>
-          <p:cNvPr id="216" name="Google Shape;216;g6176071063_1_0"/>
+          <p:cNvPr id="215" name="Google Shape;215;g6176071063_1_0"/>
           <p:cNvSpPr/>
           <p:nvPr/>
         </p:nvSpPr>
@@ -14529,7 +14529,7 @@
       </p:sp>
       <p:sp>
         <p:nvSpPr>
-          <p:cNvPr id="217" name="Google Shape;217;g6176071063_1_0"/>
+          <p:cNvPr id="216" name="Google Shape;216;g6176071063_1_0"/>
           <p:cNvSpPr/>
           <p:nvPr/>
         </p:nvSpPr>
@@ -14588,7 +14588,7 @@
       </p:sp>
       <p:sp>
         <p:nvSpPr>
-          <p:cNvPr id="218" name="Google Shape;218;g6176071063_1_0"/>
+          <p:cNvPr id="217" name="Google Shape;217;g6176071063_1_0"/>
           <p:cNvSpPr txBox="1"/>
           <p:nvPr/>
         </p:nvSpPr>
@@ -14661,7 +14661,7 @@
   <p:cSld>
     <p:spTree>
       <p:nvGrpSpPr>
-        <p:cNvPr id="222" name="Shape 222"/>
+        <p:cNvPr id="221" name="Shape 221"/>
         <p:cNvGrpSpPr/>
         <p:nvPr/>
       </p:nvGrpSpPr>
@@ -14675,7 +14675,7 @@
       </p:grpSpPr>
       <p:sp>
         <p:nvSpPr>
-          <p:cNvPr id="223" name="Google Shape;223;g6176071063_1_25"/>
+          <p:cNvPr id="222" name="Google Shape;222;g6176071063_1_25"/>
           <p:cNvSpPr txBox="1"/>
           <p:nvPr/>
         </p:nvSpPr>
@@ -14741,7 +14741,7 @@
       </p:sp>
       <p:sp>
         <p:nvSpPr>
-          <p:cNvPr id="224" name="Google Shape;224;g6176071063_1_25"/>
+          <p:cNvPr id="223" name="Google Shape;223;g6176071063_1_25"/>
           <p:cNvSpPr txBox="1"/>
           <p:nvPr/>
         </p:nvSpPr>
@@ -14807,7 +14807,7 @@
       </p:sp>
       <p:cxnSp>
         <p:nvCxnSpPr>
-          <p:cNvPr id="225" name="Google Shape;225;g6176071063_1_25"/>
+          <p:cNvPr id="224" name="Google Shape;224;g6176071063_1_25"/>
           <p:cNvCxnSpPr/>
           <p:nvPr/>
         </p:nvCxnSpPr>
@@ -14833,7 +14833,7 @@
       </p:cxnSp>
       <p:sp>
         <p:nvSpPr>
-          <p:cNvPr id="226" name="Google Shape;226;g6176071063_1_25"/>
+          <p:cNvPr id="225" name="Google Shape;225;g6176071063_1_25"/>
           <p:cNvSpPr/>
           <p:nvPr/>
         </p:nvSpPr>
@@ -14892,7 +14892,7 @@
       </p:sp>
       <p:sp>
         <p:nvSpPr>
-          <p:cNvPr id="227" name="Google Shape;227;g6176071063_1_25"/>
+          <p:cNvPr id="226" name="Google Shape;226;g6176071063_1_25"/>
           <p:cNvSpPr/>
           <p:nvPr/>
         </p:nvSpPr>
@@ -14951,7 +14951,7 @@
       </p:sp>
       <p:sp>
         <p:nvSpPr>
-          <p:cNvPr id="228" name="Google Shape;228;g6176071063_1_25"/>
+          <p:cNvPr id="227" name="Google Shape;227;g6176071063_1_25"/>
           <p:cNvSpPr txBox="1"/>
           <p:nvPr/>
         </p:nvSpPr>
@@ -15008,14 +15008,14 @@
       </p:sp>
       <p:sp>
         <p:nvSpPr>
-          <p:cNvPr id="229" name="Google Shape;229;g6176071063_1_25"/>
+          <p:cNvPr id="228" name="Google Shape;228;g6176071063_1_25"/>
           <p:cNvSpPr txBox="1"/>
           <p:nvPr/>
         </p:nvSpPr>
         <p:spPr>
           <a:xfrm>
             <a:off x="1053200" y="1943100"/>
-            <a:ext cx="6784500" cy="2032800"/>
+            <a:ext cx="6784500" cy="2784000"/>
           </a:xfrm>
           <a:prstGeom prst="rect">
             <a:avLst/>
@@ -15041,8 +15041,29 @@
               <a:buNone/>
             </a:pPr>
             <a:r>
-              <a:rPr lang="en-US"/>
+              <a:rPr lang="en-US" u="sng"/>
               <a:t>Link to Project Plan / Sprint Planning:</a:t>
+            </a:r>
+            <a:endParaRPr u="sng"/>
+          </a:p>
+          <a:p>
+            <a:pPr indent="0" lvl="0" marL="0" rtl="0" algn="l">
+              <a:spcBef>
+                <a:spcPts val="0"/>
+              </a:spcBef>
+              <a:spcAft>
+                <a:spcPts val="0"/>
+              </a:spcAft>
+              <a:buNone/>
+            </a:pPr>
+            <a:r>
+              <a:rPr lang="en-US" u="sng">
+                <a:solidFill>
+                  <a:schemeClr val="hlink"/>
+                </a:solidFill>
+                <a:hlinkClick r:id="rId3"/>
+              </a:rPr>
+              <a:t>https://drive.google.com/file/d/10Kg5GZ7zFebulDOzSzF8icREX90LzFAd/view?usp=sharing</a:t>
             </a:r>
             <a:endParaRPr/>
           </a:p>
@@ -15072,8 +15093,23 @@
               <a:buNone/>
             </a:pPr>
             <a:r>
+              <a:t/>
+            </a:r>
+            <a:endParaRPr/>
+          </a:p>
+          <a:p>
+            <a:pPr indent="0" lvl="0" marL="0" rtl="0" algn="l">
+              <a:spcBef>
+                <a:spcPts val="0"/>
+              </a:spcBef>
+              <a:spcAft>
+                <a:spcPts val="0"/>
+              </a:spcAft>
+              <a:buNone/>
+            </a:pPr>
+            <a:r>
               <a:rPr lang="en-US"/>
-              <a:t>Comments</a:t>
+              <a:t>Comments:</a:t>
             </a:r>
             <a:endParaRPr/>
           </a:p>
@@ -15123,6 +15159,23 @@
             <a:r>
               <a:rPr lang="en-US"/>
               <a:t>We’ve slotted a single user story for the first sprint (but it will probably slip to the next sprint, to first setup web application infrastructure)</a:t>
+            </a:r>
+            <a:endParaRPr/>
+          </a:p>
+          <a:p>
+            <a:pPr indent="-317500" lvl="0" marL="457200" rtl="0" algn="l">
+              <a:spcBef>
+                <a:spcPts val="0"/>
+              </a:spcBef>
+              <a:spcAft>
+                <a:spcPts val="0"/>
+              </a:spcAft>
+              <a:buSzPts val="1400"/>
+              <a:buAutoNum type="arabicPeriod"/>
+            </a:pPr>
+            <a:r>
+              <a:rPr lang="en-US"/>
+              <a:t>6 Sprints (currently defined, might need to be reduced to account for final presentation preparation / actual presentation)</a:t>
             </a:r>
             <a:endParaRPr/>
           </a:p>
@@ -15141,7 +15194,7 @@
   <p:cSld>
     <p:spTree>
       <p:nvGrpSpPr>
-        <p:cNvPr id="233" name="Shape 233"/>
+        <p:cNvPr id="232" name="Shape 232"/>
         <p:cNvGrpSpPr/>
         <p:nvPr/>
       </p:nvGrpSpPr>
@@ -15155,7 +15208,7 @@
       </p:grpSpPr>
       <p:sp>
         <p:nvSpPr>
-          <p:cNvPr id="234" name="Google Shape;234;g6176071063_1_44"/>
+          <p:cNvPr id="233" name="Google Shape;233;g6176071063_1_55"/>
           <p:cNvSpPr txBox="1"/>
           <p:nvPr/>
         </p:nvSpPr>
@@ -15221,7 +15274,7 @@
       </p:sp>
       <p:sp>
         <p:nvSpPr>
-          <p:cNvPr id="235" name="Google Shape;235;g6176071063_1_44"/>
+          <p:cNvPr id="234" name="Google Shape;234;g6176071063_1_55"/>
           <p:cNvSpPr txBox="1"/>
           <p:nvPr/>
         </p:nvSpPr>
@@ -15271,7 +15324,7 @@
                 <a:cs typeface="Roboto"/>
                 <a:sym typeface="Roboto"/>
               </a:rPr>
-              <a:t>Test Plan</a:t>
+              <a:t>Testing</a:t>
             </a:r>
             <a:endParaRPr b="1" i="0" sz="1800" u="none" cap="none" strike="noStrike">
               <a:solidFill>
@@ -15287,7 +15340,7 @@
       </p:sp>
       <p:cxnSp>
         <p:nvCxnSpPr>
-          <p:cNvPr id="236" name="Google Shape;236;g6176071063_1_44"/>
+          <p:cNvPr id="235" name="Google Shape;235;g6176071063_1_55"/>
           <p:cNvCxnSpPr/>
           <p:nvPr/>
         </p:nvCxnSpPr>
@@ -15313,7 +15366,7 @@
       </p:cxnSp>
       <p:sp>
         <p:nvSpPr>
-          <p:cNvPr id="237" name="Google Shape;237;g6176071063_1_44"/>
+          <p:cNvPr id="236" name="Google Shape;236;g6176071063_1_55"/>
           <p:cNvSpPr/>
           <p:nvPr/>
         </p:nvSpPr>
@@ -15372,7 +15425,7 @@
       </p:sp>
       <p:sp>
         <p:nvSpPr>
-          <p:cNvPr id="238" name="Google Shape;238;g6176071063_1_44"/>
+          <p:cNvPr id="237" name="Google Shape;237;g6176071063_1_55"/>
           <p:cNvSpPr/>
           <p:nvPr/>
         </p:nvSpPr>
@@ -15431,7 +15484,7 @@
       </p:sp>
       <p:sp>
         <p:nvSpPr>
-          <p:cNvPr id="239" name="Google Shape;239;g6176071063_1_44"/>
+          <p:cNvPr id="238" name="Google Shape;238;g6176071063_1_55"/>
           <p:cNvSpPr txBox="1"/>
           <p:nvPr/>
         </p:nvSpPr>
@@ -15483,6 +15536,83 @@
               <a:cs typeface="Roboto Black"/>
               <a:sym typeface="Roboto Black"/>
             </a:endParaRPr>
+          </a:p>
+        </p:txBody>
+      </p:sp>
+      <p:sp>
+        <p:nvSpPr>
+          <p:cNvPr id="239" name="Google Shape;239;g6176071063_1_55"/>
+          <p:cNvSpPr txBox="1"/>
+          <p:nvPr/>
+        </p:nvSpPr>
+        <p:spPr>
+          <a:xfrm>
+            <a:off x="1053200" y="1943100"/>
+            <a:ext cx="6784500" cy="2032800"/>
+          </a:xfrm>
+          <a:prstGeom prst="rect">
+            <a:avLst/>
+          </a:prstGeom>
+          <a:noFill/>
+          <a:ln>
+            <a:noFill/>
+          </a:ln>
+        </p:spPr>
+        <p:txBody>
+          <a:bodyPr anchorCtr="0" anchor="t" bIns="91425" lIns="91425" spcFirstLastPara="1" rIns="91425" wrap="square" tIns="91425">
+            <a:noAutofit/>
+          </a:bodyPr>
+          <a:lstStyle/>
+          <a:p>
+            <a:pPr indent="-317500" lvl="0" marL="457200" rtl="0" algn="l">
+              <a:spcBef>
+                <a:spcPts val="0"/>
+              </a:spcBef>
+              <a:spcAft>
+                <a:spcPts val="0"/>
+              </a:spcAft>
+              <a:buSzPts val="1400"/>
+              <a:buAutoNum type="arabicPeriod"/>
+            </a:pPr>
+            <a:r>
+              <a:rPr lang="en-US"/>
+              <a:t>Tests will be conducted from a user perspective (manual) to validate user stories (as user story acceptance)</a:t>
+            </a:r>
+            <a:endParaRPr/>
+          </a:p>
+          <a:p>
+            <a:pPr indent="-317500" lvl="0" marL="457200" rtl="0" algn="l">
+              <a:spcBef>
+                <a:spcPts val="0"/>
+              </a:spcBef>
+              <a:spcAft>
+                <a:spcPts val="0"/>
+              </a:spcAft>
+              <a:buSzPts val="1400"/>
+              <a:buAutoNum type="arabicPeriod"/>
+            </a:pPr>
+            <a:r>
+              <a:rPr lang="en-US"/>
+              <a:t>Test cases / results will be provided per each sprint (where applicable, Sprint 1 may slip)</a:t>
+            </a:r>
+            <a:endParaRPr/>
+          </a:p>
+          <a:p>
+            <a:pPr indent="-317500" lvl="0" marL="457200" rtl="0" algn="l">
+              <a:spcBef>
+                <a:spcPts val="0"/>
+              </a:spcBef>
+              <a:spcAft>
+                <a:spcPts val="0"/>
+              </a:spcAft>
+              <a:buSzPts val="1400"/>
+              <a:buAutoNum type="arabicPeriod"/>
+            </a:pPr>
+            <a:r>
+              <a:rPr lang="en-US"/>
+              <a:t>Bugs, Defects/New Features will be entered via the Github</a:t>
+            </a:r>
+            <a:endParaRPr/>
           </a:p>
         </p:txBody>
       </p:sp>
@@ -15821,7 +15951,7 @@
       </p:grpSpPr>
       <p:sp>
         <p:nvSpPr>
-          <p:cNvPr id="75" name="Google Shape;75;p3"/>
+          <p:cNvPr id="75" name="Google Shape;75;g6176071063_0_5"/>
           <p:cNvSpPr txBox="1"/>
           <p:nvPr/>
         </p:nvSpPr>
@@ -15887,14 +16017,14 @@
       </p:sp>
       <p:sp>
         <p:nvSpPr>
-          <p:cNvPr id="76" name="Google Shape;76;p3"/>
+          <p:cNvPr id="76" name="Google Shape;76;g6176071063_0_5"/>
           <p:cNvSpPr txBox="1"/>
           <p:nvPr/>
         </p:nvSpPr>
         <p:spPr>
           <a:xfrm>
-            <a:off x="2890039" y="911625"/>
-            <a:ext cx="3571612" cy="279300"/>
+            <a:off x="2755538" y="2152700"/>
+            <a:ext cx="4665900" cy="279300"/>
           </a:xfrm>
           <a:prstGeom prst="rect">
             <a:avLst/>
@@ -15928,7 +16058,7 @@
               <a:buNone/>
             </a:pPr>
             <a:r>
-              <a:rPr b="1" i="0" lang="en-US" sz="1800" u="none" cap="none" strike="noStrike">
+              <a:rPr b="1" lang="en-US" sz="3600">
                 <a:solidFill>
                   <a:srgbClr val="F04B4C"/>
                 </a:solidFill>
@@ -15937,9 +16067,9 @@
                 <a:cs typeface="Roboto"/>
                 <a:sym typeface="Roboto"/>
               </a:rPr>
-              <a:t>ROLES AND RESPONSIBILITIES</a:t>
+              <a:t>Wireframe</a:t>
             </a:r>
-            <a:endParaRPr b="1" i="0" sz="1800" u="none" cap="none" strike="noStrike">
+            <a:endParaRPr b="1" i="0" sz="3600" u="none" cap="none" strike="noStrike">
               <a:solidFill>
                 <a:srgbClr val="F04B4C"/>
               </a:solidFill>
@@ -15953,7 +16083,7 @@
       </p:sp>
       <p:cxnSp>
         <p:nvCxnSpPr>
-          <p:cNvPr id="77" name="Google Shape;77;p3"/>
+          <p:cNvPr id="77" name="Google Shape;77;g6176071063_0_5"/>
           <p:cNvCxnSpPr/>
           <p:nvPr/>
         </p:nvCxnSpPr>
@@ -15979,7 +16109,7 @@
       </p:cxnSp>
       <p:sp>
         <p:nvSpPr>
-          <p:cNvPr id="78" name="Google Shape;78;p3"/>
+          <p:cNvPr id="78" name="Google Shape;78;g6176071063_0_5"/>
           <p:cNvSpPr/>
           <p:nvPr/>
         </p:nvSpPr>
@@ -16038,7 +16168,7 @@
       </p:sp>
       <p:sp>
         <p:nvSpPr>
-          <p:cNvPr id="79" name="Google Shape;79;p3"/>
+          <p:cNvPr id="79" name="Google Shape;79;g6176071063_0_5"/>
           <p:cNvSpPr/>
           <p:nvPr/>
         </p:nvSpPr>
@@ -16095,9 +16225,338 @@
           </a:p>
         </p:txBody>
       </p:sp>
+      <p:pic>
+        <p:nvPicPr>
+          <p:cNvPr id="80" name="Google Shape;80;g6176071063_0_5"/>
+          <p:cNvPicPr preferRelativeResize="0"/>
+          <p:nvPr/>
+        </p:nvPicPr>
+        <p:blipFill>
+          <a:blip r:embed="rId3">
+            <a:alphaModFix/>
+          </a:blip>
+          <a:stretch>
+            <a:fillRect/>
+          </a:stretch>
+        </p:blipFill>
+        <p:spPr>
+          <a:xfrm>
+            <a:off x="665077" y="231050"/>
+            <a:ext cx="3659552" cy="4820077"/>
+          </a:xfrm>
+          <a:prstGeom prst="rect">
+            <a:avLst/>
+          </a:prstGeom>
+          <a:noFill/>
+          <a:ln>
+            <a:noFill/>
+          </a:ln>
+        </p:spPr>
+      </p:pic>
+    </p:spTree>
+  </p:cSld>
+  <p:clrMapOvr>
+    <a:masterClrMapping/>
+  </p:clrMapOvr>
+</p:sld>
+</file>
+
+<file path=ppt/slides/slide4.xml><?xml version="1.0" encoding="utf-8"?>
+<p:sld xmlns:a="http://schemas.openxmlformats.org/drawingml/2006/main" xmlns:r="http://schemas.openxmlformats.org/officeDocument/2006/relationships" xmlns:mc="http://schemas.openxmlformats.org/markup-compatibility/2006" xmlns:mv="urn:schemas-microsoft-com:mac:vml" xmlns:p="http://schemas.openxmlformats.org/presentationml/2006/main" xmlns:c="http://schemas.openxmlformats.org/drawingml/2006/chart" xmlns:dgm="http://schemas.openxmlformats.org/drawingml/2006/diagram" xmlns:o="urn:schemas-microsoft-com:office:office" xmlns:v="urn:schemas-microsoft-com:vml" xmlns:pvml="urn:schemas-microsoft-com:office:powerpoint" xmlns:com="http://schemas.openxmlformats.org/drawingml/2006/compatibility" xmlns:p14="http://schemas.microsoft.com/office/powerpoint/2010/main" xmlns:p15="http://schemas.microsoft.com/office/powerpoint/2012/main">
+  <p:cSld>
+    <p:spTree>
+      <p:nvGrpSpPr>
+        <p:cNvPr id="84" name="Shape 84"/>
+        <p:cNvGrpSpPr/>
+        <p:nvPr/>
+      </p:nvGrpSpPr>
+      <p:grpSpPr>
+        <a:xfrm>
+          <a:off x="0" y="0"/>
+          <a:ext cx="0" cy="0"/>
+          <a:chOff x="0" y="0"/>
+          <a:chExt cx="0" cy="0"/>
+        </a:xfrm>
+      </p:grpSpPr>
       <p:sp>
         <p:nvSpPr>
-          <p:cNvPr id="80" name="Google Shape;80;p3"/>
+          <p:cNvPr id="85" name="Google Shape;85;p3"/>
+          <p:cNvSpPr txBox="1"/>
+          <p:nvPr/>
+        </p:nvSpPr>
+        <p:spPr>
+          <a:xfrm>
+            <a:off x="7311426" y="461650"/>
+            <a:ext cx="863100" cy="889200"/>
+          </a:xfrm>
+          <a:prstGeom prst="rect">
+            <a:avLst/>
+          </a:prstGeom>
+          <a:noFill/>
+          <a:ln>
+            <a:noFill/>
+          </a:ln>
+        </p:spPr>
+        <p:txBody>
+          <a:bodyPr anchorCtr="0" anchor="ctr" bIns="91425" lIns="91425" spcFirstLastPara="1" rIns="91425" wrap="square" tIns="91425">
+            <a:noAutofit/>
+          </a:bodyPr>
+          <a:lstStyle/>
+          <a:p>
+            <a:pPr indent="0" lvl="0" marL="0" marR="0" rtl="0" algn="ctr">
+              <a:lnSpc>
+                <a:spcPct val="100000"/>
+              </a:lnSpc>
+              <a:spcBef>
+                <a:spcPts val="0"/>
+              </a:spcBef>
+              <a:spcAft>
+                <a:spcPts val="0"/>
+              </a:spcAft>
+              <a:buClr>
+                <a:srgbClr val="000000"/>
+              </a:buClr>
+              <a:buSzPts val="6000"/>
+              <a:buFont typeface="Arial"/>
+              <a:buNone/>
+            </a:pPr>
+            <a:r>
+              <a:rPr b="0" i="0" lang="en-US" sz="6000" u="none" cap="none" strike="noStrike">
+                <a:solidFill>
+                  <a:srgbClr val="FFFFFF"/>
+                </a:solidFill>
+                <a:latin typeface="Roboto Black"/>
+                <a:ea typeface="Roboto Black"/>
+                <a:cs typeface="Roboto Black"/>
+                <a:sym typeface="Roboto Black"/>
+              </a:rPr>
+              <a:t>A</a:t>
+            </a:r>
+            <a:endParaRPr b="0" i="0" sz="6000" u="none" cap="none" strike="noStrike">
+              <a:solidFill>
+                <a:srgbClr val="FFFFFF"/>
+              </a:solidFill>
+              <a:latin typeface="Roboto Black"/>
+              <a:ea typeface="Roboto Black"/>
+              <a:cs typeface="Roboto Black"/>
+              <a:sym typeface="Roboto Black"/>
+            </a:endParaRPr>
+          </a:p>
+        </p:txBody>
+      </p:sp>
+      <p:sp>
+        <p:nvSpPr>
+          <p:cNvPr id="86" name="Google Shape;86;p3"/>
+          <p:cNvSpPr txBox="1"/>
+          <p:nvPr/>
+        </p:nvSpPr>
+        <p:spPr>
+          <a:xfrm>
+            <a:off x="2890039" y="911625"/>
+            <a:ext cx="3571612" cy="279300"/>
+          </a:xfrm>
+          <a:prstGeom prst="rect">
+            <a:avLst/>
+          </a:prstGeom>
+          <a:noFill/>
+          <a:ln>
+            <a:noFill/>
+          </a:ln>
+        </p:spPr>
+        <p:txBody>
+          <a:bodyPr anchorCtr="0" anchor="ctr" bIns="91425" lIns="91425" spcFirstLastPara="1" rIns="91425" wrap="square" tIns="91425">
+            <a:noAutofit/>
+          </a:bodyPr>
+          <a:lstStyle/>
+          <a:p>
+            <a:pPr indent="0" lvl="0" marL="0" marR="0" rtl="0" algn="r">
+              <a:lnSpc>
+                <a:spcPct val="100000"/>
+              </a:lnSpc>
+              <a:spcBef>
+                <a:spcPts val="0"/>
+              </a:spcBef>
+              <a:spcAft>
+                <a:spcPts val="0"/>
+              </a:spcAft>
+              <a:buClr>
+                <a:srgbClr val="000000"/>
+              </a:buClr>
+              <a:buSzPts val="1800"/>
+              <a:buFont typeface="Arial"/>
+              <a:buNone/>
+            </a:pPr>
+            <a:r>
+              <a:rPr b="1" i="0" lang="en-US" sz="1800" u="none" cap="none" strike="noStrike">
+                <a:solidFill>
+                  <a:srgbClr val="F04B4C"/>
+                </a:solidFill>
+                <a:latin typeface="Roboto"/>
+                <a:ea typeface="Roboto"/>
+                <a:cs typeface="Roboto"/>
+                <a:sym typeface="Roboto"/>
+              </a:rPr>
+              <a:t>ROLES AND RESPONSIBILITIES</a:t>
+            </a:r>
+            <a:endParaRPr b="1" i="0" sz="1800" u="none" cap="none" strike="noStrike">
+              <a:solidFill>
+                <a:srgbClr val="F04B4C"/>
+              </a:solidFill>
+              <a:latin typeface="Roboto"/>
+              <a:ea typeface="Roboto"/>
+              <a:cs typeface="Roboto"/>
+              <a:sym typeface="Roboto"/>
+            </a:endParaRPr>
+          </a:p>
+        </p:txBody>
+      </p:sp>
+      <p:cxnSp>
+        <p:nvCxnSpPr>
+          <p:cNvPr id="87" name="Google Shape;87;p3"/>
+          <p:cNvCxnSpPr/>
+          <p:nvPr/>
+        </p:nvCxnSpPr>
+        <p:spPr>
+          <a:xfrm rot="10800000">
+            <a:off x="925550" y="1420150"/>
+            <a:ext cx="7157100" cy="0"/>
+          </a:xfrm>
+          <a:prstGeom prst="straightConnector1">
+            <a:avLst/>
+          </a:prstGeom>
+          <a:noFill/>
+          <a:ln cap="flat" cmpd="sng" w="9525">
+            <a:solidFill>
+              <a:srgbClr val="CCCCCC"/>
+            </a:solidFill>
+            <a:prstDash val="solid"/>
+            <a:round/>
+            <a:headEnd len="sm" w="sm" type="none"/>
+            <a:tailEnd len="sm" w="sm" type="none"/>
+          </a:ln>
+        </p:spPr>
+      </p:cxnSp>
+      <p:sp>
+        <p:nvSpPr>
+          <p:cNvPr id="88" name="Google Shape;88;p3"/>
+          <p:cNvSpPr/>
+          <p:nvPr/>
+        </p:nvSpPr>
+        <p:spPr>
+          <a:xfrm flipH="1">
+            <a:off x="7879200" y="3878825"/>
+            <a:ext cx="1264800" cy="1264800"/>
+          </a:xfrm>
+          <a:prstGeom prst="rtTriangle">
+            <a:avLst/>
+          </a:prstGeom>
+          <a:solidFill>
+            <a:srgbClr val="2F475B"/>
+          </a:solidFill>
+          <a:ln>
+            <a:noFill/>
+          </a:ln>
+        </p:spPr>
+        <p:txBody>
+          <a:bodyPr anchorCtr="0" anchor="ctr" bIns="91425" lIns="91425" spcFirstLastPara="1" rIns="91425" wrap="square" tIns="91425">
+            <a:noAutofit/>
+          </a:bodyPr>
+          <a:lstStyle/>
+          <a:p>
+            <a:pPr indent="0" lvl="0" marL="0" marR="0" rtl="0" algn="l">
+              <a:lnSpc>
+                <a:spcPct val="100000"/>
+              </a:lnSpc>
+              <a:spcBef>
+                <a:spcPts val="0"/>
+              </a:spcBef>
+              <a:spcAft>
+                <a:spcPts val="0"/>
+              </a:spcAft>
+              <a:buClr>
+                <a:srgbClr val="000000"/>
+              </a:buClr>
+              <a:buSzPts val="1400"/>
+              <a:buFont typeface="Arial"/>
+              <a:buNone/>
+            </a:pPr>
+            <a:r>
+              <a:t/>
+            </a:r>
+            <a:endParaRPr b="0" i="0" sz="1400" u="none" cap="none" strike="noStrike">
+              <a:solidFill>
+                <a:srgbClr val="000000"/>
+              </a:solidFill>
+              <a:latin typeface="Arial"/>
+              <a:ea typeface="Arial"/>
+              <a:cs typeface="Arial"/>
+              <a:sym typeface="Arial"/>
+            </a:endParaRPr>
+          </a:p>
+        </p:txBody>
+      </p:sp>
+      <p:sp>
+        <p:nvSpPr>
+          <p:cNvPr id="89" name="Google Shape;89;p3"/>
+          <p:cNvSpPr/>
+          <p:nvPr/>
+        </p:nvSpPr>
+        <p:spPr>
+          <a:xfrm rot="5400000">
+            <a:off x="0" y="0"/>
+            <a:ext cx="1179900" cy="1179900"/>
+          </a:xfrm>
+          <a:prstGeom prst="rtTriangle">
+            <a:avLst/>
+          </a:prstGeom>
+          <a:solidFill>
+            <a:srgbClr val="B7B7B7"/>
+          </a:solidFill>
+          <a:ln>
+            <a:noFill/>
+          </a:ln>
+        </p:spPr>
+        <p:txBody>
+          <a:bodyPr anchorCtr="0" anchor="ctr" bIns="91425" lIns="91425" spcFirstLastPara="1" rIns="91425" wrap="square" tIns="91425">
+            <a:noAutofit/>
+          </a:bodyPr>
+          <a:lstStyle/>
+          <a:p>
+            <a:pPr indent="0" lvl="0" marL="0" marR="0" rtl="0" algn="l">
+              <a:lnSpc>
+                <a:spcPct val="100000"/>
+              </a:lnSpc>
+              <a:spcBef>
+                <a:spcPts val="0"/>
+              </a:spcBef>
+              <a:spcAft>
+                <a:spcPts val="0"/>
+              </a:spcAft>
+              <a:buClr>
+                <a:srgbClr val="000000"/>
+              </a:buClr>
+              <a:buSzPts val="1400"/>
+              <a:buFont typeface="Arial"/>
+              <a:buNone/>
+            </a:pPr>
+            <a:r>
+              <a:t/>
+            </a:r>
+            <a:endParaRPr b="0" i="0" sz="1400" u="none" cap="none" strike="noStrike">
+              <a:solidFill>
+                <a:srgbClr val="000000"/>
+              </a:solidFill>
+              <a:latin typeface="Arial"/>
+              <a:ea typeface="Arial"/>
+              <a:cs typeface="Arial"/>
+              <a:sym typeface="Arial"/>
+            </a:endParaRPr>
+          </a:p>
+        </p:txBody>
+      </p:sp>
+      <p:sp>
+        <p:nvSpPr>
+          <p:cNvPr id="90" name="Google Shape;90;p3"/>
           <p:cNvSpPr txBox="1"/>
           <p:nvPr/>
         </p:nvSpPr>
@@ -16163,7 +16622,7 @@
       </p:sp>
       <p:graphicFrame>
         <p:nvGraphicFramePr>
-          <p:cNvPr id="81" name="Google Shape;81;p3"/>
+          <p:cNvPr id="91" name="Google Shape;91;p3"/>
           <p:cNvGraphicFramePr/>
           <p:nvPr/>
         </p:nvGraphicFramePr>
@@ -16176,7 +16635,7 @@
             <a:tbl>
               <a:tblPr>
                 <a:noFill/>
-                <a:tableStyleId>{9951EFF6-31DD-4FAD-840B-583AB0E2091B}</a:tableStyleId>
+                <a:tableStyleId>{B7AF92B2-C945-46F8-A399-E75278C12F00}</a:tableStyleId>
               </a:tblPr>
               <a:tblGrid>
                 <a:gridCol w="1498600"/>
@@ -17202,12 +17661,12 @@
 </p:sld>
 </file>
 
-<file path=ppt/slides/slide4.xml><?xml version="1.0" encoding="utf-8"?>
+<file path=ppt/slides/slide5.xml><?xml version="1.0" encoding="utf-8"?>
 <p:sld xmlns:a="http://schemas.openxmlformats.org/drawingml/2006/main" xmlns:r="http://schemas.openxmlformats.org/officeDocument/2006/relationships" xmlns:mc="http://schemas.openxmlformats.org/markup-compatibility/2006" xmlns:mv="urn:schemas-microsoft-com:mac:vml" xmlns:p="http://schemas.openxmlformats.org/presentationml/2006/main" xmlns:c="http://schemas.openxmlformats.org/drawingml/2006/chart" xmlns:dgm="http://schemas.openxmlformats.org/drawingml/2006/diagram" xmlns:o="urn:schemas-microsoft-com:office:office" xmlns:v="urn:schemas-microsoft-com:vml" xmlns:pvml="urn:schemas-microsoft-com:office:powerpoint" xmlns:com="http://schemas.openxmlformats.org/drawingml/2006/compatibility" xmlns:p14="http://schemas.microsoft.com/office/powerpoint/2010/main" xmlns:p15="http://schemas.microsoft.com/office/powerpoint/2012/main">
   <p:cSld>
     <p:spTree>
       <p:nvGrpSpPr>
-        <p:cNvPr id="85" name="Shape 85"/>
+        <p:cNvPr id="95" name="Shape 95"/>
         <p:cNvGrpSpPr/>
         <p:nvPr/>
       </p:nvGrpSpPr>
@@ -17221,7 +17680,7 @@
       </p:grpSpPr>
       <p:sp>
         <p:nvSpPr>
-          <p:cNvPr id="86" name="Google Shape;86;p4"/>
+          <p:cNvPr id="96" name="Google Shape;96;p4"/>
           <p:cNvSpPr txBox="1"/>
           <p:nvPr/>
         </p:nvSpPr>
@@ -17287,7 +17746,7 @@
       </p:sp>
       <p:sp>
         <p:nvSpPr>
-          <p:cNvPr id="87" name="Google Shape;87;p4"/>
+          <p:cNvPr id="97" name="Google Shape;97;p4"/>
           <p:cNvSpPr txBox="1"/>
           <p:nvPr/>
         </p:nvSpPr>
@@ -17353,7 +17812,7 @@
       </p:sp>
       <p:cxnSp>
         <p:nvCxnSpPr>
-          <p:cNvPr id="88" name="Google Shape;88;p4"/>
+          <p:cNvPr id="98" name="Google Shape;98;p4"/>
           <p:cNvCxnSpPr/>
           <p:nvPr/>
         </p:nvCxnSpPr>
@@ -17379,7 +17838,7 @@
       </p:cxnSp>
       <p:sp>
         <p:nvSpPr>
-          <p:cNvPr id="89" name="Google Shape;89;p4"/>
+          <p:cNvPr id="99" name="Google Shape;99;p4"/>
           <p:cNvSpPr/>
           <p:nvPr/>
         </p:nvSpPr>
@@ -17438,7 +17897,7 @@
       </p:sp>
       <p:sp>
         <p:nvSpPr>
-          <p:cNvPr id="90" name="Google Shape;90;p4"/>
+          <p:cNvPr id="100" name="Google Shape;100;p4"/>
           <p:cNvSpPr/>
           <p:nvPr/>
         </p:nvSpPr>
@@ -17497,7 +17956,7 @@
       </p:sp>
       <p:sp>
         <p:nvSpPr>
-          <p:cNvPr id="91" name="Google Shape;91;p4"/>
+          <p:cNvPr id="101" name="Google Shape;101;p4"/>
           <p:cNvSpPr txBox="1"/>
           <p:nvPr/>
         </p:nvSpPr>
@@ -17563,7 +18022,7 @@
       </p:sp>
       <p:sp>
         <p:nvSpPr>
-          <p:cNvPr id="92" name="Google Shape;92;p4"/>
+          <p:cNvPr id="102" name="Google Shape;102;p4"/>
           <p:cNvSpPr txBox="1"/>
           <p:nvPr/>
         </p:nvSpPr>
@@ -17835,12 +18294,12 @@
 </p:sld>
 </file>
 
-<file path=ppt/slides/slide5.xml><?xml version="1.0" encoding="utf-8"?>
+<file path=ppt/slides/slide6.xml><?xml version="1.0" encoding="utf-8"?>
 <p:sld xmlns:a="http://schemas.openxmlformats.org/drawingml/2006/main" xmlns:r="http://schemas.openxmlformats.org/officeDocument/2006/relationships" xmlns:mc="http://schemas.openxmlformats.org/markup-compatibility/2006" xmlns:mv="urn:schemas-microsoft-com:mac:vml" xmlns:p="http://schemas.openxmlformats.org/presentationml/2006/main" xmlns:c="http://schemas.openxmlformats.org/drawingml/2006/chart" xmlns:dgm="http://schemas.openxmlformats.org/drawingml/2006/diagram" xmlns:o="urn:schemas-microsoft-com:office:office" xmlns:v="urn:schemas-microsoft-com:vml" xmlns:pvml="urn:schemas-microsoft-com:office:powerpoint" xmlns:com="http://schemas.openxmlformats.org/drawingml/2006/compatibility" xmlns:p14="http://schemas.microsoft.com/office/powerpoint/2010/main" xmlns:p15="http://schemas.microsoft.com/office/powerpoint/2012/main">
   <p:cSld>
     <p:spTree>
       <p:nvGrpSpPr>
-        <p:cNvPr id="96" name="Shape 96"/>
+        <p:cNvPr id="106" name="Shape 106"/>
         <p:cNvGrpSpPr/>
         <p:nvPr/>
       </p:nvGrpSpPr>
@@ -17854,7 +18313,7 @@
       </p:grpSpPr>
       <p:sp>
         <p:nvSpPr>
-          <p:cNvPr id="97" name="Google Shape;97;p8"/>
+          <p:cNvPr id="107" name="Google Shape;107;p8"/>
           <p:cNvSpPr txBox="1"/>
           <p:nvPr/>
         </p:nvSpPr>
@@ -17920,7 +18379,7 @@
       </p:sp>
       <p:sp>
         <p:nvSpPr>
-          <p:cNvPr id="98" name="Google Shape;98;p8"/>
+          <p:cNvPr id="108" name="Google Shape;108;p8"/>
           <p:cNvSpPr txBox="1"/>
           <p:nvPr/>
         </p:nvSpPr>
@@ -17986,7 +18445,7 @@
       </p:sp>
       <p:cxnSp>
         <p:nvCxnSpPr>
-          <p:cNvPr id="99" name="Google Shape;99;p8"/>
+          <p:cNvPr id="109" name="Google Shape;109;p8"/>
           <p:cNvCxnSpPr/>
           <p:nvPr/>
         </p:nvCxnSpPr>
@@ -18012,7 +18471,7 @@
       </p:cxnSp>
       <p:sp>
         <p:nvSpPr>
-          <p:cNvPr id="100" name="Google Shape;100;p8"/>
+          <p:cNvPr id="110" name="Google Shape;110;p8"/>
           <p:cNvSpPr/>
           <p:nvPr/>
         </p:nvSpPr>
@@ -18071,7 +18530,7 @@
       </p:sp>
       <p:sp>
         <p:nvSpPr>
-          <p:cNvPr id="101" name="Google Shape;101;p8"/>
+          <p:cNvPr id="111" name="Google Shape;111;p8"/>
           <p:cNvSpPr/>
           <p:nvPr/>
         </p:nvSpPr>
@@ -18130,7 +18589,7 @@
       </p:sp>
       <p:sp>
         <p:nvSpPr>
-          <p:cNvPr id="102" name="Google Shape;102;p8"/>
+          <p:cNvPr id="112" name="Google Shape;112;p8"/>
           <p:cNvSpPr txBox="1"/>
           <p:nvPr/>
         </p:nvSpPr>
@@ -18171,7 +18630,7 @@
               <a:buNone/>
             </a:pPr>
             <a:r>
-              <a:rPr b="0" i="0" lang="en-US" sz="2400" u="none" cap="none" strike="noStrike">
+              <a:rPr lang="en-US" sz="2400">
                 <a:solidFill>
                   <a:srgbClr val="F04B4C"/>
                 </a:solidFill>
@@ -18180,7 +18639,7 @@
                 <a:cs typeface="Roboto Black"/>
                 <a:sym typeface="Roboto Black"/>
               </a:rPr>
-              <a:t>5</a:t>
+              <a:t>3</a:t>
             </a:r>
             <a:endParaRPr b="0" i="0" sz="2400" u="none" cap="none" strike="noStrike">
               <a:solidFill>
@@ -18196,7 +18655,7 @@
       </p:sp>
       <p:sp>
         <p:nvSpPr>
-          <p:cNvPr id="103" name="Google Shape;103;p8"/>
+          <p:cNvPr id="113" name="Google Shape;113;p8"/>
           <p:cNvSpPr txBox="1"/>
           <p:nvPr/>
         </p:nvSpPr>
@@ -18382,7 +18841,7 @@
       </p:sp>
       <p:sp>
         <p:nvSpPr>
-          <p:cNvPr id="104" name="Google Shape;104;p8"/>
+          <p:cNvPr id="114" name="Google Shape;114;p8"/>
           <p:cNvSpPr txBox="1"/>
           <p:nvPr/>
         </p:nvSpPr>
@@ -18448,7 +18907,7 @@
       </p:sp>
       <p:pic>
         <p:nvPicPr>
-          <p:cNvPr id="105" name="Google Shape;105;p8"/>
+          <p:cNvPr id="115" name="Google Shape;115;p8"/>
           <p:cNvPicPr preferRelativeResize="0"/>
           <p:nvPr/>
         </p:nvPicPr>
@@ -18481,12 +18940,12 @@
 </p:sld>
 </file>
 
-<file path=ppt/slides/slide6.xml><?xml version="1.0" encoding="utf-8"?>
+<file path=ppt/slides/slide7.xml><?xml version="1.0" encoding="utf-8"?>
 <p:sld xmlns:a="http://schemas.openxmlformats.org/drawingml/2006/main" xmlns:r="http://schemas.openxmlformats.org/officeDocument/2006/relationships" xmlns:mc="http://schemas.openxmlformats.org/markup-compatibility/2006" xmlns:mv="urn:schemas-microsoft-com:mac:vml" xmlns:p="http://schemas.openxmlformats.org/presentationml/2006/main" xmlns:c="http://schemas.openxmlformats.org/drawingml/2006/chart" xmlns:dgm="http://schemas.openxmlformats.org/drawingml/2006/diagram" xmlns:o="urn:schemas-microsoft-com:office:office" xmlns:v="urn:schemas-microsoft-com:vml" xmlns:pvml="urn:schemas-microsoft-com:office:powerpoint" xmlns:com="http://schemas.openxmlformats.org/drawingml/2006/compatibility" xmlns:p14="http://schemas.microsoft.com/office/powerpoint/2010/main" xmlns:p15="http://schemas.microsoft.com/office/powerpoint/2012/main">
   <p:cSld>
     <p:spTree>
       <p:nvGrpSpPr>
-        <p:cNvPr id="109" name="Shape 109"/>
+        <p:cNvPr id="119" name="Shape 119"/>
         <p:cNvGrpSpPr/>
         <p:nvPr/>
       </p:nvGrpSpPr>
@@ -18500,7 +18959,7 @@
       </p:grpSpPr>
       <p:sp>
         <p:nvSpPr>
-          <p:cNvPr id="110" name="Google Shape;110;p6"/>
+          <p:cNvPr id="120" name="Google Shape;120;p6"/>
           <p:cNvSpPr txBox="1"/>
           <p:nvPr/>
         </p:nvSpPr>
@@ -18566,14 +19025,14 @@
       </p:sp>
       <p:sp>
         <p:nvSpPr>
-          <p:cNvPr id="111" name="Google Shape;111;p6"/>
+          <p:cNvPr id="121" name="Google Shape;121;p6"/>
           <p:cNvSpPr txBox="1"/>
           <p:nvPr/>
         </p:nvSpPr>
         <p:spPr>
           <a:xfrm>
-            <a:off x="3430669" y="911625"/>
-            <a:ext cx="3030981" cy="279300"/>
+            <a:off x="76769" y="1660400"/>
+            <a:ext cx="3030900" cy="279300"/>
           </a:xfrm>
           <a:prstGeom prst="rect">
             <a:avLst/>
@@ -18632,7 +19091,7 @@
       </p:sp>
       <p:cxnSp>
         <p:nvCxnSpPr>
-          <p:cNvPr id="112" name="Google Shape;112;p6"/>
+          <p:cNvPr id="122" name="Google Shape;122;p6"/>
           <p:cNvCxnSpPr/>
           <p:nvPr/>
         </p:nvCxnSpPr>
@@ -18658,7 +19117,7 @@
       </p:cxnSp>
       <p:sp>
         <p:nvSpPr>
-          <p:cNvPr id="113" name="Google Shape;113;p6"/>
+          <p:cNvPr id="123" name="Google Shape;123;p6"/>
           <p:cNvSpPr/>
           <p:nvPr/>
         </p:nvSpPr>
@@ -18717,7 +19176,7 @@
       </p:sp>
       <p:sp>
         <p:nvSpPr>
-          <p:cNvPr id="114" name="Google Shape;114;p6"/>
+          <p:cNvPr id="124" name="Google Shape;124;p6"/>
           <p:cNvSpPr/>
           <p:nvPr/>
         </p:nvSpPr>
@@ -18776,7 +19235,7 @@
       </p:sp>
       <p:sp>
         <p:nvSpPr>
-          <p:cNvPr id="115" name="Google Shape;115;p6"/>
+          <p:cNvPr id="125" name="Google Shape;125;p6"/>
           <p:cNvSpPr txBox="1"/>
           <p:nvPr/>
         </p:nvSpPr>
@@ -18842,7 +19301,7 @@
       </p:sp>
       <p:pic>
         <p:nvPicPr>
-          <p:cNvPr id="116" name="Google Shape;116;p6"/>
+          <p:cNvPr id="126" name="Google Shape;126;p6"/>
           <p:cNvPicPr preferRelativeResize="0"/>
           <p:nvPr/>
         </p:nvPicPr>
@@ -18856,8 +19315,8 @@
         </p:blipFill>
         <p:spPr>
           <a:xfrm>
-            <a:off x="3082403" y="1332300"/>
-            <a:ext cx="3106881" cy="3658802"/>
+            <a:off x="3223149" y="220025"/>
+            <a:ext cx="3885450" cy="4575685"/>
           </a:xfrm>
           <a:prstGeom prst="rect">
             <a:avLst/>
@@ -18876,12 +19335,12 @@
 </p:sld>
 </file>
 
-<file path=ppt/slides/slide7.xml><?xml version="1.0" encoding="utf-8"?>
+<file path=ppt/slides/slide8.xml><?xml version="1.0" encoding="utf-8"?>
 <p:sld xmlns:a="http://schemas.openxmlformats.org/drawingml/2006/main" xmlns:r="http://schemas.openxmlformats.org/officeDocument/2006/relationships" xmlns:mc="http://schemas.openxmlformats.org/markup-compatibility/2006" xmlns:mv="urn:schemas-microsoft-com:mac:vml" xmlns:p="http://schemas.openxmlformats.org/presentationml/2006/main" xmlns:c="http://schemas.openxmlformats.org/drawingml/2006/chart" xmlns:dgm="http://schemas.openxmlformats.org/drawingml/2006/diagram" xmlns:o="urn:schemas-microsoft-com:office:office" xmlns:v="urn:schemas-microsoft-com:vml" xmlns:pvml="urn:schemas-microsoft-com:office:powerpoint" xmlns:com="http://schemas.openxmlformats.org/drawingml/2006/compatibility" xmlns:p14="http://schemas.microsoft.com/office/powerpoint/2010/main" xmlns:p15="http://schemas.microsoft.com/office/powerpoint/2012/main">
   <p:cSld>
     <p:spTree>
       <p:nvGrpSpPr>
-        <p:cNvPr id="120" name="Shape 120"/>
+        <p:cNvPr id="130" name="Shape 130"/>
         <p:cNvGrpSpPr/>
         <p:nvPr/>
       </p:nvGrpSpPr>
@@ -18895,7 +19354,7 @@
       </p:grpSpPr>
       <p:sp>
         <p:nvSpPr>
-          <p:cNvPr id="121" name="Google Shape;121;p5"/>
+          <p:cNvPr id="131" name="Google Shape;131;p5"/>
           <p:cNvSpPr txBox="1"/>
           <p:nvPr/>
         </p:nvSpPr>
@@ -18961,7 +19420,7 @@
       </p:sp>
       <p:sp>
         <p:nvSpPr>
-          <p:cNvPr id="122" name="Google Shape;122;p5"/>
+          <p:cNvPr id="132" name="Google Shape;132;p5"/>
           <p:cNvSpPr txBox="1"/>
           <p:nvPr/>
         </p:nvSpPr>
@@ -19027,7 +19486,7 @@
       </p:sp>
       <p:cxnSp>
         <p:nvCxnSpPr>
-          <p:cNvPr id="123" name="Google Shape;123;p5"/>
+          <p:cNvPr id="133" name="Google Shape;133;p5"/>
           <p:cNvCxnSpPr/>
           <p:nvPr/>
         </p:nvCxnSpPr>
@@ -19053,7 +19512,7 @@
       </p:cxnSp>
       <p:sp>
         <p:nvSpPr>
-          <p:cNvPr id="124" name="Google Shape;124;p5"/>
+          <p:cNvPr id="134" name="Google Shape;134;p5"/>
           <p:cNvSpPr/>
           <p:nvPr/>
         </p:nvSpPr>
@@ -19112,7 +19571,7 @@
       </p:sp>
       <p:sp>
         <p:nvSpPr>
-          <p:cNvPr id="125" name="Google Shape;125;p5"/>
+          <p:cNvPr id="135" name="Google Shape;135;p5"/>
           <p:cNvSpPr/>
           <p:nvPr/>
         </p:nvSpPr>
@@ -19171,7 +19630,7 @@
       </p:sp>
       <p:sp>
         <p:nvSpPr>
-          <p:cNvPr id="126" name="Google Shape;126;p5"/>
+          <p:cNvPr id="136" name="Google Shape;136;p5"/>
           <p:cNvSpPr txBox="1"/>
           <p:nvPr/>
         </p:nvSpPr>
@@ -19212,7 +19671,7 @@
               <a:buNone/>
             </a:pPr>
             <a:r>
-              <a:rPr b="0" i="0" lang="en-US" sz="2400" u="none" cap="none" strike="noStrike">
+              <a:rPr lang="en-US" sz="2400">
                 <a:solidFill>
                   <a:srgbClr val="F04B4C"/>
                 </a:solidFill>
@@ -19221,7 +19680,7 @@
                 <a:cs typeface="Roboto Black"/>
                 <a:sym typeface="Roboto Black"/>
               </a:rPr>
-              <a:t>3</a:t>
+              <a:t>5</a:t>
             </a:r>
             <a:endParaRPr b="0" i="0" sz="2400" u="none" cap="none" strike="noStrike">
               <a:solidFill>
@@ -19237,7 +19696,7 @@
       </p:sp>
       <p:pic>
         <p:nvPicPr>
-          <p:cNvPr id="127" name="Google Shape;127;p5"/>
+          <p:cNvPr id="137" name="Google Shape;137;p5"/>
           <p:cNvPicPr preferRelativeResize="0"/>
           <p:nvPr/>
         </p:nvPicPr>
@@ -19271,12 +19730,12 @@
 </p:sld>
 </file>
 
-<file path=ppt/slides/slide8.xml><?xml version="1.0" encoding="utf-8"?>
+<file path=ppt/slides/slide9.xml><?xml version="1.0" encoding="utf-8"?>
 <p:sld xmlns:a="http://schemas.openxmlformats.org/drawingml/2006/main" xmlns:r="http://schemas.openxmlformats.org/officeDocument/2006/relationships" xmlns:mc="http://schemas.openxmlformats.org/markup-compatibility/2006" xmlns:mv="urn:schemas-microsoft-com:mac:vml" xmlns:p="http://schemas.openxmlformats.org/presentationml/2006/main" xmlns:c="http://schemas.openxmlformats.org/drawingml/2006/chart" xmlns:dgm="http://schemas.openxmlformats.org/drawingml/2006/diagram" xmlns:o="urn:schemas-microsoft-com:office:office" xmlns:v="urn:schemas-microsoft-com:vml" xmlns:pvml="urn:schemas-microsoft-com:office:powerpoint" xmlns:com="http://schemas.openxmlformats.org/drawingml/2006/compatibility" xmlns:p14="http://schemas.microsoft.com/office/powerpoint/2010/main" xmlns:p15="http://schemas.microsoft.com/office/powerpoint/2012/main">
   <p:cSld>
     <p:spTree>
       <p:nvGrpSpPr>
-        <p:cNvPr id="131" name="Shape 131"/>
+        <p:cNvPr id="141" name="Shape 141"/>
         <p:cNvGrpSpPr/>
         <p:nvPr/>
       </p:nvGrpSpPr>
@@ -19290,7 +19749,7 @@
       </p:grpSpPr>
       <p:sp>
         <p:nvSpPr>
-          <p:cNvPr id="132" name="Google Shape;132;p10"/>
+          <p:cNvPr id="142" name="Google Shape;142;p10"/>
           <p:cNvSpPr txBox="1"/>
           <p:nvPr/>
         </p:nvSpPr>
@@ -19356,7 +19815,7 @@
       </p:sp>
       <p:sp>
         <p:nvSpPr>
-          <p:cNvPr id="133" name="Google Shape;133;p10"/>
+          <p:cNvPr id="143" name="Google Shape;143;p10"/>
           <p:cNvSpPr txBox="1"/>
           <p:nvPr/>
         </p:nvSpPr>
@@ -19422,7 +19881,7 @@
       </p:sp>
       <p:cxnSp>
         <p:nvCxnSpPr>
-          <p:cNvPr id="134" name="Google Shape;134;p10"/>
+          <p:cNvPr id="144" name="Google Shape;144;p10"/>
           <p:cNvCxnSpPr/>
           <p:nvPr/>
         </p:nvCxnSpPr>
@@ -19448,7 +19907,7 @@
       </p:cxnSp>
       <p:sp>
         <p:nvSpPr>
-          <p:cNvPr id="135" name="Google Shape;135;p10"/>
+          <p:cNvPr id="145" name="Google Shape;145;p10"/>
           <p:cNvSpPr/>
           <p:nvPr/>
         </p:nvSpPr>
@@ -19507,7 +19966,7 @@
       </p:sp>
       <p:sp>
         <p:nvSpPr>
-          <p:cNvPr id="136" name="Google Shape;136;p10"/>
+          <p:cNvPr id="146" name="Google Shape;146;p10"/>
           <p:cNvSpPr/>
           <p:nvPr/>
         </p:nvSpPr>
@@ -19566,7 +20025,7 @@
       </p:sp>
       <p:sp>
         <p:nvSpPr>
-          <p:cNvPr id="137" name="Google Shape;137;p10"/>
+          <p:cNvPr id="147" name="Google Shape;147;p10"/>
           <p:cNvSpPr txBox="1"/>
           <p:nvPr/>
         </p:nvSpPr>
@@ -19632,7 +20091,7 @@
       </p:sp>
       <p:pic>
         <p:nvPicPr>
-          <p:cNvPr id="138" name="Google Shape;138;p10"/>
+          <p:cNvPr id="148" name="Google Shape;148;p10"/>
           <p:cNvPicPr preferRelativeResize="0"/>
           <p:nvPr/>
         </p:nvPicPr>
@@ -19659,7 +20118,7 @@
       </p:pic>
       <p:sp>
         <p:nvSpPr>
-          <p:cNvPr id="139" name="Google Shape;139;p10"/>
+          <p:cNvPr id="149" name="Google Shape;149;p10"/>
           <p:cNvSpPr txBox="1"/>
           <p:nvPr/>
         </p:nvSpPr>
@@ -19738,7 +20197,7 @@
       </p:sp>
       <p:sp>
         <p:nvSpPr>
-          <p:cNvPr id="140" name="Google Shape;140;p10"/>
+          <p:cNvPr id="150" name="Google Shape;150;p10"/>
           <p:cNvSpPr txBox="1"/>
           <p:nvPr/>
         </p:nvSpPr>
@@ -19802,401 +20261,6 @@
           </a:p>
         </p:txBody>
       </p:sp>
-    </p:spTree>
-  </p:cSld>
-  <p:clrMapOvr>
-    <a:masterClrMapping/>
-  </p:clrMapOvr>
-</p:sld>
-</file>
-
-<file path=ppt/slides/slide9.xml><?xml version="1.0" encoding="utf-8"?>
-<p:sld xmlns:a="http://schemas.openxmlformats.org/drawingml/2006/main" xmlns:r="http://schemas.openxmlformats.org/officeDocument/2006/relationships" xmlns:mc="http://schemas.openxmlformats.org/markup-compatibility/2006" xmlns:mv="urn:schemas-microsoft-com:mac:vml" xmlns:p="http://schemas.openxmlformats.org/presentationml/2006/main" xmlns:c="http://schemas.openxmlformats.org/drawingml/2006/chart" xmlns:dgm="http://schemas.openxmlformats.org/drawingml/2006/diagram" xmlns:o="urn:schemas-microsoft-com:office:office" xmlns:v="urn:schemas-microsoft-com:vml" xmlns:pvml="urn:schemas-microsoft-com:office:powerpoint" xmlns:com="http://schemas.openxmlformats.org/drawingml/2006/compatibility" xmlns:p14="http://schemas.microsoft.com/office/powerpoint/2010/main" xmlns:p15="http://schemas.microsoft.com/office/powerpoint/2012/main">
-  <p:cSld>
-    <p:spTree>
-      <p:nvGrpSpPr>
-        <p:cNvPr id="144" name="Shape 144"/>
-        <p:cNvGrpSpPr/>
-        <p:nvPr/>
-      </p:nvGrpSpPr>
-      <p:grpSpPr>
-        <a:xfrm>
-          <a:off x="0" y="0"/>
-          <a:ext cx="0" cy="0"/>
-          <a:chOff x="0" y="0"/>
-          <a:chExt cx="0" cy="0"/>
-        </a:xfrm>
-      </p:grpSpPr>
-      <p:sp>
-        <p:nvSpPr>
-          <p:cNvPr id="145" name="Google Shape;145;g6176071063_0_5"/>
-          <p:cNvSpPr txBox="1"/>
-          <p:nvPr/>
-        </p:nvSpPr>
-        <p:spPr>
-          <a:xfrm>
-            <a:off x="7311426" y="461650"/>
-            <a:ext cx="863100" cy="889200"/>
-          </a:xfrm>
-          <a:prstGeom prst="rect">
-            <a:avLst/>
-          </a:prstGeom>
-          <a:noFill/>
-          <a:ln>
-            <a:noFill/>
-          </a:ln>
-        </p:spPr>
-        <p:txBody>
-          <a:bodyPr anchorCtr="0" anchor="ctr" bIns="91425" lIns="91425" spcFirstLastPara="1" rIns="91425" wrap="square" tIns="91425">
-            <a:noAutofit/>
-          </a:bodyPr>
-          <a:lstStyle/>
-          <a:p>
-            <a:pPr indent="0" lvl="0" marL="0" marR="0" rtl="0" algn="ctr">
-              <a:lnSpc>
-                <a:spcPct val="100000"/>
-              </a:lnSpc>
-              <a:spcBef>
-                <a:spcPts val="0"/>
-              </a:spcBef>
-              <a:spcAft>
-                <a:spcPts val="0"/>
-              </a:spcAft>
-              <a:buClr>
-                <a:srgbClr val="000000"/>
-              </a:buClr>
-              <a:buSzPts val="6000"/>
-              <a:buFont typeface="Arial"/>
-              <a:buNone/>
-            </a:pPr>
-            <a:r>
-              <a:rPr b="0" i="0" lang="en-US" sz="6000" u="none" cap="none" strike="noStrike">
-                <a:solidFill>
-                  <a:srgbClr val="FFFFFF"/>
-                </a:solidFill>
-                <a:latin typeface="Roboto Black"/>
-                <a:ea typeface="Roboto Black"/>
-                <a:cs typeface="Roboto Black"/>
-                <a:sym typeface="Roboto Black"/>
-              </a:rPr>
-              <a:t>A</a:t>
-            </a:r>
-            <a:endParaRPr b="0" i="0" sz="6000" u="none" cap="none" strike="noStrike">
-              <a:solidFill>
-                <a:srgbClr val="FFFFFF"/>
-              </a:solidFill>
-              <a:latin typeface="Roboto Black"/>
-              <a:ea typeface="Roboto Black"/>
-              <a:cs typeface="Roboto Black"/>
-              <a:sym typeface="Roboto Black"/>
-            </a:endParaRPr>
-          </a:p>
-        </p:txBody>
-      </p:sp>
-      <p:sp>
-        <p:nvSpPr>
-          <p:cNvPr id="146" name="Google Shape;146;g6176071063_0_5"/>
-          <p:cNvSpPr txBox="1"/>
-          <p:nvPr/>
-        </p:nvSpPr>
-        <p:spPr>
-          <a:xfrm>
-            <a:off x="1795938" y="911625"/>
-            <a:ext cx="4665900" cy="279300"/>
-          </a:xfrm>
-          <a:prstGeom prst="rect">
-            <a:avLst/>
-          </a:prstGeom>
-          <a:noFill/>
-          <a:ln>
-            <a:noFill/>
-          </a:ln>
-        </p:spPr>
-        <p:txBody>
-          <a:bodyPr anchorCtr="0" anchor="ctr" bIns="91425" lIns="91425" spcFirstLastPara="1" rIns="91425" wrap="square" tIns="91425">
-            <a:noAutofit/>
-          </a:bodyPr>
-          <a:lstStyle/>
-          <a:p>
-            <a:pPr indent="0" lvl="0" marL="0" marR="0" rtl="0" algn="r">
-              <a:lnSpc>
-                <a:spcPct val="100000"/>
-              </a:lnSpc>
-              <a:spcBef>
-                <a:spcPts val="0"/>
-              </a:spcBef>
-              <a:spcAft>
-                <a:spcPts val="0"/>
-              </a:spcAft>
-              <a:buClr>
-                <a:srgbClr val="000000"/>
-              </a:buClr>
-              <a:buSzPts val="1800"/>
-              <a:buFont typeface="Arial"/>
-              <a:buNone/>
-            </a:pPr>
-            <a:r>
-              <a:rPr b="1" lang="en-US" sz="1800">
-                <a:solidFill>
-                  <a:srgbClr val="F04B4C"/>
-                </a:solidFill>
-                <a:latin typeface="Roboto"/>
-                <a:ea typeface="Roboto"/>
-                <a:cs typeface="Roboto"/>
-                <a:sym typeface="Roboto"/>
-              </a:rPr>
-              <a:t>Wireframe</a:t>
-            </a:r>
-            <a:endParaRPr b="1" i="0" sz="1800" u="none" cap="none" strike="noStrike">
-              <a:solidFill>
-                <a:srgbClr val="F04B4C"/>
-              </a:solidFill>
-              <a:latin typeface="Roboto"/>
-              <a:ea typeface="Roboto"/>
-              <a:cs typeface="Roboto"/>
-              <a:sym typeface="Roboto"/>
-            </a:endParaRPr>
-          </a:p>
-        </p:txBody>
-      </p:sp>
-      <p:cxnSp>
-        <p:nvCxnSpPr>
-          <p:cNvPr id="147" name="Google Shape;147;g6176071063_0_5"/>
-          <p:cNvCxnSpPr/>
-          <p:nvPr/>
-        </p:nvCxnSpPr>
-        <p:spPr>
-          <a:xfrm rot="10800000">
-            <a:off x="925550" y="1420150"/>
-            <a:ext cx="7157100" cy="0"/>
-          </a:xfrm>
-          <a:prstGeom prst="straightConnector1">
-            <a:avLst/>
-          </a:prstGeom>
-          <a:noFill/>
-          <a:ln cap="flat" cmpd="sng" w="9525">
-            <a:solidFill>
-              <a:srgbClr val="CCCCCC"/>
-            </a:solidFill>
-            <a:prstDash val="solid"/>
-            <a:round/>
-            <a:headEnd len="sm" w="sm" type="none"/>
-            <a:tailEnd len="sm" w="sm" type="none"/>
-          </a:ln>
-        </p:spPr>
-      </p:cxnSp>
-      <p:sp>
-        <p:nvSpPr>
-          <p:cNvPr id="148" name="Google Shape;148;g6176071063_0_5"/>
-          <p:cNvSpPr/>
-          <p:nvPr/>
-        </p:nvSpPr>
-        <p:spPr>
-          <a:xfrm flipH="1">
-            <a:off x="7879200" y="3878825"/>
-            <a:ext cx="1264800" cy="1264800"/>
-          </a:xfrm>
-          <a:prstGeom prst="rtTriangle">
-            <a:avLst/>
-          </a:prstGeom>
-          <a:solidFill>
-            <a:srgbClr val="2F475B"/>
-          </a:solidFill>
-          <a:ln>
-            <a:noFill/>
-          </a:ln>
-        </p:spPr>
-        <p:txBody>
-          <a:bodyPr anchorCtr="0" anchor="ctr" bIns="91425" lIns="91425" spcFirstLastPara="1" rIns="91425" wrap="square" tIns="91425">
-            <a:noAutofit/>
-          </a:bodyPr>
-          <a:lstStyle/>
-          <a:p>
-            <a:pPr indent="0" lvl="0" marL="0" marR="0" rtl="0" algn="l">
-              <a:lnSpc>
-                <a:spcPct val="100000"/>
-              </a:lnSpc>
-              <a:spcBef>
-                <a:spcPts val="0"/>
-              </a:spcBef>
-              <a:spcAft>
-                <a:spcPts val="0"/>
-              </a:spcAft>
-              <a:buClr>
-                <a:srgbClr val="000000"/>
-              </a:buClr>
-              <a:buSzPts val="1400"/>
-              <a:buFont typeface="Arial"/>
-              <a:buNone/>
-            </a:pPr>
-            <a:r>
-              <a:t/>
-            </a:r>
-            <a:endParaRPr b="0" i="0" sz="1400" u="none" cap="none" strike="noStrike">
-              <a:solidFill>
-                <a:srgbClr val="000000"/>
-              </a:solidFill>
-              <a:latin typeface="Arial"/>
-              <a:ea typeface="Arial"/>
-              <a:cs typeface="Arial"/>
-              <a:sym typeface="Arial"/>
-            </a:endParaRPr>
-          </a:p>
-        </p:txBody>
-      </p:sp>
-      <p:sp>
-        <p:nvSpPr>
-          <p:cNvPr id="149" name="Google Shape;149;g6176071063_0_5"/>
-          <p:cNvSpPr/>
-          <p:nvPr/>
-        </p:nvSpPr>
-        <p:spPr>
-          <a:xfrm rot="5400000">
-            <a:off x="0" y="0"/>
-            <a:ext cx="1179900" cy="1179900"/>
-          </a:xfrm>
-          <a:prstGeom prst="rtTriangle">
-            <a:avLst/>
-          </a:prstGeom>
-          <a:solidFill>
-            <a:srgbClr val="B7B7B7"/>
-          </a:solidFill>
-          <a:ln>
-            <a:noFill/>
-          </a:ln>
-        </p:spPr>
-        <p:txBody>
-          <a:bodyPr anchorCtr="0" anchor="ctr" bIns="91425" lIns="91425" spcFirstLastPara="1" rIns="91425" wrap="square" tIns="91425">
-            <a:noAutofit/>
-          </a:bodyPr>
-          <a:lstStyle/>
-          <a:p>
-            <a:pPr indent="0" lvl="0" marL="0" marR="0" rtl="0" algn="l">
-              <a:lnSpc>
-                <a:spcPct val="100000"/>
-              </a:lnSpc>
-              <a:spcBef>
-                <a:spcPts val="0"/>
-              </a:spcBef>
-              <a:spcAft>
-                <a:spcPts val="0"/>
-              </a:spcAft>
-              <a:buClr>
-                <a:srgbClr val="000000"/>
-              </a:buClr>
-              <a:buSzPts val="1400"/>
-              <a:buFont typeface="Arial"/>
-              <a:buNone/>
-            </a:pPr>
-            <a:r>
-              <a:t/>
-            </a:r>
-            <a:endParaRPr b="0" i="0" sz="1400" u="none" cap="none" strike="noStrike">
-              <a:solidFill>
-                <a:srgbClr val="000000"/>
-              </a:solidFill>
-              <a:latin typeface="Arial"/>
-              <a:ea typeface="Arial"/>
-              <a:cs typeface="Arial"/>
-              <a:sym typeface="Arial"/>
-            </a:endParaRPr>
-          </a:p>
-        </p:txBody>
-      </p:sp>
-      <p:sp>
-        <p:nvSpPr>
-          <p:cNvPr id="150" name="Google Shape;150;g6176071063_0_5"/>
-          <p:cNvSpPr txBox="1"/>
-          <p:nvPr/>
-        </p:nvSpPr>
-        <p:spPr>
-          <a:xfrm>
-            <a:off x="7108600" y="842350"/>
-            <a:ext cx="493500" cy="508500"/>
-          </a:xfrm>
-          <a:prstGeom prst="rect">
-            <a:avLst/>
-          </a:prstGeom>
-          <a:noFill/>
-          <a:ln>
-            <a:noFill/>
-          </a:ln>
-        </p:spPr>
-        <p:txBody>
-          <a:bodyPr anchorCtr="0" anchor="b" bIns="91425" lIns="91425" spcFirstLastPara="1" rIns="91425" wrap="square" tIns="91425">
-            <a:noAutofit/>
-          </a:bodyPr>
-          <a:lstStyle/>
-          <a:p>
-            <a:pPr indent="0" lvl="0" marL="0" marR="0" rtl="0" algn="ctr">
-              <a:lnSpc>
-                <a:spcPct val="100000"/>
-              </a:lnSpc>
-              <a:spcBef>
-                <a:spcPts val="0"/>
-              </a:spcBef>
-              <a:spcAft>
-                <a:spcPts val="0"/>
-              </a:spcAft>
-              <a:buClr>
-                <a:srgbClr val="000000"/>
-              </a:buClr>
-              <a:buSzPts val="2400"/>
-              <a:buFont typeface="Arial"/>
-              <a:buNone/>
-            </a:pPr>
-            <a:r>
-              <a:rPr lang="en-US" sz="2400">
-                <a:solidFill>
-                  <a:srgbClr val="F04B4C"/>
-                </a:solidFill>
-                <a:latin typeface="Roboto Black"/>
-                <a:ea typeface="Roboto Black"/>
-                <a:cs typeface="Roboto Black"/>
-                <a:sym typeface="Roboto Black"/>
-              </a:rPr>
-              <a:t>7</a:t>
-            </a:r>
-            <a:endParaRPr b="0" i="0" sz="2400" u="none" cap="none" strike="noStrike">
-              <a:solidFill>
-                <a:srgbClr val="F04B4C"/>
-              </a:solidFill>
-              <a:latin typeface="Roboto Black"/>
-              <a:ea typeface="Roboto Black"/>
-              <a:cs typeface="Roboto Black"/>
-              <a:sym typeface="Roboto Black"/>
-            </a:endParaRPr>
-          </a:p>
-        </p:txBody>
-      </p:sp>
-      <p:pic>
-        <p:nvPicPr>
-          <p:cNvPr id="151" name="Google Shape;151;g6176071063_0_5"/>
-          <p:cNvPicPr preferRelativeResize="0"/>
-          <p:nvPr/>
-        </p:nvPicPr>
-        <p:blipFill>
-          <a:blip r:embed="rId3">
-            <a:alphaModFix/>
-          </a:blip>
-          <a:stretch>
-            <a:fillRect/>
-          </a:stretch>
-        </p:blipFill>
-        <p:spPr>
-          <a:xfrm>
-            <a:off x="3121669" y="1343325"/>
-            <a:ext cx="2769510" cy="3647775"/>
-          </a:xfrm>
-          <a:prstGeom prst="rect">
-            <a:avLst/>
-          </a:prstGeom>
-          <a:noFill/>
-          <a:ln>
-            <a:noFill/>
-          </a:ln>
-        </p:spPr>
-      </p:pic>
     </p:spTree>
   </p:cSld>
   <p:clrMapOvr>
